--- a/LplcOpenDataConverter/LplcOpenDataConverter/プレゼン/多地点カメラを用いた見守りサービスにおける第三者のプライバシデータ流出比の定量評価.pptx
+++ b/LplcOpenDataConverter/LplcOpenDataConverter/プレゼン/多地点カメラを用いた見守りサービスにおける第三者のプライバシデータ流出比の定量評価.pptx
@@ -5,11 +5,11 @@
     <p:sldMasterId id="2147483660" r:id="rId1"/>
   </p:sldMasterIdLst>
   <p:notesMasterIdLst>
-    <p:notesMasterId r:id="rId18"/>
+    <p:notesMasterId r:id="rId22"/>
   </p:notesMasterIdLst>
   <p:sldIdLst>
     <p:sldId id="307" r:id="rId2"/>
-    <p:sldId id="322" r:id="rId3"/>
+    <p:sldId id="324" r:id="rId3"/>
     <p:sldId id="308" r:id="rId4"/>
     <p:sldId id="309" r:id="rId5"/>
     <p:sldId id="317" r:id="rId6"/>
@@ -17,13 +17,17 @@
     <p:sldId id="310" r:id="rId8"/>
     <p:sldId id="318" r:id="rId9"/>
     <p:sldId id="311" r:id="rId10"/>
-    <p:sldId id="319" r:id="rId11"/>
-    <p:sldId id="312" r:id="rId12"/>
-    <p:sldId id="320" r:id="rId13"/>
-    <p:sldId id="313" r:id="rId14"/>
-    <p:sldId id="321" r:id="rId15"/>
-    <p:sldId id="314" r:id="rId16"/>
-    <p:sldId id="323" r:id="rId17"/>
+    <p:sldId id="326" r:id="rId11"/>
+    <p:sldId id="327" r:id="rId12"/>
+    <p:sldId id="319" r:id="rId13"/>
+    <p:sldId id="325" r:id="rId14"/>
+    <p:sldId id="312" r:id="rId15"/>
+    <p:sldId id="320" r:id="rId16"/>
+    <p:sldId id="313" r:id="rId17"/>
+    <p:sldId id="321" r:id="rId18"/>
+    <p:sldId id="328" r:id="rId19"/>
+    <p:sldId id="329" r:id="rId20"/>
+    <p:sldId id="323" r:id="rId21"/>
   </p:sldIdLst>
   <p:sldSz cx="9144000" cy="6858000" type="screen4x3"/>
   <p:notesSz cx="6858000" cy="9144000"/>
@@ -212,7 +216,7 @@
           <a:p>
             <a:fld id="{26A99676-B366-4D09-82E7-515095B1A86C}" type="datetimeFigureOut">
               <a:rPr kumimoji="1" lang="ja-JP" altLang="en-US" smtClean="0"/>
-              <a:t>2019/1/10</a:t>
+              <a:t>2019/1/11</a:t>
             </a:fld>
             <a:endParaRPr kumimoji="1" lang="ja-JP" altLang="en-US"/>
           </a:p>
@@ -805,7 +809,7 @@
           <a:p>
             <a:fld id="{9D6E6425-26CA-4FA9-9A49-01310C10763C}" type="datetimeFigureOut">
               <a:rPr kumimoji="1" lang="ja-JP" altLang="en-US" smtClean="0"/>
-              <a:t>2019/1/10</a:t>
+              <a:t>2019/1/11</a:t>
             </a:fld>
             <a:endParaRPr kumimoji="1" lang="ja-JP" altLang="en-US"/>
           </a:p>
@@ -1061,7 +1065,7 @@
           <a:p>
             <a:fld id="{9D6E6425-26CA-4FA9-9A49-01310C10763C}" type="datetimeFigureOut">
               <a:rPr kumimoji="1" lang="ja-JP" altLang="en-US" smtClean="0"/>
-              <a:t>2019/1/10</a:t>
+              <a:t>2019/1/11</a:t>
             </a:fld>
             <a:endParaRPr kumimoji="1" lang="ja-JP" altLang="en-US"/>
           </a:p>
@@ -1273,7 +1277,7 @@
           <a:p>
             <a:fld id="{9D6E6425-26CA-4FA9-9A49-01310C10763C}" type="datetimeFigureOut">
               <a:rPr kumimoji="1" lang="ja-JP" altLang="en-US" smtClean="0"/>
-              <a:t>2019/1/10</a:t>
+              <a:t>2019/1/11</a:t>
             </a:fld>
             <a:endParaRPr kumimoji="1" lang="ja-JP" altLang="en-US"/>
           </a:p>
@@ -1770,7 +1774,7 @@
           <a:p>
             <a:fld id="{9D6E6425-26CA-4FA9-9A49-01310C10763C}" type="datetimeFigureOut">
               <a:rPr kumimoji="1" lang="ja-JP" altLang="en-US" smtClean="0"/>
-              <a:t>2019/1/10</a:t>
+              <a:t>2019/1/11</a:t>
             </a:fld>
             <a:endParaRPr kumimoji="1" lang="ja-JP" altLang="en-US"/>
           </a:p>
@@ -2014,7 +2018,7 @@
           <a:p>
             <a:fld id="{9D6E6425-26CA-4FA9-9A49-01310C10763C}" type="datetimeFigureOut">
               <a:rPr kumimoji="1" lang="ja-JP" altLang="en-US" smtClean="0"/>
-              <a:t>2019/1/10</a:t>
+              <a:t>2019/1/11</a:t>
             </a:fld>
             <a:endParaRPr kumimoji="1" lang="ja-JP" altLang="en-US"/>
           </a:p>
@@ -2310,7 +2314,7 @@
           <a:p>
             <a:fld id="{9D6E6425-26CA-4FA9-9A49-01310C10763C}" type="datetimeFigureOut">
               <a:rPr kumimoji="1" lang="ja-JP" altLang="en-US" smtClean="0"/>
-              <a:t>2019/1/10</a:t>
+              <a:t>2019/1/11</a:t>
             </a:fld>
             <a:endParaRPr kumimoji="1" lang="ja-JP" altLang="en-US"/>
           </a:p>
@@ -2741,7 +2745,7 @@
           <a:p>
             <a:fld id="{9D6E6425-26CA-4FA9-9A49-01310C10763C}" type="datetimeFigureOut">
               <a:rPr kumimoji="1" lang="ja-JP" altLang="en-US" smtClean="0"/>
-              <a:t>2019/1/10</a:t>
+              <a:t>2019/1/11</a:t>
             </a:fld>
             <a:endParaRPr kumimoji="1" lang="ja-JP" altLang="en-US"/>
           </a:p>
@@ -2859,7 +2863,7 @@
           <a:p>
             <a:fld id="{9D6E6425-26CA-4FA9-9A49-01310C10763C}" type="datetimeFigureOut">
               <a:rPr kumimoji="1" lang="ja-JP" altLang="en-US" smtClean="0"/>
-              <a:t>2019/1/10</a:t>
+              <a:t>2019/1/11</a:t>
             </a:fld>
             <a:endParaRPr kumimoji="1" lang="ja-JP" altLang="en-US"/>
           </a:p>
@@ -2954,7 +2958,7 @@
           <a:p>
             <a:fld id="{9D6E6425-26CA-4FA9-9A49-01310C10763C}" type="datetimeFigureOut">
               <a:rPr kumimoji="1" lang="ja-JP" altLang="en-US" smtClean="0"/>
-              <a:t>2019/1/10</a:t>
+              <a:t>2019/1/11</a:t>
             </a:fld>
             <a:endParaRPr kumimoji="1" lang="ja-JP" altLang="en-US"/>
           </a:p>
@@ -3263,7 +3267,7 @@
           <a:p>
             <a:fld id="{9D6E6425-26CA-4FA9-9A49-01310C10763C}" type="datetimeFigureOut">
               <a:rPr kumimoji="1" lang="ja-JP" altLang="en-US" smtClean="0"/>
-              <a:t>2019/1/10</a:t>
+              <a:t>2019/1/11</a:t>
             </a:fld>
             <a:endParaRPr kumimoji="1" lang="ja-JP" altLang="en-US"/>
           </a:p>
@@ -3520,7 +3524,7 @@
           <a:p>
             <a:fld id="{9D6E6425-26CA-4FA9-9A49-01310C10763C}" type="datetimeFigureOut">
               <a:rPr kumimoji="1" lang="ja-JP" altLang="en-US" smtClean="0"/>
-              <a:t>2019/1/10</a:t>
+              <a:t>2019/1/11</a:t>
             </a:fld>
             <a:endParaRPr kumimoji="1" lang="ja-JP" altLang="en-US"/>
           </a:p>
@@ -3765,7 +3769,7 @@
           <a:p>
             <a:fld id="{9D6E6425-26CA-4FA9-9A49-01310C10763C}" type="datetimeFigureOut">
               <a:rPr kumimoji="1" lang="ja-JP" altLang="en-US" smtClean="0"/>
-              <a:t>2019/1/10</a:t>
+              <a:t>2019/1/11</a:t>
             </a:fld>
             <a:endParaRPr kumimoji="1" lang="ja-JP" altLang="en-US"/>
           </a:p>
@@ -4413,14 +4417,14 @@
       </p:sp>
       <p:sp>
         <p:nvSpPr>
-          <p:cNvPr id="4" name="テキスト ボックス 3"/>
+          <p:cNvPr id="6" name="テキスト ボックス 5"/>
           <p:cNvSpPr txBox="1"/>
           <p:nvPr/>
         </p:nvSpPr>
         <p:spPr>
           <a:xfrm>
             <a:off x="94505" y="833840"/>
-            <a:ext cx="4240530" cy="369332"/>
+            <a:ext cx="2666983" cy="461665"/>
           </a:xfrm>
           <a:prstGeom prst="rect">
             <a:avLst/>
@@ -4434,101 +4438,3511 @@
           <a:lstStyle/>
           <a:p>
             <a:r>
-              <a:rPr kumimoji="1" lang="ja-JP" altLang="en-US" dirty="0" smtClean="0"/>
-              <a:t>サービスモデル</a:t>
-            </a:r>
-            <a:endParaRPr kumimoji="1" lang="ja-JP" altLang="en-US" dirty="0"/>
+              <a:rPr kumimoji="1" lang="ja-JP" altLang="en-US" sz="2400" dirty="0" smtClean="0"/>
+              <a:t>対象者設定</a:t>
+            </a:r>
+            <a:endParaRPr kumimoji="1" lang="ja-JP" altLang="en-US" sz="2400" dirty="0"/>
           </a:p>
         </p:txBody>
       </p:sp>
-      <p:pic>
-        <p:nvPicPr>
-          <p:cNvPr id="3" name="図 2"/>
-          <p:cNvPicPr>
-            <a:picLocks noChangeAspect="1"/>
-          </p:cNvPicPr>
+      <p:graphicFrame>
+        <p:nvGraphicFramePr>
+          <p:cNvPr id="7" name="表 6"/>
+          <p:cNvGraphicFramePr>
+            <a:graphicFrameLocks noGrp="1"/>
+          </p:cNvGraphicFramePr>
+          <p:nvPr>
+            <p:extLst>
+              <p:ext uri="{D42A27DB-BD31-4B8C-83A1-F6EECF244321}">
+                <p14:modId xmlns:p14="http://schemas.microsoft.com/office/powerpoint/2010/main" val="705555579"/>
+              </p:ext>
+            </p:extLst>
+          </p:nvPr>
+        </p:nvGraphicFramePr>
+        <p:xfrm>
+          <a:off x="811827" y="1741454"/>
+          <a:ext cx="7486128" cy="4938312"/>
+        </p:xfrm>
+        <a:graphic>
+          <a:graphicData uri="http://schemas.openxmlformats.org/drawingml/2006/table">
+            <a:tbl>
+              <a:tblPr firstRow="1" firstCol="1" bandRow="1"/>
+              <a:tblGrid>
+                <a:gridCol w="2117543"/>
+                <a:gridCol w="1073045"/>
+                <a:gridCol w="1073045"/>
+                <a:gridCol w="1074725"/>
+                <a:gridCol w="1073045"/>
+                <a:gridCol w="1074725"/>
+              </a:tblGrid>
+              <a:tr h="617289">
+                <a:tc>
+                  <a:txBody>
+                    <a:bodyPr/>
+                    <a:lstStyle/>
+                    <a:p>
+                      <a:pPr indent="114300" algn="ctr">
+                        <a:lnSpc>
+                          <a:spcPct val="100000"/>
+                        </a:lnSpc>
+                        <a:spcAft>
+                          <a:spcPts val="0"/>
+                        </a:spcAft>
+                      </a:pPr>
+                      <a:r>
+                        <a:rPr lang="ja-JP" sz="2000" dirty="0">
+                          <a:effectLst/>
+                          <a:latin typeface="Times New Roman" panose="02020603050405020304" pitchFamily="18" charset="0"/>
+                          <a:ea typeface="ＭＳ 明朝" panose="02020609040205080304" pitchFamily="17" charset="-128"/>
+                          <a:cs typeface="Times New Roman" panose="02020603050405020304" pitchFamily="18" charset="0"/>
+                        </a:rPr>
+                        <a:t>センサ番号</a:t>
+                      </a:r>
+                    </a:p>
+                  </a:txBody>
+                  <a:tcPr marL="68580" marR="68580" marT="0" marB="0" anchor="ctr">
+                    <a:lnL w="19050" cap="flat" cmpd="sng" algn="ctr">
+                      <a:solidFill>
+                        <a:srgbClr val="000000"/>
+                      </a:solidFill>
+                      <a:prstDash val="solid"/>
+                      <a:round/>
+                      <a:headEnd type="none" w="med" len="med"/>
+                      <a:tailEnd type="none" w="med" len="med"/>
+                    </a:lnL>
+                    <a:lnR w="19050" cap="flat" cmpd="dbl" algn="ctr">
+                      <a:solidFill>
+                        <a:srgbClr val="000000"/>
+                      </a:solidFill>
+                      <a:prstDash val="solid"/>
+                      <a:round/>
+                      <a:headEnd type="none" w="med" len="med"/>
+                      <a:tailEnd type="none" w="med" len="med"/>
+                    </a:lnR>
+                    <a:lnT w="19050" cap="flat" cmpd="sng" algn="ctr">
+                      <a:solidFill>
+                        <a:srgbClr val="000000"/>
+                      </a:solidFill>
+                      <a:prstDash val="solid"/>
+                      <a:round/>
+                      <a:headEnd type="none" w="med" len="med"/>
+                      <a:tailEnd type="none" w="med" len="med"/>
+                    </a:lnT>
+                    <a:lnB w="12700" cap="flat" cmpd="sng" algn="ctr">
+                      <a:solidFill>
+                        <a:srgbClr val="000000"/>
+                      </a:solidFill>
+                      <a:prstDash val="solid"/>
+                      <a:round/>
+                      <a:headEnd type="none" w="med" len="med"/>
+                      <a:tailEnd type="none" w="med" len="med"/>
+                    </a:lnB>
+                    <a:solidFill>
+                      <a:srgbClr val="D9D9D9"/>
+                    </a:solidFill>
+                  </a:tcPr>
+                </a:tc>
+                <a:tc>
+                  <a:txBody>
+                    <a:bodyPr/>
+                    <a:lstStyle/>
+                    <a:p>
+                      <a:pPr indent="114300" algn="ctr">
+                        <a:lnSpc>
+                          <a:spcPts val="1200"/>
+                        </a:lnSpc>
+                        <a:spcAft>
+                          <a:spcPts val="0"/>
+                        </a:spcAft>
+                      </a:pPr>
+                      <a:r>
+                        <a:rPr lang="en-US" sz="2000" dirty="0">
+                          <a:effectLst/>
+                          <a:latin typeface="Times New Roman" panose="02020603050405020304" pitchFamily="18" charset="0"/>
+                          <a:ea typeface="ＭＳ 明朝" panose="02020609040205080304" pitchFamily="17" charset="-128"/>
+                          <a:cs typeface="Times New Roman" panose="02020603050405020304" pitchFamily="18" charset="0"/>
+                        </a:rPr>
+                        <a:t>1</a:t>
+                      </a:r>
+                      <a:endParaRPr lang="ja-JP" sz="2000" dirty="0">
+                        <a:effectLst/>
+                        <a:latin typeface="Times New Roman" panose="02020603050405020304" pitchFamily="18" charset="0"/>
+                        <a:ea typeface="ＭＳ 明朝" panose="02020609040205080304" pitchFamily="17" charset="-128"/>
+                        <a:cs typeface="Times New Roman" panose="02020603050405020304" pitchFamily="18" charset="0"/>
+                      </a:endParaRPr>
+                    </a:p>
+                  </a:txBody>
+                  <a:tcPr marL="68580" marR="68580" marT="0" marB="0" anchor="ctr">
+                    <a:lnL w="19050" cap="flat" cmpd="dbl" algn="ctr">
+                      <a:solidFill>
+                        <a:srgbClr val="000000"/>
+                      </a:solidFill>
+                      <a:prstDash val="solid"/>
+                      <a:round/>
+                      <a:headEnd type="none" w="med" len="med"/>
+                      <a:tailEnd type="none" w="med" len="med"/>
+                    </a:lnL>
+                    <a:lnR w="12700" cap="flat" cmpd="sng" algn="ctr">
+                      <a:solidFill>
+                        <a:srgbClr val="000000"/>
+                      </a:solidFill>
+                      <a:prstDash val="solid"/>
+                      <a:round/>
+                      <a:headEnd type="none" w="med" len="med"/>
+                      <a:tailEnd type="none" w="med" len="med"/>
+                    </a:lnR>
+                    <a:lnT w="19050" cap="flat" cmpd="sng" algn="ctr">
+                      <a:solidFill>
+                        <a:srgbClr val="000000"/>
+                      </a:solidFill>
+                      <a:prstDash val="solid"/>
+                      <a:round/>
+                      <a:headEnd type="none" w="med" len="med"/>
+                      <a:tailEnd type="none" w="med" len="med"/>
+                    </a:lnT>
+                    <a:lnB w="12700" cap="flat" cmpd="sng" algn="ctr">
+                      <a:solidFill>
+                        <a:srgbClr val="000000"/>
+                      </a:solidFill>
+                      <a:prstDash val="solid"/>
+                      <a:round/>
+                      <a:headEnd type="none" w="med" len="med"/>
+                      <a:tailEnd type="none" w="med" len="med"/>
+                    </a:lnB>
+                    <a:solidFill>
+                      <a:srgbClr val="D9D9D9"/>
+                    </a:solidFill>
+                  </a:tcPr>
+                </a:tc>
+                <a:tc>
+                  <a:txBody>
+                    <a:bodyPr/>
+                    <a:lstStyle/>
+                    <a:p>
+                      <a:pPr indent="114300" algn="ctr">
+                        <a:lnSpc>
+                          <a:spcPts val="1200"/>
+                        </a:lnSpc>
+                        <a:spcAft>
+                          <a:spcPts val="0"/>
+                        </a:spcAft>
+                      </a:pPr>
+                      <a:r>
+                        <a:rPr lang="en-US" sz="2000" dirty="0">
+                          <a:effectLst/>
+                          <a:latin typeface="Times New Roman" panose="02020603050405020304" pitchFamily="18" charset="0"/>
+                          <a:ea typeface="ＭＳ 明朝" panose="02020609040205080304" pitchFamily="17" charset="-128"/>
+                          <a:cs typeface="Times New Roman" panose="02020603050405020304" pitchFamily="18" charset="0"/>
+                        </a:rPr>
+                        <a:t>2</a:t>
+                      </a:r>
+                      <a:endParaRPr lang="ja-JP" sz="2000" dirty="0">
+                        <a:effectLst/>
+                        <a:latin typeface="Times New Roman" panose="02020603050405020304" pitchFamily="18" charset="0"/>
+                        <a:ea typeface="ＭＳ 明朝" panose="02020609040205080304" pitchFamily="17" charset="-128"/>
+                        <a:cs typeface="Times New Roman" panose="02020603050405020304" pitchFamily="18" charset="0"/>
+                      </a:endParaRPr>
+                    </a:p>
+                  </a:txBody>
+                  <a:tcPr marL="68580" marR="68580" marT="0" marB="0" anchor="ctr">
+                    <a:lnL w="12700" cap="flat" cmpd="sng" algn="ctr">
+                      <a:solidFill>
+                        <a:srgbClr val="000000"/>
+                      </a:solidFill>
+                      <a:prstDash val="solid"/>
+                      <a:round/>
+                      <a:headEnd type="none" w="med" len="med"/>
+                      <a:tailEnd type="none" w="med" len="med"/>
+                    </a:lnL>
+                    <a:lnR w="12700" cap="flat" cmpd="sng" algn="ctr">
+                      <a:solidFill>
+                        <a:srgbClr val="000000"/>
+                      </a:solidFill>
+                      <a:prstDash val="solid"/>
+                      <a:round/>
+                      <a:headEnd type="none" w="med" len="med"/>
+                      <a:tailEnd type="none" w="med" len="med"/>
+                    </a:lnR>
+                    <a:lnT w="19050" cap="flat" cmpd="sng" algn="ctr">
+                      <a:solidFill>
+                        <a:srgbClr val="000000"/>
+                      </a:solidFill>
+                      <a:prstDash val="solid"/>
+                      <a:round/>
+                      <a:headEnd type="none" w="med" len="med"/>
+                      <a:tailEnd type="none" w="med" len="med"/>
+                    </a:lnT>
+                    <a:lnB w="12700" cap="flat" cmpd="sng" algn="ctr">
+                      <a:solidFill>
+                        <a:srgbClr val="000000"/>
+                      </a:solidFill>
+                      <a:prstDash val="solid"/>
+                      <a:round/>
+                      <a:headEnd type="none" w="med" len="med"/>
+                      <a:tailEnd type="none" w="med" len="med"/>
+                    </a:lnB>
+                    <a:solidFill>
+                      <a:srgbClr val="D9D9D9"/>
+                    </a:solidFill>
+                  </a:tcPr>
+                </a:tc>
+                <a:tc>
+                  <a:txBody>
+                    <a:bodyPr/>
+                    <a:lstStyle/>
+                    <a:p>
+                      <a:pPr indent="114300" algn="ctr">
+                        <a:lnSpc>
+                          <a:spcPts val="1200"/>
+                        </a:lnSpc>
+                        <a:spcAft>
+                          <a:spcPts val="0"/>
+                        </a:spcAft>
+                      </a:pPr>
+                      <a:r>
+                        <a:rPr lang="en-US" sz="2000">
+                          <a:effectLst/>
+                          <a:latin typeface="Times New Roman" panose="02020603050405020304" pitchFamily="18" charset="0"/>
+                          <a:ea typeface="ＭＳ 明朝" panose="02020609040205080304" pitchFamily="17" charset="-128"/>
+                          <a:cs typeface="Times New Roman" panose="02020603050405020304" pitchFamily="18" charset="0"/>
+                        </a:rPr>
+                        <a:t>3</a:t>
+                      </a:r>
+                      <a:endParaRPr lang="ja-JP" sz="2000">
+                        <a:effectLst/>
+                        <a:latin typeface="Times New Roman" panose="02020603050405020304" pitchFamily="18" charset="0"/>
+                        <a:ea typeface="ＭＳ 明朝" panose="02020609040205080304" pitchFamily="17" charset="-128"/>
+                        <a:cs typeface="Times New Roman" panose="02020603050405020304" pitchFamily="18" charset="0"/>
+                      </a:endParaRPr>
+                    </a:p>
+                  </a:txBody>
+                  <a:tcPr marL="68580" marR="68580" marT="0" marB="0" anchor="ctr">
+                    <a:lnL w="12700" cap="flat" cmpd="sng" algn="ctr">
+                      <a:solidFill>
+                        <a:srgbClr val="000000"/>
+                      </a:solidFill>
+                      <a:prstDash val="solid"/>
+                      <a:round/>
+                      <a:headEnd type="none" w="med" len="med"/>
+                      <a:tailEnd type="none" w="med" len="med"/>
+                    </a:lnL>
+                    <a:lnR w="12700" cap="flat" cmpd="sng" algn="ctr">
+                      <a:solidFill>
+                        <a:srgbClr val="000000"/>
+                      </a:solidFill>
+                      <a:prstDash val="solid"/>
+                      <a:round/>
+                      <a:headEnd type="none" w="med" len="med"/>
+                      <a:tailEnd type="none" w="med" len="med"/>
+                    </a:lnR>
+                    <a:lnT w="19050" cap="flat" cmpd="sng" algn="ctr">
+                      <a:solidFill>
+                        <a:srgbClr val="000000"/>
+                      </a:solidFill>
+                      <a:prstDash val="solid"/>
+                      <a:round/>
+                      <a:headEnd type="none" w="med" len="med"/>
+                      <a:tailEnd type="none" w="med" len="med"/>
+                    </a:lnT>
+                    <a:lnB w="12700" cap="flat" cmpd="sng" algn="ctr">
+                      <a:solidFill>
+                        <a:srgbClr val="000000"/>
+                      </a:solidFill>
+                      <a:prstDash val="solid"/>
+                      <a:round/>
+                      <a:headEnd type="none" w="med" len="med"/>
+                      <a:tailEnd type="none" w="med" len="med"/>
+                    </a:lnB>
+                    <a:solidFill>
+                      <a:srgbClr val="D9D9D9"/>
+                    </a:solidFill>
+                  </a:tcPr>
+                </a:tc>
+                <a:tc>
+                  <a:txBody>
+                    <a:bodyPr/>
+                    <a:lstStyle/>
+                    <a:p>
+                      <a:pPr indent="114300" algn="ctr">
+                        <a:lnSpc>
+                          <a:spcPts val="1200"/>
+                        </a:lnSpc>
+                        <a:spcAft>
+                          <a:spcPts val="0"/>
+                        </a:spcAft>
+                      </a:pPr>
+                      <a:r>
+                        <a:rPr lang="en-US" sz="2000">
+                          <a:effectLst/>
+                          <a:latin typeface="Times New Roman" panose="02020603050405020304" pitchFamily="18" charset="0"/>
+                          <a:ea typeface="ＭＳ 明朝" panose="02020609040205080304" pitchFamily="17" charset="-128"/>
+                          <a:cs typeface="Times New Roman" panose="02020603050405020304" pitchFamily="18" charset="0"/>
+                        </a:rPr>
+                        <a:t>4</a:t>
+                      </a:r>
+                      <a:endParaRPr lang="ja-JP" sz="2000">
+                        <a:effectLst/>
+                        <a:latin typeface="Times New Roman" panose="02020603050405020304" pitchFamily="18" charset="0"/>
+                        <a:ea typeface="ＭＳ 明朝" panose="02020609040205080304" pitchFamily="17" charset="-128"/>
+                        <a:cs typeface="Times New Roman" panose="02020603050405020304" pitchFamily="18" charset="0"/>
+                      </a:endParaRPr>
+                    </a:p>
+                  </a:txBody>
+                  <a:tcPr marL="68580" marR="68580" marT="0" marB="0" anchor="ctr">
+                    <a:lnL w="12700" cap="flat" cmpd="sng" algn="ctr">
+                      <a:solidFill>
+                        <a:srgbClr val="000000"/>
+                      </a:solidFill>
+                      <a:prstDash val="solid"/>
+                      <a:round/>
+                      <a:headEnd type="none" w="med" len="med"/>
+                      <a:tailEnd type="none" w="med" len="med"/>
+                    </a:lnL>
+                    <a:lnR w="12700" cap="flat" cmpd="sng" algn="ctr">
+                      <a:solidFill>
+                        <a:srgbClr val="000000"/>
+                      </a:solidFill>
+                      <a:prstDash val="solid"/>
+                      <a:round/>
+                      <a:headEnd type="none" w="med" len="med"/>
+                      <a:tailEnd type="none" w="med" len="med"/>
+                    </a:lnR>
+                    <a:lnT w="19050" cap="flat" cmpd="sng" algn="ctr">
+                      <a:solidFill>
+                        <a:srgbClr val="000000"/>
+                      </a:solidFill>
+                      <a:prstDash val="solid"/>
+                      <a:round/>
+                      <a:headEnd type="none" w="med" len="med"/>
+                      <a:tailEnd type="none" w="med" len="med"/>
+                    </a:lnT>
+                    <a:lnB w="12700" cap="flat" cmpd="sng" algn="ctr">
+                      <a:solidFill>
+                        <a:srgbClr val="000000"/>
+                      </a:solidFill>
+                      <a:prstDash val="solid"/>
+                      <a:round/>
+                      <a:headEnd type="none" w="med" len="med"/>
+                      <a:tailEnd type="none" w="med" len="med"/>
+                    </a:lnB>
+                    <a:solidFill>
+                      <a:srgbClr val="D9D9D9"/>
+                    </a:solidFill>
+                  </a:tcPr>
+                </a:tc>
+                <a:tc>
+                  <a:txBody>
+                    <a:bodyPr/>
+                    <a:lstStyle/>
+                    <a:p>
+                      <a:pPr indent="114300" algn="ctr">
+                        <a:lnSpc>
+                          <a:spcPts val="1200"/>
+                        </a:lnSpc>
+                        <a:spcAft>
+                          <a:spcPts val="0"/>
+                        </a:spcAft>
+                      </a:pPr>
+                      <a:r>
+                        <a:rPr lang="en-US" sz="2000" dirty="0">
+                          <a:effectLst/>
+                          <a:latin typeface="Times New Roman" panose="02020603050405020304" pitchFamily="18" charset="0"/>
+                          <a:ea typeface="ＭＳ 明朝" panose="02020609040205080304" pitchFamily="17" charset="-128"/>
+                          <a:cs typeface="Times New Roman" panose="02020603050405020304" pitchFamily="18" charset="0"/>
+                        </a:rPr>
+                        <a:t>5</a:t>
+                      </a:r>
+                      <a:endParaRPr lang="ja-JP" sz="2000" dirty="0">
+                        <a:effectLst/>
+                        <a:latin typeface="Times New Roman" panose="02020603050405020304" pitchFamily="18" charset="0"/>
+                        <a:ea typeface="ＭＳ 明朝" panose="02020609040205080304" pitchFamily="17" charset="-128"/>
+                        <a:cs typeface="Times New Roman" panose="02020603050405020304" pitchFamily="18" charset="0"/>
+                      </a:endParaRPr>
+                    </a:p>
+                  </a:txBody>
+                  <a:tcPr marL="68580" marR="68580" marT="0" marB="0" anchor="ctr">
+                    <a:lnL w="12700" cap="flat" cmpd="sng" algn="ctr">
+                      <a:solidFill>
+                        <a:srgbClr val="000000"/>
+                      </a:solidFill>
+                      <a:prstDash val="solid"/>
+                      <a:round/>
+                      <a:headEnd type="none" w="med" len="med"/>
+                      <a:tailEnd type="none" w="med" len="med"/>
+                    </a:lnL>
+                    <a:lnR w="19050" cap="flat" cmpd="sng" algn="ctr">
+                      <a:solidFill>
+                        <a:srgbClr val="000000"/>
+                      </a:solidFill>
+                      <a:prstDash val="solid"/>
+                      <a:round/>
+                      <a:headEnd type="none" w="med" len="med"/>
+                      <a:tailEnd type="none" w="med" len="med"/>
+                    </a:lnR>
+                    <a:lnT w="19050" cap="flat" cmpd="sng" algn="ctr">
+                      <a:solidFill>
+                        <a:srgbClr val="000000"/>
+                      </a:solidFill>
+                      <a:prstDash val="solid"/>
+                      <a:round/>
+                      <a:headEnd type="none" w="med" len="med"/>
+                      <a:tailEnd type="none" w="med" len="med"/>
+                    </a:lnT>
+                    <a:lnB w="12700" cap="flat" cmpd="sng" algn="ctr">
+                      <a:solidFill>
+                        <a:srgbClr val="000000"/>
+                      </a:solidFill>
+                      <a:prstDash val="solid"/>
+                      <a:round/>
+                      <a:headEnd type="none" w="med" len="med"/>
+                      <a:tailEnd type="none" w="med" len="med"/>
+                    </a:lnB>
+                    <a:solidFill>
+                      <a:srgbClr val="D9D9D9"/>
+                    </a:solidFill>
+                  </a:tcPr>
+                </a:tc>
+              </a:tr>
+              <a:tr h="617289">
+                <a:tc>
+                  <a:txBody>
+                    <a:bodyPr/>
+                    <a:lstStyle/>
+                    <a:p>
+                      <a:pPr indent="114300" algn="ctr">
+                        <a:lnSpc>
+                          <a:spcPct val="100000"/>
+                        </a:lnSpc>
+                        <a:spcAft>
+                          <a:spcPts val="0"/>
+                        </a:spcAft>
+                      </a:pPr>
+                      <a:r>
+                        <a:rPr lang="ja-JP" sz="2000" dirty="0">
+                          <a:effectLst/>
+                          <a:latin typeface="Times New Roman" panose="02020603050405020304" pitchFamily="18" charset="0"/>
+                          <a:ea typeface="ＭＳ 明朝" panose="02020609040205080304" pitchFamily="17" charset="-128"/>
+                          <a:cs typeface="Times New Roman" panose="02020603050405020304" pitchFamily="18" charset="0"/>
+                        </a:rPr>
+                        <a:t>センサ</a:t>
+                      </a:r>
+                      <a:r>
+                        <a:rPr lang="ja-JP" sz="2000" dirty="0" smtClean="0">
+                          <a:effectLst/>
+                          <a:latin typeface="Times New Roman" panose="02020603050405020304" pitchFamily="18" charset="0"/>
+                          <a:ea typeface="ＭＳ 明朝" panose="02020609040205080304" pitchFamily="17" charset="-128"/>
+                          <a:cs typeface="Times New Roman" panose="02020603050405020304" pitchFamily="18" charset="0"/>
+                        </a:rPr>
+                        <a:t>通過のべ</a:t>
+                      </a:r>
+                      <a:r>
+                        <a:rPr lang="ja-JP" sz="2000" dirty="0">
+                          <a:effectLst/>
+                          <a:latin typeface="Times New Roman" panose="02020603050405020304" pitchFamily="18" charset="0"/>
+                          <a:ea typeface="ＭＳ 明朝" panose="02020609040205080304" pitchFamily="17" charset="-128"/>
+                          <a:cs typeface="Times New Roman" panose="02020603050405020304" pitchFamily="18" charset="0"/>
+                        </a:rPr>
+                        <a:t>人数</a:t>
+                      </a:r>
+                    </a:p>
+                  </a:txBody>
+                  <a:tcPr marL="68580" marR="68580" marT="0" marB="0" anchor="ctr">
+                    <a:lnL w="19050" cap="flat" cmpd="sng" algn="ctr">
+                      <a:solidFill>
+                        <a:srgbClr val="000000"/>
+                      </a:solidFill>
+                      <a:prstDash val="solid"/>
+                      <a:round/>
+                      <a:headEnd type="none" w="med" len="med"/>
+                      <a:tailEnd type="none" w="med" len="med"/>
+                    </a:lnL>
+                    <a:lnR w="19050" cap="flat" cmpd="dbl" algn="ctr">
+                      <a:solidFill>
+                        <a:srgbClr val="000000"/>
+                      </a:solidFill>
+                      <a:prstDash val="solid"/>
+                      <a:round/>
+                      <a:headEnd type="none" w="med" len="med"/>
+                      <a:tailEnd type="none" w="med" len="med"/>
+                    </a:lnR>
+                    <a:lnT w="12700" cap="flat" cmpd="sng" algn="ctr">
+                      <a:solidFill>
+                        <a:srgbClr val="000000"/>
+                      </a:solidFill>
+                      <a:prstDash val="solid"/>
+                      <a:round/>
+                      <a:headEnd type="none" w="med" len="med"/>
+                      <a:tailEnd type="none" w="med" len="med"/>
+                    </a:lnT>
+                    <a:lnB w="19050" cap="flat" cmpd="dbl" algn="ctr">
+                      <a:solidFill>
+                        <a:srgbClr val="000000"/>
+                      </a:solidFill>
+                      <a:prstDash val="solid"/>
+                      <a:round/>
+                      <a:headEnd type="none" w="med" len="med"/>
+                      <a:tailEnd type="none" w="med" len="med"/>
+                    </a:lnB>
+                    <a:solidFill>
+                      <a:schemeClr val="bg1"/>
+                    </a:solidFill>
+                  </a:tcPr>
+                </a:tc>
+                <a:tc>
+                  <a:txBody>
+                    <a:bodyPr/>
+                    <a:lstStyle/>
+                    <a:p>
+                      <a:pPr indent="114300" algn="ctr">
+                        <a:lnSpc>
+                          <a:spcPts val="1200"/>
+                        </a:lnSpc>
+                        <a:spcAft>
+                          <a:spcPts val="0"/>
+                        </a:spcAft>
+                      </a:pPr>
+                      <a:r>
+                        <a:rPr lang="en-US" sz="2000" dirty="0">
+                          <a:effectLst/>
+                          <a:latin typeface="Times New Roman" panose="02020603050405020304" pitchFamily="18" charset="0"/>
+                          <a:ea typeface="ＭＳ 明朝" panose="02020609040205080304" pitchFamily="17" charset="-128"/>
+                          <a:cs typeface="Times New Roman" panose="02020603050405020304" pitchFamily="18" charset="0"/>
+                        </a:rPr>
+                        <a:t>0</a:t>
+                      </a:r>
+                      <a:endParaRPr lang="ja-JP" sz="2000" dirty="0">
+                        <a:effectLst/>
+                        <a:latin typeface="Times New Roman" panose="02020603050405020304" pitchFamily="18" charset="0"/>
+                        <a:ea typeface="ＭＳ 明朝" panose="02020609040205080304" pitchFamily="17" charset="-128"/>
+                        <a:cs typeface="Times New Roman" panose="02020603050405020304" pitchFamily="18" charset="0"/>
+                      </a:endParaRPr>
+                    </a:p>
+                  </a:txBody>
+                  <a:tcPr marL="68580" marR="68580" marT="0" marB="0" anchor="ctr">
+                    <a:lnL w="19050" cap="flat" cmpd="dbl" algn="ctr">
+                      <a:solidFill>
+                        <a:srgbClr val="000000"/>
+                      </a:solidFill>
+                      <a:prstDash val="solid"/>
+                      <a:round/>
+                      <a:headEnd type="none" w="med" len="med"/>
+                      <a:tailEnd type="none" w="med" len="med"/>
+                    </a:lnL>
+                    <a:lnR w="12700" cap="flat" cmpd="sng" algn="ctr">
+                      <a:solidFill>
+                        <a:srgbClr val="000000"/>
+                      </a:solidFill>
+                      <a:prstDash val="solid"/>
+                      <a:round/>
+                      <a:headEnd type="none" w="med" len="med"/>
+                      <a:tailEnd type="none" w="med" len="med"/>
+                    </a:lnR>
+                    <a:lnT w="12700" cap="flat" cmpd="sng" algn="ctr">
+                      <a:solidFill>
+                        <a:srgbClr val="000000"/>
+                      </a:solidFill>
+                      <a:prstDash val="solid"/>
+                      <a:round/>
+                      <a:headEnd type="none" w="med" len="med"/>
+                      <a:tailEnd type="none" w="med" len="med"/>
+                    </a:lnT>
+                    <a:lnB w="19050" cap="flat" cmpd="dbl" algn="ctr">
+                      <a:solidFill>
+                        <a:srgbClr val="000000"/>
+                      </a:solidFill>
+                      <a:prstDash val="solid"/>
+                      <a:round/>
+                      <a:headEnd type="none" w="med" len="med"/>
+                      <a:tailEnd type="none" w="med" len="med"/>
+                    </a:lnB>
+                    <a:solidFill>
+                      <a:schemeClr val="bg1"/>
+                    </a:solidFill>
+                  </a:tcPr>
+                </a:tc>
+                <a:tc>
+                  <a:txBody>
+                    <a:bodyPr/>
+                    <a:lstStyle/>
+                    <a:p>
+                      <a:pPr indent="114300" algn="ctr">
+                        <a:lnSpc>
+                          <a:spcPts val="1200"/>
+                        </a:lnSpc>
+                        <a:spcAft>
+                          <a:spcPts val="0"/>
+                        </a:spcAft>
+                      </a:pPr>
+                      <a:r>
+                        <a:rPr lang="en-US" sz="2000">
+                          <a:effectLst/>
+                          <a:latin typeface="Times New Roman" panose="02020603050405020304" pitchFamily="18" charset="0"/>
+                          <a:ea typeface="ＭＳ 明朝" panose="02020609040205080304" pitchFamily="17" charset="-128"/>
+                          <a:cs typeface="Times New Roman" panose="02020603050405020304" pitchFamily="18" charset="0"/>
+                        </a:rPr>
+                        <a:t>0</a:t>
+                      </a:r>
+                      <a:endParaRPr lang="ja-JP" sz="2000">
+                        <a:effectLst/>
+                        <a:latin typeface="Times New Roman" panose="02020603050405020304" pitchFamily="18" charset="0"/>
+                        <a:ea typeface="ＭＳ 明朝" panose="02020609040205080304" pitchFamily="17" charset="-128"/>
+                        <a:cs typeface="Times New Roman" panose="02020603050405020304" pitchFamily="18" charset="0"/>
+                      </a:endParaRPr>
+                    </a:p>
+                  </a:txBody>
+                  <a:tcPr marL="68580" marR="68580" marT="0" marB="0" anchor="ctr">
+                    <a:lnL w="12700" cap="flat" cmpd="sng" algn="ctr">
+                      <a:solidFill>
+                        <a:srgbClr val="000000"/>
+                      </a:solidFill>
+                      <a:prstDash val="solid"/>
+                      <a:round/>
+                      <a:headEnd type="none" w="med" len="med"/>
+                      <a:tailEnd type="none" w="med" len="med"/>
+                    </a:lnL>
+                    <a:lnR w="12700" cap="flat" cmpd="sng" algn="ctr">
+                      <a:solidFill>
+                        <a:srgbClr val="000000"/>
+                      </a:solidFill>
+                      <a:prstDash val="solid"/>
+                      <a:round/>
+                      <a:headEnd type="none" w="med" len="med"/>
+                      <a:tailEnd type="none" w="med" len="med"/>
+                    </a:lnR>
+                    <a:lnT w="12700" cap="flat" cmpd="sng" algn="ctr">
+                      <a:solidFill>
+                        <a:srgbClr val="000000"/>
+                      </a:solidFill>
+                      <a:prstDash val="solid"/>
+                      <a:round/>
+                      <a:headEnd type="none" w="med" len="med"/>
+                      <a:tailEnd type="none" w="med" len="med"/>
+                    </a:lnT>
+                    <a:lnB w="19050" cap="flat" cmpd="dbl" algn="ctr">
+                      <a:solidFill>
+                        <a:srgbClr val="000000"/>
+                      </a:solidFill>
+                      <a:prstDash val="solid"/>
+                      <a:round/>
+                      <a:headEnd type="none" w="med" len="med"/>
+                      <a:tailEnd type="none" w="med" len="med"/>
+                    </a:lnB>
+                    <a:solidFill>
+                      <a:schemeClr val="bg1"/>
+                    </a:solidFill>
+                  </a:tcPr>
+                </a:tc>
+                <a:tc>
+                  <a:txBody>
+                    <a:bodyPr/>
+                    <a:lstStyle/>
+                    <a:p>
+                      <a:pPr indent="114300" algn="ctr">
+                        <a:lnSpc>
+                          <a:spcPts val="1200"/>
+                        </a:lnSpc>
+                        <a:spcAft>
+                          <a:spcPts val="0"/>
+                        </a:spcAft>
+                      </a:pPr>
+                      <a:r>
+                        <a:rPr lang="en-US" sz="2000">
+                          <a:effectLst/>
+                          <a:latin typeface="Times New Roman" panose="02020603050405020304" pitchFamily="18" charset="0"/>
+                          <a:ea typeface="ＭＳ 明朝" panose="02020609040205080304" pitchFamily="17" charset="-128"/>
+                          <a:cs typeface="Times New Roman" panose="02020603050405020304" pitchFamily="18" charset="0"/>
+                        </a:rPr>
+                        <a:t>2</a:t>
+                      </a:r>
+                      <a:endParaRPr lang="ja-JP" sz="2000">
+                        <a:effectLst/>
+                        <a:latin typeface="Times New Roman" panose="02020603050405020304" pitchFamily="18" charset="0"/>
+                        <a:ea typeface="ＭＳ 明朝" panose="02020609040205080304" pitchFamily="17" charset="-128"/>
+                        <a:cs typeface="Times New Roman" panose="02020603050405020304" pitchFamily="18" charset="0"/>
+                      </a:endParaRPr>
+                    </a:p>
+                  </a:txBody>
+                  <a:tcPr marL="68580" marR="68580" marT="0" marB="0" anchor="ctr">
+                    <a:lnL w="12700" cap="flat" cmpd="sng" algn="ctr">
+                      <a:solidFill>
+                        <a:srgbClr val="000000"/>
+                      </a:solidFill>
+                      <a:prstDash val="solid"/>
+                      <a:round/>
+                      <a:headEnd type="none" w="med" len="med"/>
+                      <a:tailEnd type="none" w="med" len="med"/>
+                    </a:lnL>
+                    <a:lnR w="12700" cap="flat" cmpd="sng" algn="ctr">
+                      <a:solidFill>
+                        <a:srgbClr val="000000"/>
+                      </a:solidFill>
+                      <a:prstDash val="solid"/>
+                      <a:round/>
+                      <a:headEnd type="none" w="med" len="med"/>
+                      <a:tailEnd type="none" w="med" len="med"/>
+                    </a:lnR>
+                    <a:lnT w="12700" cap="flat" cmpd="sng" algn="ctr">
+                      <a:solidFill>
+                        <a:srgbClr val="000000"/>
+                      </a:solidFill>
+                      <a:prstDash val="solid"/>
+                      <a:round/>
+                      <a:headEnd type="none" w="med" len="med"/>
+                      <a:tailEnd type="none" w="med" len="med"/>
+                    </a:lnT>
+                    <a:lnB w="19050" cap="flat" cmpd="dbl" algn="ctr">
+                      <a:solidFill>
+                        <a:srgbClr val="000000"/>
+                      </a:solidFill>
+                      <a:prstDash val="solid"/>
+                      <a:round/>
+                      <a:headEnd type="none" w="med" len="med"/>
+                      <a:tailEnd type="none" w="med" len="med"/>
+                    </a:lnB>
+                    <a:solidFill>
+                      <a:schemeClr val="bg1"/>
+                    </a:solidFill>
+                  </a:tcPr>
+                </a:tc>
+                <a:tc>
+                  <a:txBody>
+                    <a:bodyPr/>
+                    <a:lstStyle/>
+                    <a:p>
+                      <a:pPr indent="114300" algn="ctr">
+                        <a:lnSpc>
+                          <a:spcPts val="1200"/>
+                        </a:lnSpc>
+                        <a:spcAft>
+                          <a:spcPts val="0"/>
+                        </a:spcAft>
+                      </a:pPr>
+                      <a:r>
+                        <a:rPr lang="en-US" sz="2000">
+                          <a:effectLst/>
+                          <a:latin typeface="Times New Roman" panose="02020603050405020304" pitchFamily="18" charset="0"/>
+                          <a:ea typeface="ＭＳ 明朝" panose="02020609040205080304" pitchFamily="17" charset="-128"/>
+                          <a:cs typeface="Times New Roman" panose="02020603050405020304" pitchFamily="18" charset="0"/>
+                        </a:rPr>
+                        <a:t>0</a:t>
+                      </a:r>
+                      <a:endParaRPr lang="ja-JP" sz="2000">
+                        <a:effectLst/>
+                        <a:latin typeface="Times New Roman" panose="02020603050405020304" pitchFamily="18" charset="0"/>
+                        <a:ea typeface="ＭＳ 明朝" panose="02020609040205080304" pitchFamily="17" charset="-128"/>
+                        <a:cs typeface="Times New Roman" panose="02020603050405020304" pitchFamily="18" charset="0"/>
+                      </a:endParaRPr>
+                    </a:p>
+                  </a:txBody>
+                  <a:tcPr marL="68580" marR="68580" marT="0" marB="0" anchor="ctr">
+                    <a:lnL w="12700" cap="flat" cmpd="sng" algn="ctr">
+                      <a:solidFill>
+                        <a:srgbClr val="000000"/>
+                      </a:solidFill>
+                      <a:prstDash val="solid"/>
+                      <a:round/>
+                      <a:headEnd type="none" w="med" len="med"/>
+                      <a:tailEnd type="none" w="med" len="med"/>
+                    </a:lnL>
+                    <a:lnR w="12700" cap="flat" cmpd="sng" algn="ctr">
+                      <a:solidFill>
+                        <a:srgbClr val="000000"/>
+                      </a:solidFill>
+                      <a:prstDash val="solid"/>
+                      <a:round/>
+                      <a:headEnd type="none" w="med" len="med"/>
+                      <a:tailEnd type="none" w="med" len="med"/>
+                    </a:lnR>
+                    <a:lnT w="12700" cap="flat" cmpd="sng" algn="ctr">
+                      <a:solidFill>
+                        <a:srgbClr val="000000"/>
+                      </a:solidFill>
+                      <a:prstDash val="solid"/>
+                      <a:round/>
+                      <a:headEnd type="none" w="med" len="med"/>
+                      <a:tailEnd type="none" w="med" len="med"/>
+                    </a:lnT>
+                    <a:lnB w="19050" cap="flat" cmpd="dbl" algn="ctr">
+                      <a:solidFill>
+                        <a:srgbClr val="000000"/>
+                      </a:solidFill>
+                      <a:prstDash val="solid"/>
+                      <a:round/>
+                      <a:headEnd type="none" w="med" len="med"/>
+                      <a:tailEnd type="none" w="med" len="med"/>
+                    </a:lnB>
+                    <a:solidFill>
+                      <a:schemeClr val="bg1"/>
+                    </a:solidFill>
+                  </a:tcPr>
+                </a:tc>
+                <a:tc>
+                  <a:txBody>
+                    <a:bodyPr/>
+                    <a:lstStyle/>
+                    <a:p>
+                      <a:pPr indent="114300" algn="ctr">
+                        <a:lnSpc>
+                          <a:spcPts val="1200"/>
+                        </a:lnSpc>
+                        <a:spcAft>
+                          <a:spcPts val="0"/>
+                        </a:spcAft>
+                      </a:pPr>
+                      <a:r>
+                        <a:rPr lang="en-US" sz="2000" dirty="0">
+                          <a:effectLst/>
+                          <a:latin typeface="Times New Roman" panose="02020603050405020304" pitchFamily="18" charset="0"/>
+                          <a:ea typeface="ＭＳ 明朝" panose="02020609040205080304" pitchFamily="17" charset="-128"/>
+                          <a:cs typeface="Times New Roman" panose="02020603050405020304" pitchFamily="18" charset="0"/>
+                        </a:rPr>
+                        <a:t>2</a:t>
+                      </a:r>
+                      <a:endParaRPr lang="ja-JP" sz="2000" dirty="0">
+                        <a:effectLst/>
+                        <a:latin typeface="Times New Roman" panose="02020603050405020304" pitchFamily="18" charset="0"/>
+                        <a:ea typeface="ＭＳ 明朝" panose="02020609040205080304" pitchFamily="17" charset="-128"/>
+                        <a:cs typeface="Times New Roman" panose="02020603050405020304" pitchFamily="18" charset="0"/>
+                      </a:endParaRPr>
+                    </a:p>
+                  </a:txBody>
+                  <a:tcPr marL="68580" marR="68580" marT="0" marB="0" anchor="ctr">
+                    <a:lnL w="12700" cap="flat" cmpd="sng" algn="ctr">
+                      <a:solidFill>
+                        <a:srgbClr val="000000"/>
+                      </a:solidFill>
+                      <a:prstDash val="solid"/>
+                      <a:round/>
+                      <a:headEnd type="none" w="med" len="med"/>
+                      <a:tailEnd type="none" w="med" len="med"/>
+                    </a:lnL>
+                    <a:lnR w="19050" cap="flat" cmpd="sng" algn="ctr">
+                      <a:solidFill>
+                        <a:srgbClr val="000000"/>
+                      </a:solidFill>
+                      <a:prstDash val="solid"/>
+                      <a:round/>
+                      <a:headEnd type="none" w="med" len="med"/>
+                      <a:tailEnd type="none" w="med" len="med"/>
+                    </a:lnR>
+                    <a:lnT w="12700" cap="flat" cmpd="sng" algn="ctr">
+                      <a:solidFill>
+                        <a:srgbClr val="000000"/>
+                      </a:solidFill>
+                      <a:prstDash val="solid"/>
+                      <a:round/>
+                      <a:headEnd type="none" w="med" len="med"/>
+                      <a:tailEnd type="none" w="med" len="med"/>
+                    </a:lnT>
+                    <a:lnB w="19050" cap="flat" cmpd="dbl" algn="ctr">
+                      <a:solidFill>
+                        <a:srgbClr val="000000"/>
+                      </a:solidFill>
+                      <a:prstDash val="solid"/>
+                      <a:round/>
+                      <a:headEnd type="none" w="med" len="med"/>
+                      <a:tailEnd type="none" w="med" len="med"/>
+                    </a:lnB>
+                    <a:solidFill>
+                      <a:schemeClr val="bg1"/>
+                    </a:solidFill>
+                  </a:tcPr>
+                </a:tc>
+              </a:tr>
+              <a:tr h="617289">
+                <a:tc>
+                  <a:txBody>
+                    <a:bodyPr/>
+                    <a:lstStyle/>
+                    <a:p>
+                      <a:pPr indent="114300" algn="ctr">
+                        <a:lnSpc>
+                          <a:spcPct val="100000"/>
+                        </a:lnSpc>
+                        <a:spcAft>
+                          <a:spcPts val="0"/>
+                        </a:spcAft>
+                      </a:pPr>
+                      <a:r>
+                        <a:rPr lang="ja-JP" sz="2000">
+                          <a:effectLst/>
+                          <a:latin typeface="Times New Roman" panose="02020603050405020304" pitchFamily="18" charset="0"/>
+                          <a:ea typeface="ＭＳ 明朝" panose="02020609040205080304" pitchFamily="17" charset="-128"/>
+                          <a:cs typeface="Times New Roman" panose="02020603050405020304" pitchFamily="18" charset="0"/>
+                        </a:rPr>
+                        <a:t>センサ番号</a:t>
+                      </a:r>
+                    </a:p>
+                  </a:txBody>
+                  <a:tcPr marL="68580" marR="68580" marT="0" marB="0" anchor="ctr">
+                    <a:lnL w="19050" cap="flat" cmpd="sng" algn="ctr">
+                      <a:solidFill>
+                        <a:srgbClr val="000000"/>
+                      </a:solidFill>
+                      <a:prstDash val="solid"/>
+                      <a:round/>
+                      <a:headEnd type="none" w="med" len="med"/>
+                      <a:tailEnd type="none" w="med" len="med"/>
+                    </a:lnL>
+                    <a:lnR w="19050" cap="flat" cmpd="dbl" algn="ctr">
+                      <a:solidFill>
+                        <a:srgbClr val="000000"/>
+                      </a:solidFill>
+                      <a:prstDash val="solid"/>
+                      <a:round/>
+                      <a:headEnd type="none" w="med" len="med"/>
+                      <a:tailEnd type="none" w="med" len="med"/>
+                    </a:lnR>
+                    <a:lnT w="19050" cap="flat" cmpd="dbl" algn="ctr">
+                      <a:solidFill>
+                        <a:srgbClr val="000000"/>
+                      </a:solidFill>
+                      <a:prstDash val="solid"/>
+                      <a:round/>
+                      <a:headEnd type="none" w="med" len="med"/>
+                      <a:tailEnd type="none" w="med" len="med"/>
+                    </a:lnT>
+                    <a:lnB w="12700" cap="flat" cmpd="sng" algn="ctr">
+                      <a:solidFill>
+                        <a:srgbClr val="000000"/>
+                      </a:solidFill>
+                      <a:prstDash val="solid"/>
+                      <a:round/>
+                      <a:headEnd type="none" w="med" len="med"/>
+                      <a:tailEnd type="none" w="med" len="med"/>
+                    </a:lnB>
+                    <a:solidFill>
+                      <a:schemeClr val="bg2">
+                        <a:lumMod val="90000"/>
+                      </a:schemeClr>
+                    </a:solidFill>
+                  </a:tcPr>
+                </a:tc>
+                <a:tc>
+                  <a:txBody>
+                    <a:bodyPr/>
+                    <a:lstStyle/>
+                    <a:p>
+                      <a:pPr indent="114300" algn="ctr">
+                        <a:lnSpc>
+                          <a:spcPts val="1200"/>
+                        </a:lnSpc>
+                        <a:spcAft>
+                          <a:spcPts val="0"/>
+                        </a:spcAft>
+                      </a:pPr>
+                      <a:r>
+                        <a:rPr lang="en-US" sz="2000">
+                          <a:effectLst/>
+                          <a:latin typeface="Times New Roman" panose="02020603050405020304" pitchFamily="18" charset="0"/>
+                          <a:ea typeface="ＭＳ 明朝" panose="02020609040205080304" pitchFamily="17" charset="-128"/>
+                          <a:cs typeface="Times New Roman" panose="02020603050405020304" pitchFamily="18" charset="0"/>
+                        </a:rPr>
+                        <a:t>6</a:t>
+                      </a:r>
+                      <a:endParaRPr lang="ja-JP" sz="2000">
+                        <a:effectLst/>
+                        <a:latin typeface="Times New Roman" panose="02020603050405020304" pitchFamily="18" charset="0"/>
+                        <a:ea typeface="ＭＳ 明朝" panose="02020609040205080304" pitchFamily="17" charset="-128"/>
+                        <a:cs typeface="Times New Roman" panose="02020603050405020304" pitchFamily="18" charset="0"/>
+                      </a:endParaRPr>
+                    </a:p>
+                  </a:txBody>
+                  <a:tcPr marL="68580" marR="68580" marT="0" marB="0" anchor="ctr">
+                    <a:lnL w="19050" cap="flat" cmpd="dbl" algn="ctr">
+                      <a:solidFill>
+                        <a:srgbClr val="000000"/>
+                      </a:solidFill>
+                      <a:prstDash val="solid"/>
+                      <a:round/>
+                      <a:headEnd type="none" w="med" len="med"/>
+                      <a:tailEnd type="none" w="med" len="med"/>
+                    </a:lnL>
+                    <a:lnR w="12700" cap="flat" cmpd="sng" algn="ctr">
+                      <a:solidFill>
+                        <a:srgbClr val="000000"/>
+                      </a:solidFill>
+                      <a:prstDash val="solid"/>
+                      <a:round/>
+                      <a:headEnd type="none" w="med" len="med"/>
+                      <a:tailEnd type="none" w="med" len="med"/>
+                    </a:lnR>
+                    <a:lnT w="19050" cap="flat" cmpd="dbl" algn="ctr">
+                      <a:solidFill>
+                        <a:srgbClr val="000000"/>
+                      </a:solidFill>
+                      <a:prstDash val="solid"/>
+                      <a:round/>
+                      <a:headEnd type="none" w="med" len="med"/>
+                      <a:tailEnd type="none" w="med" len="med"/>
+                    </a:lnT>
+                    <a:lnB w="12700" cap="flat" cmpd="sng" algn="ctr">
+                      <a:solidFill>
+                        <a:srgbClr val="000000"/>
+                      </a:solidFill>
+                      <a:prstDash val="solid"/>
+                      <a:round/>
+                      <a:headEnd type="none" w="med" len="med"/>
+                      <a:tailEnd type="none" w="med" len="med"/>
+                    </a:lnB>
+                    <a:solidFill>
+                      <a:schemeClr val="bg2">
+                        <a:lumMod val="90000"/>
+                      </a:schemeClr>
+                    </a:solidFill>
+                  </a:tcPr>
+                </a:tc>
+                <a:tc>
+                  <a:txBody>
+                    <a:bodyPr/>
+                    <a:lstStyle/>
+                    <a:p>
+                      <a:pPr indent="114300" algn="ctr">
+                        <a:lnSpc>
+                          <a:spcPts val="1200"/>
+                        </a:lnSpc>
+                        <a:spcAft>
+                          <a:spcPts val="0"/>
+                        </a:spcAft>
+                      </a:pPr>
+                      <a:r>
+                        <a:rPr lang="en-US" sz="2000">
+                          <a:effectLst/>
+                          <a:latin typeface="Times New Roman" panose="02020603050405020304" pitchFamily="18" charset="0"/>
+                          <a:ea typeface="ＭＳ 明朝" panose="02020609040205080304" pitchFamily="17" charset="-128"/>
+                          <a:cs typeface="Times New Roman" panose="02020603050405020304" pitchFamily="18" charset="0"/>
+                        </a:rPr>
+                        <a:t>7</a:t>
+                      </a:r>
+                      <a:endParaRPr lang="ja-JP" sz="2000">
+                        <a:effectLst/>
+                        <a:latin typeface="Times New Roman" panose="02020603050405020304" pitchFamily="18" charset="0"/>
+                        <a:ea typeface="ＭＳ 明朝" panose="02020609040205080304" pitchFamily="17" charset="-128"/>
+                        <a:cs typeface="Times New Roman" panose="02020603050405020304" pitchFamily="18" charset="0"/>
+                      </a:endParaRPr>
+                    </a:p>
+                  </a:txBody>
+                  <a:tcPr marL="68580" marR="68580" marT="0" marB="0" anchor="ctr">
+                    <a:lnL w="12700" cap="flat" cmpd="sng" algn="ctr">
+                      <a:solidFill>
+                        <a:srgbClr val="000000"/>
+                      </a:solidFill>
+                      <a:prstDash val="solid"/>
+                      <a:round/>
+                      <a:headEnd type="none" w="med" len="med"/>
+                      <a:tailEnd type="none" w="med" len="med"/>
+                    </a:lnL>
+                    <a:lnR w="12700" cap="flat" cmpd="sng" algn="ctr">
+                      <a:solidFill>
+                        <a:srgbClr val="000000"/>
+                      </a:solidFill>
+                      <a:prstDash val="solid"/>
+                      <a:round/>
+                      <a:headEnd type="none" w="med" len="med"/>
+                      <a:tailEnd type="none" w="med" len="med"/>
+                    </a:lnR>
+                    <a:lnT w="19050" cap="flat" cmpd="dbl" algn="ctr">
+                      <a:solidFill>
+                        <a:srgbClr val="000000"/>
+                      </a:solidFill>
+                      <a:prstDash val="solid"/>
+                      <a:round/>
+                      <a:headEnd type="none" w="med" len="med"/>
+                      <a:tailEnd type="none" w="med" len="med"/>
+                    </a:lnT>
+                    <a:lnB w="12700" cap="flat" cmpd="sng" algn="ctr">
+                      <a:solidFill>
+                        <a:srgbClr val="000000"/>
+                      </a:solidFill>
+                      <a:prstDash val="solid"/>
+                      <a:round/>
+                      <a:headEnd type="none" w="med" len="med"/>
+                      <a:tailEnd type="none" w="med" len="med"/>
+                    </a:lnB>
+                    <a:solidFill>
+                      <a:schemeClr val="bg2">
+                        <a:lumMod val="90000"/>
+                      </a:schemeClr>
+                    </a:solidFill>
+                  </a:tcPr>
+                </a:tc>
+                <a:tc>
+                  <a:txBody>
+                    <a:bodyPr/>
+                    <a:lstStyle/>
+                    <a:p>
+                      <a:pPr indent="114300" algn="ctr">
+                        <a:lnSpc>
+                          <a:spcPts val="1200"/>
+                        </a:lnSpc>
+                        <a:spcAft>
+                          <a:spcPts val="0"/>
+                        </a:spcAft>
+                      </a:pPr>
+                      <a:r>
+                        <a:rPr lang="en-US" sz="2000">
+                          <a:effectLst/>
+                          <a:latin typeface="Times New Roman" panose="02020603050405020304" pitchFamily="18" charset="0"/>
+                          <a:ea typeface="ＭＳ 明朝" panose="02020609040205080304" pitchFamily="17" charset="-128"/>
+                          <a:cs typeface="Times New Roman" panose="02020603050405020304" pitchFamily="18" charset="0"/>
+                        </a:rPr>
+                        <a:t>8</a:t>
+                      </a:r>
+                      <a:endParaRPr lang="ja-JP" sz="2000">
+                        <a:effectLst/>
+                        <a:latin typeface="Times New Roman" panose="02020603050405020304" pitchFamily="18" charset="0"/>
+                        <a:ea typeface="ＭＳ 明朝" panose="02020609040205080304" pitchFamily="17" charset="-128"/>
+                        <a:cs typeface="Times New Roman" panose="02020603050405020304" pitchFamily="18" charset="0"/>
+                      </a:endParaRPr>
+                    </a:p>
+                  </a:txBody>
+                  <a:tcPr marL="68580" marR="68580" marT="0" marB="0" anchor="ctr">
+                    <a:lnL w="12700" cap="flat" cmpd="sng" algn="ctr">
+                      <a:solidFill>
+                        <a:srgbClr val="000000"/>
+                      </a:solidFill>
+                      <a:prstDash val="solid"/>
+                      <a:round/>
+                      <a:headEnd type="none" w="med" len="med"/>
+                      <a:tailEnd type="none" w="med" len="med"/>
+                    </a:lnL>
+                    <a:lnR w="12700" cap="flat" cmpd="sng" algn="ctr">
+                      <a:solidFill>
+                        <a:srgbClr val="000000"/>
+                      </a:solidFill>
+                      <a:prstDash val="solid"/>
+                      <a:round/>
+                      <a:headEnd type="none" w="med" len="med"/>
+                      <a:tailEnd type="none" w="med" len="med"/>
+                    </a:lnR>
+                    <a:lnT w="19050" cap="flat" cmpd="dbl" algn="ctr">
+                      <a:solidFill>
+                        <a:srgbClr val="000000"/>
+                      </a:solidFill>
+                      <a:prstDash val="solid"/>
+                      <a:round/>
+                      <a:headEnd type="none" w="med" len="med"/>
+                      <a:tailEnd type="none" w="med" len="med"/>
+                    </a:lnT>
+                    <a:lnB w="12700" cap="flat" cmpd="sng" algn="ctr">
+                      <a:solidFill>
+                        <a:srgbClr val="000000"/>
+                      </a:solidFill>
+                      <a:prstDash val="solid"/>
+                      <a:round/>
+                      <a:headEnd type="none" w="med" len="med"/>
+                      <a:tailEnd type="none" w="med" len="med"/>
+                    </a:lnB>
+                    <a:solidFill>
+                      <a:schemeClr val="bg2">
+                        <a:lumMod val="90000"/>
+                      </a:schemeClr>
+                    </a:solidFill>
+                  </a:tcPr>
+                </a:tc>
+                <a:tc>
+                  <a:txBody>
+                    <a:bodyPr/>
+                    <a:lstStyle/>
+                    <a:p>
+                      <a:pPr indent="114300" algn="ctr">
+                        <a:lnSpc>
+                          <a:spcPts val="1200"/>
+                        </a:lnSpc>
+                        <a:spcAft>
+                          <a:spcPts val="0"/>
+                        </a:spcAft>
+                      </a:pPr>
+                      <a:r>
+                        <a:rPr lang="en-US" sz="2000">
+                          <a:effectLst/>
+                          <a:latin typeface="Times New Roman" panose="02020603050405020304" pitchFamily="18" charset="0"/>
+                          <a:ea typeface="ＭＳ 明朝" panose="02020609040205080304" pitchFamily="17" charset="-128"/>
+                          <a:cs typeface="Times New Roman" panose="02020603050405020304" pitchFamily="18" charset="0"/>
+                        </a:rPr>
+                        <a:t>9</a:t>
+                      </a:r>
+                      <a:endParaRPr lang="ja-JP" sz="2000">
+                        <a:effectLst/>
+                        <a:latin typeface="Times New Roman" panose="02020603050405020304" pitchFamily="18" charset="0"/>
+                        <a:ea typeface="ＭＳ 明朝" panose="02020609040205080304" pitchFamily="17" charset="-128"/>
+                        <a:cs typeface="Times New Roman" panose="02020603050405020304" pitchFamily="18" charset="0"/>
+                      </a:endParaRPr>
+                    </a:p>
+                  </a:txBody>
+                  <a:tcPr marL="68580" marR="68580" marT="0" marB="0" anchor="ctr">
+                    <a:lnL w="12700" cap="flat" cmpd="sng" algn="ctr">
+                      <a:solidFill>
+                        <a:srgbClr val="000000"/>
+                      </a:solidFill>
+                      <a:prstDash val="solid"/>
+                      <a:round/>
+                      <a:headEnd type="none" w="med" len="med"/>
+                      <a:tailEnd type="none" w="med" len="med"/>
+                    </a:lnL>
+                    <a:lnR w="12700" cap="flat" cmpd="sng" algn="ctr">
+                      <a:solidFill>
+                        <a:srgbClr val="000000"/>
+                      </a:solidFill>
+                      <a:prstDash val="solid"/>
+                      <a:round/>
+                      <a:headEnd type="none" w="med" len="med"/>
+                      <a:tailEnd type="none" w="med" len="med"/>
+                    </a:lnR>
+                    <a:lnT w="19050" cap="flat" cmpd="dbl" algn="ctr">
+                      <a:solidFill>
+                        <a:srgbClr val="000000"/>
+                      </a:solidFill>
+                      <a:prstDash val="solid"/>
+                      <a:round/>
+                      <a:headEnd type="none" w="med" len="med"/>
+                      <a:tailEnd type="none" w="med" len="med"/>
+                    </a:lnT>
+                    <a:lnB w="12700" cap="flat" cmpd="sng" algn="ctr">
+                      <a:solidFill>
+                        <a:srgbClr val="000000"/>
+                      </a:solidFill>
+                      <a:prstDash val="solid"/>
+                      <a:round/>
+                      <a:headEnd type="none" w="med" len="med"/>
+                      <a:tailEnd type="none" w="med" len="med"/>
+                    </a:lnB>
+                    <a:solidFill>
+                      <a:schemeClr val="bg2">
+                        <a:lumMod val="90000"/>
+                      </a:schemeClr>
+                    </a:solidFill>
+                  </a:tcPr>
+                </a:tc>
+                <a:tc>
+                  <a:txBody>
+                    <a:bodyPr/>
+                    <a:lstStyle/>
+                    <a:p>
+                      <a:pPr indent="114300" algn="ctr">
+                        <a:lnSpc>
+                          <a:spcPts val="1200"/>
+                        </a:lnSpc>
+                        <a:spcAft>
+                          <a:spcPts val="0"/>
+                        </a:spcAft>
+                      </a:pPr>
+                      <a:r>
+                        <a:rPr lang="en-US" sz="2000" dirty="0">
+                          <a:effectLst/>
+                          <a:latin typeface="Times New Roman" panose="02020603050405020304" pitchFamily="18" charset="0"/>
+                          <a:ea typeface="ＭＳ 明朝" panose="02020609040205080304" pitchFamily="17" charset="-128"/>
+                          <a:cs typeface="Times New Roman" panose="02020603050405020304" pitchFamily="18" charset="0"/>
+                        </a:rPr>
+                        <a:t>10</a:t>
+                      </a:r>
+                      <a:endParaRPr lang="ja-JP" sz="2000" dirty="0">
+                        <a:effectLst/>
+                        <a:latin typeface="Times New Roman" panose="02020603050405020304" pitchFamily="18" charset="0"/>
+                        <a:ea typeface="ＭＳ 明朝" panose="02020609040205080304" pitchFamily="17" charset="-128"/>
+                        <a:cs typeface="Times New Roman" panose="02020603050405020304" pitchFamily="18" charset="0"/>
+                      </a:endParaRPr>
+                    </a:p>
+                  </a:txBody>
+                  <a:tcPr marL="68580" marR="68580" marT="0" marB="0" anchor="ctr">
+                    <a:lnL w="12700" cap="flat" cmpd="sng" algn="ctr">
+                      <a:solidFill>
+                        <a:srgbClr val="000000"/>
+                      </a:solidFill>
+                      <a:prstDash val="solid"/>
+                      <a:round/>
+                      <a:headEnd type="none" w="med" len="med"/>
+                      <a:tailEnd type="none" w="med" len="med"/>
+                    </a:lnL>
+                    <a:lnR w="19050" cap="flat" cmpd="sng" algn="ctr">
+                      <a:solidFill>
+                        <a:srgbClr val="000000"/>
+                      </a:solidFill>
+                      <a:prstDash val="solid"/>
+                      <a:round/>
+                      <a:headEnd type="none" w="med" len="med"/>
+                      <a:tailEnd type="none" w="med" len="med"/>
+                    </a:lnR>
+                    <a:lnT w="19050" cap="flat" cmpd="dbl" algn="ctr">
+                      <a:solidFill>
+                        <a:srgbClr val="000000"/>
+                      </a:solidFill>
+                      <a:prstDash val="solid"/>
+                      <a:round/>
+                      <a:headEnd type="none" w="med" len="med"/>
+                      <a:tailEnd type="none" w="med" len="med"/>
+                    </a:lnT>
+                    <a:lnB w="12700" cap="flat" cmpd="sng" algn="ctr">
+                      <a:solidFill>
+                        <a:srgbClr val="000000"/>
+                      </a:solidFill>
+                      <a:prstDash val="solid"/>
+                      <a:round/>
+                      <a:headEnd type="none" w="med" len="med"/>
+                      <a:tailEnd type="none" w="med" len="med"/>
+                    </a:lnB>
+                    <a:solidFill>
+                      <a:schemeClr val="bg2">
+                        <a:lumMod val="90000"/>
+                      </a:schemeClr>
+                    </a:solidFill>
+                  </a:tcPr>
+                </a:tc>
+              </a:tr>
+              <a:tr h="617289">
+                <a:tc>
+                  <a:txBody>
+                    <a:bodyPr/>
+                    <a:lstStyle/>
+                    <a:p>
+                      <a:pPr indent="114300" algn="ctr">
+                        <a:lnSpc>
+                          <a:spcPct val="100000"/>
+                        </a:lnSpc>
+                        <a:spcAft>
+                          <a:spcPts val="0"/>
+                        </a:spcAft>
+                      </a:pPr>
+                      <a:r>
+                        <a:rPr lang="ja-JP" sz="2000" dirty="0">
+                          <a:effectLst/>
+                          <a:latin typeface="Times New Roman" panose="02020603050405020304" pitchFamily="18" charset="0"/>
+                          <a:ea typeface="ＭＳ 明朝" panose="02020609040205080304" pitchFamily="17" charset="-128"/>
+                          <a:cs typeface="Times New Roman" panose="02020603050405020304" pitchFamily="18" charset="0"/>
+                        </a:rPr>
+                        <a:t>センサ通過のべ人数</a:t>
+                      </a:r>
+                    </a:p>
+                  </a:txBody>
+                  <a:tcPr marL="68580" marR="68580" marT="0" marB="0" anchor="ctr">
+                    <a:lnL w="19050" cap="flat" cmpd="sng" algn="ctr">
+                      <a:solidFill>
+                        <a:srgbClr val="000000"/>
+                      </a:solidFill>
+                      <a:prstDash val="solid"/>
+                      <a:round/>
+                      <a:headEnd type="none" w="med" len="med"/>
+                      <a:tailEnd type="none" w="med" len="med"/>
+                    </a:lnL>
+                    <a:lnR w="19050" cap="flat" cmpd="dbl" algn="ctr">
+                      <a:solidFill>
+                        <a:srgbClr val="000000"/>
+                      </a:solidFill>
+                      <a:prstDash val="solid"/>
+                      <a:round/>
+                      <a:headEnd type="none" w="med" len="med"/>
+                      <a:tailEnd type="none" w="med" len="med"/>
+                    </a:lnR>
+                    <a:lnT w="12700" cap="flat" cmpd="sng" algn="ctr">
+                      <a:solidFill>
+                        <a:srgbClr val="000000"/>
+                      </a:solidFill>
+                      <a:prstDash val="solid"/>
+                      <a:round/>
+                      <a:headEnd type="none" w="med" len="med"/>
+                      <a:tailEnd type="none" w="med" len="med"/>
+                    </a:lnT>
+                    <a:lnB w="19050" cap="flat" cmpd="dbl" algn="ctr">
+                      <a:solidFill>
+                        <a:srgbClr val="000000"/>
+                      </a:solidFill>
+                      <a:prstDash val="solid"/>
+                      <a:round/>
+                      <a:headEnd type="none" w="med" len="med"/>
+                      <a:tailEnd type="none" w="med" len="med"/>
+                    </a:lnB>
+                  </a:tcPr>
+                </a:tc>
+                <a:tc>
+                  <a:txBody>
+                    <a:bodyPr/>
+                    <a:lstStyle/>
+                    <a:p>
+                      <a:pPr indent="114300" algn="ctr">
+                        <a:lnSpc>
+                          <a:spcPts val="1200"/>
+                        </a:lnSpc>
+                        <a:spcAft>
+                          <a:spcPts val="0"/>
+                        </a:spcAft>
+                      </a:pPr>
+                      <a:r>
+                        <a:rPr lang="en-US" sz="2000">
+                          <a:effectLst/>
+                          <a:latin typeface="Times New Roman" panose="02020603050405020304" pitchFamily="18" charset="0"/>
+                          <a:ea typeface="ＭＳ 明朝" panose="02020609040205080304" pitchFamily="17" charset="-128"/>
+                          <a:cs typeface="Times New Roman" panose="02020603050405020304" pitchFamily="18" charset="0"/>
+                        </a:rPr>
+                        <a:t>94</a:t>
+                      </a:r>
+                      <a:endParaRPr lang="ja-JP" sz="2000">
+                        <a:effectLst/>
+                        <a:latin typeface="Times New Roman" panose="02020603050405020304" pitchFamily="18" charset="0"/>
+                        <a:ea typeface="ＭＳ 明朝" panose="02020609040205080304" pitchFamily="17" charset="-128"/>
+                        <a:cs typeface="Times New Roman" panose="02020603050405020304" pitchFamily="18" charset="0"/>
+                      </a:endParaRPr>
+                    </a:p>
+                  </a:txBody>
+                  <a:tcPr marL="68580" marR="68580" marT="0" marB="0" anchor="ctr">
+                    <a:lnL w="19050" cap="flat" cmpd="dbl" algn="ctr">
+                      <a:solidFill>
+                        <a:srgbClr val="000000"/>
+                      </a:solidFill>
+                      <a:prstDash val="solid"/>
+                      <a:round/>
+                      <a:headEnd type="none" w="med" len="med"/>
+                      <a:tailEnd type="none" w="med" len="med"/>
+                    </a:lnL>
+                    <a:lnR w="12700" cap="flat" cmpd="sng" algn="ctr">
+                      <a:solidFill>
+                        <a:srgbClr val="000000"/>
+                      </a:solidFill>
+                      <a:prstDash val="solid"/>
+                      <a:round/>
+                      <a:headEnd type="none" w="med" len="med"/>
+                      <a:tailEnd type="none" w="med" len="med"/>
+                    </a:lnR>
+                    <a:lnT w="12700" cap="flat" cmpd="sng" algn="ctr">
+                      <a:solidFill>
+                        <a:srgbClr val="000000"/>
+                      </a:solidFill>
+                      <a:prstDash val="solid"/>
+                      <a:round/>
+                      <a:headEnd type="none" w="med" len="med"/>
+                      <a:tailEnd type="none" w="med" len="med"/>
+                    </a:lnT>
+                    <a:lnB w="19050" cap="flat" cmpd="dbl" algn="ctr">
+                      <a:solidFill>
+                        <a:srgbClr val="000000"/>
+                      </a:solidFill>
+                      <a:prstDash val="solid"/>
+                      <a:round/>
+                      <a:headEnd type="none" w="med" len="med"/>
+                      <a:tailEnd type="none" w="med" len="med"/>
+                    </a:lnB>
+                  </a:tcPr>
+                </a:tc>
+                <a:tc>
+                  <a:txBody>
+                    <a:bodyPr/>
+                    <a:lstStyle/>
+                    <a:p>
+                      <a:pPr indent="114300" algn="ctr">
+                        <a:lnSpc>
+                          <a:spcPts val="1200"/>
+                        </a:lnSpc>
+                        <a:spcAft>
+                          <a:spcPts val="0"/>
+                        </a:spcAft>
+                      </a:pPr>
+                      <a:r>
+                        <a:rPr lang="en-US" sz="2000">
+                          <a:effectLst/>
+                          <a:latin typeface="Times New Roman" panose="02020603050405020304" pitchFamily="18" charset="0"/>
+                          <a:ea typeface="ＭＳ 明朝" panose="02020609040205080304" pitchFamily="17" charset="-128"/>
+                          <a:cs typeface="Times New Roman" panose="02020603050405020304" pitchFamily="18" charset="0"/>
+                        </a:rPr>
+                        <a:t>14</a:t>
+                      </a:r>
+                      <a:endParaRPr lang="ja-JP" sz="2000">
+                        <a:effectLst/>
+                        <a:latin typeface="Times New Roman" panose="02020603050405020304" pitchFamily="18" charset="0"/>
+                        <a:ea typeface="ＭＳ 明朝" panose="02020609040205080304" pitchFamily="17" charset="-128"/>
+                        <a:cs typeface="Times New Roman" panose="02020603050405020304" pitchFamily="18" charset="0"/>
+                      </a:endParaRPr>
+                    </a:p>
+                  </a:txBody>
+                  <a:tcPr marL="68580" marR="68580" marT="0" marB="0" anchor="ctr">
+                    <a:lnL w="12700" cap="flat" cmpd="sng" algn="ctr">
+                      <a:solidFill>
+                        <a:srgbClr val="000000"/>
+                      </a:solidFill>
+                      <a:prstDash val="solid"/>
+                      <a:round/>
+                      <a:headEnd type="none" w="med" len="med"/>
+                      <a:tailEnd type="none" w="med" len="med"/>
+                    </a:lnL>
+                    <a:lnR w="12700" cap="flat" cmpd="sng" algn="ctr">
+                      <a:solidFill>
+                        <a:srgbClr val="000000"/>
+                      </a:solidFill>
+                      <a:prstDash val="solid"/>
+                      <a:round/>
+                      <a:headEnd type="none" w="med" len="med"/>
+                      <a:tailEnd type="none" w="med" len="med"/>
+                    </a:lnR>
+                    <a:lnT w="12700" cap="flat" cmpd="sng" algn="ctr">
+                      <a:solidFill>
+                        <a:srgbClr val="000000"/>
+                      </a:solidFill>
+                      <a:prstDash val="solid"/>
+                      <a:round/>
+                      <a:headEnd type="none" w="med" len="med"/>
+                      <a:tailEnd type="none" w="med" len="med"/>
+                    </a:lnT>
+                    <a:lnB w="19050" cap="flat" cmpd="dbl" algn="ctr">
+                      <a:solidFill>
+                        <a:srgbClr val="000000"/>
+                      </a:solidFill>
+                      <a:prstDash val="solid"/>
+                      <a:round/>
+                      <a:headEnd type="none" w="med" len="med"/>
+                      <a:tailEnd type="none" w="med" len="med"/>
+                    </a:lnB>
+                  </a:tcPr>
+                </a:tc>
+                <a:tc>
+                  <a:txBody>
+                    <a:bodyPr/>
+                    <a:lstStyle/>
+                    <a:p>
+                      <a:pPr indent="114300" algn="ctr">
+                        <a:lnSpc>
+                          <a:spcPts val="1200"/>
+                        </a:lnSpc>
+                        <a:spcAft>
+                          <a:spcPts val="0"/>
+                        </a:spcAft>
+                      </a:pPr>
+                      <a:r>
+                        <a:rPr lang="en-US" sz="2000">
+                          <a:effectLst/>
+                          <a:latin typeface="Times New Roman" panose="02020603050405020304" pitchFamily="18" charset="0"/>
+                          <a:ea typeface="ＭＳ 明朝" panose="02020609040205080304" pitchFamily="17" charset="-128"/>
+                          <a:cs typeface="Times New Roman" panose="02020603050405020304" pitchFamily="18" charset="0"/>
+                        </a:rPr>
+                        <a:t>68</a:t>
+                      </a:r>
+                      <a:endParaRPr lang="ja-JP" sz="2000">
+                        <a:effectLst/>
+                        <a:latin typeface="Times New Roman" panose="02020603050405020304" pitchFamily="18" charset="0"/>
+                        <a:ea typeface="ＭＳ 明朝" panose="02020609040205080304" pitchFamily="17" charset="-128"/>
+                        <a:cs typeface="Times New Roman" panose="02020603050405020304" pitchFamily="18" charset="0"/>
+                      </a:endParaRPr>
+                    </a:p>
+                  </a:txBody>
+                  <a:tcPr marL="68580" marR="68580" marT="0" marB="0" anchor="ctr">
+                    <a:lnL w="12700" cap="flat" cmpd="sng" algn="ctr">
+                      <a:solidFill>
+                        <a:srgbClr val="000000"/>
+                      </a:solidFill>
+                      <a:prstDash val="solid"/>
+                      <a:round/>
+                      <a:headEnd type="none" w="med" len="med"/>
+                      <a:tailEnd type="none" w="med" len="med"/>
+                    </a:lnL>
+                    <a:lnR w="12700" cap="flat" cmpd="sng" algn="ctr">
+                      <a:solidFill>
+                        <a:srgbClr val="000000"/>
+                      </a:solidFill>
+                      <a:prstDash val="solid"/>
+                      <a:round/>
+                      <a:headEnd type="none" w="med" len="med"/>
+                      <a:tailEnd type="none" w="med" len="med"/>
+                    </a:lnR>
+                    <a:lnT w="12700" cap="flat" cmpd="sng" algn="ctr">
+                      <a:solidFill>
+                        <a:srgbClr val="000000"/>
+                      </a:solidFill>
+                      <a:prstDash val="solid"/>
+                      <a:round/>
+                      <a:headEnd type="none" w="med" len="med"/>
+                      <a:tailEnd type="none" w="med" len="med"/>
+                    </a:lnT>
+                    <a:lnB w="19050" cap="flat" cmpd="dbl" algn="ctr">
+                      <a:solidFill>
+                        <a:srgbClr val="000000"/>
+                      </a:solidFill>
+                      <a:prstDash val="solid"/>
+                      <a:round/>
+                      <a:headEnd type="none" w="med" len="med"/>
+                      <a:tailEnd type="none" w="med" len="med"/>
+                    </a:lnB>
+                  </a:tcPr>
+                </a:tc>
+                <a:tc>
+                  <a:txBody>
+                    <a:bodyPr/>
+                    <a:lstStyle/>
+                    <a:p>
+                      <a:pPr indent="114300" algn="ctr">
+                        <a:lnSpc>
+                          <a:spcPts val="1200"/>
+                        </a:lnSpc>
+                        <a:spcAft>
+                          <a:spcPts val="0"/>
+                        </a:spcAft>
+                      </a:pPr>
+                      <a:r>
+                        <a:rPr lang="en-US" sz="2000">
+                          <a:effectLst/>
+                          <a:latin typeface="Times New Roman" panose="02020603050405020304" pitchFamily="18" charset="0"/>
+                          <a:ea typeface="ＭＳ 明朝" panose="02020609040205080304" pitchFamily="17" charset="-128"/>
+                          <a:cs typeface="Times New Roman" panose="02020603050405020304" pitchFamily="18" charset="0"/>
+                        </a:rPr>
+                        <a:t>452</a:t>
+                      </a:r>
+                      <a:endParaRPr lang="ja-JP" sz="2000">
+                        <a:effectLst/>
+                        <a:latin typeface="Times New Roman" panose="02020603050405020304" pitchFamily="18" charset="0"/>
+                        <a:ea typeface="ＭＳ 明朝" panose="02020609040205080304" pitchFamily="17" charset="-128"/>
+                        <a:cs typeface="Times New Roman" panose="02020603050405020304" pitchFamily="18" charset="0"/>
+                      </a:endParaRPr>
+                    </a:p>
+                  </a:txBody>
+                  <a:tcPr marL="68580" marR="68580" marT="0" marB="0" anchor="ctr">
+                    <a:lnL w="12700" cap="flat" cmpd="sng" algn="ctr">
+                      <a:solidFill>
+                        <a:srgbClr val="000000"/>
+                      </a:solidFill>
+                      <a:prstDash val="solid"/>
+                      <a:round/>
+                      <a:headEnd type="none" w="med" len="med"/>
+                      <a:tailEnd type="none" w="med" len="med"/>
+                    </a:lnL>
+                    <a:lnR w="12700" cap="flat" cmpd="sng" algn="ctr">
+                      <a:solidFill>
+                        <a:srgbClr val="000000"/>
+                      </a:solidFill>
+                      <a:prstDash val="solid"/>
+                      <a:round/>
+                      <a:headEnd type="none" w="med" len="med"/>
+                      <a:tailEnd type="none" w="med" len="med"/>
+                    </a:lnR>
+                    <a:lnT w="12700" cap="flat" cmpd="sng" algn="ctr">
+                      <a:solidFill>
+                        <a:srgbClr val="000000"/>
+                      </a:solidFill>
+                      <a:prstDash val="solid"/>
+                      <a:round/>
+                      <a:headEnd type="none" w="med" len="med"/>
+                      <a:tailEnd type="none" w="med" len="med"/>
+                    </a:lnT>
+                    <a:lnB w="19050" cap="flat" cmpd="dbl" algn="ctr">
+                      <a:solidFill>
+                        <a:srgbClr val="000000"/>
+                      </a:solidFill>
+                      <a:prstDash val="solid"/>
+                      <a:round/>
+                      <a:headEnd type="none" w="med" len="med"/>
+                      <a:tailEnd type="none" w="med" len="med"/>
+                    </a:lnB>
+                  </a:tcPr>
+                </a:tc>
+                <a:tc>
+                  <a:txBody>
+                    <a:bodyPr/>
+                    <a:lstStyle/>
+                    <a:p>
+                      <a:pPr indent="114300" algn="ctr">
+                        <a:lnSpc>
+                          <a:spcPts val="1200"/>
+                        </a:lnSpc>
+                        <a:spcAft>
+                          <a:spcPts val="0"/>
+                        </a:spcAft>
+                      </a:pPr>
+                      <a:r>
+                        <a:rPr lang="en-US" sz="2000" dirty="0">
+                          <a:effectLst/>
+                          <a:latin typeface="Times New Roman" panose="02020603050405020304" pitchFamily="18" charset="0"/>
+                          <a:ea typeface="ＭＳ 明朝" panose="02020609040205080304" pitchFamily="17" charset="-128"/>
+                          <a:cs typeface="Times New Roman" panose="02020603050405020304" pitchFamily="18" charset="0"/>
+                        </a:rPr>
+                        <a:t>514</a:t>
+                      </a:r>
+                      <a:endParaRPr lang="ja-JP" sz="2000" dirty="0">
+                        <a:effectLst/>
+                        <a:latin typeface="Times New Roman" panose="02020603050405020304" pitchFamily="18" charset="0"/>
+                        <a:ea typeface="ＭＳ 明朝" panose="02020609040205080304" pitchFamily="17" charset="-128"/>
+                        <a:cs typeface="Times New Roman" panose="02020603050405020304" pitchFamily="18" charset="0"/>
+                      </a:endParaRPr>
+                    </a:p>
+                  </a:txBody>
+                  <a:tcPr marL="68580" marR="68580" marT="0" marB="0" anchor="ctr">
+                    <a:lnL w="12700" cap="flat" cmpd="sng" algn="ctr">
+                      <a:solidFill>
+                        <a:srgbClr val="000000"/>
+                      </a:solidFill>
+                      <a:prstDash val="solid"/>
+                      <a:round/>
+                      <a:headEnd type="none" w="med" len="med"/>
+                      <a:tailEnd type="none" w="med" len="med"/>
+                    </a:lnL>
+                    <a:lnR w="19050" cap="flat" cmpd="sng" algn="ctr">
+                      <a:solidFill>
+                        <a:srgbClr val="000000"/>
+                      </a:solidFill>
+                      <a:prstDash val="solid"/>
+                      <a:round/>
+                      <a:headEnd type="none" w="med" len="med"/>
+                      <a:tailEnd type="none" w="med" len="med"/>
+                    </a:lnR>
+                    <a:lnT w="12700" cap="flat" cmpd="sng" algn="ctr">
+                      <a:solidFill>
+                        <a:srgbClr val="000000"/>
+                      </a:solidFill>
+                      <a:prstDash val="solid"/>
+                      <a:round/>
+                      <a:headEnd type="none" w="med" len="med"/>
+                      <a:tailEnd type="none" w="med" len="med"/>
+                    </a:lnT>
+                    <a:lnB w="19050" cap="flat" cmpd="dbl" algn="ctr">
+                      <a:solidFill>
+                        <a:srgbClr val="000000"/>
+                      </a:solidFill>
+                      <a:prstDash val="solid"/>
+                      <a:round/>
+                      <a:headEnd type="none" w="med" len="med"/>
+                      <a:tailEnd type="none" w="med" len="med"/>
+                    </a:lnB>
+                  </a:tcPr>
+                </a:tc>
+              </a:tr>
+              <a:tr h="617289">
+                <a:tc>
+                  <a:txBody>
+                    <a:bodyPr/>
+                    <a:lstStyle/>
+                    <a:p>
+                      <a:pPr indent="114300" algn="ctr">
+                        <a:lnSpc>
+                          <a:spcPct val="100000"/>
+                        </a:lnSpc>
+                        <a:spcAft>
+                          <a:spcPts val="0"/>
+                        </a:spcAft>
+                      </a:pPr>
+                      <a:r>
+                        <a:rPr lang="ja-JP" sz="2000" dirty="0">
+                          <a:effectLst/>
+                          <a:latin typeface="Times New Roman" panose="02020603050405020304" pitchFamily="18" charset="0"/>
+                          <a:ea typeface="ＭＳ 明朝" panose="02020609040205080304" pitchFamily="17" charset="-128"/>
+                          <a:cs typeface="Times New Roman" panose="02020603050405020304" pitchFamily="18" charset="0"/>
+                        </a:rPr>
+                        <a:t>センサ番号</a:t>
+                      </a:r>
+                    </a:p>
+                  </a:txBody>
+                  <a:tcPr marL="68580" marR="68580" marT="0" marB="0" anchor="ctr">
+                    <a:lnL w="19050" cap="flat" cmpd="sng" algn="ctr">
+                      <a:solidFill>
+                        <a:srgbClr val="000000"/>
+                      </a:solidFill>
+                      <a:prstDash val="solid"/>
+                      <a:round/>
+                      <a:headEnd type="none" w="med" len="med"/>
+                      <a:tailEnd type="none" w="med" len="med"/>
+                    </a:lnL>
+                    <a:lnR w="19050" cap="flat" cmpd="dbl" algn="ctr">
+                      <a:solidFill>
+                        <a:srgbClr val="000000"/>
+                      </a:solidFill>
+                      <a:prstDash val="solid"/>
+                      <a:round/>
+                      <a:headEnd type="none" w="med" len="med"/>
+                      <a:tailEnd type="none" w="med" len="med"/>
+                    </a:lnR>
+                    <a:lnT w="19050" cap="flat" cmpd="dbl" algn="ctr">
+                      <a:solidFill>
+                        <a:srgbClr val="000000"/>
+                      </a:solidFill>
+                      <a:prstDash val="solid"/>
+                      <a:round/>
+                      <a:headEnd type="none" w="med" len="med"/>
+                      <a:tailEnd type="none" w="med" len="med"/>
+                    </a:lnT>
+                    <a:lnB w="12700" cap="flat" cmpd="sng" algn="ctr">
+                      <a:solidFill>
+                        <a:srgbClr val="000000"/>
+                      </a:solidFill>
+                      <a:prstDash val="solid"/>
+                      <a:round/>
+                      <a:headEnd type="none" w="med" len="med"/>
+                      <a:tailEnd type="none" w="med" len="med"/>
+                    </a:lnB>
+                    <a:solidFill>
+                      <a:srgbClr val="D9D9D9"/>
+                    </a:solidFill>
+                  </a:tcPr>
+                </a:tc>
+                <a:tc>
+                  <a:txBody>
+                    <a:bodyPr/>
+                    <a:lstStyle/>
+                    <a:p>
+                      <a:pPr indent="114300" algn="ctr">
+                        <a:lnSpc>
+                          <a:spcPts val="1200"/>
+                        </a:lnSpc>
+                        <a:spcAft>
+                          <a:spcPts val="0"/>
+                        </a:spcAft>
+                      </a:pPr>
+                      <a:r>
+                        <a:rPr lang="en-US" sz="2000">
+                          <a:effectLst/>
+                          <a:latin typeface="Times New Roman" panose="02020603050405020304" pitchFamily="18" charset="0"/>
+                          <a:ea typeface="ＭＳ 明朝" panose="02020609040205080304" pitchFamily="17" charset="-128"/>
+                          <a:cs typeface="Times New Roman" panose="02020603050405020304" pitchFamily="18" charset="0"/>
+                        </a:rPr>
+                        <a:t>11</a:t>
+                      </a:r>
+                      <a:endParaRPr lang="ja-JP" sz="2000">
+                        <a:effectLst/>
+                        <a:latin typeface="Times New Roman" panose="02020603050405020304" pitchFamily="18" charset="0"/>
+                        <a:ea typeface="ＭＳ 明朝" panose="02020609040205080304" pitchFamily="17" charset="-128"/>
+                        <a:cs typeface="Times New Roman" panose="02020603050405020304" pitchFamily="18" charset="0"/>
+                      </a:endParaRPr>
+                    </a:p>
+                  </a:txBody>
+                  <a:tcPr marL="68580" marR="68580" marT="0" marB="0" anchor="ctr">
+                    <a:lnL w="19050" cap="flat" cmpd="dbl" algn="ctr">
+                      <a:solidFill>
+                        <a:srgbClr val="000000"/>
+                      </a:solidFill>
+                      <a:prstDash val="solid"/>
+                      <a:round/>
+                      <a:headEnd type="none" w="med" len="med"/>
+                      <a:tailEnd type="none" w="med" len="med"/>
+                    </a:lnL>
+                    <a:lnR w="12700" cap="flat" cmpd="sng" algn="ctr">
+                      <a:solidFill>
+                        <a:srgbClr val="000000"/>
+                      </a:solidFill>
+                      <a:prstDash val="solid"/>
+                      <a:round/>
+                      <a:headEnd type="none" w="med" len="med"/>
+                      <a:tailEnd type="none" w="med" len="med"/>
+                    </a:lnR>
+                    <a:lnT w="19050" cap="flat" cmpd="dbl" algn="ctr">
+                      <a:solidFill>
+                        <a:srgbClr val="000000"/>
+                      </a:solidFill>
+                      <a:prstDash val="solid"/>
+                      <a:round/>
+                      <a:headEnd type="none" w="med" len="med"/>
+                      <a:tailEnd type="none" w="med" len="med"/>
+                    </a:lnT>
+                    <a:lnB w="12700" cap="flat" cmpd="sng" algn="ctr">
+                      <a:solidFill>
+                        <a:srgbClr val="000000"/>
+                      </a:solidFill>
+                      <a:prstDash val="solid"/>
+                      <a:round/>
+                      <a:headEnd type="none" w="med" len="med"/>
+                      <a:tailEnd type="none" w="med" len="med"/>
+                    </a:lnB>
+                    <a:solidFill>
+                      <a:srgbClr val="D9D9D9"/>
+                    </a:solidFill>
+                  </a:tcPr>
+                </a:tc>
+                <a:tc>
+                  <a:txBody>
+                    <a:bodyPr/>
+                    <a:lstStyle/>
+                    <a:p>
+                      <a:pPr indent="114300" algn="ctr">
+                        <a:lnSpc>
+                          <a:spcPts val="1200"/>
+                        </a:lnSpc>
+                        <a:spcAft>
+                          <a:spcPts val="0"/>
+                        </a:spcAft>
+                      </a:pPr>
+                      <a:r>
+                        <a:rPr lang="en-US" sz="2000">
+                          <a:effectLst/>
+                          <a:latin typeface="Times New Roman" panose="02020603050405020304" pitchFamily="18" charset="0"/>
+                          <a:ea typeface="ＭＳ 明朝" panose="02020609040205080304" pitchFamily="17" charset="-128"/>
+                          <a:cs typeface="Times New Roman" panose="02020603050405020304" pitchFamily="18" charset="0"/>
+                        </a:rPr>
+                        <a:t>12</a:t>
+                      </a:r>
+                      <a:endParaRPr lang="ja-JP" sz="2000">
+                        <a:effectLst/>
+                        <a:latin typeface="Times New Roman" panose="02020603050405020304" pitchFamily="18" charset="0"/>
+                        <a:ea typeface="ＭＳ 明朝" panose="02020609040205080304" pitchFamily="17" charset="-128"/>
+                        <a:cs typeface="Times New Roman" panose="02020603050405020304" pitchFamily="18" charset="0"/>
+                      </a:endParaRPr>
+                    </a:p>
+                  </a:txBody>
+                  <a:tcPr marL="68580" marR="68580" marT="0" marB="0" anchor="ctr">
+                    <a:lnL w="12700" cap="flat" cmpd="sng" algn="ctr">
+                      <a:solidFill>
+                        <a:srgbClr val="000000"/>
+                      </a:solidFill>
+                      <a:prstDash val="solid"/>
+                      <a:round/>
+                      <a:headEnd type="none" w="med" len="med"/>
+                      <a:tailEnd type="none" w="med" len="med"/>
+                    </a:lnL>
+                    <a:lnR w="12700" cap="flat" cmpd="sng" algn="ctr">
+                      <a:solidFill>
+                        <a:srgbClr val="000000"/>
+                      </a:solidFill>
+                      <a:prstDash val="solid"/>
+                      <a:round/>
+                      <a:headEnd type="none" w="med" len="med"/>
+                      <a:tailEnd type="none" w="med" len="med"/>
+                    </a:lnR>
+                    <a:lnT w="19050" cap="flat" cmpd="dbl" algn="ctr">
+                      <a:solidFill>
+                        <a:srgbClr val="000000"/>
+                      </a:solidFill>
+                      <a:prstDash val="solid"/>
+                      <a:round/>
+                      <a:headEnd type="none" w="med" len="med"/>
+                      <a:tailEnd type="none" w="med" len="med"/>
+                    </a:lnT>
+                    <a:lnB w="12700" cap="flat" cmpd="sng" algn="ctr">
+                      <a:solidFill>
+                        <a:srgbClr val="000000"/>
+                      </a:solidFill>
+                      <a:prstDash val="solid"/>
+                      <a:round/>
+                      <a:headEnd type="none" w="med" len="med"/>
+                      <a:tailEnd type="none" w="med" len="med"/>
+                    </a:lnB>
+                    <a:solidFill>
+                      <a:srgbClr val="D9D9D9"/>
+                    </a:solidFill>
+                  </a:tcPr>
+                </a:tc>
+                <a:tc>
+                  <a:txBody>
+                    <a:bodyPr/>
+                    <a:lstStyle/>
+                    <a:p>
+                      <a:pPr indent="114300" algn="ctr">
+                        <a:lnSpc>
+                          <a:spcPts val="1200"/>
+                        </a:lnSpc>
+                        <a:spcAft>
+                          <a:spcPts val="0"/>
+                        </a:spcAft>
+                      </a:pPr>
+                      <a:r>
+                        <a:rPr lang="en-US" sz="2000">
+                          <a:effectLst/>
+                          <a:latin typeface="Times New Roman" panose="02020603050405020304" pitchFamily="18" charset="0"/>
+                          <a:ea typeface="ＭＳ 明朝" panose="02020609040205080304" pitchFamily="17" charset="-128"/>
+                          <a:cs typeface="Times New Roman" panose="02020603050405020304" pitchFamily="18" charset="0"/>
+                        </a:rPr>
+                        <a:t>13</a:t>
+                      </a:r>
+                      <a:endParaRPr lang="ja-JP" sz="2000">
+                        <a:effectLst/>
+                        <a:latin typeface="Times New Roman" panose="02020603050405020304" pitchFamily="18" charset="0"/>
+                        <a:ea typeface="ＭＳ 明朝" panose="02020609040205080304" pitchFamily="17" charset="-128"/>
+                        <a:cs typeface="Times New Roman" panose="02020603050405020304" pitchFamily="18" charset="0"/>
+                      </a:endParaRPr>
+                    </a:p>
+                  </a:txBody>
+                  <a:tcPr marL="68580" marR="68580" marT="0" marB="0" anchor="ctr">
+                    <a:lnL w="12700" cap="flat" cmpd="sng" algn="ctr">
+                      <a:solidFill>
+                        <a:srgbClr val="000000"/>
+                      </a:solidFill>
+                      <a:prstDash val="solid"/>
+                      <a:round/>
+                      <a:headEnd type="none" w="med" len="med"/>
+                      <a:tailEnd type="none" w="med" len="med"/>
+                    </a:lnL>
+                    <a:lnR w="12700" cap="flat" cmpd="sng" algn="ctr">
+                      <a:solidFill>
+                        <a:srgbClr val="000000"/>
+                      </a:solidFill>
+                      <a:prstDash val="solid"/>
+                      <a:round/>
+                      <a:headEnd type="none" w="med" len="med"/>
+                      <a:tailEnd type="none" w="med" len="med"/>
+                    </a:lnR>
+                    <a:lnT w="19050" cap="flat" cmpd="dbl" algn="ctr">
+                      <a:solidFill>
+                        <a:srgbClr val="000000"/>
+                      </a:solidFill>
+                      <a:prstDash val="solid"/>
+                      <a:round/>
+                      <a:headEnd type="none" w="med" len="med"/>
+                      <a:tailEnd type="none" w="med" len="med"/>
+                    </a:lnT>
+                    <a:lnB w="12700" cap="flat" cmpd="sng" algn="ctr">
+                      <a:solidFill>
+                        <a:srgbClr val="000000"/>
+                      </a:solidFill>
+                      <a:prstDash val="solid"/>
+                      <a:round/>
+                      <a:headEnd type="none" w="med" len="med"/>
+                      <a:tailEnd type="none" w="med" len="med"/>
+                    </a:lnB>
+                    <a:solidFill>
+                      <a:srgbClr val="D9D9D9"/>
+                    </a:solidFill>
+                  </a:tcPr>
+                </a:tc>
+                <a:tc>
+                  <a:txBody>
+                    <a:bodyPr/>
+                    <a:lstStyle/>
+                    <a:p>
+                      <a:pPr indent="114300" algn="ctr">
+                        <a:lnSpc>
+                          <a:spcPts val="1200"/>
+                        </a:lnSpc>
+                        <a:spcAft>
+                          <a:spcPts val="0"/>
+                        </a:spcAft>
+                      </a:pPr>
+                      <a:r>
+                        <a:rPr lang="en-US" sz="2000">
+                          <a:effectLst/>
+                          <a:latin typeface="Times New Roman" panose="02020603050405020304" pitchFamily="18" charset="0"/>
+                          <a:ea typeface="ＭＳ 明朝" panose="02020609040205080304" pitchFamily="17" charset="-128"/>
+                          <a:cs typeface="Times New Roman" panose="02020603050405020304" pitchFamily="18" charset="0"/>
+                        </a:rPr>
+                        <a:t>14</a:t>
+                      </a:r>
+                      <a:endParaRPr lang="ja-JP" sz="2000">
+                        <a:effectLst/>
+                        <a:latin typeface="Times New Roman" panose="02020603050405020304" pitchFamily="18" charset="0"/>
+                        <a:ea typeface="ＭＳ 明朝" panose="02020609040205080304" pitchFamily="17" charset="-128"/>
+                        <a:cs typeface="Times New Roman" panose="02020603050405020304" pitchFamily="18" charset="0"/>
+                      </a:endParaRPr>
+                    </a:p>
+                  </a:txBody>
+                  <a:tcPr marL="68580" marR="68580" marT="0" marB="0" anchor="ctr">
+                    <a:lnL w="12700" cap="flat" cmpd="sng" algn="ctr">
+                      <a:solidFill>
+                        <a:srgbClr val="000000"/>
+                      </a:solidFill>
+                      <a:prstDash val="solid"/>
+                      <a:round/>
+                      <a:headEnd type="none" w="med" len="med"/>
+                      <a:tailEnd type="none" w="med" len="med"/>
+                    </a:lnL>
+                    <a:lnR w="12700" cap="flat" cmpd="sng" algn="ctr">
+                      <a:solidFill>
+                        <a:srgbClr val="000000"/>
+                      </a:solidFill>
+                      <a:prstDash val="solid"/>
+                      <a:round/>
+                      <a:headEnd type="none" w="med" len="med"/>
+                      <a:tailEnd type="none" w="med" len="med"/>
+                    </a:lnR>
+                    <a:lnT w="19050" cap="flat" cmpd="dbl" algn="ctr">
+                      <a:solidFill>
+                        <a:srgbClr val="000000"/>
+                      </a:solidFill>
+                      <a:prstDash val="solid"/>
+                      <a:round/>
+                      <a:headEnd type="none" w="med" len="med"/>
+                      <a:tailEnd type="none" w="med" len="med"/>
+                    </a:lnT>
+                    <a:lnB w="12700" cap="flat" cmpd="sng" algn="ctr">
+                      <a:solidFill>
+                        <a:srgbClr val="000000"/>
+                      </a:solidFill>
+                      <a:prstDash val="solid"/>
+                      <a:round/>
+                      <a:headEnd type="none" w="med" len="med"/>
+                      <a:tailEnd type="none" w="med" len="med"/>
+                    </a:lnB>
+                    <a:solidFill>
+                      <a:srgbClr val="D9D9D9"/>
+                    </a:solidFill>
+                  </a:tcPr>
+                </a:tc>
+                <a:tc>
+                  <a:txBody>
+                    <a:bodyPr/>
+                    <a:lstStyle/>
+                    <a:p>
+                      <a:pPr indent="114300" algn="ctr">
+                        <a:lnSpc>
+                          <a:spcPts val="1200"/>
+                        </a:lnSpc>
+                        <a:spcAft>
+                          <a:spcPts val="0"/>
+                        </a:spcAft>
+                      </a:pPr>
+                      <a:r>
+                        <a:rPr lang="en-US" sz="2000" dirty="0">
+                          <a:effectLst/>
+                          <a:latin typeface="Times New Roman" panose="02020603050405020304" pitchFamily="18" charset="0"/>
+                          <a:ea typeface="ＭＳ 明朝" panose="02020609040205080304" pitchFamily="17" charset="-128"/>
+                          <a:cs typeface="Times New Roman" panose="02020603050405020304" pitchFamily="18" charset="0"/>
+                        </a:rPr>
+                        <a:t>15</a:t>
+                      </a:r>
+                      <a:endParaRPr lang="ja-JP" sz="2000" dirty="0">
+                        <a:effectLst/>
+                        <a:latin typeface="Times New Roman" panose="02020603050405020304" pitchFamily="18" charset="0"/>
+                        <a:ea typeface="ＭＳ 明朝" panose="02020609040205080304" pitchFamily="17" charset="-128"/>
+                        <a:cs typeface="Times New Roman" panose="02020603050405020304" pitchFamily="18" charset="0"/>
+                      </a:endParaRPr>
+                    </a:p>
+                  </a:txBody>
+                  <a:tcPr marL="68580" marR="68580" marT="0" marB="0" anchor="ctr">
+                    <a:lnL w="12700" cap="flat" cmpd="sng" algn="ctr">
+                      <a:solidFill>
+                        <a:srgbClr val="000000"/>
+                      </a:solidFill>
+                      <a:prstDash val="solid"/>
+                      <a:round/>
+                      <a:headEnd type="none" w="med" len="med"/>
+                      <a:tailEnd type="none" w="med" len="med"/>
+                    </a:lnL>
+                    <a:lnR w="19050" cap="flat" cmpd="sng" algn="ctr">
+                      <a:solidFill>
+                        <a:srgbClr val="000000"/>
+                      </a:solidFill>
+                      <a:prstDash val="solid"/>
+                      <a:round/>
+                      <a:headEnd type="none" w="med" len="med"/>
+                      <a:tailEnd type="none" w="med" len="med"/>
+                    </a:lnR>
+                    <a:lnT w="19050" cap="flat" cmpd="dbl" algn="ctr">
+                      <a:solidFill>
+                        <a:srgbClr val="000000"/>
+                      </a:solidFill>
+                      <a:prstDash val="solid"/>
+                      <a:round/>
+                      <a:headEnd type="none" w="med" len="med"/>
+                      <a:tailEnd type="none" w="med" len="med"/>
+                    </a:lnT>
+                    <a:lnB w="12700" cap="flat" cmpd="sng" algn="ctr">
+                      <a:solidFill>
+                        <a:srgbClr val="000000"/>
+                      </a:solidFill>
+                      <a:prstDash val="solid"/>
+                      <a:round/>
+                      <a:headEnd type="none" w="med" len="med"/>
+                      <a:tailEnd type="none" w="med" len="med"/>
+                    </a:lnB>
+                    <a:solidFill>
+                      <a:srgbClr val="D9D9D9"/>
+                    </a:solidFill>
+                  </a:tcPr>
+                </a:tc>
+              </a:tr>
+              <a:tr h="617289">
+                <a:tc>
+                  <a:txBody>
+                    <a:bodyPr/>
+                    <a:lstStyle/>
+                    <a:p>
+                      <a:pPr indent="114300" algn="ctr">
+                        <a:lnSpc>
+                          <a:spcPct val="100000"/>
+                        </a:lnSpc>
+                        <a:spcAft>
+                          <a:spcPts val="0"/>
+                        </a:spcAft>
+                      </a:pPr>
+                      <a:r>
+                        <a:rPr lang="ja-JP" sz="2000">
+                          <a:effectLst/>
+                          <a:latin typeface="Times New Roman" panose="02020603050405020304" pitchFamily="18" charset="0"/>
+                          <a:ea typeface="ＭＳ 明朝" panose="02020609040205080304" pitchFamily="17" charset="-128"/>
+                          <a:cs typeface="Times New Roman" panose="02020603050405020304" pitchFamily="18" charset="0"/>
+                        </a:rPr>
+                        <a:t>センサ通過のべ人数</a:t>
+                      </a:r>
+                    </a:p>
+                  </a:txBody>
+                  <a:tcPr marL="68580" marR="68580" marT="0" marB="0" anchor="ctr">
+                    <a:lnL w="19050" cap="flat" cmpd="sng" algn="ctr">
+                      <a:solidFill>
+                        <a:srgbClr val="000000"/>
+                      </a:solidFill>
+                      <a:prstDash val="solid"/>
+                      <a:round/>
+                      <a:headEnd type="none" w="med" len="med"/>
+                      <a:tailEnd type="none" w="med" len="med"/>
+                    </a:lnL>
+                    <a:lnR w="19050" cap="flat" cmpd="dbl" algn="ctr">
+                      <a:solidFill>
+                        <a:srgbClr val="000000"/>
+                      </a:solidFill>
+                      <a:prstDash val="solid"/>
+                      <a:round/>
+                      <a:headEnd type="none" w="med" len="med"/>
+                      <a:tailEnd type="none" w="med" len="med"/>
+                    </a:lnR>
+                    <a:lnT w="12700" cap="flat" cmpd="sng" algn="ctr">
+                      <a:solidFill>
+                        <a:srgbClr val="000000"/>
+                      </a:solidFill>
+                      <a:prstDash val="solid"/>
+                      <a:round/>
+                      <a:headEnd type="none" w="med" len="med"/>
+                      <a:tailEnd type="none" w="med" len="med"/>
+                    </a:lnT>
+                    <a:lnB w="19050" cap="flat" cmpd="dbl" algn="ctr">
+                      <a:solidFill>
+                        <a:srgbClr val="000000"/>
+                      </a:solidFill>
+                      <a:prstDash val="solid"/>
+                      <a:round/>
+                      <a:headEnd type="none" w="med" len="med"/>
+                      <a:tailEnd type="none" w="med" len="med"/>
+                    </a:lnB>
+                    <a:solidFill>
+                      <a:schemeClr val="bg1"/>
+                    </a:solidFill>
+                  </a:tcPr>
+                </a:tc>
+                <a:tc>
+                  <a:txBody>
+                    <a:bodyPr/>
+                    <a:lstStyle/>
+                    <a:p>
+                      <a:pPr indent="114300" algn="ctr">
+                        <a:lnSpc>
+                          <a:spcPts val="1200"/>
+                        </a:lnSpc>
+                        <a:spcAft>
+                          <a:spcPts val="0"/>
+                        </a:spcAft>
+                      </a:pPr>
+                      <a:r>
+                        <a:rPr lang="en-US" sz="2000">
+                          <a:effectLst/>
+                          <a:latin typeface="Times New Roman" panose="02020603050405020304" pitchFamily="18" charset="0"/>
+                          <a:ea typeface="ＭＳ 明朝" panose="02020609040205080304" pitchFamily="17" charset="-128"/>
+                          <a:cs typeface="Times New Roman" panose="02020603050405020304" pitchFamily="18" charset="0"/>
+                        </a:rPr>
+                        <a:t>1181</a:t>
+                      </a:r>
+                      <a:endParaRPr lang="ja-JP" sz="2000">
+                        <a:effectLst/>
+                        <a:latin typeface="Times New Roman" panose="02020603050405020304" pitchFamily="18" charset="0"/>
+                        <a:ea typeface="ＭＳ 明朝" panose="02020609040205080304" pitchFamily="17" charset="-128"/>
+                        <a:cs typeface="Times New Roman" panose="02020603050405020304" pitchFamily="18" charset="0"/>
+                      </a:endParaRPr>
+                    </a:p>
+                  </a:txBody>
+                  <a:tcPr marL="68580" marR="68580" marT="0" marB="0" anchor="ctr">
+                    <a:lnL w="19050" cap="flat" cmpd="dbl" algn="ctr">
+                      <a:solidFill>
+                        <a:srgbClr val="000000"/>
+                      </a:solidFill>
+                      <a:prstDash val="solid"/>
+                      <a:round/>
+                      <a:headEnd type="none" w="med" len="med"/>
+                      <a:tailEnd type="none" w="med" len="med"/>
+                    </a:lnL>
+                    <a:lnR w="12700" cap="flat" cmpd="sng" algn="ctr">
+                      <a:solidFill>
+                        <a:srgbClr val="000000"/>
+                      </a:solidFill>
+                      <a:prstDash val="solid"/>
+                      <a:round/>
+                      <a:headEnd type="none" w="med" len="med"/>
+                      <a:tailEnd type="none" w="med" len="med"/>
+                    </a:lnR>
+                    <a:lnT w="12700" cap="flat" cmpd="sng" algn="ctr">
+                      <a:solidFill>
+                        <a:srgbClr val="000000"/>
+                      </a:solidFill>
+                      <a:prstDash val="solid"/>
+                      <a:round/>
+                      <a:headEnd type="none" w="med" len="med"/>
+                      <a:tailEnd type="none" w="med" len="med"/>
+                    </a:lnT>
+                    <a:lnB w="19050" cap="flat" cmpd="dbl" algn="ctr">
+                      <a:solidFill>
+                        <a:srgbClr val="000000"/>
+                      </a:solidFill>
+                      <a:prstDash val="solid"/>
+                      <a:round/>
+                      <a:headEnd type="none" w="med" len="med"/>
+                      <a:tailEnd type="none" w="med" len="med"/>
+                    </a:lnB>
+                    <a:solidFill>
+                      <a:schemeClr val="bg1"/>
+                    </a:solidFill>
+                  </a:tcPr>
+                </a:tc>
+                <a:tc>
+                  <a:txBody>
+                    <a:bodyPr/>
+                    <a:lstStyle/>
+                    <a:p>
+                      <a:pPr indent="114300" algn="ctr">
+                        <a:lnSpc>
+                          <a:spcPts val="1200"/>
+                        </a:lnSpc>
+                        <a:spcAft>
+                          <a:spcPts val="0"/>
+                        </a:spcAft>
+                      </a:pPr>
+                      <a:r>
+                        <a:rPr lang="en-US" sz="2000">
+                          <a:effectLst/>
+                          <a:latin typeface="Times New Roman" panose="02020603050405020304" pitchFamily="18" charset="0"/>
+                          <a:ea typeface="ＭＳ 明朝" panose="02020609040205080304" pitchFamily="17" charset="-128"/>
+                          <a:cs typeface="Times New Roman" panose="02020603050405020304" pitchFamily="18" charset="0"/>
+                        </a:rPr>
+                        <a:t>277</a:t>
+                      </a:r>
+                      <a:endParaRPr lang="ja-JP" sz="2000">
+                        <a:effectLst/>
+                        <a:latin typeface="Times New Roman" panose="02020603050405020304" pitchFamily="18" charset="0"/>
+                        <a:ea typeface="ＭＳ 明朝" panose="02020609040205080304" pitchFamily="17" charset="-128"/>
+                        <a:cs typeface="Times New Roman" panose="02020603050405020304" pitchFamily="18" charset="0"/>
+                      </a:endParaRPr>
+                    </a:p>
+                  </a:txBody>
+                  <a:tcPr marL="68580" marR="68580" marT="0" marB="0" anchor="ctr">
+                    <a:lnL w="12700" cap="flat" cmpd="sng" algn="ctr">
+                      <a:solidFill>
+                        <a:srgbClr val="000000"/>
+                      </a:solidFill>
+                      <a:prstDash val="solid"/>
+                      <a:round/>
+                      <a:headEnd type="none" w="med" len="med"/>
+                      <a:tailEnd type="none" w="med" len="med"/>
+                    </a:lnL>
+                    <a:lnR w="12700" cap="flat" cmpd="sng" algn="ctr">
+                      <a:solidFill>
+                        <a:srgbClr val="000000"/>
+                      </a:solidFill>
+                      <a:prstDash val="solid"/>
+                      <a:round/>
+                      <a:headEnd type="none" w="med" len="med"/>
+                      <a:tailEnd type="none" w="med" len="med"/>
+                    </a:lnR>
+                    <a:lnT w="12700" cap="flat" cmpd="sng" algn="ctr">
+                      <a:solidFill>
+                        <a:srgbClr val="000000"/>
+                      </a:solidFill>
+                      <a:prstDash val="solid"/>
+                      <a:round/>
+                      <a:headEnd type="none" w="med" len="med"/>
+                      <a:tailEnd type="none" w="med" len="med"/>
+                    </a:lnT>
+                    <a:lnB w="19050" cap="flat" cmpd="dbl" algn="ctr">
+                      <a:solidFill>
+                        <a:srgbClr val="000000"/>
+                      </a:solidFill>
+                      <a:prstDash val="solid"/>
+                      <a:round/>
+                      <a:headEnd type="none" w="med" len="med"/>
+                      <a:tailEnd type="none" w="med" len="med"/>
+                    </a:lnB>
+                    <a:solidFill>
+                      <a:schemeClr val="bg1"/>
+                    </a:solidFill>
+                  </a:tcPr>
+                </a:tc>
+                <a:tc>
+                  <a:txBody>
+                    <a:bodyPr/>
+                    <a:lstStyle/>
+                    <a:p>
+                      <a:pPr indent="114300" algn="ctr">
+                        <a:lnSpc>
+                          <a:spcPts val="1200"/>
+                        </a:lnSpc>
+                        <a:spcAft>
+                          <a:spcPts val="0"/>
+                        </a:spcAft>
+                      </a:pPr>
+                      <a:r>
+                        <a:rPr lang="en-US" sz="2000">
+                          <a:effectLst/>
+                          <a:latin typeface="Times New Roman" panose="02020603050405020304" pitchFamily="18" charset="0"/>
+                          <a:ea typeface="ＭＳ 明朝" panose="02020609040205080304" pitchFamily="17" charset="-128"/>
+                          <a:cs typeface="Times New Roman" panose="02020603050405020304" pitchFamily="18" charset="0"/>
+                        </a:rPr>
+                        <a:t>811</a:t>
+                      </a:r>
+                      <a:endParaRPr lang="ja-JP" sz="2000">
+                        <a:effectLst/>
+                        <a:latin typeface="Times New Roman" panose="02020603050405020304" pitchFamily="18" charset="0"/>
+                        <a:ea typeface="ＭＳ 明朝" panose="02020609040205080304" pitchFamily="17" charset="-128"/>
+                        <a:cs typeface="Times New Roman" panose="02020603050405020304" pitchFamily="18" charset="0"/>
+                      </a:endParaRPr>
+                    </a:p>
+                  </a:txBody>
+                  <a:tcPr marL="68580" marR="68580" marT="0" marB="0" anchor="ctr">
+                    <a:lnL w="12700" cap="flat" cmpd="sng" algn="ctr">
+                      <a:solidFill>
+                        <a:srgbClr val="000000"/>
+                      </a:solidFill>
+                      <a:prstDash val="solid"/>
+                      <a:round/>
+                      <a:headEnd type="none" w="med" len="med"/>
+                      <a:tailEnd type="none" w="med" len="med"/>
+                    </a:lnL>
+                    <a:lnR w="12700" cap="flat" cmpd="sng" algn="ctr">
+                      <a:solidFill>
+                        <a:srgbClr val="000000"/>
+                      </a:solidFill>
+                      <a:prstDash val="solid"/>
+                      <a:round/>
+                      <a:headEnd type="none" w="med" len="med"/>
+                      <a:tailEnd type="none" w="med" len="med"/>
+                    </a:lnR>
+                    <a:lnT w="12700" cap="flat" cmpd="sng" algn="ctr">
+                      <a:solidFill>
+                        <a:srgbClr val="000000"/>
+                      </a:solidFill>
+                      <a:prstDash val="solid"/>
+                      <a:round/>
+                      <a:headEnd type="none" w="med" len="med"/>
+                      <a:tailEnd type="none" w="med" len="med"/>
+                    </a:lnT>
+                    <a:lnB w="19050" cap="flat" cmpd="dbl" algn="ctr">
+                      <a:solidFill>
+                        <a:srgbClr val="000000"/>
+                      </a:solidFill>
+                      <a:prstDash val="solid"/>
+                      <a:round/>
+                      <a:headEnd type="none" w="med" len="med"/>
+                      <a:tailEnd type="none" w="med" len="med"/>
+                    </a:lnB>
+                    <a:solidFill>
+                      <a:schemeClr val="bg1"/>
+                    </a:solidFill>
+                  </a:tcPr>
+                </a:tc>
+                <a:tc>
+                  <a:txBody>
+                    <a:bodyPr/>
+                    <a:lstStyle/>
+                    <a:p>
+                      <a:pPr indent="114300" algn="ctr">
+                        <a:lnSpc>
+                          <a:spcPts val="1200"/>
+                        </a:lnSpc>
+                        <a:spcAft>
+                          <a:spcPts val="0"/>
+                        </a:spcAft>
+                      </a:pPr>
+                      <a:r>
+                        <a:rPr lang="en-US" sz="2000">
+                          <a:effectLst/>
+                          <a:latin typeface="Times New Roman" panose="02020603050405020304" pitchFamily="18" charset="0"/>
+                          <a:ea typeface="ＭＳ 明朝" panose="02020609040205080304" pitchFamily="17" charset="-128"/>
+                          <a:cs typeface="Times New Roman" panose="02020603050405020304" pitchFamily="18" charset="0"/>
+                        </a:rPr>
+                        <a:t>0</a:t>
+                      </a:r>
+                      <a:endParaRPr lang="ja-JP" sz="2000">
+                        <a:effectLst/>
+                        <a:latin typeface="Times New Roman" panose="02020603050405020304" pitchFamily="18" charset="0"/>
+                        <a:ea typeface="ＭＳ 明朝" panose="02020609040205080304" pitchFamily="17" charset="-128"/>
+                        <a:cs typeface="Times New Roman" panose="02020603050405020304" pitchFamily="18" charset="0"/>
+                      </a:endParaRPr>
+                    </a:p>
+                  </a:txBody>
+                  <a:tcPr marL="68580" marR="68580" marT="0" marB="0" anchor="ctr">
+                    <a:lnL w="12700" cap="flat" cmpd="sng" algn="ctr">
+                      <a:solidFill>
+                        <a:srgbClr val="000000"/>
+                      </a:solidFill>
+                      <a:prstDash val="solid"/>
+                      <a:round/>
+                      <a:headEnd type="none" w="med" len="med"/>
+                      <a:tailEnd type="none" w="med" len="med"/>
+                    </a:lnL>
+                    <a:lnR w="12700" cap="flat" cmpd="sng" algn="ctr">
+                      <a:solidFill>
+                        <a:srgbClr val="000000"/>
+                      </a:solidFill>
+                      <a:prstDash val="solid"/>
+                      <a:round/>
+                      <a:headEnd type="none" w="med" len="med"/>
+                      <a:tailEnd type="none" w="med" len="med"/>
+                    </a:lnR>
+                    <a:lnT w="12700" cap="flat" cmpd="sng" algn="ctr">
+                      <a:solidFill>
+                        <a:srgbClr val="000000"/>
+                      </a:solidFill>
+                      <a:prstDash val="solid"/>
+                      <a:round/>
+                      <a:headEnd type="none" w="med" len="med"/>
+                      <a:tailEnd type="none" w="med" len="med"/>
+                    </a:lnT>
+                    <a:lnB w="19050" cap="flat" cmpd="dbl" algn="ctr">
+                      <a:solidFill>
+                        <a:srgbClr val="000000"/>
+                      </a:solidFill>
+                      <a:prstDash val="solid"/>
+                      <a:round/>
+                      <a:headEnd type="none" w="med" len="med"/>
+                      <a:tailEnd type="none" w="med" len="med"/>
+                    </a:lnB>
+                    <a:solidFill>
+                      <a:schemeClr val="bg1"/>
+                    </a:solidFill>
+                  </a:tcPr>
+                </a:tc>
+                <a:tc>
+                  <a:txBody>
+                    <a:bodyPr/>
+                    <a:lstStyle/>
+                    <a:p>
+                      <a:pPr indent="114300" algn="ctr">
+                        <a:lnSpc>
+                          <a:spcPts val="1200"/>
+                        </a:lnSpc>
+                        <a:spcAft>
+                          <a:spcPts val="0"/>
+                        </a:spcAft>
+                      </a:pPr>
+                      <a:r>
+                        <a:rPr lang="ja-JP" sz="2000" dirty="0">
+                          <a:effectLst/>
+                          <a:latin typeface="Times New Roman" panose="02020603050405020304" pitchFamily="18" charset="0"/>
+                          <a:ea typeface="ＭＳ 明朝" panose="02020609040205080304" pitchFamily="17" charset="-128"/>
+                          <a:cs typeface="Times New Roman" panose="02020603050405020304" pitchFamily="18" charset="0"/>
+                        </a:rPr>
+                        <a:t>×</a:t>
+                      </a:r>
+                    </a:p>
+                  </a:txBody>
+                  <a:tcPr marL="68580" marR="68580" marT="0" marB="0" anchor="ctr">
+                    <a:lnL w="12700" cap="flat" cmpd="sng" algn="ctr">
+                      <a:solidFill>
+                        <a:srgbClr val="000000"/>
+                      </a:solidFill>
+                      <a:prstDash val="solid"/>
+                      <a:round/>
+                      <a:headEnd type="none" w="med" len="med"/>
+                      <a:tailEnd type="none" w="med" len="med"/>
+                    </a:lnL>
+                    <a:lnR w="19050" cap="flat" cmpd="sng" algn="ctr">
+                      <a:solidFill>
+                        <a:srgbClr val="000000"/>
+                      </a:solidFill>
+                      <a:prstDash val="solid"/>
+                      <a:round/>
+                      <a:headEnd type="none" w="med" len="med"/>
+                      <a:tailEnd type="none" w="med" len="med"/>
+                    </a:lnR>
+                    <a:lnT w="12700" cap="flat" cmpd="sng" algn="ctr">
+                      <a:solidFill>
+                        <a:srgbClr val="000000"/>
+                      </a:solidFill>
+                      <a:prstDash val="solid"/>
+                      <a:round/>
+                      <a:headEnd type="none" w="med" len="med"/>
+                      <a:tailEnd type="none" w="med" len="med"/>
+                    </a:lnT>
+                    <a:lnB w="19050" cap="flat" cmpd="dbl" algn="ctr">
+                      <a:solidFill>
+                        <a:srgbClr val="000000"/>
+                      </a:solidFill>
+                      <a:prstDash val="solid"/>
+                      <a:round/>
+                      <a:headEnd type="none" w="med" len="med"/>
+                      <a:tailEnd type="none" w="med" len="med"/>
+                    </a:lnB>
+                    <a:solidFill>
+                      <a:schemeClr val="bg1"/>
+                    </a:solidFill>
+                  </a:tcPr>
+                </a:tc>
+              </a:tr>
+              <a:tr h="617289">
+                <a:tc>
+                  <a:txBody>
+                    <a:bodyPr/>
+                    <a:lstStyle/>
+                    <a:p>
+                      <a:pPr indent="114300" algn="ctr">
+                        <a:lnSpc>
+                          <a:spcPct val="100000"/>
+                        </a:lnSpc>
+                        <a:spcAft>
+                          <a:spcPts val="0"/>
+                        </a:spcAft>
+                      </a:pPr>
+                      <a:r>
+                        <a:rPr lang="ja-JP" sz="2000">
+                          <a:effectLst/>
+                          <a:latin typeface="Times New Roman" panose="02020603050405020304" pitchFamily="18" charset="0"/>
+                          <a:ea typeface="ＭＳ 明朝" panose="02020609040205080304" pitchFamily="17" charset="-128"/>
+                          <a:cs typeface="Times New Roman" panose="02020603050405020304" pitchFamily="18" charset="0"/>
+                        </a:rPr>
+                        <a:t>センサ番号</a:t>
+                      </a:r>
+                    </a:p>
+                  </a:txBody>
+                  <a:tcPr marL="68580" marR="68580" marT="0" marB="0" anchor="ctr">
+                    <a:lnL w="19050" cap="flat" cmpd="sng" algn="ctr">
+                      <a:solidFill>
+                        <a:srgbClr val="000000"/>
+                      </a:solidFill>
+                      <a:prstDash val="solid"/>
+                      <a:round/>
+                      <a:headEnd type="none" w="med" len="med"/>
+                      <a:tailEnd type="none" w="med" len="med"/>
+                    </a:lnL>
+                    <a:lnR w="19050" cap="flat" cmpd="dbl" algn="ctr">
+                      <a:solidFill>
+                        <a:srgbClr val="000000"/>
+                      </a:solidFill>
+                      <a:prstDash val="solid"/>
+                      <a:round/>
+                      <a:headEnd type="none" w="med" len="med"/>
+                      <a:tailEnd type="none" w="med" len="med"/>
+                    </a:lnR>
+                    <a:lnT w="19050" cap="flat" cmpd="dbl" algn="ctr">
+                      <a:solidFill>
+                        <a:srgbClr val="000000"/>
+                      </a:solidFill>
+                      <a:prstDash val="solid"/>
+                      <a:round/>
+                      <a:headEnd type="none" w="med" len="med"/>
+                      <a:tailEnd type="none" w="med" len="med"/>
+                    </a:lnT>
+                    <a:lnB w="12700" cap="flat" cmpd="sng" algn="ctr">
+                      <a:solidFill>
+                        <a:srgbClr val="000000"/>
+                      </a:solidFill>
+                      <a:prstDash val="solid"/>
+                      <a:round/>
+                      <a:headEnd type="none" w="med" len="med"/>
+                      <a:tailEnd type="none" w="med" len="med"/>
+                    </a:lnB>
+                    <a:solidFill>
+                      <a:srgbClr val="D9D9D9"/>
+                    </a:solidFill>
+                  </a:tcPr>
+                </a:tc>
+                <a:tc>
+                  <a:txBody>
+                    <a:bodyPr/>
+                    <a:lstStyle/>
+                    <a:p>
+                      <a:pPr indent="114300" algn="ctr">
+                        <a:lnSpc>
+                          <a:spcPts val="1200"/>
+                        </a:lnSpc>
+                        <a:spcAft>
+                          <a:spcPts val="0"/>
+                        </a:spcAft>
+                      </a:pPr>
+                      <a:r>
+                        <a:rPr lang="en-US" sz="2000">
+                          <a:effectLst/>
+                          <a:latin typeface="Times New Roman" panose="02020603050405020304" pitchFamily="18" charset="0"/>
+                          <a:ea typeface="ＭＳ 明朝" panose="02020609040205080304" pitchFamily="17" charset="-128"/>
+                          <a:cs typeface="Times New Roman" panose="02020603050405020304" pitchFamily="18" charset="0"/>
+                        </a:rPr>
+                        <a:t>16</a:t>
+                      </a:r>
+                      <a:endParaRPr lang="ja-JP" sz="2000">
+                        <a:effectLst/>
+                        <a:latin typeface="Times New Roman" panose="02020603050405020304" pitchFamily="18" charset="0"/>
+                        <a:ea typeface="ＭＳ 明朝" panose="02020609040205080304" pitchFamily="17" charset="-128"/>
+                        <a:cs typeface="Times New Roman" panose="02020603050405020304" pitchFamily="18" charset="0"/>
+                      </a:endParaRPr>
+                    </a:p>
+                  </a:txBody>
+                  <a:tcPr marL="68580" marR="68580" marT="0" marB="0" anchor="ctr">
+                    <a:lnL w="19050" cap="flat" cmpd="dbl" algn="ctr">
+                      <a:solidFill>
+                        <a:srgbClr val="000000"/>
+                      </a:solidFill>
+                      <a:prstDash val="solid"/>
+                      <a:round/>
+                      <a:headEnd type="none" w="med" len="med"/>
+                      <a:tailEnd type="none" w="med" len="med"/>
+                    </a:lnL>
+                    <a:lnR w="12700" cap="flat" cmpd="sng" algn="ctr">
+                      <a:solidFill>
+                        <a:srgbClr val="000000"/>
+                      </a:solidFill>
+                      <a:prstDash val="solid"/>
+                      <a:round/>
+                      <a:headEnd type="none" w="med" len="med"/>
+                      <a:tailEnd type="none" w="med" len="med"/>
+                    </a:lnR>
+                    <a:lnT w="19050" cap="flat" cmpd="dbl" algn="ctr">
+                      <a:solidFill>
+                        <a:srgbClr val="000000"/>
+                      </a:solidFill>
+                      <a:prstDash val="solid"/>
+                      <a:round/>
+                      <a:headEnd type="none" w="med" len="med"/>
+                      <a:tailEnd type="none" w="med" len="med"/>
+                    </a:lnT>
+                    <a:lnB w="12700" cap="flat" cmpd="sng" algn="ctr">
+                      <a:solidFill>
+                        <a:srgbClr val="000000"/>
+                      </a:solidFill>
+                      <a:prstDash val="solid"/>
+                      <a:round/>
+                      <a:headEnd type="none" w="med" len="med"/>
+                      <a:tailEnd type="none" w="med" len="med"/>
+                    </a:lnB>
+                    <a:solidFill>
+                      <a:srgbClr val="D9D9D9"/>
+                    </a:solidFill>
+                  </a:tcPr>
+                </a:tc>
+                <a:tc>
+                  <a:txBody>
+                    <a:bodyPr/>
+                    <a:lstStyle/>
+                    <a:p>
+                      <a:pPr indent="114300" algn="ctr">
+                        <a:lnSpc>
+                          <a:spcPts val="1200"/>
+                        </a:lnSpc>
+                        <a:spcAft>
+                          <a:spcPts val="0"/>
+                        </a:spcAft>
+                      </a:pPr>
+                      <a:r>
+                        <a:rPr lang="en-US" sz="2000">
+                          <a:effectLst/>
+                          <a:latin typeface="Times New Roman" panose="02020603050405020304" pitchFamily="18" charset="0"/>
+                          <a:ea typeface="ＭＳ 明朝" panose="02020609040205080304" pitchFamily="17" charset="-128"/>
+                          <a:cs typeface="Times New Roman" panose="02020603050405020304" pitchFamily="18" charset="0"/>
+                        </a:rPr>
+                        <a:t>17</a:t>
+                      </a:r>
+                      <a:endParaRPr lang="ja-JP" sz="2000">
+                        <a:effectLst/>
+                        <a:latin typeface="Times New Roman" panose="02020603050405020304" pitchFamily="18" charset="0"/>
+                        <a:ea typeface="ＭＳ 明朝" panose="02020609040205080304" pitchFamily="17" charset="-128"/>
+                        <a:cs typeface="Times New Roman" panose="02020603050405020304" pitchFamily="18" charset="0"/>
+                      </a:endParaRPr>
+                    </a:p>
+                  </a:txBody>
+                  <a:tcPr marL="68580" marR="68580" marT="0" marB="0" anchor="ctr">
+                    <a:lnL w="12700" cap="flat" cmpd="sng" algn="ctr">
+                      <a:solidFill>
+                        <a:srgbClr val="000000"/>
+                      </a:solidFill>
+                      <a:prstDash val="solid"/>
+                      <a:round/>
+                      <a:headEnd type="none" w="med" len="med"/>
+                      <a:tailEnd type="none" w="med" len="med"/>
+                    </a:lnL>
+                    <a:lnR w="12700" cap="flat" cmpd="sng" algn="ctr">
+                      <a:solidFill>
+                        <a:srgbClr val="000000"/>
+                      </a:solidFill>
+                      <a:prstDash val="solid"/>
+                      <a:round/>
+                      <a:headEnd type="none" w="med" len="med"/>
+                      <a:tailEnd type="none" w="med" len="med"/>
+                    </a:lnR>
+                    <a:lnT w="19050" cap="flat" cmpd="dbl" algn="ctr">
+                      <a:solidFill>
+                        <a:srgbClr val="000000"/>
+                      </a:solidFill>
+                      <a:prstDash val="solid"/>
+                      <a:round/>
+                      <a:headEnd type="none" w="med" len="med"/>
+                      <a:tailEnd type="none" w="med" len="med"/>
+                    </a:lnT>
+                    <a:lnB w="12700" cap="flat" cmpd="sng" algn="ctr">
+                      <a:solidFill>
+                        <a:srgbClr val="000000"/>
+                      </a:solidFill>
+                      <a:prstDash val="solid"/>
+                      <a:round/>
+                      <a:headEnd type="none" w="med" len="med"/>
+                      <a:tailEnd type="none" w="med" len="med"/>
+                    </a:lnB>
+                    <a:solidFill>
+                      <a:srgbClr val="D9D9D9"/>
+                    </a:solidFill>
+                  </a:tcPr>
+                </a:tc>
+                <a:tc>
+                  <a:txBody>
+                    <a:bodyPr/>
+                    <a:lstStyle/>
+                    <a:p>
+                      <a:pPr indent="114300" algn="ctr">
+                        <a:lnSpc>
+                          <a:spcPts val="1200"/>
+                        </a:lnSpc>
+                        <a:spcAft>
+                          <a:spcPts val="0"/>
+                        </a:spcAft>
+                      </a:pPr>
+                      <a:r>
+                        <a:rPr lang="en-US" sz="2000">
+                          <a:effectLst/>
+                          <a:latin typeface="Times New Roman" panose="02020603050405020304" pitchFamily="18" charset="0"/>
+                          <a:ea typeface="ＭＳ 明朝" panose="02020609040205080304" pitchFamily="17" charset="-128"/>
+                          <a:cs typeface="Times New Roman" panose="02020603050405020304" pitchFamily="18" charset="0"/>
+                        </a:rPr>
+                        <a:t>18</a:t>
+                      </a:r>
+                      <a:endParaRPr lang="ja-JP" sz="2000">
+                        <a:effectLst/>
+                        <a:latin typeface="Times New Roman" panose="02020603050405020304" pitchFamily="18" charset="0"/>
+                        <a:ea typeface="ＭＳ 明朝" panose="02020609040205080304" pitchFamily="17" charset="-128"/>
+                        <a:cs typeface="Times New Roman" panose="02020603050405020304" pitchFamily="18" charset="0"/>
+                      </a:endParaRPr>
+                    </a:p>
+                  </a:txBody>
+                  <a:tcPr marL="68580" marR="68580" marT="0" marB="0" anchor="ctr">
+                    <a:lnL w="12700" cap="flat" cmpd="sng" algn="ctr">
+                      <a:solidFill>
+                        <a:srgbClr val="000000"/>
+                      </a:solidFill>
+                      <a:prstDash val="solid"/>
+                      <a:round/>
+                      <a:headEnd type="none" w="med" len="med"/>
+                      <a:tailEnd type="none" w="med" len="med"/>
+                    </a:lnL>
+                    <a:lnR w="12700" cap="flat" cmpd="sng" algn="ctr">
+                      <a:solidFill>
+                        <a:srgbClr val="000000"/>
+                      </a:solidFill>
+                      <a:prstDash val="solid"/>
+                      <a:round/>
+                      <a:headEnd type="none" w="med" len="med"/>
+                      <a:tailEnd type="none" w="med" len="med"/>
+                    </a:lnR>
+                    <a:lnT w="19050" cap="flat" cmpd="dbl" algn="ctr">
+                      <a:solidFill>
+                        <a:srgbClr val="000000"/>
+                      </a:solidFill>
+                      <a:prstDash val="solid"/>
+                      <a:round/>
+                      <a:headEnd type="none" w="med" len="med"/>
+                      <a:tailEnd type="none" w="med" len="med"/>
+                    </a:lnT>
+                    <a:lnB w="12700" cap="flat" cmpd="sng" algn="ctr">
+                      <a:solidFill>
+                        <a:srgbClr val="000000"/>
+                      </a:solidFill>
+                      <a:prstDash val="solid"/>
+                      <a:round/>
+                      <a:headEnd type="none" w="med" len="med"/>
+                      <a:tailEnd type="none" w="med" len="med"/>
+                    </a:lnB>
+                    <a:solidFill>
+                      <a:srgbClr val="D9D9D9"/>
+                    </a:solidFill>
+                  </a:tcPr>
+                </a:tc>
+                <a:tc>
+                  <a:txBody>
+                    <a:bodyPr/>
+                    <a:lstStyle/>
+                    <a:p>
+                      <a:pPr indent="114300" algn="ctr">
+                        <a:lnSpc>
+                          <a:spcPts val="1200"/>
+                        </a:lnSpc>
+                        <a:spcAft>
+                          <a:spcPts val="0"/>
+                        </a:spcAft>
+                      </a:pPr>
+                      <a:r>
+                        <a:rPr lang="en-US" sz="2000">
+                          <a:effectLst/>
+                          <a:latin typeface="Times New Roman" panose="02020603050405020304" pitchFamily="18" charset="0"/>
+                          <a:ea typeface="ＭＳ 明朝" panose="02020609040205080304" pitchFamily="17" charset="-128"/>
+                          <a:cs typeface="Times New Roman" panose="02020603050405020304" pitchFamily="18" charset="0"/>
+                        </a:rPr>
+                        <a:t>19</a:t>
+                      </a:r>
+                      <a:endParaRPr lang="ja-JP" sz="2000">
+                        <a:effectLst/>
+                        <a:latin typeface="Times New Roman" panose="02020603050405020304" pitchFamily="18" charset="0"/>
+                        <a:ea typeface="ＭＳ 明朝" panose="02020609040205080304" pitchFamily="17" charset="-128"/>
+                        <a:cs typeface="Times New Roman" panose="02020603050405020304" pitchFamily="18" charset="0"/>
+                      </a:endParaRPr>
+                    </a:p>
+                  </a:txBody>
+                  <a:tcPr marL="68580" marR="68580" marT="0" marB="0" anchor="ctr">
+                    <a:lnL w="12700" cap="flat" cmpd="sng" algn="ctr">
+                      <a:solidFill>
+                        <a:srgbClr val="000000"/>
+                      </a:solidFill>
+                      <a:prstDash val="solid"/>
+                      <a:round/>
+                      <a:headEnd type="none" w="med" len="med"/>
+                      <a:tailEnd type="none" w="med" len="med"/>
+                    </a:lnL>
+                    <a:lnR w="12700" cap="flat" cmpd="sng" algn="ctr">
+                      <a:solidFill>
+                        <a:srgbClr val="000000"/>
+                      </a:solidFill>
+                      <a:prstDash val="solid"/>
+                      <a:round/>
+                      <a:headEnd type="none" w="med" len="med"/>
+                      <a:tailEnd type="none" w="med" len="med"/>
+                    </a:lnR>
+                    <a:lnT w="19050" cap="flat" cmpd="dbl" algn="ctr">
+                      <a:solidFill>
+                        <a:srgbClr val="000000"/>
+                      </a:solidFill>
+                      <a:prstDash val="solid"/>
+                      <a:round/>
+                      <a:headEnd type="none" w="med" len="med"/>
+                      <a:tailEnd type="none" w="med" len="med"/>
+                    </a:lnT>
+                    <a:lnB w="12700" cap="flat" cmpd="sng" algn="ctr">
+                      <a:solidFill>
+                        <a:srgbClr val="000000"/>
+                      </a:solidFill>
+                      <a:prstDash val="solid"/>
+                      <a:round/>
+                      <a:headEnd type="none" w="med" len="med"/>
+                      <a:tailEnd type="none" w="med" len="med"/>
+                    </a:lnB>
+                    <a:solidFill>
+                      <a:srgbClr val="D9D9D9"/>
+                    </a:solidFill>
+                  </a:tcPr>
+                </a:tc>
+                <a:tc>
+                  <a:txBody>
+                    <a:bodyPr/>
+                    <a:lstStyle/>
+                    <a:p>
+                      <a:pPr indent="114300" algn="ctr">
+                        <a:lnSpc>
+                          <a:spcPts val="1200"/>
+                        </a:lnSpc>
+                        <a:spcAft>
+                          <a:spcPts val="0"/>
+                        </a:spcAft>
+                      </a:pPr>
+                      <a:r>
+                        <a:rPr lang="ja-JP" sz="2000" b="1" dirty="0">
+                          <a:effectLst/>
+                          <a:latin typeface="Times New Roman" panose="02020603050405020304" pitchFamily="18" charset="0"/>
+                          <a:ea typeface="ＭＳ 明朝" panose="02020609040205080304" pitchFamily="17" charset="-128"/>
+                          <a:cs typeface="Times New Roman" panose="02020603050405020304" pitchFamily="18" charset="0"/>
+                        </a:rPr>
+                        <a:t>総和</a:t>
+                      </a:r>
+                      <a:endParaRPr lang="ja-JP" sz="2000" dirty="0">
+                        <a:effectLst/>
+                        <a:latin typeface="Times New Roman" panose="02020603050405020304" pitchFamily="18" charset="0"/>
+                        <a:ea typeface="ＭＳ 明朝" panose="02020609040205080304" pitchFamily="17" charset="-128"/>
+                        <a:cs typeface="Times New Roman" panose="02020603050405020304" pitchFamily="18" charset="0"/>
+                      </a:endParaRPr>
+                    </a:p>
+                  </a:txBody>
+                  <a:tcPr marL="68580" marR="68580" marT="0" marB="0" anchor="ctr">
+                    <a:lnL w="12700" cap="flat" cmpd="sng" algn="ctr">
+                      <a:solidFill>
+                        <a:srgbClr val="000000"/>
+                      </a:solidFill>
+                      <a:prstDash val="solid"/>
+                      <a:round/>
+                      <a:headEnd type="none" w="med" len="med"/>
+                      <a:tailEnd type="none" w="med" len="med"/>
+                    </a:lnL>
+                    <a:lnR w="19050" cap="flat" cmpd="sng" algn="ctr">
+                      <a:solidFill>
+                        <a:srgbClr val="000000"/>
+                      </a:solidFill>
+                      <a:prstDash val="solid"/>
+                      <a:round/>
+                      <a:headEnd type="none" w="med" len="med"/>
+                      <a:tailEnd type="none" w="med" len="med"/>
+                    </a:lnR>
+                    <a:lnT w="19050" cap="flat" cmpd="dbl" algn="ctr">
+                      <a:solidFill>
+                        <a:srgbClr val="000000"/>
+                      </a:solidFill>
+                      <a:prstDash val="solid"/>
+                      <a:round/>
+                      <a:headEnd type="none" w="med" len="med"/>
+                      <a:tailEnd type="none" w="med" len="med"/>
+                    </a:lnT>
+                    <a:lnB w="12700" cap="flat" cmpd="sng" algn="ctr">
+                      <a:solidFill>
+                        <a:srgbClr val="000000"/>
+                      </a:solidFill>
+                      <a:prstDash val="solid"/>
+                      <a:round/>
+                      <a:headEnd type="none" w="med" len="med"/>
+                      <a:tailEnd type="none" w="med" len="med"/>
+                    </a:lnB>
+                    <a:solidFill>
+                      <a:schemeClr val="bg1"/>
+                    </a:solidFill>
+                  </a:tcPr>
+                </a:tc>
+              </a:tr>
+              <a:tr h="617289">
+                <a:tc>
+                  <a:txBody>
+                    <a:bodyPr/>
+                    <a:lstStyle/>
+                    <a:p>
+                      <a:pPr indent="114300" algn="ctr">
+                        <a:lnSpc>
+                          <a:spcPct val="100000"/>
+                        </a:lnSpc>
+                        <a:spcAft>
+                          <a:spcPts val="0"/>
+                        </a:spcAft>
+                      </a:pPr>
+                      <a:r>
+                        <a:rPr lang="ja-JP" sz="2000" dirty="0">
+                          <a:effectLst/>
+                          <a:latin typeface="Times New Roman" panose="02020603050405020304" pitchFamily="18" charset="0"/>
+                          <a:ea typeface="ＭＳ 明朝" panose="02020609040205080304" pitchFamily="17" charset="-128"/>
+                          <a:cs typeface="Times New Roman" panose="02020603050405020304" pitchFamily="18" charset="0"/>
+                        </a:rPr>
+                        <a:t>センサ通過のべ人数</a:t>
+                      </a:r>
+                    </a:p>
+                  </a:txBody>
+                  <a:tcPr marL="68580" marR="68580" marT="0" marB="0" anchor="ctr">
+                    <a:lnL w="19050" cap="flat" cmpd="sng" algn="ctr">
+                      <a:solidFill>
+                        <a:srgbClr val="000000"/>
+                      </a:solidFill>
+                      <a:prstDash val="solid"/>
+                      <a:round/>
+                      <a:headEnd type="none" w="med" len="med"/>
+                      <a:tailEnd type="none" w="med" len="med"/>
+                    </a:lnL>
+                    <a:lnR w="19050" cap="flat" cmpd="dbl" algn="ctr">
+                      <a:solidFill>
+                        <a:srgbClr val="000000"/>
+                      </a:solidFill>
+                      <a:prstDash val="solid"/>
+                      <a:round/>
+                      <a:headEnd type="none" w="med" len="med"/>
+                      <a:tailEnd type="none" w="med" len="med"/>
+                    </a:lnR>
+                    <a:lnT w="12700" cap="flat" cmpd="sng" algn="ctr">
+                      <a:solidFill>
+                        <a:srgbClr val="000000"/>
+                      </a:solidFill>
+                      <a:prstDash val="solid"/>
+                      <a:round/>
+                      <a:headEnd type="none" w="med" len="med"/>
+                      <a:tailEnd type="none" w="med" len="med"/>
+                    </a:lnT>
+                    <a:lnB w="19050" cap="flat" cmpd="sng" algn="ctr">
+                      <a:solidFill>
+                        <a:srgbClr val="000000"/>
+                      </a:solidFill>
+                      <a:prstDash val="solid"/>
+                      <a:round/>
+                      <a:headEnd type="none" w="med" len="med"/>
+                      <a:tailEnd type="none" w="med" len="med"/>
+                    </a:lnB>
+                    <a:solidFill>
+                      <a:schemeClr val="bg1"/>
+                    </a:solidFill>
+                  </a:tcPr>
+                </a:tc>
+                <a:tc>
+                  <a:txBody>
+                    <a:bodyPr/>
+                    <a:lstStyle/>
+                    <a:p>
+                      <a:pPr indent="114300" algn="ctr">
+                        <a:lnSpc>
+                          <a:spcPts val="1200"/>
+                        </a:lnSpc>
+                        <a:spcAft>
+                          <a:spcPts val="0"/>
+                        </a:spcAft>
+                      </a:pPr>
+                      <a:r>
+                        <a:rPr lang="en-US" sz="2000" dirty="0">
+                          <a:effectLst/>
+                          <a:latin typeface="Times New Roman" panose="02020603050405020304" pitchFamily="18" charset="0"/>
+                          <a:ea typeface="ＭＳ 明朝" panose="02020609040205080304" pitchFamily="17" charset="-128"/>
+                          <a:cs typeface="Times New Roman" panose="02020603050405020304" pitchFamily="18" charset="0"/>
+                        </a:rPr>
+                        <a:t>0</a:t>
+                      </a:r>
+                      <a:endParaRPr lang="ja-JP" sz="2000" dirty="0">
+                        <a:effectLst/>
+                        <a:latin typeface="Times New Roman" panose="02020603050405020304" pitchFamily="18" charset="0"/>
+                        <a:ea typeface="ＭＳ 明朝" panose="02020609040205080304" pitchFamily="17" charset="-128"/>
+                        <a:cs typeface="Times New Roman" panose="02020603050405020304" pitchFamily="18" charset="0"/>
+                      </a:endParaRPr>
+                    </a:p>
+                  </a:txBody>
+                  <a:tcPr marL="68580" marR="68580" marT="0" marB="0" anchor="ctr">
+                    <a:lnL w="19050" cap="flat" cmpd="dbl" algn="ctr">
+                      <a:solidFill>
+                        <a:srgbClr val="000000"/>
+                      </a:solidFill>
+                      <a:prstDash val="solid"/>
+                      <a:round/>
+                      <a:headEnd type="none" w="med" len="med"/>
+                      <a:tailEnd type="none" w="med" len="med"/>
+                    </a:lnL>
+                    <a:lnR w="12700" cap="flat" cmpd="sng" algn="ctr">
+                      <a:solidFill>
+                        <a:srgbClr val="000000"/>
+                      </a:solidFill>
+                      <a:prstDash val="solid"/>
+                      <a:round/>
+                      <a:headEnd type="none" w="med" len="med"/>
+                      <a:tailEnd type="none" w="med" len="med"/>
+                    </a:lnR>
+                    <a:lnT w="12700" cap="flat" cmpd="sng" algn="ctr">
+                      <a:solidFill>
+                        <a:srgbClr val="000000"/>
+                      </a:solidFill>
+                      <a:prstDash val="solid"/>
+                      <a:round/>
+                      <a:headEnd type="none" w="med" len="med"/>
+                      <a:tailEnd type="none" w="med" len="med"/>
+                    </a:lnT>
+                    <a:lnB w="19050" cap="flat" cmpd="sng" algn="ctr">
+                      <a:solidFill>
+                        <a:srgbClr val="000000"/>
+                      </a:solidFill>
+                      <a:prstDash val="solid"/>
+                      <a:round/>
+                      <a:headEnd type="none" w="med" len="med"/>
+                      <a:tailEnd type="none" w="med" len="med"/>
+                    </a:lnB>
+                    <a:solidFill>
+                      <a:schemeClr val="bg1"/>
+                    </a:solidFill>
+                  </a:tcPr>
+                </a:tc>
+                <a:tc>
+                  <a:txBody>
+                    <a:bodyPr/>
+                    <a:lstStyle/>
+                    <a:p>
+                      <a:pPr indent="114300" algn="ctr">
+                        <a:lnSpc>
+                          <a:spcPts val="1200"/>
+                        </a:lnSpc>
+                        <a:spcAft>
+                          <a:spcPts val="0"/>
+                        </a:spcAft>
+                      </a:pPr>
+                      <a:r>
+                        <a:rPr lang="en-US" sz="2000">
+                          <a:effectLst/>
+                          <a:latin typeface="Times New Roman" panose="02020603050405020304" pitchFamily="18" charset="0"/>
+                          <a:ea typeface="ＭＳ 明朝" panose="02020609040205080304" pitchFamily="17" charset="-128"/>
+                          <a:cs typeface="Times New Roman" panose="02020603050405020304" pitchFamily="18" charset="0"/>
+                        </a:rPr>
+                        <a:t>0</a:t>
+                      </a:r>
+                      <a:endParaRPr lang="ja-JP" sz="2000">
+                        <a:effectLst/>
+                        <a:latin typeface="Times New Roman" panose="02020603050405020304" pitchFamily="18" charset="0"/>
+                        <a:ea typeface="ＭＳ 明朝" panose="02020609040205080304" pitchFamily="17" charset="-128"/>
+                        <a:cs typeface="Times New Roman" panose="02020603050405020304" pitchFamily="18" charset="0"/>
+                      </a:endParaRPr>
+                    </a:p>
+                  </a:txBody>
+                  <a:tcPr marL="68580" marR="68580" marT="0" marB="0" anchor="ctr">
+                    <a:lnL w="12700" cap="flat" cmpd="sng" algn="ctr">
+                      <a:solidFill>
+                        <a:srgbClr val="000000"/>
+                      </a:solidFill>
+                      <a:prstDash val="solid"/>
+                      <a:round/>
+                      <a:headEnd type="none" w="med" len="med"/>
+                      <a:tailEnd type="none" w="med" len="med"/>
+                    </a:lnL>
+                    <a:lnR w="12700" cap="flat" cmpd="sng" algn="ctr">
+                      <a:solidFill>
+                        <a:srgbClr val="000000"/>
+                      </a:solidFill>
+                      <a:prstDash val="solid"/>
+                      <a:round/>
+                      <a:headEnd type="none" w="med" len="med"/>
+                      <a:tailEnd type="none" w="med" len="med"/>
+                    </a:lnR>
+                    <a:lnT w="12700" cap="flat" cmpd="sng" algn="ctr">
+                      <a:solidFill>
+                        <a:srgbClr val="000000"/>
+                      </a:solidFill>
+                      <a:prstDash val="solid"/>
+                      <a:round/>
+                      <a:headEnd type="none" w="med" len="med"/>
+                      <a:tailEnd type="none" w="med" len="med"/>
+                    </a:lnT>
+                    <a:lnB w="19050" cap="flat" cmpd="sng" algn="ctr">
+                      <a:solidFill>
+                        <a:srgbClr val="000000"/>
+                      </a:solidFill>
+                      <a:prstDash val="solid"/>
+                      <a:round/>
+                      <a:headEnd type="none" w="med" len="med"/>
+                      <a:tailEnd type="none" w="med" len="med"/>
+                    </a:lnB>
+                    <a:solidFill>
+                      <a:schemeClr val="bg1"/>
+                    </a:solidFill>
+                  </a:tcPr>
+                </a:tc>
+                <a:tc>
+                  <a:txBody>
+                    <a:bodyPr/>
+                    <a:lstStyle/>
+                    <a:p>
+                      <a:pPr indent="114300" algn="ctr">
+                        <a:lnSpc>
+                          <a:spcPts val="1200"/>
+                        </a:lnSpc>
+                        <a:spcAft>
+                          <a:spcPts val="0"/>
+                        </a:spcAft>
+                      </a:pPr>
+                      <a:r>
+                        <a:rPr lang="en-US" sz="2000">
+                          <a:effectLst/>
+                          <a:latin typeface="Times New Roman" panose="02020603050405020304" pitchFamily="18" charset="0"/>
+                          <a:ea typeface="ＭＳ 明朝" panose="02020609040205080304" pitchFamily="17" charset="-128"/>
+                          <a:cs typeface="Times New Roman" panose="02020603050405020304" pitchFamily="18" charset="0"/>
+                        </a:rPr>
+                        <a:t>0</a:t>
+                      </a:r>
+                      <a:endParaRPr lang="ja-JP" sz="2000">
+                        <a:effectLst/>
+                        <a:latin typeface="Times New Roman" panose="02020603050405020304" pitchFamily="18" charset="0"/>
+                        <a:ea typeface="ＭＳ 明朝" panose="02020609040205080304" pitchFamily="17" charset="-128"/>
+                        <a:cs typeface="Times New Roman" panose="02020603050405020304" pitchFamily="18" charset="0"/>
+                      </a:endParaRPr>
+                    </a:p>
+                  </a:txBody>
+                  <a:tcPr marL="68580" marR="68580" marT="0" marB="0" anchor="ctr">
+                    <a:lnL w="12700" cap="flat" cmpd="sng" algn="ctr">
+                      <a:solidFill>
+                        <a:srgbClr val="000000"/>
+                      </a:solidFill>
+                      <a:prstDash val="solid"/>
+                      <a:round/>
+                      <a:headEnd type="none" w="med" len="med"/>
+                      <a:tailEnd type="none" w="med" len="med"/>
+                    </a:lnL>
+                    <a:lnR w="12700" cap="flat" cmpd="sng" algn="ctr">
+                      <a:solidFill>
+                        <a:srgbClr val="000000"/>
+                      </a:solidFill>
+                      <a:prstDash val="solid"/>
+                      <a:round/>
+                      <a:headEnd type="none" w="med" len="med"/>
+                      <a:tailEnd type="none" w="med" len="med"/>
+                    </a:lnR>
+                    <a:lnT w="12700" cap="flat" cmpd="sng" algn="ctr">
+                      <a:solidFill>
+                        <a:srgbClr val="000000"/>
+                      </a:solidFill>
+                      <a:prstDash val="solid"/>
+                      <a:round/>
+                      <a:headEnd type="none" w="med" len="med"/>
+                      <a:tailEnd type="none" w="med" len="med"/>
+                    </a:lnT>
+                    <a:lnB w="19050" cap="flat" cmpd="sng" algn="ctr">
+                      <a:solidFill>
+                        <a:srgbClr val="000000"/>
+                      </a:solidFill>
+                      <a:prstDash val="solid"/>
+                      <a:round/>
+                      <a:headEnd type="none" w="med" len="med"/>
+                      <a:tailEnd type="none" w="med" len="med"/>
+                    </a:lnB>
+                    <a:solidFill>
+                      <a:schemeClr val="bg1"/>
+                    </a:solidFill>
+                  </a:tcPr>
+                </a:tc>
+                <a:tc>
+                  <a:txBody>
+                    <a:bodyPr/>
+                    <a:lstStyle/>
+                    <a:p>
+                      <a:pPr indent="114300" algn="ctr">
+                        <a:lnSpc>
+                          <a:spcPts val="1200"/>
+                        </a:lnSpc>
+                        <a:spcAft>
+                          <a:spcPts val="0"/>
+                        </a:spcAft>
+                      </a:pPr>
+                      <a:r>
+                        <a:rPr lang="en-US" sz="2000">
+                          <a:effectLst/>
+                          <a:latin typeface="Times New Roman" panose="02020603050405020304" pitchFamily="18" charset="0"/>
+                          <a:ea typeface="ＭＳ 明朝" panose="02020609040205080304" pitchFamily="17" charset="-128"/>
+                          <a:cs typeface="Times New Roman" panose="02020603050405020304" pitchFamily="18" charset="0"/>
+                        </a:rPr>
+                        <a:t>0</a:t>
+                      </a:r>
+                      <a:endParaRPr lang="ja-JP" sz="2000">
+                        <a:effectLst/>
+                        <a:latin typeface="Times New Roman" panose="02020603050405020304" pitchFamily="18" charset="0"/>
+                        <a:ea typeface="ＭＳ 明朝" panose="02020609040205080304" pitchFamily="17" charset="-128"/>
+                        <a:cs typeface="Times New Roman" panose="02020603050405020304" pitchFamily="18" charset="0"/>
+                      </a:endParaRPr>
+                    </a:p>
+                  </a:txBody>
+                  <a:tcPr marL="68580" marR="68580" marT="0" marB="0" anchor="ctr">
+                    <a:lnL w="12700" cap="flat" cmpd="sng" algn="ctr">
+                      <a:solidFill>
+                        <a:srgbClr val="000000"/>
+                      </a:solidFill>
+                      <a:prstDash val="solid"/>
+                      <a:round/>
+                      <a:headEnd type="none" w="med" len="med"/>
+                      <a:tailEnd type="none" w="med" len="med"/>
+                    </a:lnL>
+                    <a:lnR w="12700" cap="flat" cmpd="sng" algn="ctr">
+                      <a:solidFill>
+                        <a:srgbClr val="000000"/>
+                      </a:solidFill>
+                      <a:prstDash val="solid"/>
+                      <a:round/>
+                      <a:headEnd type="none" w="med" len="med"/>
+                      <a:tailEnd type="none" w="med" len="med"/>
+                    </a:lnR>
+                    <a:lnT w="12700" cap="flat" cmpd="sng" algn="ctr">
+                      <a:solidFill>
+                        <a:srgbClr val="000000"/>
+                      </a:solidFill>
+                      <a:prstDash val="solid"/>
+                      <a:round/>
+                      <a:headEnd type="none" w="med" len="med"/>
+                      <a:tailEnd type="none" w="med" len="med"/>
+                    </a:lnT>
+                    <a:lnB w="19050" cap="flat" cmpd="sng" algn="ctr">
+                      <a:solidFill>
+                        <a:srgbClr val="000000"/>
+                      </a:solidFill>
+                      <a:prstDash val="solid"/>
+                      <a:round/>
+                      <a:headEnd type="none" w="med" len="med"/>
+                      <a:tailEnd type="none" w="med" len="med"/>
+                    </a:lnB>
+                    <a:solidFill>
+                      <a:schemeClr val="bg1"/>
+                    </a:solidFill>
+                  </a:tcPr>
+                </a:tc>
+                <a:tc>
+                  <a:txBody>
+                    <a:bodyPr/>
+                    <a:lstStyle/>
+                    <a:p>
+                      <a:pPr indent="114300" algn="ctr">
+                        <a:lnSpc>
+                          <a:spcPts val="1200"/>
+                        </a:lnSpc>
+                        <a:spcAft>
+                          <a:spcPts val="0"/>
+                        </a:spcAft>
+                      </a:pPr>
+                      <a:r>
+                        <a:rPr lang="en-US" sz="2000" b="1" dirty="0">
+                          <a:effectLst/>
+                          <a:latin typeface="Times New Roman" panose="02020603050405020304" pitchFamily="18" charset="0"/>
+                          <a:ea typeface="ＭＳ 明朝" panose="02020609040205080304" pitchFamily="17" charset="-128"/>
+                          <a:cs typeface="Times New Roman" panose="02020603050405020304" pitchFamily="18" charset="0"/>
+                        </a:rPr>
+                        <a:t>3415</a:t>
+                      </a:r>
+                      <a:endParaRPr lang="ja-JP" sz="2000" dirty="0">
+                        <a:effectLst/>
+                        <a:latin typeface="Times New Roman" panose="02020603050405020304" pitchFamily="18" charset="0"/>
+                        <a:ea typeface="ＭＳ 明朝" panose="02020609040205080304" pitchFamily="17" charset="-128"/>
+                        <a:cs typeface="Times New Roman" panose="02020603050405020304" pitchFamily="18" charset="0"/>
+                      </a:endParaRPr>
+                    </a:p>
+                  </a:txBody>
+                  <a:tcPr marL="68580" marR="68580" marT="0" marB="0" anchor="ctr">
+                    <a:lnL w="12700" cap="flat" cmpd="sng" algn="ctr">
+                      <a:solidFill>
+                        <a:srgbClr val="000000"/>
+                      </a:solidFill>
+                      <a:prstDash val="solid"/>
+                      <a:round/>
+                      <a:headEnd type="none" w="med" len="med"/>
+                      <a:tailEnd type="none" w="med" len="med"/>
+                    </a:lnL>
+                    <a:lnR w="19050" cap="flat" cmpd="sng" algn="ctr">
+                      <a:solidFill>
+                        <a:srgbClr val="000000"/>
+                      </a:solidFill>
+                      <a:prstDash val="solid"/>
+                      <a:round/>
+                      <a:headEnd type="none" w="med" len="med"/>
+                      <a:tailEnd type="none" w="med" len="med"/>
+                    </a:lnR>
+                    <a:lnT w="12700" cap="flat" cmpd="sng" algn="ctr">
+                      <a:solidFill>
+                        <a:srgbClr val="000000"/>
+                      </a:solidFill>
+                      <a:prstDash val="solid"/>
+                      <a:round/>
+                      <a:headEnd type="none" w="med" len="med"/>
+                      <a:tailEnd type="none" w="med" len="med"/>
+                    </a:lnT>
+                    <a:lnB w="19050" cap="flat" cmpd="sng" algn="ctr">
+                      <a:solidFill>
+                        <a:srgbClr val="000000"/>
+                      </a:solidFill>
+                      <a:prstDash val="solid"/>
+                      <a:round/>
+                      <a:headEnd type="none" w="med" len="med"/>
+                      <a:tailEnd type="none" w="med" len="med"/>
+                    </a:lnB>
+                    <a:solidFill>
+                      <a:schemeClr val="bg1"/>
+                    </a:solidFill>
+                  </a:tcPr>
+                </a:tc>
+              </a:tr>
+            </a:tbl>
+          </a:graphicData>
+        </a:graphic>
+      </p:graphicFrame>
+      <p:sp>
+        <p:nvSpPr>
+          <p:cNvPr id="8" name="テキスト ボックス 7"/>
+          <p:cNvSpPr txBox="1"/>
           <p:nvPr/>
-        </p:nvPicPr>
-        <p:blipFill>
-          <a:blip r:embed="rId2">
-            <a:extLst>
-              <a:ext uri="{28A0092B-C50C-407E-A947-70E740481C1C}">
-                <a14:useLocalDpi xmlns:a14="http://schemas.microsoft.com/office/drawing/2010/main" val="0"/>
-              </a:ext>
-            </a:extLst>
-          </a:blip>
-          <a:stretch>
-            <a:fillRect/>
-          </a:stretch>
-        </p:blipFill>
+        </p:nvSpPr>
         <p:spPr>
           <a:xfrm>
-            <a:off x="1996412" y="936230"/>
-            <a:ext cx="4933278" cy="2831498"/>
-          </a:xfrm>
-          <a:prstGeom prst="rect">
-            <a:avLst/>
-          </a:prstGeom>
-        </p:spPr>
-      </p:pic>
-      <p:pic>
-        <p:nvPicPr>
-          <p:cNvPr id="5" name="Picture 2" descr="流出割合"/>
-          <p:cNvPicPr>
-            <a:picLocks noChangeAspect="1" noChangeArrowheads="1"/>
-          </p:cNvPicPr>
-          <p:nvPr/>
-        </p:nvPicPr>
-        <p:blipFill>
-          <a:blip r:embed="rId3">
-            <a:extLst>
-              <a:ext uri="{28A0092B-C50C-407E-A947-70E740481C1C}">
-                <a14:useLocalDpi xmlns:a14="http://schemas.microsoft.com/office/drawing/2010/main" val="0"/>
-              </a:ext>
-            </a:extLst>
-          </a:blip>
-          <a:srcRect/>
-          <a:stretch>
-            <a:fillRect/>
-          </a:stretch>
-        </p:blipFill>
-        <p:spPr bwMode="auto">
-          <a:xfrm>
-            <a:off x="1996412" y="3832948"/>
-            <a:ext cx="4933278" cy="2944368"/>
+            <a:off x="718375" y="1341404"/>
+            <a:ext cx="4086226" cy="400110"/>
           </a:xfrm>
           <a:prstGeom prst="rect">
             <a:avLst/>
           </a:prstGeom>
           <a:noFill/>
-          <a:ln>
-            <a:noFill/>
-          </a:ln>
-          <a:extLst>
-            <a:ext uri="{909E8E84-426E-40DD-AFC4-6F175D3DCCD1}">
-              <a14:hiddenFill xmlns:a14="http://schemas.microsoft.com/office/drawing/2010/main">
-                <a:solidFill>
-                  <a:srgbClr val="FFFFFF"/>
-                </a:solidFill>
-              </a14:hiddenFill>
-            </a:ext>
-            <a:ext uri="{91240B29-F687-4F45-9708-019B960494DF}">
-              <a14:hiddenLine xmlns:a14="http://schemas.microsoft.com/office/drawing/2010/main" w="9525">
-                <a:solidFill>
-                  <a:srgbClr val="000000"/>
-                </a:solidFill>
-                <a:miter lim="800000"/>
-                <a:headEnd/>
-                <a:tailEnd/>
-              </a14:hiddenLine>
-            </a:ext>
-          </a:extLst>
         </p:spPr>
-      </p:pic>
+        <p:txBody>
+          <a:bodyPr wrap="square" rtlCol="0">
+            <a:spAutoFit/>
+          </a:bodyPr>
+          <a:lstStyle/>
+          <a:p>
+            <a:r>
+              <a:rPr kumimoji="1" lang="ja-JP" altLang="en-US" sz="2000" dirty="0" smtClean="0"/>
+              <a:t>登校時人流センサ毎の総データ量</a:t>
+            </a:r>
+            <a:endParaRPr kumimoji="1" lang="ja-JP" altLang="en-US" sz="2000" dirty="0"/>
+          </a:p>
+        </p:txBody>
+      </p:sp>
     </p:spTree>
     <p:extLst>
       <p:ext uri="{BB962C8B-B14F-4D97-AF65-F5344CB8AC3E}">
-        <p14:creationId xmlns:p14="http://schemas.microsoft.com/office/powerpoint/2010/main" val="507396712"/>
+        <p14:creationId xmlns:p14="http://schemas.microsoft.com/office/powerpoint/2010/main" val="2453598625"/>
       </p:ext>
     </p:extLst>
   </p:cSld>
@@ -4579,6 +7993,754 @@
           <a:p>
             <a:r>
               <a:rPr kumimoji="1" lang="ja-JP" altLang="en-US" dirty="0" smtClean="0"/>
+              <a:t>シミュレータの設計</a:t>
+            </a:r>
+            <a:endParaRPr kumimoji="1" lang="ja-JP" altLang="en-US" dirty="0"/>
+          </a:p>
+        </p:txBody>
+      </p:sp>
+      <p:sp>
+        <p:nvSpPr>
+          <p:cNvPr id="6" name="テキスト ボックス 5"/>
+          <p:cNvSpPr txBox="1"/>
+          <p:nvPr/>
+        </p:nvSpPr>
+        <p:spPr>
+          <a:xfrm>
+            <a:off x="94505" y="833840"/>
+            <a:ext cx="2666983" cy="461665"/>
+          </a:xfrm>
+          <a:prstGeom prst="rect">
+            <a:avLst/>
+          </a:prstGeom>
+          <a:noFill/>
+        </p:spPr>
+        <p:txBody>
+          <a:bodyPr wrap="square" rtlCol="0">
+            <a:spAutoFit/>
+          </a:bodyPr>
+          <a:lstStyle/>
+          <a:p>
+            <a:r>
+              <a:rPr kumimoji="1" lang="ja-JP" altLang="en-US" sz="2400" dirty="0" smtClean="0"/>
+              <a:t>対象者設定</a:t>
+            </a:r>
+            <a:endParaRPr kumimoji="1" lang="ja-JP" altLang="en-US" sz="2400" dirty="0"/>
+          </a:p>
+        </p:txBody>
+      </p:sp>
+      <p:sp>
+        <p:nvSpPr>
+          <p:cNvPr id="3" name="テキスト ボックス 2"/>
+          <p:cNvSpPr txBox="1"/>
+          <p:nvPr/>
+        </p:nvSpPr>
+        <p:spPr>
+          <a:xfrm>
+            <a:off x="881973" y="1704975"/>
+            <a:ext cx="6090327" cy="400110"/>
+          </a:xfrm>
+          <a:prstGeom prst="rect">
+            <a:avLst/>
+          </a:prstGeom>
+          <a:noFill/>
+        </p:spPr>
+        <p:txBody>
+          <a:bodyPr wrap="square" rtlCol="0">
+            <a:spAutoFit/>
+          </a:bodyPr>
+          <a:lstStyle/>
+          <a:p>
+            <a:r>
+              <a:rPr kumimoji="1" lang="ja-JP" altLang="en-US" sz="2000" dirty="0" smtClean="0"/>
+              <a:t>ある人物が駅を通過するには二つのセンサを通る</a:t>
+            </a:r>
+            <a:endParaRPr kumimoji="1" lang="ja-JP" altLang="en-US" sz="2000" dirty="0"/>
+          </a:p>
+        </p:txBody>
+      </p:sp>
+      <p:sp>
+        <p:nvSpPr>
+          <p:cNvPr id="4" name="正方形/長方形 3"/>
+          <p:cNvSpPr/>
+          <p:nvPr/>
+        </p:nvSpPr>
+        <p:spPr>
+          <a:xfrm>
+            <a:off x="2085974" y="2105085"/>
+            <a:ext cx="3848100" cy="1988581"/>
+          </a:xfrm>
+          <a:prstGeom prst="rect">
+            <a:avLst/>
+          </a:prstGeom>
+        </p:spPr>
+        <p:style>
+          <a:lnRef idx="2">
+            <a:schemeClr val="dk1"/>
+          </a:lnRef>
+          <a:fillRef idx="1">
+            <a:schemeClr val="lt1"/>
+          </a:fillRef>
+          <a:effectRef idx="0">
+            <a:schemeClr val="dk1"/>
+          </a:effectRef>
+          <a:fontRef idx="minor">
+            <a:schemeClr val="dk1"/>
+          </a:fontRef>
+        </p:style>
+        <p:txBody>
+          <a:bodyPr rtlCol="0" anchor="ctr"/>
+          <a:lstStyle/>
+          <a:p>
+            <a:pPr algn="ctr"/>
+            <a:endParaRPr kumimoji="1" lang="ja-JP" altLang="en-US"/>
+          </a:p>
+        </p:txBody>
+      </p:sp>
+      <p:sp>
+        <p:nvSpPr>
+          <p:cNvPr id="9" name="右矢印 8"/>
+          <p:cNvSpPr/>
+          <p:nvPr/>
+        </p:nvSpPr>
+        <p:spPr>
+          <a:xfrm>
+            <a:off x="527622" y="3365005"/>
+            <a:ext cx="7084777" cy="638175"/>
+          </a:xfrm>
+          <a:prstGeom prst="rightArrow">
+            <a:avLst>
+              <a:gd name="adj1" fmla="val 50000"/>
+              <a:gd name="adj2" fmla="val 118657"/>
+            </a:avLst>
+          </a:prstGeom>
+        </p:spPr>
+        <p:style>
+          <a:lnRef idx="2">
+            <a:schemeClr val="accent1">
+              <a:shade val="50000"/>
+            </a:schemeClr>
+          </a:lnRef>
+          <a:fillRef idx="1">
+            <a:schemeClr val="accent1"/>
+          </a:fillRef>
+          <a:effectRef idx="0">
+            <a:schemeClr val="accent1"/>
+          </a:effectRef>
+          <a:fontRef idx="minor">
+            <a:schemeClr val="lt1"/>
+          </a:fontRef>
+        </p:style>
+        <p:txBody>
+          <a:bodyPr rtlCol="0" anchor="ctr"/>
+          <a:lstStyle/>
+          <a:p>
+            <a:pPr algn="ctr"/>
+            <a:endParaRPr kumimoji="1" lang="ja-JP" altLang="en-US"/>
+          </a:p>
+        </p:txBody>
+      </p:sp>
+      <p:sp>
+        <p:nvSpPr>
+          <p:cNvPr id="10" name="右矢印 9"/>
+          <p:cNvSpPr/>
+          <p:nvPr/>
+        </p:nvSpPr>
+        <p:spPr>
+          <a:xfrm>
+            <a:off x="2085973" y="2564905"/>
+            <a:ext cx="1548000" cy="792000"/>
+          </a:xfrm>
+          <a:prstGeom prst="rightArrow">
+            <a:avLst/>
+          </a:prstGeom>
+        </p:spPr>
+        <p:style>
+          <a:lnRef idx="2">
+            <a:schemeClr val="accent1">
+              <a:shade val="50000"/>
+            </a:schemeClr>
+          </a:lnRef>
+          <a:fillRef idx="1">
+            <a:schemeClr val="accent1"/>
+          </a:fillRef>
+          <a:effectRef idx="0">
+            <a:schemeClr val="accent1"/>
+          </a:effectRef>
+          <a:fontRef idx="minor">
+            <a:schemeClr val="lt1"/>
+          </a:fontRef>
+        </p:style>
+        <p:txBody>
+          <a:bodyPr rtlCol="0" anchor="ctr"/>
+          <a:lstStyle/>
+          <a:p>
+            <a:pPr algn="ctr"/>
+            <a:r>
+              <a:rPr kumimoji="1" lang="en-US" altLang="ja-JP" sz="2000" dirty="0" smtClean="0"/>
+              <a:t>in</a:t>
+            </a:r>
+            <a:r>
+              <a:rPr kumimoji="1" lang="ja-JP" altLang="en-US" sz="2000" dirty="0" smtClean="0"/>
+              <a:t>データ</a:t>
+            </a:r>
+            <a:endParaRPr kumimoji="1" lang="ja-JP" altLang="en-US" sz="2000" dirty="0"/>
+          </a:p>
+        </p:txBody>
+      </p:sp>
+      <p:sp>
+        <p:nvSpPr>
+          <p:cNvPr id="11" name="右矢印 10"/>
+          <p:cNvSpPr/>
+          <p:nvPr/>
+        </p:nvSpPr>
+        <p:spPr>
+          <a:xfrm>
+            <a:off x="5934074" y="2564905"/>
+            <a:ext cx="1548000" cy="792000"/>
+          </a:xfrm>
+          <a:prstGeom prst="rightArrow">
+            <a:avLst/>
+          </a:prstGeom>
+        </p:spPr>
+        <p:style>
+          <a:lnRef idx="2">
+            <a:schemeClr val="accent1">
+              <a:shade val="50000"/>
+            </a:schemeClr>
+          </a:lnRef>
+          <a:fillRef idx="1">
+            <a:schemeClr val="accent1"/>
+          </a:fillRef>
+          <a:effectRef idx="0">
+            <a:schemeClr val="accent1"/>
+          </a:effectRef>
+          <a:fontRef idx="minor">
+            <a:schemeClr val="lt1"/>
+          </a:fontRef>
+        </p:style>
+        <p:txBody>
+          <a:bodyPr rtlCol="0" anchor="ctr"/>
+          <a:lstStyle/>
+          <a:p>
+            <a:pPr algn="ctr"/>
+            <a:r>
+              <a:rPr lang="en-US" altLang="ja-JP" sz="2000" dirty="0"/>
+              <a:t>o</a:t>
+            </a:r>
+            <a:r>
+              <a:rPr kumimoji="1" lang="en-US" altLang="ja-JP" sz="2000" dirty="0" smtClean="0"/>
+              <a:t>ut</a:t>
+            </a:r>
+            <a:r>
+              <a:rPr kumimoji="1" lang="ja-JP" altLang="en-US" sz="2000" dirty="0" smtClean="0"/>
+              <a:t>データ</a:t>
+            </a:r>
+            <a:endParaRPr kumimoji="1" lang="ja-JP" altLang="en-US" sz="2000" dirty="0"/>
+          </a:p>
+        </p:txBody>
+      </p:sp>
+      <p:sp>
+        <p:nvSpPr>
+          <p:cNvPr id="12" name="テキスト ボックス 11"/>
+          <p:cNvSpPr txBox="1"/>
+          <p:nvPr/>
+        </p:nvSpPr>
+        <p:spPr>
+          <a:xfrm>
+            <a:off x="2085973" y="2105086"/>
+            <a:ext cx="1219199" cy="369332"/>
+          </a:xfrm>
+          <a:prstGeom prst="rect">
+            <a:avLst/>
+          </a:prstGeom>
+          <a:noFill/>
+        </p:spPr>
+        <p:txBody>
+          <a:bodyPr wrap="square" rtlCol="0">
+            <a:spAutoFit/>
+          </a:bodyPr>
+          <a:lstStyle/>
+          <a:p>
+            <a:r>
+              <a:rPr lang="ja-JP" altLang="en-US" dirty="0"/>
+              <a:t>駅構内</a:t>
+            </a:r>
+            <a:endParaRPr kumimoji="1" lang="ja-JP" altLang="en-US" dirty="0"/>
+          </a:p>
+        </p:txBody>
+      </p:sp>
+      <p:sp>
+        <p:nvSpPr>
+          <p:cNvPr id="13" name="テキスト ボックス 12"/>
+          <p:cNvSpPr txBox="1"/>
+          <p:nvPr/>
+        </p:nvSpPr>
+        <p:spPr>
+          <a:xfrm>
+            <a:off x="1760199" y="4311884"/>
+            <a:ext cx="5572124" cy="400110"/>
+          </a:xfrm>
+          <a:prstGeom prst="rect">
+            <a:avLst/>
+          </a:prstGeom>
+          <a:noFill/>
+        </p:spPr>
+        <p:txBody>
+          <a:bodyPr wrap="square" rtlCol="0">
+            <a:spAutoFit/>
+          </a:bodyPr>
+          <a:lstStyle/>
+          <a:p>
+            <a:r>
+              <a:rPr lang="ja-JP" altLang="en-US" sz="2000" dirty="0"/>
+              <a:t>前述</a:t>
+            </a:r>
+            <a:r>
+              <a:rPr kumimoji="1" lang="ja-JP" altLang="en-US" sz="2000" dirty="0" smtClean="0"/>
+              <a:t>の表から，非対象者の人数を</a:t>
+            </a:r>
+            <a:r>
+              <a:rPr kumimoji="1" lang="en-US" altLang="ja-JP" sz="2000" dirty="0" smtClean="0"/>
+              <a:t>1700</a:t>
+            </a:r>
+            <a:r>
+              <a:rPr kumimoji="1" lang="ja-JP" altLang="en-US" sz="2000" dirty="0" smtClean="0"/>
+              <a:t>人と概算</a:t>
+            </a:r>
+            <a:endParaRPr kumimoji="1" lang="ja-JP" altLang="en-US" sz="2000" dirty="0"/>
+          </a:p>
+        </p:txBody>
+      </p:sp>
+      <p:sp>
+        <p:nvSpPr>
+          <p:cNvPr id="14" name="テキスト ボックス 13"/>
+          <p:cNvSpPr txBox="1"/>
+          <p:nvPr/>
+        </p:nvSpPr>
+        <p:spPr>
+          <a:xfrm>
+            <a:off x="527622" y="4891921"/>
+            <a:ext cx="8980255" cy="923330"/>
+          </a:xfrm>
+          <a:prstGeom prst="rect">
+            <a:avLst/>
+          </a:prstGeom>
+          <a:noFill/>
+        </p:spPr>
+        <p:txBody>
+          <a:bodyPr wrap="square" rtlCol="0">
+            <a:spAutoFit/>
+          </a:bodyPr>
+          <a:lstStyle/>
+          <a:p>
+            <a:pPr lvl="0"/>
+            <a:r>
+              <a:rPr lang="ja-JP" altLang="en-US" dirty="0"/>
+              <a:t>鉄道利用者に占める学生の割合は全体の</a:t>
+            </a:r>
+            <a:r>
+              <a:rPr lang="en-US" altLang="ja-JP" dirty="0"/>
+              <a:t>7</a:t>
+            </a:r>
+            <a:r>
+              <a:rPr lang="ja-JP" altLang="en-US" dirty="0"/>
+              <a:t>％</a:t>
+            </a:r>
+            <a:r>
+              <a:rPr lang="ja-JP" altLang="en-US" dirty="0" smtClean="0"/>
+              <a:t>程度</a:t>
+            </a:r>
+            <a:r>
+              <a:rPr lang="en-US" altLang="ja-JP" dirty="0" smtClean="0"/>
+              <a:t/>
+            </a:r>
+            <a:br>
+              <a:rPr lang="en-US" altLang="ja-JP" dirty="0" smtClean="0"/>
+            </a:br>
+            <a:r>
+              <a:rPr lang="en-US" altLang="ja-JP" dirty="0" smtClean="0"/>
+              <a:t>(</a:t>
+            </a:r>
+            <a:r>
+              <a:rPr lang="ja-JP" altLang="ja-JP" dirty="0"/>
+              <a:t>関東交通広告協議会，“交通広告調査レポート</a:t>
+            </a:r>
+            <a:r>
+              <a:rPr lang="en-US" altLang="ja-JP" dirty="0"/>
+              <a:t> 2009</a:t>
+            </a:r>
+            <a:r>
+              <a:rPr lang="ja-JP" altLang="ja-JP" dirty="0" err="1"/>
+              <a:t>，</a:t>
+            </a:r>
+            <a:r>
+              <a:rPr lang="ja-JP" altLang="ja-JP" dirty="0"/>
+              <a:t>”鉄道利用者プロフィール，</a:t>
+            </a:r>
+            <a:r>
+              <a:rPr lang="en-US" altLang="ja-JP" dirty="0" smtClean="0"/>
+              <a:t>pp39)</a:t>
+            </a:r>
+            <a:endParaRPr kumimoji="1" lang="ja-JP" altLang="en-US" dirty="0"/>
+          </a:p>
+        </p:txBody>
+      </p:sp>
+      <p:sp>
+        <p:nvSpPr>
+          <p:cNvPr id="15" name="テキスト ボックス 14"/>
+          <p:cNvSpPr txBox="1"/>
+          <p:nvPr/>
+        </p:nvSpPr>
+        <p:spPr>
+          <a:xfrm>
+            <a:off x="1362074" y="5930932"/>
+            <a:ext cx="5572124" cy="400110"/>
+          </a:xfrm>
+          <a:prstGeom prst="rect">
+            <a:avLst/>
+          </a:prstGeom>
+          <a:noFill/>
+        </p:spPr>
+        <p:txBody>
+          <a:bodyPr wrap="square" rtlCol="0">
+            <a:spAutoFit/>
+          </a:bodyPr>
+          <a:lstStyle/>
+          <a:p>
+            <a:r>
+              <a:rPr lang="ja-JP" altLang="en-US" sz="2000" dirty="0" smtClean="0"/>
+              <a:t>対象者の最大人数を</a:t>
+            </a:r>
+            <a:r>
+              <a:rPr lang="en-US" altLang="ja-JP" sz="2000" dirty="0" smtClean="0"/>
+              <a:t>200</a:t>
+            </a:r>
+            <a:r>
+              <a:rPr lang="ja-JP" altLang="en-US" sz="2000" dirty="0" smtClean="0"/>
+              <a:t>人と設定</a:t>
+            </a:r>
+            <a:endParaRPr kumimoji="1" lang="ja-JP" altLang="en-US" sz="2000" dirty="0"/>
+          </a:p>
+        </p:txBody>
+      </p:sp>
+    </p:spTree>
+    <p:extLst>
+      <p:ext uri="{BB962C8B-B14F-4D97-AF65-F5344CB8AC3E}">
+        <p14:creationId xmlns:p14="http://schemas.microsoft.com/office/powerpoint/2010/main" val="2290165710"/>
+      </p:ext>
+    </p:extLst>
+  </p:cSld>
+  <p:clrMapOvr>
+    <a:masterClrMapping/>
+  </p:clrMapOvr>
+  <p:timing>
+    <p:tnLst>
+      <p:par>
+        <p:cTn id="1" dur="indefinite" restart="never" nodeType="tmRoot"/>
+      </p:par>
+    </p:tnLst>
+  </p:timing>
+</p:sld>
+</file>
+
+<file path=ppt/slides/slide12.xml><?xml version="1.0" encoding="utf-8"?>
+<p:sld xmlns:a="http://schemas.openxmlformats.org/drawingml/2006/main" xmlns:r="http://schemas.openxmlformats.org/officeDocument/2006/relationships" xmlns:p="http://schemas.openxmlformats.org/presentationml/2006/main">
+  <p:cSld>
+    <p:spTree>
+      <p:nvGrpSpPr>
+        <p:cNvPr id="1" name=""/>
+        <p:cNvGrpSpPr/>
+        <p:nvPr/>
+      </p:nvGrpSpPr>
+      <p:grpSpPr>
+        <a:xfrm>
+          <a:off x="0" y="0"/>
+          <a:ext cx="0" cy="0"/>
+          <a:chOff x="0" y="0"/>
+          <a:chExt cx="0" cy="0"/>
+        </a:xfrm>
+      </p:grpSpPr>
+      <p:sp>
+        <p:nvSpPr>
+          <p:cNvPr id="2" name="タイトル 1"/>
+          <p:cNvSpPr>
+            <a:spLocks noGrp="1"/>
+          </p:cNvSpPr>
+          <p:nvPr>
+            <p:ph type="title"/>
+          </p:nvPr>
+        </p:nvSpPr>
+        <p:spPr/>
+        <p:txBody>
+          <a:bodyPr/>
+          <a:lstStyle/>
+          <a:p>
+            <a:r>
+              <a:rPr kumimoji="1" lang="ja-JP" altLang="en-US" dirty="0" smtClean="0"/>
+              <a:t>シミュレータの設計</a:t>
+            </a:r>
+            <a:endParaRPr kumimoji="1" lang="ja-JP" altLang="en-US" dirty="0"/>
+          </a:p>
+        </p:txBody>
+      </p:sp>
+      <p:pic>
+        <p:nvPicPr>
+          <p:cNvPr id="5" name="Picture 2" descr="流出割合"/>
+          <p:cNvPicPr>
+            <a:picLocks noChangeAspect="1" noChangeArrowheads="1"/>
+          </p:cNvPicPr>
+          <p:nvPr/>
+        </p:nvPicPr>
+        <p:blipFill>
+          <a:blip r:embed="rId2">
+            <a:extLst>
+              <a:ext uri="{28A0092B-C50C-407E-A947-70E740481C1C}">
+                <a14:useLocalDpi xmlns:a14="http://schemas.microsoft.com/office/drawing/2010/main" val="0"/>
+              </a:ext>
+            </a:extLst>
+          </a:blip>
+          <a:srcRect/>
+          <a:stretch>
+            <a:fillRect/>
+          </a:stretch>
+        </p:blipFill>
+        <p:spPr bwMode="auto">
+          <a:xfrm>
+            <a:off x="651338" y="1268300"/>
+            <a:ext cx="7841324" cy="4680000"/>
+          </a:xfrm>
+          <a:prstGeom prst="rect">
+            <a:avLst/>
+          </a:prstGeom>
+          <a:noFill/>
+          <a:ln>
+            <a:noFill/>
+          </a:ln>
+          <a:extLst>
+            <a:ext uri="{909E8E84-426E-40DD-AFC4-6F175D3DCCD1}">
+              <a14:hiddenFill xmlns:a14="http://schemas.microsoft.com/office/drawing/2010/main">
+                <a:solidFill>
+                  <a:srgbClr val="FFFFFF"/>
+                </a:solidFill>
+              </a14:hiddenFill>
+            </a:ext>
+            <a:ext uri="{91240B29-F687-4F45-9708-019B960494DF}">
+              <a14:hiddenLine xmlns:a14="http://schemas.microsoft.com/office/drawing/2010/main" w="9525">
+                <a:solidFill>
+                  <a:srgbClr val="000000"/>
+                </a:solidFill>
+                <a:miter lim="800000"/>
+                <a:headEnd/>
+                <a:tailEnd/>
+              </a14:hiddenLine>
+            </a:ext>
+          </a:extLst>
+        </p:spPr>
+      </p:pic>
+      <p:sp>
+        <p:nvSpPr>
+          <p:cNvPr id="7" name="テキスト ボックス 6"/>
+          <p:cNvSpPr txBox="1"/>
+          <p:nvPr/>
+        </p:nvSpPr>
+        <p:spPr>
+          <a:xfrm>
+            <a:off x="94505" y="833840"/>
+            <a:ext cx="2666983" cy="461665"/>
+          </a:xfrm>
+          <a:prstGeom prst="rect">
+            <a:avLst/>
+          </a:prstGeom>
+          <a:noFill/>
+        </p:spPr>
+        <p:txBody>
+          <a:bodyPr wrap="square" rtlCol="0">
+            <a:spAutoFit/>
+          </a:bodyPr>
+          <a:lstStyle/>
+          <a:p>
+            <a:r>
+              <a:rPr kumimoji="1" lang="ja-JP" altLang="en-US" sz="2400" dirty="0" smtClean="0"/>
+              <a:t>対象者設定</a:t>
+            </a:r>
+            <a:endParaRPr kumimoji="1" lang="ja-JP" altLang="en-US" sz="2400" dirty="0"/>
+          </a:p>
+        </p:txBody>
+      </p:sp>
+    </p:spTree>
+    <p:extLst>
+      <p:ext uri="{BB962C8B-B14F-4D97-AF65-F5344CB8AC3E}">
+        <p14:creationId xmlns:p14="http://schemas.microsoft.com/office/powerpoint/2010/main" val="507396712"/>
+      </p:ext>
+    </p:extLst>
+  </p:cSld>
+  <p:clrMapOvr>
+    <a:masterClrMapping/>
+  </p:clrMapOvr>
+  <p:timing>
+    <p:tnLst>
+      <p:par>
+        <p:cTn id="1" dur="indefinite" restart="never" nodeType="tmRoot"/>
+      </p:par>
+    </p:tnLst>
+  </p:timing>
+</p:sld>
+</file>
+
+<file path=ppt/slides/slide13.xml><?xml version="1.0" encoding="utf-8"?>
+<p:sld xmlns:a="http://schemas.openxmlformats.org/drawingml/2006/main" xmlns:r="http://schemas.openxmlformats.org/officeDocument/2006/relationships" xmlns:p="http://schemas.openxmlformats.org/presentationml/2006/main">
+  <p:cSld>
+    <p:spTree>
+      <p:nvGrpSpPr>
+        <p:cNvPr id="1" name=""/>
+        <p:cNvGrpSpPr/>
+        <p:nvPr/>
+      </p:nvGrpSpPr>
+      <p:grpSpPr>
+        <a:xfrm>
+          <a:off x="0" y="0"/>
+          <a:ext cx="0" cy="0"/>
+          <a:chOff x="0" y="0"/>
+          <a:chExt cx="0" cy="0"/>
+        </a:xfrm>
+      </p:grpSpPr>
+      <p:sp>
+        <p:nvSpPr>
+          <p:cNvPr id="2" name="タイトル 1"/>
+          <p:cNvSpPr>
+            <a:spLocks noGrp="1"/>
+          </p:cNvSpPr>
+          <p:nvPr>
+            <p:ph type="title"/>
+          </p:nvPr>
+        </p:nvSpPr>
+        <p:spPr/>
+        <p:txBody>
+          <a:bodyPr/>
+          <a:lstStyle/>
+          <a:p>
+            <a:r>
+              <a:rPr kumimoji="1" lang="ja-JP" altLang="en-US" dirty="0" smtClean="0"/>
+              <a:t>シミュレータの設計</a:t>
+            </a:r>
+            <a:endParaRPr kumimoji="1" lang="ja-JP" altLang="en-US" dirty="0"/>
+          </a:p>
+        </p:txBody>
+      </p:sp>
+      <p:pic>
+        <p:nvPicPr>
+          <p:cNvPr id="3" name="図 2"/>
+          <p:cNvPicPr>
+            <a:picLocks noChangeAspect="1"/>
+          </p:cNvPicPr>
+          <p:nvPr/>
+        </p:nvPicPr>
+        <p:blipFill rotWithShape="1">
+          <a:blip r:embed="rId2">
+            <a:extLst>
+              <a:ext uri="{28A0092B-C50C-407E-A947-70E740481C1C}">
+                <a14:useLocalDpi xmlns:a14="http://schemas.microsoft.com/office/drawing/2010/main" val="0"/>
+              </a:ext>
+            </a:extLst>
+          </a:blip>
+          <a:srcRect r="3494"/>
+          <a:stretch/>
+        </p:blipFill>
+        <p:spPr>
+          <a:xfrm>
+            <a:off x="637492" y="1268300"/>
+            <a:ext cx="7869017" cy="4680000"/>
+          </a:xfrm>
+          <a:prstGeom prst="rect">
+            <a:avLst/>
+          </a:prstGeom>
+        </p:spPr>
+      </p:pic>
+      <p:sp>
+        <p:nvSpPr>
+          <p:cNvPr id="7" name="テキスト ボックス 6"/>
+          <p:cNvSpPr txBox="1"/>
+          <p:nvPr/>
+        </p:nvSpPr>
+        <p:spPr>
+          <a:xfrm>
+            <a:off x="94505" y="833840"/>
+            <a:ext cx="2666983" cy="461665"/>
+          </a:xfrm>
+          <a:prstGeom prst="rect">
+            <a:avLst/>
+          </a:prstGeom>
+          <a:noFill/>
+        </p:spPr>
+        <p:txBody>
+          <a:bodyPr wrap="square" rtlCol="0">
+            <a:spAutoFit/>
+          </a:bodyPr>
+          <a:lstStyle/>
+          <a:p>
+            <a:r>
+              <a:rPr kumimoji="1" lang="ja-JP" altLang="en-US" sz="2400" dirty="0" smtClean="0"/>
+              <a:t>対象者設定</a:t>
+            </a:r>
+            <a:endParaRPr kumimoji="1" lang="ja-JP" altLang="en-US" sz="2400" dirty="0"/>
+          </a:p>
+        </p:txBody>
+      </p:sp>
+    </p:spTree>
+    <p:extLst>
+      <p:ext uri="{BB962C8B-B14F-4D97-AF65-F5344CB8AC3E}">
+        <p14:creationId xmlns:p14="http://schemas.microsoft.com/office/powerpoint/2010/main" val="1899331361"/>
+      </p:ext>
+    </p:extLst>
+  </p:cSld>
+  <p:clrMapOvr>
+    <a:masterClrMapping/>
+  </p:clrMapOvr>
+  <p:timing>
+    <p:tnLst>
+      <p:par>
+        <p:cTn id="1" dur="indefinite" restart="never" nodeType="tmRoot"/>
+      </p:par>
+    </p:tnLst>
+  </p:timing>
+</p:sld>
+</file>
+
+<file path=ppt/slides/slide14.xml><?xml version="1.0" encoding="utf-8"?>
+<p:sld xmlns:a="http://schemas.openxmlformats.org/drawingml/2006/main" xmlns:r="http://schemas.openxmlformats.org/officeDocument/2006/relationships" xmlns:p="http://schemas.openxmlformats.org/presentationml/2006/main">
+  <p:cSld>
+    <p:spTree>
+      <p:nvGrpSpPr>
+        <p:cNvPr id="1" name=""/>
+        <p:cNvGrpSpPr/>
+        <p:nvPr/>
+      </p:nvGrpSpPr>
+      <p:grpSpPr>
+        <a:xfrm>
+          <a:off x="0" y="0"/>
+          <a:ext cx="0" cy="0"/>
+          <a:chOff x="0" y="0"/>
+          <a:chExt cx="0" cy="0"/>
+        </a:xfrm>
+      </p:grpSpPr>
+      <p:sp>
+        <p:nvSpPr>
+          <p:cNvPr id="2" name="タイトル 1"/>
+          <p:cNvSpPr>
+            <a:spLocks noGrp="1"/>
+          </p:cNvSpPr>
+          <p:nvPr>
+            <p:ph type="title"/>
+          </p:nvPr>
+        </p:nvSpPr>
+        <p:spPr/>
+        <p:txBody>
+          <a:bodyPr/>
+          <a:lstStyle/>
+          <a:p>
+            <a:r>
+              <a:rPr kumimoji="1" lang="ja-JP" altLang="en-US" dirty="0" smtClean="0"/>
               <a:t>シミュレーション結果</a:t>
             </a:r>
             <a:endParaRPr kumimoji="1" lang="ja-JP" altLang="en-US" dirty="0"/>
@@ -4606,7 +8768,7 @@
         </p:blipFill>
         <p:spPr bwMode="auto">
           <a:xfrm>
-            <a:off x="1529080" y="930327"/>
+            <a:off x="1424305" y="1435152"/>
             <a:ext cx="6005576" cy="3394785"/>
           </a:xfrm>
           <a:prstGeom prst="rect">
@@ -4676,7 +8838,7 @@
 </p:sld>
 </file>
 
-<file path=ppt/slides/slide12.xml><?xml version="1.0" encoding="utf-8"?>
+<file path=ppt/slides/slide15.xml><?xml version="1.0" encoding="utf-8"?>
 <p:sld xmlns:a="http://schemas.openxmlformats.org/drawingml/2006/main" xmlns:r="http://schemas.openxmlformats.org/officeDocument/2006/relationships" xmlns:p="http://schemas.openxmlformats.org/presentationml/2006/main">
   <p:cSld>
     <p:spTree>
@@ -4841,7 +9003,7 @@
 </p:sld>
 </file>
 
-<file path=ppt/slides/slide13.xml><?xml version="1.0" encoding="utf-8"?>
+<file path=ppt/slides/slide16.xml><?xml version="1.0" encoding="utf-8"?>
 <p:sld xmlns:a="http://schemas.openxmlformats.org/drawingml/2006/main" xmlns:r="http://schemas.openxmlformats.org/officeDocument/2006/relationships" xmlns:p="http://schemas.openxmlformats.org/presentationml/2006/main">
   <p:cSld>
     <p:spTree>
@@ -4873,6 +9035,10 @@
           <a:bodyPr/>
           <a:lstStyle/>
           <a:p>
+            <a:r>
+              <a:rPr kumimoji="1" lang="ja-JP" altLang="en-US" dirty="0" smtClean="0"/>
+              <a:t>シミュレーション結果</a:t>
+            </a:r>
             <a:endParaRPr kumimoji="1" lang="ja-JP" altLang="en-US" dirty="0"/>
           </a:p>
         </p:txBody>
@@ -4886,7 +9052,7 @@
           <p:nvPr>
             <p:extLst>
               <p:ext uri="{D42A27DB-BD31-4B8C-83A1-F6EECF244321}">
-                <p14:modId xmlns:p14="http://schemas.microsoft.com/office/powerpoint/2010/main" val="2558460235"/>
+                <p14:modId xmlns:p14="http://schemas.microsoft.com/office/powerpoint/2010/main" val="3474480850"/>
               </p:ext>
             </p:extLst>
           </p:nvPr>
@@ -4899,34 +9065,34 @@
           <a:graphicData uri="http://schemas.openxmlformats.org/drawingml/2006/table">
             <a:tbl>
               <a:tblPr firstRow="1" firstCol="1" bandRow="1">
-                <a:tableStyleId>{5C22544A-7EE6-4342-B048-85BDC9FD1C3A}</a:tableStyleId>
+                <a:tableStyleId>{5940675A-B579-460E-94D1-54222C63F5DA}</a:tableStyleId>
               </a:tblPr>
               <a:tblGrid>
                 <a:gridCol w="1260064">
                   <a:extLst>
                     <a:ext uri="{9D8B030D-6E8A-4147-A177-3AD203B41FA5}">
-                      <a16:colId xmlns:a16="http://schemas.microsoft.com/office/drawing/2014/main" val="2875436721"/>
+                      <a16:colId xmlns:a16="http://schemas.microsoft.com/office/drawing/2014/main" xmlns="" val="2875436721"/>
                     </a:ext>
                   </a:extLst>
                 </a:gridCol>
                 <a:gridCol w="926595">
                   <a:extLst>
                     <a:ext uri="{9D8B030D-6E8A-4147-A177-3AD203B41FA5}">
-                      <a16:colId xmlns:a16="http://schemas.microsoft.com/office/drawing/2014/main" val="3183250735"/>
+                      <a16:colId xmlns:a16="http://schemas.microsoft.com/office/drawing/2014/main" xmlns="" val="3183250735"/>
                     </a:ext>
                   </a:extLst>
                 </a:gridCol>
                 <a:gridCol w="926595">
                   <a:extLst>
                     <a:ext uri="{9D8B030D-6E8A-4147-A177-3AD203B41FA5}">
-                      <a16:colId xmlns:a16="http://schemas.microsoft.com/office/drawing/2014/main" val="1752768818"/>
+                      <a16:colId xmlns:a16="http://schemas.microsoft.com/office/drawing/2014/main" xmlns="" val="1752768818"/>
                     </a:ext>
                   </a:extLst>
                 </a:gridCol>
                 <a:gridCol w="996846">
                   <a:extLst>
                     <a:ext uri="{9D8B030D-6E8A-4147-A177-3AD203B41FA5}">
-                      <a16:colId xmlns:a16="http://schemas.microsoft.com/office/drawing/2014/main" val="3445419894"/>
+                      <a16:colId xmlns:a16="http://schemas.microsoft.com/office/drawing/2014/main" xmlns="" val="3445419894"/>
                     </a:ext>
                   </a:extLst>
                 </a:gridCol>
@@ -4943,12 +9109,12 @@
                         </a:spcAft>
                       </a:pPr>
                       <a:r>
-                        <a:rPr lang="ja-JP" sz="1300" kern="0">
+                        <a:rPr lang="ja-JP" sz="1300" kern="0" dirty="0">
                           <a:effectLst/>
                         </a:rPr>
                         <a:t>センサ</a:t>
                       </a:r>
-                      <a:endParaRPr lang="ja-JP" sz="1300" kern="100">
+                      <a:endParaRPr lang="ja-JP" sz="1300" kern="100" dirty="0">
                         <a:effectLst/>
                       </a:endParaRPr>
                     </a:p>
@@ -4959,12 +9125,12 @@
                         </a:spcAft>
                       </a:pPr>
                       <a:r>
-                        <a:rPr lang="ja-JP" sz="1300" kern="0">
+                        <a:rPr lang="ja-JP" sz="1300" kern="0" dirty="0">
                           <a:effectLst/>
                         </a:rPr>
                         <a:t>番号</a:t>
                       </a:r>
-                      <a:endParaRPr lang="ja-JP" sz="1300" kern="100">
+                      <a:endParaRPr lang="ja-JP" sz="1300" kern="100" dirty="0">
                         <a:effectLst/>
                         <a:latin typeface="Times New Roman" panose="02020603050405020304" pitchFamily="18" charset="0"/>
                         <a:ea typeface="ＭＳ 明朝" panose="02020609040205080304" pitchFamily="17" charset="-128"/>
@@ -5092,7 +9258,7 @@
                 </a:tc>
                 <a:extLst>
                   <a:ext uri="{0D108BD9-81ED-4DB2-BD59-A6C34878D82A}">
-                    <a16:rowId xmlns:a16="http://schemas.microsoft.com/office/drawing/2014/main" val="2578181823"/>
+                    <a16:rowId xmlns:a16="http://schemas.microsoft.com/office/drawing/2014/main" xmlns="" val="2578181823"/>
                   </a:ext>
                 </a:extLst>
               </a:tr>
@@ -5209,7 +9375,7 @@
                 </a:tc>
                 <a:extLst>
                   <a:ext uri="{0D108BD9-81ED-4DB2-BD59-A6C34878D82A}">
-                    <a16:rowId xmlns:a16="http://schemas.microsoft.com/office/drawing/2014/main" val="569498398"/>
+                    <a16:rowId xmlns:a16="http://schemas.microsoft.com/office/drawing/2014/main" xmlns="" val="569498398"/>
                   </a:ext>
                 </a:extLst>
               </a:tr>
@@ -5326,7 +9492,7 @@
                 </a:tc>
                 <a:extLst>
                   <a:ext uri="{0D108BD9-81ED-4DB2-BD59-A6C34878D82A}">
-                    <a16:rowId xmlns:a16="http://schemas.microsoft.com/office/drawing/2014/main" val="604121984"/>
+                    <a16:rowId xmlns:a16="http://schemas.microsoft.com/office/drawing/2014/main" xmlns="" val="604121984"/>
                   </a:ext>
                 </a:extLst>
               </a:tr>
@@ -5443,7 +9609,7 @@
                 </a:tc>
                 <a:extLst>
                   <a:ext uri="{0D108BD9-81ED-4DB2-BD59-A6C34878D82A}">
-                    <a16:rowId xmlns:a16="http://schemas.microsoft.com/office/drawing/2014/main" val="2699306453"/>
+                    <a16:rowId xmlns:a16="http://schemas.microsoft.com/office/drawing/2014/main" xmlns="" val="2699306453"/>
                   </a:ext>
                 </a:extLst>
               </a:tr>
@@ -5560,7 +9726,7 @@
                 </a:tc>
                 <a:extLst>
                   <a:ext uri="{0D108BD9-81ED-4DB2-BD59-A6C34878D82A}">
-                    <a16:rowId xmlns:a16="http://schemas.microsoft.com/office/drawing/2014/main" val="3357531213"/>
+                    <a16:rowId xmlns:a16="http://schemas.microsoft.com/office/drawing/2014/main" xmlns="" val="3357531213"/>
                   </a:ext>
                 </a:extLst>
               </a:tr>
@@ -5677,7 +9843,7 @@
                 </a:tc>
                 <a:extLst>
                   <a:ext uri="{0D108BD9-81ED-4DB2-BD59-A6C34878D82A}">
-                    <a16:rowId xmlns:a16="http://schemas.microsoft.com/office/drawing/2014/main" val="794854541"/>
+                    <a16:rowId xmlns:a16="http://schemas.microsoft.com/office/drawing/2014/main" xmlns="" val="794854541"/>
                   </a:ext>
                 </a:extLst>
               </a:tr>
@@ -5788,7 +9954,7 @@
                 </a:tc>
                 <a:extLst>
                   <a:ext uri="{0D108BD9-81ED-4DB2-BD59-A6C34878D82A}">
-                    <a16:rowId xmlns:a16="http://schemas.microsoft.com/office/drawing/2014/main" val="1269923886"/>
+                    <a16:rowId xmlns:a16="http://schemas.microsoft.com/office/drawing/2014/main" xmlns="" val="1269923886"/>
                   </a:ext>
                 </a:extLst>
               </a:tr>
@@ -5899,7 +10065,7 @@
                 </a:tc>
                 <a:extLst>
                   <a:ext uri="{0D108BD9-81ED-4DB2-BD59-A6C34878D82A}">
-                    <a16:rowId xmlns:a16="http://schemas.microsoft.com/office/drawing/2014/main" val="1461269730"/>
+                    <a16:rowId xmlns:a16="http://schemas.microsoft.com/office/drawing/2014/main" xmlns="" val="1461269730"/>
                   </a:ext>
                 </a:extLst>
               </a:tr>
@@ -6010,7 +10176,7 @@
                 </a:tc>
                 <a:extLst>
                   <a:ext uri="{0D108BD9-81ED-4DB2-BD59-A6C34878D82A}">
-                    <a16:rowId xmlns:a16="http://schemas.microsoft.com/office/drawing/2014/main" val="1875967255"/>
+                    <a16:rowId xmlns:a16="http://schemas.microsoft.com/office/drawing/2014/main" xmlns="" val="1875967255"/>
                   </a:ext>
                 </a:extLst>
               </a:tr>
@@ -6121,7 +10287,7 @@
                 </a:tc>
                 <a:extLst>
                   <a:ext uri="{0D108BD9-81ED-4DB2-BD59-A6C34878D82A}">
-                    <a16:rowId xmlns:a16="http://schemas.microsoft.com/office/drawing/2014/main" val="2769108537"/>
+                    <a16:rowId xmlns:a16="http://schemas.microsoft.com/office/drawing/2014/main" xmlns="" val="2769108537"/>
                   </a:ext>
                 </a:extLst>
               </a:tr>
@@ -6232,7 +10398,7 @@
                 </a:tc>
                 <a:extLst>
                   <a:ext uri="{0D108BD9-81ED-4DB2-BD59-A6C34878D82A}">
-                    <a16:rowId xmlns:a16="http://schemas.microsoft.com/office/drawing/2014/main" val="759663176"/>
+                    <a16:rowId xmlns:a16="http://schemas.microsoft.com/office/drawing/2014/main" xmlns="" val="759663176"/>
                   </a:ext>
                 </a:extLst>
               </a:tr>
@@ -6343,7 +10509,7 @@
                 </a:tc>
                 <a:extLst>
                   <a:ext uri="{0D108BD9-81ED-4DB2-BD59-A6C34878D82A}">
-                    <a16:rowId xmlns:a16="http://schemas.microsoft.com/office/drawing/2014/main" val="3722409573"/>
+                    <a16:rowId xmlns:a16="http://schemas.microsoft.com/office/drawing/2014/main" xmlns="" val="3722409573"/>
                   </a:ext>
                 </a:extLst>
               </a:tr>
@@ -6454,7 +10620,7 @@
                 </a:tc>
                 <a:extLst>
                   <a:ext uri="{0D108BD9-81ED-4DB2-BD59-A6C34878D82A}">
-                    <a16:rowId xmlns:a16="http://schemas.microsoft.com/office/drawing/2014/main" val="4012873321"/>
+                    <a16:rowId xmlns:a16="http://schemas.microsoft.com/office/drawing/2014/main" xmlns="" val="4012873321"/>
                   </a:ext>
                 </a:extLst>
               </a:tr>
@@ -6565,7 +10731,7 @@
                 </a:tc>
                 <a:extLst>
                   <a:ext uri="{0D108BD9-81ED-4DB2-BD59-A6C34878D82A}">
-                    <a16:rowId xmlns:a16="http://schemas.microsoft.com/office/drawing/2014/main" val="2312366613"/>
+                    <a16:rowId xmlns:a16="http://schemas.microsoft.com/office/drawing/2014/main" xmlns="" val="2312366613"/>
                   </a:ext>
                 </a:extLst>
               </a:tr>
@@ -6676,7 +10842,7 @@
                 </a:tc>
                 <a:extLst>
                   <a:ext uri="{0D108BD9-81ED-4DB2-BD59-A6C34878D82A}">
-                    <a16:rowId xmlns:a16="http://schemas.microsoft.com/office/drawing/2014/main" val="2163033818"/>
+                    <a16:rowId xmlns:a16="http://schemas.microsoft.com/office/drawing/2014/main" xmlns="" val="2163033818"/>
                   </a:ext>
                 </a:extLst>
               </a:tr>
@@ -6787,7 +10953,7 @@
                 </a:tc>
                 <a:extLst>
                   <a:ext uri="{0D108BD9-81ED-4DB2-BD59-A6C34878D82A}">
-                    <a16:rowId xmlns:a16="http://schemas.microsoft.com/office/drawing/2014/main" val="2527321127"/>
+                    <a16:rowId xmlns:a16="http://schemas.microsoft.com/office/drawing/2014/main" xmlns="" val="2527321127"/>
                   </a:ext>
                 </a:extLst>
               </a:tr>
@@ -6898,7 +11064,7 @@
                 </a:tc>
                 <a:extLst>
                   <a:ext uri="{0D108BD9-81ED-4DB2-BD59-A6C34878D82A}">
-                    <a16:rowId xmlns:a16="http://schemas.microsoft.com/office/drawing/2014/main" val="4252013360"/>
+                    <a16:rowId xmlns:a16="http://schemas.microsoft.com/office/drawing/2014/main" xmlns="" val="4252013360"/>
                   </a:ext>
                 </a:extLst>
               </a:tr>
@@ -7009,7 +11175,7 @@
                 </a:tc>
                 <a:extLst>
                   <a:ext uri="{0D108BD9-81ED-4DB2-BD59-A6C34878D82A}">
-                    <a16:rowId xmlns:a16="http://schemas.microsoft.com/office/drawing/2014/main" val="1009691462"/>
+                    <a16:rowId xmlns:a16="http://schemas.microsoft.com/office/drawing/2014/main" xmlns="" val="1009691462"/>
                   </a:ext>
                 </a:extLst>
               </a:tr>
@@ -7120,7 +11286,7 @@
                 </a:tc>
                 <a:extLst>
                   <a:ext uri="{0D108BD9-81ED-4DB2-BD59-A6C34878D82A}">
-                    <a16:rowId xmlns:a16="http://schemas.microsoft.com/office/drawing/2014/main" val="4238817835"/>
+                    <a16:rowId xmlns:a16="http://schemas.microsoft.com/office/drawing/2014/main" xmlns="" val="4238817835"/>
                   </a:ext>
                 </a:extLst>
               </a:tr>
@@ -7231,7 +11397,7 @@
                 </a:tc>
                 <a:extLst>
                   <a:ext uri="{0D108BD9-81ED-4DB2-BD59-A6C34878D82A}">
-                    <a16:rowId xmlns:a16="http://schemas.microsoft.com/office/drawing/2014/main" val="140970994"/>
+                    <a16:rowId xmlns:a16="http://schemas.microsoft.com/office/drawing/2014/main" xmlns="" val="140970994"/>
                   </a:ext>
                 </a:extLst>
               </a:tr>
@@ -7371,7 +11537,7 @@
                 </a:tc>
                 <a:extLst>
                   <a:ext uri="{0D108BD9-81ED-4DB2-BD59-A6C34878D82A}">
-                    <a16:rowId xmlns:a16="http://schemas.microsoft.com/office/drawing/2014/main" val="1690544847"/>
+                    <a16:rowId xmlns:a16="http://schemas.microsoft.com/office/drawing/2014/main" xmlns="" val="1690544847"/>
                   </a:ext>
                 </a:extLst>
               </a:tr>
@@ -7510,7 +11676,7 @@
                 </a:tc>
                 <a:extLst>
                   <a:ext uri="{0D108BD9-81ED-4DB2-BD59-A6C34878D82A}">
-                    <a16:rowId xmlns:a16="http://schemas.microsoft.com/office/drawing/2014/main" val="3576538571"/>
+                    <a16:rowId xmlns:a16="http://schemas.microsoft.com/office/drawing/2014/main" xmlns="" val="3576538571"/>
                   </a:ext>
                 </a:extLst>
               </a:tr>
@@ -7569,12 +11735,12 @@
                         </a:spcAft>
                       </a:pPr>
                       <a:r>
-                        <a:rPr lang="en-US" sz="1300" kern="0">
+                        <a:rPr lang="en-US" sz="1300" kern="0" dirty="0">
                           <a:effectLst/>
                         </a:rPr>
                         <a:t>18485</a:t>
                       </a:r>
-                      <a:endParaRPr lang="ja-JP" sz="1300" kern="100">
+                      <a:endParaRPr lang="ja-JP" sz="1300" kern="100" dirty="0">
                         <a:effectLst/>
                         <a:latin typeface="Times New Roman" panose="02020603050405020304" pitchFamily="18" charset="0"/>
                         <a:ea typeface="ＭＳ 明朝" panose="02020609040205080304" pitchFamily="17" charset="-128"/>
@@ -7644,7 +11810,7 @@
                 </a:tc>
                 <a:extLst>
                   <a:ext uri="{0D108BD9-81ED-4DB2-BD59-A6C34878D82A}">
-                    <a16:rowId xmlns:a16="http://schemas.microsoft.com/office/drawing/2014/main" val="2046805675"/>
+                    <a16:rowId xmlns:a16="http://schemas.microsoft.com/office/drawing/2014/main" xmlns="" val="2046805675"/>
                   </a:ext>
                 </a:extLst>
               </a:tr>
@@ -7672,7 +11838,7 @@
 </p:sld>
 </file>
 
-<file path=ppt/slides/slide14.xml><?xml version="1.0" encoding="utf-8"?>
+<file path=ppt/slides/slide17.xml><?xml version="1.0" encoding="utf-8"?>
 <p:sld xmlns:a="http://schemas.openxmlformats.org/drawingml/2006/main" xmlns:r="http://schemas.openxmlformats.org/officeDocument/2006/relationships" xmlns:p="http://schemas.openxmlformats.org/presentationml/2006/main">
   <p:cSld>
     <p:spTree>
@@ -7745,6 +11911,78 @@
           </a:ln>
         </p:spPr>
       </p:pic>
+      <p:sp>
+        <p:nvSpPr>
+          <p:cNvPr id="3" name="テキスト ボックス 2"/>
+          <p:cNvSpPr txBox="1"/>
+          <p:nvPr/>
+        </p:nvSpPr>
+        <p:spPr>
+          <a:xfrm>
+            <a:off x="1404909" y="5448300"/>
+            <a:ext cx="6067425" cy="1200329"/>
+          </a:xfrm>
+          <a:prstGeom prst="rect">
+            <a:avLst/>
+          </a:prstGeom>
+          <a:noFill/>
+        </p:spPr>
+        <p:txBody>
+          <a:bodyPr wrap="square" rtlCol="0">
+            <a:spAutoFit/>
+          </a:bodyPr>
+          <a:lstStyle/>
+          <a:p>
+            <a:r>
+              <a:rPr kumimoji="1" lang="ja-JP" altLang="en-US" dirty="0" smtClean="0"/>
+              <a:t>一見線形に変化しているように見える</a:t>
+            </a:r>
+            <a:endParaRPr kumimoji="1" lang="en-US" altLang="ja-JP" dirty="0" smtClean="0"/>
+          </a:p>
+          <a:p>
+            <a:r>
+              <a:rPr lang="ja-JP" altLang="en-US" dirty="0" smtClean="0"/>
+              <a:t>今回対象者人数の最大値は全体の</a:t>
+            </a:r>
+            <a:r>
+              <a:rPr lang="en-US" altLang="ja-JP" dirty="0" smtClean="0"/>
+              <a:t>10</a:t>
+            </a:r>
+            <a:r>
+              <a:rPr lang="ja-JP" altLang="en-US" dirty="0" smtClean="0"/>
+              <a:t>％と設定したが，その時の</a:t>
+            </a:r>
+            <a:r>
+              <a:rPr lang="en-US" altLang="ja-JP" dirty="0" smtClean="0"/>
+              <a:t>NPD</a:t>
+            </a:r>
+            <a:r>
+              <a:rPr lang="ja-JP" altLang="en-US" dirty="0" smtClean="0"/>
+              <a:t>比は</a:t>
+            </a:r>
+            <a:r>
+              <a:rPr lang="en-US" altLang="ja-JP" dirty="0" smtClean="0"/>
+              <a:t>90</a:t>
+            </a:r>
+            <a:r>
+              <a:rPr lang="ja-JP" altLang="en-US" dirty="0" smtClean="0"/>
+              <a:t>％程．</a:t>
+            </a:r>
+            <a:endParaRPr lang="en-US" altLang="ja-JP" dirty="0" smtClean="0"/>
+          </a:p>
+          <a:p>
+            <a:r>
+              <a:rPr kumimoji="1" lang="en-US" altLang="ja-JP" dirty="0" smtClean="0"/>
+              <a:t>NPD</a:t>
+            </a:r>
+            <a:r>
+              <a:rPr kumimoji="1" lang="ja-JP" altLang="en-US" dirty="0" smtClean="0"/>
+              <a:t>比は全体のうち，非対象者の割合と一致すると予想</a:t>
+            </a:r>
+            <a:endParaRPr kumimoji="1" lang="ja-JP" altLang="en-US" dirty="0"/>
+          </a:p>
+        </p:txBody>
+      </p:sp>
     </p:spTree>
     <p:extLst>
       <p:ext uri="{BB962C8B-B14F-4D97-AF65-F5344CB8AC3E}">
@@ -7765,7 +12003,7 @@
 </p:sld>
 </file>
 
-<file path=ppt/slides/slide15.xml><?xml version="1.0" encoding="utf-8"?>
+<file path=ppt/slides/slide18.xml><?xml version="1.0" encoding="utf-8"?>
 <p:sld xmlns:a="http://schemas.openxmlformats.org/drawingml/2006/main" xmlns:r="http://schemas.openxmlformats.org/officeDocument/2006/relationships" xmlns:p="http://schemas.openxmlformats.org/presentationml/2006/main">
   <p:cSld>
     <p:spTree>
@@ -7798,8 +12036,8 @@
           <a:lstStyle/>
           <a:p>
             <a:r>
-              <a:rPr kumimoji="1" lang="ja-JP" altLang="en-US" dirty="0" smtClean="0"/>
-              <a:t>まとめ</a:t>
+              <a:rPr lang="ja-JP" altLang="en-US" dirty="0"/>
+              <a:t>考察</a:t>
             </a:r>
             <a:endParaRPr kumimoji="1" lang="ja-JP" altLang="en-US" dirty="0"/>
           </a:p>
@@ -7814,7 +12052,7 @@
         <p:spPr>
           <a:xfrm>
             <a:off x="1124712" y="1399032"/>
-            <a:ext cx="5907024" cy="646331"/>
+            <a:ext cx="5907024" cy="707886"/>
           </a:xfrm>
           <a:prstGeom prst="rect">
             <a:avLst/>
@@ -7828,30 +12066,26 @@
           <a:lstStyle/>
           <a:p>
             <a:r>
-              <a:rPr kumimoji="1" lang="ja-JP" altLang="en-US" dirty="0" smtClean="0"/>
+              <a:rPr kumimoji="1" lang="ja-JP" altLang="en-US" sz="2000" dirty="0" smtClean="0"/>
               <a:t>クラウドモデル</a:t>
             </a:r>
             <a:r>
-              <a:rPr lang="ja-JP" altLang="en-US" dirty="0" smtClean="0"/>
+              <a:rPr lang="ja-JP" altLang="en-US" sz="2000" dirty="0" smtClean="0"/>
               <a:t>で</a:t>
             </a:r>
             <a:r>
-              <a:rPr lang="ja-JP" altLang="en-US" dirty="0"/>
+              <a:rPr lang="ja-JP" altLang="en-US" sz="2000" dirty="0"/>
               <a:t>の</a:t>
             </a:r>
             <a:r>
-              <a:rPr kumimoji="1" lang="en-US" altLang="ja-JP" dirty="0" smtClean="0"/>
+              <a:rPr kumimoji="1" lang="en-US" altLang="ja-JP" sz="2000" dirty="0" smtClean="0"/>
               <a:t>NPD</a:t>
             </a:r>
             <a:r>
-              <a:rPr kumimoji="1" lang="ja-JP" altLang="en-US" dirty="0" smtClean="0"/>
-              <a:t>流出比</a:t>
-            </a:r>
-            <a:r>
-              <a:rPr kumimoji="1" lang="ja-JP" altLang="en-US" dirty="0" smtClean="0"/>
-              <a:t>は，駅利用者における非対象者の割合の同様になる</a:t>
-            </a:r>
-            <a:endParaRPr kumimoji="1" lang="ja-JP" altLang="en-US" dirty="0"/>
+              <a:rPr kumimoji="1" lang="ja-JP" altLang="en-US" sz="2000" dirty="0" smtClean="0"/>
+              <a:t>流出比は，駅利用者における非対象者の割合の同様になる</a:t>
+            </a:r>
+            <a:endParaRPr kumimoji="1" lang="ja-JP" altLang="en-US" sz="2000" dirty="0"/>
           </a:p>
         </p:txBody>
       </p:sp>
@@ -7864,7 +12098,7 @@
         <p:spPr>
           <a:xfrm>
             <a:off x="1124712" y="2333288"/>
-            <a:ext cx="5907024" cy="646331"/>
+            <a:ext cx="5907024" cy="707886"/>
           </a:xfrm>
           <a:prstGeom prst="rect">
             <a:avLst/>
@@ -7878,25 +12112,55 @@
           <a:lstStyle/>
           <a:p>
             <a:r>
-              <a:rPr lang="ja-JP" altLang="en-US" dirty="0" smtClean="0"/>
+              <a:rPr lang="ja-JP" altLang="en-US" sz="2000" dirty="0" smtClean="0"/>
               <a:t>対象者を映さないカメラのデータ収集をやめれば，</a:t>
             </a:r>
             <a:r>
-              <a:rPr lang="en-US" altLang="ja-JP" dirty="0" smtClean="0"/>
+              <a:rPr lang="en-US" altLang="ja-JP" sz="2000" dirty="0" smtClean="0"/>
               <a:t>NPD</a:t>
             </a:r>
             <a:r>
-              <a:rPr lang="ja-JP" altLang="en-US" dirty="0" smtClean="0"/>
+              <a:rPr lang="ja-JP" altLang="en-US" sz="2000" dirty="0" smtClean="0"/>
               <a:t>流出比は小さくなる</a:t>
             </a:r>
-            <a:endParaRPr kumimoji="1" lang="ja-JP" altLang="en-US" dirty="0"/>
+            <a:endParaRPr kumimoji="1" lang="ja-JP" altLang="en-US" sz="2000" dirty="0"/>
+          </a:p>
+        </p:txBody>
+      </p:sp>
+      <p:sp>
+        <p:nvSpPr>
+          <p:cNvPr id="5" name="テキスト ボックス 4"/>
+          <p:cNvSpPr txBox="1"/>
+          <p:nvPr/>
+        </p:nvSpPr>
+        <p:spPr>
+          <a:xfrm>
+            <a:off x="1124712" y="3267544"/>
+            <a:ext cx="5907024" cy="707886"/>
+          </a:xfrm>
+          <a:prstGeom prst="rect">
+            <a:avLst/>
+          </a:prstGeom>
+          <a:noFill/>
+        </p:spPr>
+        <p:txBody>
+          <a:bodyPr wrap="square" rtlCol="0">
+            <a:spAutoFit/>
+          </a:bodyPr>
+          <a:lstStyle/>
+          <a:p>
+            <a:r>
+              <a:rPr lang="ja-JP" altLang="en-US" sz="2000" dirty="0" smtClean="0"/>
+              <a:t>データ収集後に対象者か否かを識別するクラウドモデルにそれは不可能</a:t>
+            </a:r>
+            <a:endParaRPr kumimoji="1" lang="ja-JP" altLang="en-US" sz="2000" dirty="0"/>
           </a:p>
         </p:txBody>
       </p:sp>
     </p:spTree>
     <p:extLst>
       <p:ext uri="{BB962C8B-B14F-4D97-AF65-F5344CB8AC3E}">
-        <p14:creationId xmlns:p14="http://schemas.microsoft.com/office/powerpoint/2010/main" val="40664320"/>
+        <p14:creationId xmlns:p14="http://schemas.microsoft.com/office/powerpoint/2010/main" val="2831522725"/>
       </p:ext>
     </p:extLst>
   </p:cSld>
@@ -7913,7 +12177,7 @@
 </p:sld>
 </file>
 
-<file path=ppt/slides/slide16.xml><?xml version="1.0" encoding="utf-8"?>
+<file path=ppt/slides/slide19.xml><?xml version="1.0" encoding="utf-8"?>
 <p:sld xmlns:a="http://schemas.openxmlformats.org/drawingml/2006/main" xmlns:r="http://schemas.openxmlformats.org/officeDocument/2006/relationships" xmlns:p="http://schemas.openxmlformats.org/presentationml/2006/main">
   <p:cSld>
     <p:spTree>
@@ -7946,8 +12210,12 @@
           <a:lstStyle/>
           <a:p>
             <a:r>
-              <a:rPr kumimoji="1" lang="ja-JP" altLang="en-US" dirty="0" smtClean="0"/>
-              <a:t>補足</a:t>
+              <a:rPr lang="ja-JP" altLang="en-US" dirty="0" smtClean="0"/>
+              <a:t>おわり</a:t>
+            </a:r>
+            <a:r>
+              <a:rPr lang="ja-JP" altLang="en-US" dirty="0"/>
+              <a:t>に</a:t>
             </a:r>
             <a:endParaRPr kumimoji="1" lang="ja-JP" altLang="en-US" dirty="0"/>
           </a:p>
@@ -7955,45 +12223,139 @@
       </p:sp>
       <p:sp>
         <p:nvSpPr>
-          <p:cNvPr id="3" name="コンテンツ プレースホルダー 2"/>
-          <p:cNvSpPr>
-            <a:spLocks noGrp="1"/>
-          </p:cNvSpPr>
-          <p:nvPr>
-            <p:ph idx="1"/>
-          </p:nvPr>
+          <p:cNvPr id="3" name="テキスト ボックス 2"/>
+          <p:cNvSpPr txBox="1"/>
+          <p:nvPr/>
         </p:nvSpPr>
-        <p:spPr/>
+        <p:spPr>
+          <a:xfrm>
+            <a:off x="1124712" y="2027743"/>
+            <a:ext cx="5907024" cy="707886"/>
+          </a:xfrm>
+          <a:prstGeom prst="rect">
+            <a:avLst/>
+          </a:prstGeom>
+          <a:noFill/>
+        </p:spPr>
         <p:txBody>
-          <a:bodyPr/>
+          <a:bodyPr wrap="square" rtlCol="0">
+            <a:spAutoFit/>
+          </a:bodyPr>
           <a:lstStyle/>
           <a:p>
             <a:r>
-              <a:rPr kumimoji="1" lang="en-US" altLang="ja-JP" dirty="0" smtClean="0"/>
-              <a:t>LPLC</a:t>
-            </a:r>
-            <a:r>
-              <a:rPr kumimoji="1" lang="ja-JP" altLang="en-US" dirty="0" smtClean="0"/>
-              <a:t>やってて</a:t>
-            </a:r>
-            <a:r>
-              <a:rPr kumimoji="1" lang="en-US" altLang="ja-JP" dirty="0" smtClean="0"/>
-              <a:t>…</a:t>
-            </a:r>
-            <a:endParaRPr kumimoji="1" lang="ja-JP" altLang="en-US" dirty="0"/>
+              <a:rPr kumimoji="1" lang="ja-JP" altLang="en-US" sz="2000" dirty="0" smtClean="0"/>
+              <a:t>クラウドモデル</a:t>
+            </a:r>
+            <a:r>
+              <a:rPr lang="ja-JP" altLang="en-US" sz="2000" dirty="0" smtClean="0"/>
+              <a:t>で</a:t>
+            </a:r>
+            <a:r>
+              <a:rPr lang="ja-JP" altLang="en-US" sz="2000" dirty="0" smtClean="0"/>
+              <a:t>の</a:t>
+            </a:r>
+            <a:r>
+              <a:rPr lang="ja-JP" altLang="en-US" sz="2000" dirty="0" smtClean="0"/>
+              <a:t>見守りサービスにはプライバシ問題が解決できない</a:t>
+            </a:r>
+            <a:endParaRPr kumimoji="1" lang="ja-JP" altLang="en-US" sz="2000" dirty="0"/>
+          </a:p>
+        </p:txBody>
+      </p:sp>
+      <p:sp>
+        <p:nvSpPr>
+          <p:cNvPr id="4" name="テキスト ボックス 3"/>
+          <p:cNvSpPr txBox="1"/>
+          <p:nvPr/>
+        </p:nvSpPr>
+        <p:spPr>
+          <a:xfrm>
+            <a:off x="1124711" y="1141885"/>
+            <a:ext cx="6314313" cy="707886"/>
+          </a:xfrm>
+          <a:prstGeom prst="rect">
+            <a:avLst/>
+          </a:prstGeom>
+          <a:noFill/>
+        </p:spPr>
+        <p:txBody>
+          <a:bodyPr wrap="square" rtlCol="0">
+            <a:spAutoFit/>
+          </a:bodyPr>
+          <a:lstStyle/>
+          <a:p>
+            <a:r>
+              <a:rPr lang="ja-JP" altLang="en-US" sz="2000" dirty="0" smtClean="0"/>
+              <a:t>実測値</a:t>
+            </a:r>
+            <a:r>
+              <a:rPr lang="en-US" altLang="ja-JP" sz="2000" dirty="0" smtClean="0"/>
+              <a:t>(</a:t>
+            </a:r>
+            <a:r>
+              <a:rPr lang="ja-JP" altLang="en-US" sz="2000" dirty="0" smtClean="0"/>
+              <a:t>オープンデータ</a:t>
+            </a:r>
+            <a:r>
+              <a:rPr lang="en-US" altLang="ja-JP" sz="2000" dirty="0" smtClean="0"/>
+              <a:t>)</a:t>
+            </a:r>
+            <a:r>
+              <a:rPr lang="ja-JP" altLang="en-US" sz="2000" dirty="0" smtClean="0"/>
+              <a:t>を用いて，クラウドモデルにおける不要なプライバシデータ流出比について分析</a:t>
+            </a:r>
+            <a:endParaRPr kumimoji="1" lang="ja-JP" altLang="en-US" sz="2000" dirty="0"/>
+          </a:p>
+        </p:txBody>
+      </p:sp>
+      <p:sp>
+        <p:nvSpPr>
+          <p:cNvPr id="5" name="テキスト ボックス 4"/>
+          <p:cNvSpPr txBox="1"/>
+          <p:nvPr/>
+        </p:nvSpPr>
+        <p:spPr>
+          <a:xfrm>
+            <a:off x="1124712" y="3267544"/>
+            <a:ext cx="5907024" cy="707886"/>
+          </a:xfrm>
+          <a:prstGeom prst="rect">
+            <a:avLst/>
+          </a:prstGeom>
+          <a:noFill/>
+        </p:spPr>
+        <p:txBody>
+          <a:bodyPr wrap="square" rtlCol="0">
+            <a:spAutoFit/>
+          </a:bodyPr>
+          <a:lstStyle/>
+          <a:p>
+            <a:r>
+              <a:rPr lang="ja-JP" altLang="en-US" sz="2000" dirty="0" smtClean="0"/>
+              <a:t>今後はプライバシ保護に着目したアーキテクチャについて研究を進める</a:t>
+            </a:r>
+            <a:endParaRPr kumimoji="1" lang="ja-JP" altLang="en-US" sz="2000" dirty="0"/>
           </a:p>
         </p:txBody>
       </p:sp>
     </p:spTree>
     <p:extLst>
       <p:ext uri="{BB962C8B-B14F-4D97-AF65-F5344CB8AC3E}">
-        <p14:creationId xmlns:p14="http://schemas.microsoft.com/office/powerpoint/2010/main" val="1932982650"/>
+        <p14:creationId xmlns:p14="http://schemas.microsoft.com/office/powerpoint/2010/main" val="614602958"/>
       </p:ext>
     </p:extLst>
   </p:cSld>
   <p:clrMapOvr>
     <a:masterClrMapping/>
   </p:clrMapOvr>
+  <p:timing>
+    <p:tnLst>
+      <p:par>
+        <p:cTn id="1" dur="indefinite" restart="never" nodeType="tmRoot"/>
+      </p:par>
+    </p:tnLst>
+  </p:timing>
 </p:sld>
 </file>
 
@@ -8039,64 +12401,378 @@
       </p:sp>
       <p:sp>
         <p:nvSpPr>
-          <p:cNvPr id="27" name="角丸四角形 26"/>
-          <p:cNvSpPr/>
+          <p:cNvPr id="3" name="テキスト ボックス 2"/>
+          <p:cNvSpPr txBox="1"/>
           <p:nvPr/>
         </p:nvSpPr>
         <p:spPr>
           <a:xfrm>
-            <a:off x="5038682" y="2760557"/>
-            <a:ext cx="4048174" cy="3616911"/>
+            <a:off x="325796" y="993950"/>
+            <a:ext cx="4413230" cy="461665"/>
           </a:xfrm>
-          <a:prstGeom prst="roundRect">
+          <a:prstGeom prst="rect">
             <a:avLst/>
           </a:prstGeom>
-          <a:solidFill>
-            <a:schemeClr val="bg1"/>
-          </a:solidFill>
-          <a:ln w="38100">
-            <a:solidFill>
-              <a:srgbClr val="3333CC">
-                <a:alpha val="50000"/>
-              </a:srgbClr>
-            </a:solidFill>
-          </a:ln>
+          <a:noFill/>
         </p:spPr>
-        <p:style>
-          <a:lnRef idx="2">
-            <a:schemeClr val="accent1">
-              <a:shade val="50000"/>
-            </a:schemeClr>
-          </a:lnRef>
-          <a:fillRef idx="1">
-            <a:schemeClr val="accent1"/>
-          </a:fillRef>
-          <a:effectRef idx="0">
-            <a:schemeClr val="accent1"/>
-          </a:effectRef>
-          <a:fontRef idx="minor">
-            <a:schemeClr val="lt1"/>
-          </a:fontRef>
-        </p:style>
         <p:txBody>
-          <a:bodyPr rtlCol="0" anchor="ctr"/>
+          <a:bodyPr wrap="square" rtlCol="0">
+            <a:spAutoFit/>
+          </a:bodyPr>
           <a:lstStyle/>
           <a:p>
+            <a:r>
+              <a:rPr kumimoji="1" lang="en-US" altLang="ja-JP" sz="2400" dirty="0" smtClean="0"/>
+              <a:t>Internet</a:t>
+            </a:r>
+            <a:r>
+              <a:rPr lang="ja-JP" altLang="en-US" sz="2400" dirty="0"/>
+              <a:t> </a:t>
+            </a:r>
+            <a:r>
+              <a:rPr lang="en-US" altLang="ja-JP" sz="2400" dirty="0" smtClean="0"/>
+              <a:t>of Things </a:t>
+            </a:r>
+            <a:r>
+              <a:rPr lang="ja-JP" altLang="en-US" sz="2400" dirty="0" smtClean="0"/>
+              <a:t>の普及</a:t>
+            </a:r>
+            <a:endParaRPr kumimoji="1" lang="ja-JP" altLang="en-US" sz="2400" dirty="0"/>
+          </a:p>
+        </p:txBody>
+      </p:sp>
+      <p:grpSp>
+        <p:nvGrpSpPr>
+          <p:cNvPr id="26" name="グループ化 25"/>
+          <p:cNvGrpSpPr/>
+          <p:nvPr/>
+        </p:nvGrpSpPr>
+        <p:grpSpPr>
+          <a:xfrm>
+            <a:off x="1668078" y="3306632"/>
+            <a:ext cx="4289586" cy="3237822"/>
+            <a:chOff x="2201728" y="2194790"/>
+            <a:chExt cx="2360765" cy="1781929"/>
+          </a:xfrm>
+        </p:grpSpPr>
+        <p:pic>
+          <p:nvPicPr>
+            <p:cNvPr id="30" name="図 29"/>
+            <p:cNvPicPr>
+              <a:picLocks noChangeAspect="1"/>
+            </p:cNvPicPr>
+            <p:nvPr/>
+          </p:nvPicPr>
+          <p:blipFill>
+            <a:blip r:embed="rId2"/>
+            <a:stretch>
+              <a:fillRect/>
+            </a:stretch>
+          </p:blipFill>
+          <p:spPr>
+            <a:xfrm>
+              <a:off x="2292432" y="2194790"/>
+              <a:ext cx="1936648" cy="1781929"/>
+            </a:xfrm>
+            <a:prstGeom prst="rect">
+              <a:avLst/>
+            </a:prstGeom>
+          </p:spPr>
+        </p:pic>
+        <p:sp>
+          <p:nvSpPr>
+            <p:cNvPr id="31" name="テキスト ボックス 30"/>
+            <p:cNvSpPr txBox="1"/>
+            <p:nvPr/>
+          </p:nvSpPr>
+          <p:spPr>
+            <a:xfrm>
+              <a:off x="2201728" y="2994774"/>
+              <a:ext cx="2360765" cy="389584"/>
+            </a:xfrm>
+            <a:prstGeom prst="rect">
+              <a:avLst/>
+            </a:prstGeom>
+            <a:noFill/>
+          </p:spPr>
+          <p:txBody>
+            <a:bodyPr wrap="square" rtlCol="0">
+              <a:spAutoFit/>
+            </a:bodyPr>
+            <a:lstStyle/>
+            <a:p>
+              <a:pPr algn="ctr"/>
+              <a:r>
+                <a:rPr kumimoji="1" lang="en-US" altLang="ja-JP" sz="4000" b="1" dirty="0" err="1" smtClean="0">
+                  <a:ln w="22225">
+                    <a:solidFill>
+                      <a:srgbClr val="FF0000">
+                        <a:alpha val="50000"/>
+                      </a:srgbClr>
+                    </a:solidFill>
+                    <a:prstDash val="solid"/>
+                  </a:ln>
+                  <a:solidFill>
+                    <a:srgbClr val="FFFFFF"/>
+                  </a:solidFill>
+                  <a:effectLst>
+                    <a:outerShdw dist="38100" dir="2700000" algn="tl" rotWithShape="0">
+                      <a:schemeClr val="accent2"/>
+                    </a:outerShdw>
+                  </a:effectLst>
+                </a:rPr>
+                <a:t>IoT</a:t>
+              </a:r>
+              <a:r>
+                <a:rPr kumimoji="1" lang="ja-JP" altLang="en-US" sz="4000" b="1" dirty="0" smtClean="0">
+                  <a:ln w="22225">
+                    <a:solidFill>
+                      <a:srgbClr val="FF0000">
+                        <a:alpha val="50000"/>
+                      </a:srgbClr>
+                    </a:solidFill>
+                    <a:prstDash val="solid"/>
+                  </a:ln>
+                  <a:solidFill>
+                    <a:srgbClr val="FFFFFF"/>
+                  </a:solidFill>
+                  <a:effectLst>
+                    <a:outerShdw dist="38100" dir="2700000" algn="tl" rotWithShape="0">
+                      <a:schemeClr val="accent2"/>
+                    </a:outerShdw>
+                  </a:effectLst>
+                </a:rPr>
+                <a:t>デバイス</a:t>
+              </a:r>
+              <a:endParaRPr kumimoji="1" lang="ja-JP" altLang="en-US" sz="4000" b="1" dirty="0">
+                <a:ln w="22225">
+                  <a:solidFill>
+                    <a:srgbClr val="FF0000">
+                      <a:alpha val="50000"/>
+                    </a:srgbClr>
+                  </a:solidFill>
+                  <a:prstDash val="solid"/>
+                </a:ln>
+                <a:solidFill>
+                  <a:srgbClr val="FFFFFF"/>
+                </a:solidFill>
+                <a:effectLst>
+                  <a:outerShdw dist="38100" dir="2700000" algn="tl" rotWithShape="0">
+                    <a:schemeClr val="accent2"/>
+                  </a:outerShdw>
+                </a:effectLst>
+              </a:endParaRPr>
+            </a:p>
+          </p:txBody>
+        </p:sp>
+      </p:grpSp>
+      <p:sp>
+        <p:nvSpPr>
+          <p:cNvPr id="32" name="テキスト ボックス 31"/>
+          <p:cNvSpPr txBox="1"/>
+          <p:nvPr/>
+        </p:nvSpPr>
+        <p:spPr>
+          <a:xfrm>
+            <a:off x="4739026" y="5683120"/>
+            <a:ext cx="2093297" cy="646331"/>
+          </a:xfrm>
+          <a:prstGeom prst="rect">
+            <a:avLst/>
+          </a:prstGeom>
+          <a:noFill/>
+        </p:spPr>
+        <p:txBody>
+          <a:bodyPr wrap="square" rtlCol="0">
+            <a:spAutoFit/>
+          </a:bodyPr>
+          <a:lstStyle/>
+          <a:p>
             <a:pPr algn="ctr"/>
-            <a:endParaRPr kumimoji="1" lang="ja-JP" altLang="en-US"/>
+            <a:r>
+              <a:rPr kumimoji="1" lang="en-US" altLang="ja-JP" sz="3600" b="1" dirty="0" smtClean="0">
+                <a:ln w="22225">
+                  <a:solidFill>
+                    <a:srgbClr val="FF0000">
+                      <a:alpha val="50000"/>
+                    </a:srgbClr>
+                  </a:solidFill>
+                  <a:prstDash val="solid"/>
+                </a:ln>
+                <a:solidFill>
+                  <a:srgbClr val="FFFFFF"/>
+                </a:solidFill>
+                <a:effectLst>
+                  <a:outerShdw dist="38100" dir="2700000" algn="tl" rotWithShape="0">
+                    <a:schemeClr val="accent2"/>
+                  </a:outerShdw>
+                </a:effectLst>
+              </a:rPr>
+              <a:t>500</a:t>
+            </a:r>
+            <a:r>
+              <a:rPr kumimoji="1" lang="ja-JP" altLang="en-US" sz="3600" b="1" dirty="0" smtClean="0">
+                <a:ln w="22225">
+                  <a:solidFill>
+                    <a:srgbClr val="FF0000">
+                      <a:alpha val="50000"/>
+                    </a:srgbClr>
+                  </a:solidFill>
+                  <a:prstDash val="solid"/>
+                </a:ln>
+                <a:solidFill>
+                  <a:srgbClr val="FFFFFF"/>
+                </a:solidFill>
+                <a:effectLst>
+                  <a:outerShdw dist="38100" dir="2700000" algn="tl" rotWithShape="0">
+                    <a:schemeClr val="accent2"/>
+                  </a:outerShdw>
+                </a:effectLst>
+              </a:rPr>
+              <a:t>億台</a:t>
+            </a:r>
+            <a:endParaRPr kumimoji="1" lang="ja-JP" altLang="en-US" sz="3600" b="1" dirty="0">
+              <a:ln w="22225">
+                <a:solidFill>
+                  <a:srgbClr val="FF0000">
+                    <a:alpha val="50000"/>
+                  </a:srgbClr>
+                </a:solidFill>
+                <a:prstDash val="solid"/>
+              </a:ln>
+              <a:solidFill>
+                <a:srgbClr val="FFFFFF"/>
+              </a:solidFill>
+              <a:effectLst>
+                <a:outerShdw dist="38100" dir="2700000" algn="tl" rotWithShape="0">
+                  <a:schemeClr val="accent2"/>
+                </a:outerShdw>
+              </a:effectLst>
+            </a:endParaRPr>
+          </a:p>
+        </p:txBody>
+      </p:sp>
+      <p:sp>
+        <p:nvSpPr>
+          <p:cNvPr id="33" name="テキスト ボックス 32"/>
+          <p:cNvSpPr txBox="1"/>
+          <p:nvPr/>
+        </p:nvSpPr>
+        <p:spPr>
+          <a:xfrm>
+            <a:off x="5224110" y="6236677"/>
+            <a:ext cx="1607547" cy="307777"/>
+          </a:xfrm>
+          <a:prstGeom prst="rect">
+            <a:avLst/>
+          </a:prstGeom>
+          <a:noFill/>
+        </p:spPr>
+        <p:txBody>
+          <a:bodyPr wrap="square" rtlCol="0">
+            <a:spAutoFit/>
+          </a:bodyPr>
+          <a:lstStyle/>
+          <a:p>
+            <a:pPr algn="ctr"/>
+            <a:r>
+              <a:rPr kumimoji="1" lang="en-US" altLang="ja-JP" sz="1400" b="1" dirty="0" smtClean="0">
+                <a:solidFill>
+                  <a:srgbClr val="FF0000"/>
+                </a:solidFill>
+              </a:rPr>
+              <a:t>※2020</a:t>
+            </a:r>
+            <a:r>
+              <a:rPr kumimoji="1" lang="ja-JP" altLang="en-US" sz="1400" b="1" dirty="0" smtClean="0">
+                <a:solidFill>
+                  <a:srgbClr val="FF0000"/>
+                </a:solidFill>
+              </a:rPr>
+              <a:t>年の予測</a:t>
+            </a:r>
+            <a:endParaRPr kumimoji="1" lang="ja-JP" altLang="en-US" sz="1400" b="1" dirty="0">
+              <a:solidFill>
+                <a:srgbClr val="FF0000"/>
+              </a:solidFill>
+            </a:endParaRPr>
+          </a:p>
+        </p:txBody>
+      </p:sp>
+      <p:sp>
+        <p:nvSpPr>
+          <p:cNvPr id="27" name="テキスト ボックス 26"/>
+          <p:cNvSpPr txBox="1"/>
+          <p:nvPr/>
+        </p:nvSpPr>
+        <p:spPr>
+          <a:xfrm>
+            <a:off x="125505" y="1890534"/>
+            <a:ext cx="5091953" cy="400110"/>
+          </a:xfrm>
+          <a:prstGeom prst="rect">
+            <a:avLst/>
+          </a:prstGeom>
+          <a:noFill/>
+        </p:spPr>
+        <p:txBody>
+          <a:bodyPr wrap="square" rtlCol="0">
+            <a:spAutoFit/>
+          </a:bodyPr>
+          <a:lstStyle/>
+          <a:p>
+            <a:r>
+              <a:rPr kumimoji="1" lang="ja-JP" altLang="en-US" sz="2000" dirty="0" smtClean="0"/>
+              <a:t>様々な機器がインターネットに繋がる</a:t>
+            </a:r>
+            <a:endParaRPr kumimoji="1" lang="ja-JP" altLang="en-US" sz="2000" dirty="0"/>
+          </a:p>
+        </p:txBody>
+      </p:sp>
+      <p:sp>
+        <p:nvSpPr>
+          <p:cNvPr id="28" name="テキスト ボックス 27"/>
+          <p:cNvSpPr txBox="1"/>
+          <p:nvPr/>
+        </p:nvSpPr>
+        <p:spPr>
+          <a:xfrm>
+            <a:off x="4930589" y="2152306"/>
+            <a:ext cx="3316941" cy="400110"/>
+          </a:xfrm>
+          <a:prstGeom prst="rect">
+            <a:avLst/>
+          </a:prstGeom>
+          <a:noFill/>
+        </p:spPr>
+        <p:txBody>
+          <a:bodyPr wrap="square" rtlCol="0">
+            <a:spAutoFit/>
+          </a:bodyPr>
+          <a:lstStyle/>
+          <a:p>
+            <a:r>
+              <a:rPr lang="ja-JP" altLang="en-US" sz="2000" dirty="0"/>
+              <a:t>サービスの</a:t>
+            </a:r>
+            <a:r>
+              <a:rPr lang="ja-JP" altLang="en-US" sz="2000" dirty="0" smtClean="0"/>
+              <a:t>開拓・高機能化</a:t>
+            </a:r>
+            <a:endParaRPr lang="ja-JP" altLang="en-US" sz="2000" dirty="0"/>
           </a:p>
         </p:txBody>
       </p:sp>
       <p:pic>
         <p:nvPicPr>
-          <p:cNvPr id="28" name="図 27"/>
+          <p:cNvPr id="37" name="図 36"/>
           <p:cNvPicPr>
             <a:picLocks noChangeAspect="1"/>
           </p:cNvPicPr>
           <p:nvPr/>
         </p:nvPicPr>
         <p:blipFill>
-          <a:blip r:embed="rId2">
+          <a:blip r:embed="rId3">
             <a:extLst>
               <a:ext uri="{28A0092B-C50C-407E-A947-70E740481C1C}">
                 <a14:useLocalDpi xmlns:a14="http://schemas.microsoft.com/office/drawing/2010/main" val="0"/>
@@ -8109,7 +12785,7 @@
         </p:blipFill>
         <p:spPr>
           <a:xfrm>
-            <a:off x="3128451" y="2907634"/>
+            <a:off x="6309504" y="4125541"/>
             <a:ext cx="1296317" cy="988630"/>
           </a:xfrm>
           <a:prstGeom prst="rect">
@@ -8119,37 +12795,7 @@
       </p:pic>
       <p:pic>
         <p:nvPicPr>
-          <p:cNvPr id="29" name="図 28"/>
-          <p:cNvPicPr>
-            <a:picLocks noChangeAspect="1"/>
-          </p:cNvPicPr>
-          <p:nvPr/>
-        </p:nvPicPr>
-        <p:blipFill>
-          <a:blip r:embed="rId3" cstate="print">
-            <a:extLst>
-              <a:ext uri="{28A0092B-C50C-407E-A947-70E740481C1C}">
-                <a14:useLocalDpi xmlns:a14="http://schemas.microsoft.com/office/drawing/2010/main" val="0"/>
-              </a:ext>
-            </a:extLst>
-          </a:blip>
-          <a:stretch>
-            <a:fillRect/>
-          </a:stretch>
-        </p:blipFill>
-        <p:spPr>
-          <a:xfrm>
-            <a:off x="951640" y="3719465"/>
-            <a:ext cx="1796494" cy="913646"/>
-          </a:xfrm>
-          <a:prstGeom prst="rect">
-            <a:avLst/>
-          </a:prstGeom>
-        </p:spPr>
-      </p:pic>
-      <p:pic>
-        <p:nvPicPr>
-          <p:cNvPr id="30" name="図 29"/>
+          <p:cNvPr id="38" name="図 37"/>
           <p:cNvPicPr>
             <a:picLocks noChangeAspect="1"/>
           </p:cNvPicPr>
@@ -8169,7 +12815,7 @@
         </p:blipFill>
         <p:spPr>
           <a:xfrm>
-            <a:off x="2124521" y="3954845"/>
+            <a:off x="7345554" y="4412444"/>
             <a:ext cx="1396437" cy="1403455"/>
           </a:xfrm>
           <a:prstGeom prst="rect">
@@ -8177,1438 +12823,10 @@
           </a:prstGeom>
         </p:spPr>
       </p:pic>
-      <p:pic>
-        <p:nvPicPr>
-          <p:cNvPr id="31" name="図 30"/>
-          <p:cNvPicPr>
-            <a:picLocks noChangeAspect="1"/>
-          </p:cNvPicPr>
-          <p:nvPr/>
-        </p:nvPicPr>
-        <p:blipFill>
-          <a:blip r:embed="rId5"/>
-          <a:stretch>
-            <a:fillRect/>
-          </a:stretch>
-        </p:blipFill>
-        <p:spPr>
-          <a:xfrm>
-            <a:off x="5313538" y="3853260"/>
-            <a:ext cx="1936648" cy="1781929"/>
-          </a:xfrm>
-          <a:prstGeom prst="rect">
-            <a:avLst/>
-          </a:prstGeom>
-        </p:spPr>
-      </p:pic>
-      <p:pic>
-        <p:nvPicPr>
-          <p:cNvPr id="32" name="図 31"/>
-          <p:cNvPicPr>
-            <a:picLocks noChangeAspect="1"/>
-          </p:cNvPicPr>
-          <p:nvPr/>
-        </p:nvPicPr>
-        <p:blipFill>
-          <a:blip r:embed="rId6"/>
-          <a:stretch>
-            <a:fillRect/>
-          </a:stretch>
-        </p:blipFill>
-        <p:spPr>
-          <a:xfrm>
-            <a:off x="1174664" y="2838159"/>
-            <a:ext cx="1201717" cy="719174"/>
-          </a:xfrm>
-          <a:prstGeom prst="rect">
-            <a:avLst/>
-          </a:prstGeom>
-        </p:spPr>
-      </p:pic>
-      <p:pic>
-        <p:nvPicPr>
-          <p:cNvPr id="33" name="Picture 35" descr="C:\Users\y.ogata\AppData\Local\Microsoft\Windows\Temporary Internet Files\Content.IE5\1DIQ3G2R\MC900431570[1].png"/>
-          <p:cNvPicPr>
-            <a:picLocks noChangeAspect="1" noChangeArrowheads="1"/>
-          </p:cNvPicPr>
-          <p:nvPr/>
-        </p:nvPicPr>
-        <p:blipFill>
-          <a:blip r:embed="rId7">
-            <a:extLst>
-              <a:ext uri="{28A0092B-C50C-407E-A947-70E740481C1C}">
-                <a14:useLocalDpi xmlns:a14="http://schemas.microsoft.com/office/drawing/2010/main"/>
-              </a:ext>
-            </a:extLst>
-          </a:blip>
-          <a:srcRect/>
-          <a:stretch>
-            <a:fillRect/>
-          </a:stretch>
-        </p:blipFill>
-        <p:spPr bwMode="auto">
-          <a:xfrm>
-            <a:off x="519450" y="4306427"/>
-            <a:ext cx="874357" cy="983542"/>
-          </a:xfrm>
-          <a:prstGeom prst="rect">
-            <a:avLst/>
-          </a:prstGeom>
-          <a:noFill/>
-          <a:ln>
-            <a:noFill/>
-          </a:ln>
-          <a:extLst>
-            <a:ext uri="{909E8E84-426E-40DD-AFC4-6F175D3DCCD1}">
-              <a14:hiddenFill xmlns:a14="http://schemas.microsoft.com/office/drawing/2010/main">
-                <a:solidFill>
-                  <a:srgbClr val="FFFFFF"/>
-                </a:solidFill>
-              </a14:hiddenFill>
-            </a:ext>
-            <a:ext uri="{91240B29-F687-4F45-9708-019B960494DF}">
-              <a14:hiddenLine xmlns:a14="http://schemas.microsoft.com/office/drawing/2010/main" w="9525">
-                <a:solidFill>
-                  <a:srgbClr val="000000"/>
-                </a:solidFill>
-                <a:miter lim="800000"/>
-                <a:headEnd/>
-                <a:tailEnd/>
-              </a14:hiddenLine>
-            </a:ext>
-          </a:extLst>
-        </p:spPr>
-      </p:pic>
-      <p:grpSp>
-        <p:nvGrpSpPr>
-          <p:cNvPr id="34" name="グループ化 33"/>
-          <p:cNvGrpSpPr/>
-          <p:nvPr/>
-        </p:nvGrpSpPr>
-        <p:grpSpPr>
-          <a:xfrm>
-            <a:off x="5196272" y="2864209"/>
-            <a:ext cx="2275045" cy="1089620"/>
-            <a:chOff x="5444601" y="2704791"/>
-            <a:chExt cx="2947337" cy="1411611"/>
-          </a:xfrm>
-        </p:grpSpPr>
-        <p:sp>
-          <p:nvSpPr>
-            <p:cNvPr id="35" name="雲 34"/>
-            <p:cNvSpPr/>
-            <p:nvPr/>
-          </p:nvSpPr>
-          <p:spPr>
-            <a:xfrm>
-              <a:off x="5607472" y="2956191"/>
-              <a:ext cx="2688151" cy="986601"/>
-            </a:xfrm>
-            <a:prstGeom prst="cloud">
-              <a:avLst/>
-            </a:prstGeom>
-            <a:solidFill>
-              <a:srgbClr val="CCFFFF"/>
-            </a:solidFill>
-            <a:ln w="34925">
-              <a:solidFill>
-                <a:srgbClr val="3333CC">
-                  <a:alpha val="50000"/>
-                </a:srgbClr>
-              </a:solidFill>
-            </a:ln>
-            <a:effectLst/>
-          </p:spPr>
-          <p:style>
-            <a:lnRef idx="2">
-              <a:schemeClr val="accent1">
-                <a:shade val="50000"/>
-              </a:schemeClr>
-            </a:lnRef>
-            <a:fillRef idx="1">
-              <a:schemeClr val="accent1"/>
-            </a:fillRef>
-            <a:effectRef idx="0">
-              <a:schemeClr val="accent1"/>
-            </a:effectRef>
-            <a:fontRef idx="minor">
-              <a:schemeClr val="lt1"/>
-            </a:fontRef>
-          </p:style>
-          <p:txBody>
-            <a:bodyPr rot="0" spcFirstLastPara="0" vert="horz" wrap="none" lIns="36000" tIns="36000" rIns="36000" bIns="36000" numCol="1" spcCol="0" rtlCol="0" fromWordArt="0" anchor="b" anchorCtr="0" forceAA="0" compatLnSpc="1">
-              <a:prstTxWarp prst="textNoShape">
-                <a:avLst/>
-              </a:prstTxWarp>
-              <a:noAutofit/>
-            </a:bodyPr>
-            <a:lstStyle>
-              <a:defPPr>
-                <a:defRPr lang="ja-JP"/>
-              </a:defPPr>
-              <a:lvl1pPr marL="0" algn="l" defTabSz="914400" rtl="0" eaLnBrk="1" latinLnBrk="0" hangingPunct="1">
-                <a:defRPr kumimoji="1" sz="1800" kern="1200">
-                  <a:solidFill>
-                    <a:schemeClr val="lt1"/>
-                  </a:solidFill>
-                  <a:latin typeface="+mn-lt"/>
-                  <a:ea typeface="+mn-ea"/>
-                  <a:cs typeface="+mn-cs"/>
-                </a:defRPr>
-              </a:lvl1pPr>
-              <a:lvl2pPr marL="457200" algn="l" defTabSz="914400" rtl="0" eaLnBrk="1" latinLnBrk="0" hangingPunct="1">
-                <a:defRPr kumimoji="1" sz="1800" kern="1200">
-                  <a:solidFill>
-                    <a:schemeClr val="lt1"/>
-                  </a:solidFill>
-                  <a:latin typeface="+mn-lt"/>
-                  <a:ea typeface="+mn-ea"/>
-                  <a:cs typeface="+mn-cs"/>
-                </a:defRPr>
-              </a:lvl2pPr>
-              <a:lvl3pPr marL="914400" algn="l" defTabSz="914400" rtl="0" eaLnBrk="1" latinLnBrk="0" hangingPunct="1">
-                <a:defRPr kumimoji="1" sz="1800" kern="1200">
-                  <a:solidFill>
-                    <a:schemeClr val="lt1"/>
-                  </a:solidFill>
-                  <a:latin typeface="+mn-lt"/>
-                  <a:ea typeface="+mn-ea"/>
-                  <a:cs typeface="+mn-cs"/>
-                </a:defRPr>
-              </a:lvl3pPr>
-              <a:lvl4pPr marL="1371600" algn="l" defTabSz="914400" rtl="0" eaLnBrk="1" latinLnBrk="0" hangingPunct="1">
-                <a:defRPr kumimoji="1" sz="1800" kern="1200">
-                  <a:solidFill>
-                    <a:schemeClr val="lt1"/>
-                  </a:solidFill>
-                  <a:latin typeface="+mn-lt"/>
-                  <a:ea typeface="+mn-ea"/>
-                  <a:cs typeface="+mn-cs"/>
-                </a:defRPr>
-              </a:lvl4pPr>
-              <a:lvl5pPr marL="1828800" algn="l" defTabSz="914400" rtl="0" eaLnBrk="1" latinLnBrk="0" hangingPunct="1">
-                <a:defRPr kumimoji="1" sz="1800" kern="1200">
-                  <a:solidFill>
-                    <a:schemeClr val="lt1"/>
-                  </a:solidFill>
-                  <a:latin typeface="+mn-lt"/>
-                  <a:ea typeface="+mn-ea"/>
-                  <a:cs typeface="+mn-cs"/>
-                </a:defRPr>
-              </a:lvl5pPr>
-              <a:lvl6pPr marL="2286000" algn="l" defTabSz="914400" rtl="0" eaLnBrk="1" latinLnBrk="0" hangingPunct="1">
-                <a:defRPr kumimoji="1" sz="1800" kern="1200">
-                  <a:solidFill>
-                    <a:schemeClr val="lt1"/>
-                  </a:solidFill>
-                  <a:latin typeface="+mn-lt"/>
-                  <a:ea typeface="+mn-ea"/>
-                  <a:cs typeface="+mn-cs"/>
-                </a:defRPr>
-              </a:lvl6pPr>
-              <a:lvl7pPr marL="2743200" algn="l" defTabSz="914400" rtl="0" eaLnBrk="1" latinLnBrk="0" hangingPunct="1">
-                <a:defRPr kumimoji="1" sz="1800" kern="1200">
-                  <a:solidFill>
-                    <a:schemeClr val="lt1"/>
-                  </a:solidFill>
-                  <a:latin typeface="+mn-lt"/>
-                  <a:ea typeface="+mn-ea"/>
-                  <a:cs typeface="+mn-cs"/>
-                </a:defRPr>
-              </a:lvl7pPr>
-              <a:lvl8pPr marL="3200400" algn="l" defTabSz="914400" rtl="0" eaLnBrk="1" latinLnBrk="0" hangingPunct="1">
-                <a:defRPr kumimoji="1" sz="1800" kern="1200">
-                  <a:solidFill>
-                    <a:schemeClr val="lt1"/>
-                  </a:solidFill>
-                  <a:latin typeface="+mn-lt"/>
-                  <a:ea typeface="+mn-ea"/>
-                  <a:cs typeface="+mn-cs"/>
-                </a:defRPr>
-              </a:lvl8pPr>
-              <a:lvl9pPr marL="3657600" algn="l" defTabSz="914400" rtl="0" eaLnBrk="1" latinLnBrk="0" hangingPunct="1">
-                <a:defRPr kumimoji="1" sz="1800" kern="1200">
-                  <a:solidFill>
-                    <a:schemeClr val="lt1"/>
-                  </a:solidFill>
-                  <a:latin typeface="+mn-lt"/>
-                  <a:ea typeface="+mn-ea"/>
-                  <a:cs typeface="+mn-cs"/>
-                </a:defRPr>
-              </a:lvl9pPr>
-            </a:lstStyle>
-            <a:p>
-              <a:pPr algn="ctr"/>
-              <a:endParaRPr lang="en-US" altLang="ja-JP" sz="2000" b="1" dirty="0" smtClean="0">
-                <a:solidFill>
-                  <a:prstClr val="black"/>
-                </a:solidFill>
-                <a:latin typeface="Meiryo UI" panose="020B0604030504040204" pitchFamily="50" charset="-128"/>
-                <a:ea typeface="Meiryo UI" panose="020B0604030504040204" pitchFamily="50" charset="-128"/>
-                <a:cs typeface="Meiryo UI" panose="020B0604030504040204" pitchFamily="50" charset="-128"/>
-              </a:endParaRPr>
-            </a:p>
-          </p:txBody>
-        </p:sp>
-        <p:pic>
-          <p:nvPicPr>
-            <p:cNvPr id="36" name="図 35"/>
-            <p:cNvPicPr>
-              <a:picLocks noChangeAspect="1"/>
-            </p:cNvPicPr>
-            <p:nvPr/>
-          </p:nvPicPr>
-          <p:blipFill>
-            <a:blip r:embed="rId8" cstate="print">
-              <a:extLst>
-                <a:ext uri="{28A0092B-C50C-407E-A947-70E740481C1C}">
-                  <a14:useLocalDpi xmlns:a14="http://schemas.microsoft.com/office/drawing/2010/main" val="0"/>
-                </a:ext>
-              </a:extLst>
-            </a:blip>
-            <a:stretch>
-              <a:fillRect/>
-            </a:stretch>
-          </p:blipFill>
-          <p:spPr>
-            <a:xfrm>
-              <a:off x="5976031" y="2882952"/>
-              <a:ext cx="356323" cy="356323"/>
-            </a:xfrm>
-            <a:prstGeom prst="rect">
-              <a:avLst/>
-            </a:prstGeom>
-          </p:spPr>
-        </p:pic>
-        <p:pic>
-          <p:nvPicPr>
-            <p:cNvPr id="37" name="図 36"/>
-            <p:cNvPicPr>
-              <a:picLocks noChangeAspect="1"/>
-            </p:cNvPicPr>
-            <p:nvPr/>
-          </p:nvPicPr>
-          <p:blipFill>
-            <a:blip r:embed="rId8" cstate="print">
-              <a:extLst>
-                <a:ext uri="{28A0092B-C50C-407E-A947-70E740481C1C}">
-                  <a14:useLocalDpi xmlns:a14="http://schemas.microsoft.com/office/drawing/2010/main" val="0"/>
-                </a:ext>
-              </a:extLst>
-            </a:blip>
-            <a:stretch>
-              <a:fillRect/>
-            </a:stretch>
-          </p:blipFill>
-          <p:spPr>
-            <a:xfrm>
-              <a:off x="5826637" y="3634157"/>
-              <a:ext cx="356323" cy="356323"/>
-            </a:xfrm>
-            <a:prstGeom prst="rect">
-              <a:avLst/>
-            </a:prstGeom>
-          </p:spPr>
-        </p:pic>
-        <p:pic>
-          <p:nvPicPr>
-            <p:cNvPr id="38" name="図 37"/>
-            <p:cNvPicPr>
-              <a:picLocks noChangeAspect="1"/>
-            </p:cNvPicPr>
-            <p:nvPr/>
-          </p:nvPicPr>
-          <p:blipFill>
-            <a:blip r:embed="rId8" cstate="print">
-              <a:extLst>
-                <a:ext uri="{28A0092B-C50C-407E-A947-70E740481C1C}">
-                  <a14:useLocalDpi xmlns:a14="http://schemas.microsoft.com/office/drawing/2010/main" val="0"/>
-                </a:ext>
-              </a:extLst>
-            </a:blip>
-            <a:stretch>
-              <a:fillRect/>
-            </a:stretch>
-          </p:blipFill>
-          <p:spPr>
-            <a:xfrm>
-              <a:off x="6590238" y="2704791"/>
-              <a:ext cx="356323" cy="356323"/>
-            </a:xfrm>
-            <a:prstGeom prst="rect">
-              <a:avLst/>
-            </a:prstGeom>
-          </p:spPr>
-        </p:pic>
-        <p:pic>
-          <p:nvPicPr>
-            <p:cNvPr id="39" name="図 38"/>
-            <p:cNvPicPr>
-              <a:picLocks noChangeAspect="1"/>
-            </p:cNvPicPr>
-            <p:nvPr/>
-          </p:nvPicPr>
-          <p:blipFill>
-            <a:blip r:embed="rId8" cstate="print">
-              <a:extLst>
-                <a:ext uri="{28A0092B-C50C-407E-A947-70E740481C1C}">
-                  <a14:useLocalDpi xmlns:a14="http://schemas.microsoft.com/office/drawing/2010/main" val="0"/>
-                </a:ext>
-              </a:extLst>
-            </a:blip>
-            <a:stretch>
-              <a:fillRect/>
-            </a:stretch>
-          </p:blipFill>
-          <p:spPr>
-            <a:xfrm>
-              <a:off x="7170891" y="3760079"/>
-              <a:ext cx="356323" cy="356323"/>
-            </a:xfrm>
-            <a:prstGeom prst="rect">
-              <a:avLst/>
-            </a:prstGeom>
-          </p:spPr>
-        </p:pic>
-        <p:pic>
-          <p:nvPicPr>
-            <p:cNvPr id="40" name="図 39"/>
-            <p:cNvPicPr>
-              <a:picLocks noChangeAspect="1"/>
-            </p:cNvPicPr>
-            <p:nvPr/>
-          </p:nvPicPr>
-          <p:blipFill>
-            <a:blip r:embed="rId8" cstate="print">
-              <a:extLst>
-                <a:ext uri="{28A0092B-C50C-407E-A947-70E740481C1C}">
-                  <a14:useLocalDpi xmlns:a14="http://schemas.microsoft.com/office/drawing/2010/main" val="0"/>
-                </a:ext>
-              </a:extLst>
-            </a:blip>
-            <a:stretch>
-              <a:fillRect/>
-            </a:stretch>
-          </p:blipFill>
-          <p:spPr>
-            <a:xfrm>
-              <a:off x="7462328" y="2822642"/>
-              <a:ext cx="356323" cy="356323"/>
-            </a:xfrm>
-            <a:prstGeom prst="rect">
-              <a:avLst/>
-            </a:prstGeom>
-          </p:spPr>
-        </p:pic>
-        <p:pic>
-          <p:nvPicPr>
-            <p:cNvPr id="41" name="図 40"/>
-            <p:cNvPicPr>
-              <a:picLocks noChangeAspect="1"/>
-            </p:cNvPicPr>
-            <p:nvPr/>
-          </p:nvPicPr>
-          <p:blipFill>
-            <a:blip r:embed="rId8" cstate="print">
-              <a:extLst>
-                <a:ext uri="{28A0092B-C50C-407E-A947-70E740481C1C}">
-                  <a14:useLocalDpi xmlns:a14="http://schemas.microsoft.com/office/drawing/2010/main" val="0"/>
-                </a:ext>
-              </a:extLst>
-            </a:blip>
-            <a:stretch>
-              <a:fillRect/>
-            </a:stretch>
-          </p:blipFill>
-          <p:spPr>
-            <a:xfrm>
-              <a:off x="8035615" y="3138903"/>
-              <a:ext cx="356323" cy="356323"/>
-            </a:xfrm>
-            <a:prstGeom prst="rect">
-              <a:avLst/>
-            </a:prstGeom>
-          </p:spPr>
-        </p:pic>
-        <p:pic>
-          <p:nvPicPr>
-            <p:cNvPr id="42" name="図 41"/>
-            <p:cNvPicPr>
-              <a:picLocks noChangeAspect="1"/>
-            </p:cNvPicPr>
-            <p:nvPr/>
-          </p:nvPicPr>
-          <p:blipFill>
-            <a:blip r:embed="rId8" cstate="print">
-              <a:extLst>
-                <a:ext uri="{28A0092B-C50C-407E-A947-70E740481C1C}">
-                  <a14:useLocalDpi xmlns:a14="http://schemas.microsoft.com/office/drawing/2010/main" val="0"/>
-                </a:ext>
-              </a:extLst>
-            </a:blip>
-            <a:stretch>
-              <a:fillRect/>
-            </a:stretch>
-          </p:blipFill>
-          <p:spPr>
-            <a:xfrm>
-              <a:off x="5444601" y="3293085"/>
-              <a:ext cx="356323" cy="356323"/>
-            </a:xfrm>
-            <a:prstGeom prst="rect">
-              <a:avLst/>
-            </a:prstGeom>
-          </p:spPr>
-        </p:pic>
-        <p:pic>
-          <p:nvPicPr>
-            <p:cNvPr id="43" name="図 42"/>
-            <p:cNvPicPr>
-              <a:picLocks noChangeAspect="1"/>
-            </p:cNvPicPr>
-            <p:nvPr/>
-          </p:nvPicPr>
-          <p:blipFill>
-            <a:blip r:embed="rId8" cstate="print">
-              <a:extLst>
-                <a:ext uri="{28A0092B-C50C-407E-A947-70E740481C1C}">
-                  <a14:useLocalDpi xmlns:a14="http://schemas.microsoft.com/office/drawing/2010/main" val="0"/>
-                </a:ext>
-              </a:extLst>
-            </a:blip>
-            <a:stretch>
-              <a:fillRect/>
-            </a:stretch>
-          </p:blipFill>
-          <p:spPr>
-            <a:xfrm>
-              <a:off x="7728643" y="3610313"/>
-              <a:ext cx="356323" cy="356323"/>
-            </a:xfrm>
-            <a:prstGeom prst="rect">
-              <a:avLst/>
-            </a:prstGeom>
-          </p:spPr>
-        </p:pic>
-        <p:pic>
-          <p:nvPicPr>
-            <p:cNvPr id="44" name="図 43"/>
-            <p:cNvPicPr>
-              <a:picLocks noChangeAspect="1"/>
-            </p:cNvPicPr>
-            <p:nvPr/>
-          </p:nvPicPr>
-          <p:blipFill>
-            <a:blip r:embed="rId8" cstate="print">
-              <a:extLst>
-                <a:ext uri="{28A0092B-C50C-407E-A947-70E740481C1C}">
-                  <a14:useLocalDpi xmlns:a14="http://schemas.microsoft.com/office/drawing/2010/main" val="0"/>
-                </a:ext>
-              </a:extLst>
-            </a:blip>
-            <a:stretch>
-              <a:fillRect/>
-            </a:stretch>
-          </p:blipFill>
-          <p:spPr>
-            <a:xfrm>
-              <a:off x="6443497" y="3647322"/>
-              <a:ext cx="356323" cy="356323"/>
-            </a:xfrm>
-            <a:prstGeom prst="rect">
-              <a:avLst/>
-            </a:prstGeom>
-          </p:spPr>
-        </p:pic>
-      </p:grpSp>
-      <p:sp>
-        <p:nvSpPr>
-          <p:cNvPr id="45" name="テキスト ボックス 44"/>
-          <p:cNvSpPr txBox="1"/>
-          <p:nvPr/>
-        </p:nvSpPr>
-        <p:spPr>
-          <a:xfrm>
-            <a:off x="5222834" y="4653244"/>
-            <a:ext cx="2360765" cy="461665"/>
-          </a:xfrm>
-          <a:prstGeom prst="rect">
-            <a:avLst/>
-          </a:prstGeom>
-          <a:noFill/>
-        </p:spPr>
-        <p:txBody>
-          <a:bodyPr wrap="square" rtlCol="0">
-            <a:spAutoFit/>
-          </a:bodyPr>
-          <a:lstStyle/>
-          <a:p>
-            <a:pPr algn="ctr"/>
-            <a:r>
-              <a:rPr kumimoji="1" lang="en-US" altLang="ja-JP" sz="2400" b="1" dirty="0" err="1" smtClean="0">
-                <a:ln w="22225">
-                  <a:solidFill>
-                    <a:srgbClr val="FF0000">
-                      <a:alpha val="50000"/>
-                    </a:srgbClr>
-                  </a:solidFill>
-                  <a:prstDash val="solid"/>
-                </a:ln>
-                <a:solidFill>
-                  <a:srgbClr val="FFFFFF"/>
-                </a:solidFill>
-                <a:effectLst>
-                  <a:outerShdw dist="38100" dir="2700000" algn="tl" rotWithShape="0">
-                    <a:schemeClr val="accent2"/>
-                  </a:outerShdw>
-                </a:effectLst>
-              </a:rPr>
-              <a:t>IoT</a:t>
-            </a:r>
-            <a:r>
-              <a:rPr kumimoji="1" lang="ja-JP" altLang="en-US" sz="2400" b="1" dirty="0" smtClean="0">
-                <a:ln w="22225">
-                  <a:solidFill>
-                    <a:srgbClr val="FF0000">
-                      <a:alpha val="50000"/>
-                    </a:srgbClr>
-                  </a:solidFill>
-                  <a:prstDash val="solid"/>
-                </a:ln>
-                <a:solidFill>
-                  <a:srgbClr val="FFFFFF"/>
-                </a:solidFill>
-                <a:effectLst>
-                  <a:outerShdw dist="38100" dir="2700000" algn="tl" rotWithShape="0">
-                    <a:schemeClr val="accent2"/>
-                  </a:outerShdw>
-                </a:effectLst>
-              </a:rPr>
-              <a:t>デバイス</a:t>
-            </a:r>
-            <a:endParaRPr kumimoji="1" lang="ja-JP" altLang="en-US" sz="2400" b="1" dirty="0">
-              <a:ln w="22225">
-                <a:solidFill>
-                  <a:srgbClr val="FF0000">
-                    <a:alpha val="50000"/>
-                  </a:srgbClr>
-                </a:solidFill>
-                <a:prstDash val="solid"/>
-              </a:ln>
-              <a:solidFill>
-                <a:srgbClr val="FFFFFF"/>
-              </a:solidFill>
-              <a:effectLst>
-                <a:outerShdw dist="38100" dir="2700000" algn="tl" rotWithShape="0">
-                  <a:schemeClr val="accent2"/>
-                </a:outerShdw>
-              </a:effectLst>
-            </a:endParaRPr>
-          </a:p>
-        </p:txBody>
-      </p:sp>
-      <p:sp>
-        <p:nvSpPr>
-          <p:cNvPr id="46" name="テキスト ボックス 45"/>
-          <p:cNvSpPr txBox="1"/>
-          <p:nvPr/>
-        </p:nvSpPr>
-        <p:spPr>
-          <a:xfrm>
-            <a:off x="5268421" y="3202084"/>
-            <a:ext cx="2360765" cy="461665"/>
-          </a:xfrm>
-          <a:prstGeom prst="rect">
-            <a:avLst/>
-          </a:prstGeom>
-          <a:noFill/>
-        </p:spPr>
-        <p:txBody>
-          <a:bodyPr wrap="square" rtlCol="0">
-            <a:spAutoFit/>
-          </a:bodyPr>
-          <a:lstStyle/>
-          <a:p>
-            <a:pPr algn="ctr"/>
-            <a:r>
-              <a:rPr kumimoji="1" lang="en-US" altLang="ja-JP" sz="2400" b="1" dirty="0" smtClean="0">
-                <a:ln w="22225">
-                  <a:solidFill>
-                    <a:schemeClr val="tx1">
-                      <a:alpha val="50000"/>
-                    </a:schemeClr>
-                  </a:solidFill>
-                  <a:prstDash val="solid"/>
-                </a:ln>
-                <a:solidFill>
-                  <a:srgbClr val="FFFFFF"/>
-                </a:solidFill>
-                <a:effectLst>
-                  <a:outerShdw dist="38100" dir="2700000" algn="tl" rotWithShape="0">
-                    <a:schemeClr val="accent2"/>
-                  </a:outerShdw>
-                </a:effectLst>
-              </a:rPr>
-              <a:t>Web</a:t>
-            </a:r>
-            <a:r>
-              <a:rPr kumimoji="1" lang="ja-JP" altLang="en-US" sz="2400" b="1" dirty="0" smtClean="0">
-                <a:ln w="22225">
-                  <a:solidFill>
-                    <a:schemeClr val="tx1">
-                      <a:alpha val="50000"/>
-                    </a:schemeClr>
-                  </a:solidFill>
-                  <a:prstDash val="solid"/>
-                </a:ln>
-                <a:solidFill>
-                  <a:srgbClr val="FFFFFF"/>
-                </a:solidFill>
-                <a:effectLst>
-                  <a:outerShdw dist="38100" dir="2700000" algn="tl" rotWithShape="0">
-                    <a:schemeClr val="accent2"/>
-                  </a:outerShdw>
-                </a:effectLst>
-              </a:rPr>
-              <a:t>サイト</a:t>
-            </a:r>
-            <a:endParaRPr kumimoji="1" lang="ja-JP" altLang="en-US" sz="2400" b="1" dirty="0">
-              <a:ln w="22225">
-                <a:solidFill>
-                  <a:schemeClr val="tx1">
-                    <a:alpha val="50000"/>
-                  </a:schemeClr>
-                </a:solidFill>
-                <a:prstDash val="solid"/>
-              </a:ln>
-              <a:solidFill>
-                <a:srgbClr val="FFFFFF"/>
-              </a:solidFill>
-              <a:effectLst>
-                <a:outerShdw dist="38100" dir="2700000" algn="tl" rotWithShape="0">
-                  <a:schemeClr val="accent2"/>
-                </a:outerShdw>
-              </a:effectLst>
-            </a:endParaRPr>
-          </a:p>
-        </p:txBody>
-      </p:sp>
-      <p:sp>
-        <p:nvSpPr>
-          <p:cNvPr id="47" name="角丸四角形 46"/>
-          <p:cNvSpPr/>
-          <p:nvPr/>
-        </p:nvSpPr>
-        <p:spPr>
-          <a:xfrm>
-            <a:off x="306316" y="2780759"/>
-            <a:ext cx="4483092" cy="3596709"/>
-          </a:xfrm>
-          <a:prstGeom prst="roundRect">
-            <a:avLst/>
-          </a:prstGeom>
-          <a:noFill/>
-          <a:ln w="38100">
-            <a:solidFill>
-              <a:srgbClr val="3333CC">
-                <a:alpha val="50000"/>
-              </a:srgbClr>
-            </a:solidFill>
-          </a:ln>
-        </p:spPr>
-        <p:style>
-          <a:lnRef idx="2">
-            <a:schemeClr val="accent1">
-              <a:shade val="50000"/>
-            </a:schemeClr>
-          </a:lnRef>
-          <a:fillRef idx="1">
-            <a:schemeClr val="accent1"/>
-          </a:fillRef>
-          <a:effectRef idx="0">
-            <a:schemeClr val="accent1"/>
-          </a:effectRef>
-          <a:fontRef idx="minor">
-            <a:schemeClr val="lt1"/>
-          </a:fontRef>
-        </p:style>
-        <p:txBody>
-          <a:bodyPr rtlCol="0" anchor="ctr"/>
-          <a:lstStyle/>
-          <a:p>
-            <a:pPr algn="ctr"/>
-            <a:endParaRPr kumimoji="1" lang="ja-JP" altLang="en-US"/>
-          </a:p>
-        </p:txBody>
-      </p:sp>
-      <p:sp>
-        <p:nvSpPr>
-          <p:cNvPr id="48" name="テキスト ボックス 47"/>
-          <p:cNvSpPr txBox="1"/>
-          <p:nvPr/>
-        </p:nvSpPr>
-        <p:spPr>
-          <a:xfrm>
-            <a:off x="545611" y="5512662"/>
-            <a:ext cx="4004501" cy="830997"/>
-          </a:xfrm>
-          <a:prstGeom prst="rect">
-            <a:avLst/>
-          </a:prstGeom>
-          <a:noFill/>
-        </p:spPr>
-        <p:txBody>
-          <a:bodyPr wrap="square" rtlCol="0">
-            <a:spAutoFit/>
-          </a:bodyPr>
-          <a:lstStyle/>
-          <a:p>
-            <a:pPr algn="ctr"/>
-            <a:r>
-              <a:rPr kumimoji="1" lang="ja-JP" altLang="en-US" sz="2400" b="1" dirty="0" smtClean="0"/>
-              <a:t>身の回りのモノ</a:t>
-            </a:r>
-            <a:endParaRPr kumimoji="1" lang="en-US" altLang="ja-JP" sz="2400" b="1" dirty="0" smtClean="0"/>
-          </a:p>
-          <a:p>
-            <a:pPr algn="ctr"/>
-            <a:r>
-              <a:rPr kumimoji="1" lang="ja-JP" altLang="en-US" sz="2400" b="1" dirty="0" smtClean="0"/>
-              <a:t>すべてがつながる</a:t>
-            </a:r>
-            <a:endParaRPr kumimoji="1" lang="ja-JP" altLang="en-US" sz="2400" b="1" dirty="0"/>
-          </a:p>
-        </p:txBody>
-      </p:sp>
-      <p:sp>
-        <p:nvSpPr>
-          <p:cNvPr id="49" name="テキスト ボックス 48"/>
-          <p:cNvSpPr txBox="1"/>
-          <p:nvPr/>
-        </p:nvSpPr>
-        <p:spPr>
-          <a:xfrm>
-            <a:off x="7325067" y="4653750"/>
-            <a:ext cx="1604586" cy="461665"/>
-          </a:xfrm>
-          <a:prstGeom prst="rect">
-            <a:avLst/>
-          </a:prstGeom>
-          <a:noFill/>
-        </p:spPr>
-        <p:txBody>
-          <a:bodyPr wrap="square" rtlCol="0">
-            <a:spAutoFit/>
-          </a:bodyPr>
-          <a:lstStyle/>
-          <a:p>
-            <a:pPr algn="ctr"/>
-            <a:r>
-              <a:rPr kumimoji="1" lang="en-US" altLang="ja-JP" sz="2400" b="1" dirty="0" smtClean="0">
-                <a:ln w="22225">
-                  <a:solidFill>
-                    <a:srgbClr val="FF0000">
-                      <a:alpha val="50000"/>
-                    </a:srgbClr>
-                  </a:solidFill>
-                  <a:prstDash val="solid"/>
-                </a:ln>
-                <a:solidFill>
-                  <a:srgbClr val="FFFFFF"/>
-                </a:solidFill>
-                <a:effectLst>
-                  <a:outerShdw dist="38100" dir="2700000" algn="tl" rotWithShape="0">
-                    <a:schemeClr val="accent2"/>
-                  </a:outerShdw>
-                </a:effectLst>
-              </a:rPr>
-              <a:t>500</a:t>
-            </a:r>
-            <a:r>
-              <a:rPr kumimoji="1" lang="ja-JP" altLang="en-US" sz="2400" b="1" dirty="0" smtClean="0">
-                <a:ln w="22225">
-                  <a:solidFill>
-                    <a:srgbClr val="FF0000">
-                      <a:alpha val="50000"/>
-                    </a:srgbClr>
-                  </a:solidFill>
-                  <a:prstDash val="solid"/>
-                </a:ln>
-                <a:solidFill>
-                  <a:srgbClr val="FFFFFF"/>
-                </a:solidFill>
-                <a:effectLst>
-                  <a:outerShdw dist="38100" dir="2700000" algn="tl" rotWithShape="0">
-                    <a:schemeClr val="accent2"/>
-                  </a:outerShdw>
-                </a:effectLst>
-              </a:rPr>
-              <a:t>億台</a:t>
-            </a:r>
-            <a:endParaRPr kumimoji="1" lang="ja-JP" altLang="en-US" sz="2400" b="1" dirty="0">
-              <a:ln w="22225">
-                <a:solidFill>
-                  <a:srgbClr val="FF0000">
-                    <a:alpha val="50000"/>
-                  </a:srgbClr>
-                </a:solidFill>
-                <a:prstDash val="solid"/>
-              </a:ln>
-              <a:solidFill>
-                <a:srgbClr val="FFFFFF"/>
-              </a:solidFill>
-              <a:effectLst>
-                <a:outerShdw dist="38100" dir="2700000" algn="tl" rotWithShape="0">
-                  <a:schemeClr val="accent2"/>
-                </a:outerShdw>
-              </a:effectLst>
-            </a:endParaRPr>
-          </a:p>
-        </p:txBody>
-      </p:sp>
-      <p:sp>
-        <p:nvSpPr>
-          <p:cNvPr id="50" name="テキスト ボックス 49"/>
-          <p:cNvSpPr txBox="1"/>
-          <p:nvPr/>
-        </p:nvSpPr>
-        <p:spPr>
-          <a:xfrm>
-            <a:off x="7426917" y="3154238"/>
-            <a:ext cx="1502736" cy="461665"/>
-          </a:xfrm>
-          <a:prstGeom prst="rect">
-            <a:avLst/>
-          </a:prstGeom>
-          <a:noFill/>
-        </p:spPr>
-        <p:txBody>
-          <a:bodyPr wrap="square" rtlCol="0">
-            <a:spAutoFit/>
-          </a:bodyPr>
-          <a:lstStyle/>
-          <a:p>
-            <a:pPr algn="ctr"/>
-            <a:r>
-              <a:rPr kumimoji="1" lang="en-US" altLang="ja-JP" sz="2400" b="1" dirty="0" smtClean="0">
-                <a:ln w="22225">
-                  <a:solidFill>
-                    <a:schemeClr val="tx1">
-                      <a:alpha val="50000"/>
-                    </a:schemeClr>
-                  </a:solidFill>
-                  <a:prstDash val="solid"/>
-                </a:ln>
-                <a:solidFill>
-                  <a:srgbClr val="FFFFFF"/>
-                </a:solidFill>
-                <a:effectLst>
-                  <a:outerShdw dist="38100" dir="2700000" algn="tl" rotWithShape="0">
-                    <a:schemeClr val="accent2"/>
-                  </a:outerShdw>
-                </a:effectLst>
-              </a:rPr>
-              <a:t>10</a:t>
-            </a:r>
-            <a:r>
-              <a:rPr kumimoji="1" lang="ja-JP" altLang="en-US" sz="2400" b="1" dirty="0" smtClean="0">
-                <a:ln w="22225">
-                  <a:solidFill>
-                    <a:schemeClr val="tx1">
-                      <a:alpha val="50000"/>
-                    </a:schemeClr>
-                  </a:solidFill>
-                  <a:prstDash val="solid"/>
-                </a:ln>
-                <a:solidFill>
-                  <a:srgbClr val="FFFFFF"/>
-                </a:solidFill>
-                <a:effectLst>
-                  <a:outerShdw dist="38100" dir="2700000" algn="tl" rotWithShape="0">
-                    <a:schemeClr val="accent2"/>
-                  </a:outerShdw>
-                </a:effectLst>
-              </a:rPr>
-              <a:t>億個</a:t>
-            </a:r>
-            <a:endParaRPr kumimoji="1" lang="ja-JP" altLang="en-US" sz="2400" b="1" dirty="0">
-              <a:ln w="22225">
-                <a:solidFill>
-                  <a:schemeClr val="tx1">
-                    <a:alpha val="50000"/>
-                  </a:schemeClr>
-                </a:solidFill>
-                <a:prstDash val="solid"/>
-              </a:ln>
-              <a:solidFill>
-                <a:srgbClr val="FFFFFF"/>
-              </a:solidFill>
-              <a:effectLst>
-                <a:outerShdw dist="38100" dir="2700000" algn="tl" rotWithShape="0">
-                  <a:schemeClr val="accent2"/>
-                </a:outerShdw>
-              </a:effectLst>
-            </a:endParaRPr>
-          </a:p>
-        </p:txBody>
-      </p:sp>
-      <p:sp>
-        <p:nvSpPr>
-          <p:cNvPr id="51" name="テキスト ボックス 50"/>
-          <p:cNvSpPr txBox="1"/>
-          <p:nvPr/>
-        </p:nvSpPr>
-        <p:spPr>
-          <a:xfrm>
-            <a:off x="2702390" y="3450637"/>
-            <a:ext cx="1382452" cy="369332"/>
-          </a:xfrm>
-          <a:prstGeom prst="rect">
-            <a:avLst/>
-          </a:prstGeom>
-          <a:noFill/>
-        </p:spPr>
-        <p:txBody>
-          <a:bodyPr wrap="square" rtlCol="0">
-            <a:spAutoFit/>
-          </a:bodyPr>
-          <a:lstStyle/>
-          <a:p>
-            <a:pPr algn="ctr"/>
-            <a:r>
-              <a:rPr kumimoji="1" lang="ja-JP" altLang="en-US" b="1" dirty="0" smtClean="0">
-                <a:solidFill>
-                  <a:schemeClr val="accent1">
-                    <a:lumMod val="75000"/>
-                  </a:schemeClr>
-                </a:solidFill>
-              </a:rPr>
-              <a:t>スピーカー</a:t>
-            </a:r>
-            <a:endParaRPr kumimoji="1" lang="ja-JP" altLang="en-US" b="1" dirty="0">
-              <a:solidFill>
-                <a:schemeClr val="accent1">
-                  <a:lumMod val="75000"/>
-                </a:schemeClr>
-              </a:solidFill>
-            </a:endParaRPr>
-          </a:p>
-        </p:txBody>
-      </p:sp>
-      <p:sp>
-        <p:nvSpPr>
-          <p:cNvPr id="52" name="テキスト ボックス 51"/>
-          <p:cNvSpPr txBox="1"/>
-          <p:nvPr/>
-        </p:nvSpPr>
-        <p:spPr>
-          <a:xfrm>
-            <a:off x="398533" y="3214043"/>
-            <a:ext cx="1026657" cy="369332"/>
-          </a:xfrm>
-          <a:prstGeom prst="rect">
-            <a:avLst/>
-          </a:prstGeom>
-          <a:noFill/>
-        </p:spPr>
-        <p:txBody>
-          <a:bodyPr wrap="square" rtlCol="0">
-            <a:spAutoFit/>
-          </a:bodyPr>
-          <a:lstStyle/>
-          <a:p>
-            <a:pPr algn="ctr"/>
-            <a:r>
-              <a:rPr kumimoji="1" lang="ja-JP" altLang="en-US" b="1" dirty="0" smtClean="0">
-                <a:solidFill>
-                  <a:schemeClr val="accent1">
-                    <a:lumMod val="75000"/>
-                  </a:schemeClr>
-                </a:solidFill>
-              </a:rPr>
-              <a:t>電球</a:t>
-            </a:r>
-            <a:endParaRPr kumimoji="1" lang="ja-JP" altLang="en-US" b="1" dirty="0">
-              <a:solidFill>
-                <a:schemeClr val="accent1">
-                  <a:lumMod val="75000"/>
-                </a:schemeClr>
-              </a:solidFill>
-            </a:endParaRPr>
-          </a:p>
-        </p:txBody>
-      </p:sp>
-      <p:sp>
-        <p:nvSpPr>
-          <p:cNvPr id="53" name="テキスト ボックス 52"/>
-          <p:cNvSpPr txBox="1"/>
-          <p:nvPr/>
-        </p:nvSpPr>
-        <p:spPr>
-          <a:xfrm>
-            <a:off x="855688" y="3718251"/>
-            <a:ext cx="1980767" cy="369332"/>
-          </a:xfrm>
-          <a:prstGeom prst="rect">
-            <a:avLst/>
-          </a:prstGeom>
-          <a:noFill/>
-        </p:spPr>
-        <p:txBody>
-          <a:bodyPr wrap="square" rtlCol="0">
-            <a:spAutoFit/>
-          </a:bodyPr>
-          <a:lstStyle/>
-          <a:p>
-            <a:pPr algn="ctr"/>
-            <a:r>
-              <a:rPr kumimoji="1" lang="ja-JP" altLang="en-US" b="1" dirty="0" smtClean="0">
-                <a:solidFill>
-                  <a:schemeClr val="accent1">
-                    <a:lumMod val="75000"/>
-                  </a:schemeClr>
-                </a:solidFill>
-              </a:rPr>
-              <a:t>スマートフォン</a:t>
-            </a:r>
-            <a:endParaRPr kumimoji="1" lang="ja-JP" altLang="en-US" b="1" dirty="0">
-              <a:solidFill>
-                <a:schemeClr val="accent1">
-                  <a:lumMod val="75000"/>
-                </a:schemeClr>
-              </a:solidFill>
-            </a:endParaRPr>
-          </a:p>
-        </p:txBody>
-      </p:sp>
-      <p:sp>
-        <p:nvSpPr>
-          <p:cNvPr id="54" name="テキスト ボックス 53"/>
-          <p:cNvSpPr txBox="1"/>
-          <p:nvPr/>
-        </p:nvSpPr>
-        <p:spPr>
-          <a:xfrm>
-            <a:off x="437724" y="5084855"/>
-            <a:ext cx="967852" cy="369332"/>
-          </a:xfrm>
-          <a:prstGeom prst="rect">
-            <a:avLst/>
-          </a:prstGeom>
-          <a:noFill/>
-        </p:spPr>
-        <p:txBody>
-          <a:bodyPr wrap="square" rtlCol="0">
-            <a:spAutoFit/>
-          </a:bodyPr>
-          <a:lstStyle/>
-          <a:p>
-            <a:pPr algn="ctr"/>
-            <a:r>
-              <a:rPr kumimoji="1" lang="ja-JP" altLang="en-US" b="1" dirty="0" smtClean="0">
-                <a:solidFill>
-                  <a:schemeClr val="accent1">
-                    <a:lumMod val="75000"/>
-                  </a:schemeClr>
-                </a:solidFill>
-              </a:rPr>
-              <a:t>カメラ</a:t>
-            </a:r>
-            <a:endParaRPr kumimoji="1" lang="ja-JP" altLang="en-US" b="1" dirty="0">
-              <a:solidFill>
-                <a:schemeClr val="accent1">
-                  <a:lumMod val="75000"/>
-                </a:schemeClr>
-              </a:solidFill>
-            </a:endParaRPr>
-          </a:p>
-        </p:txBody>
-      </p:sp>
-      <p:sp>
-        <p:nvSpPr>
-          <p:cNvPr id="55" name="テキスト ボックス 54"/>
-          <p:cNvSpPr txBox="1"/>
-          <p:nvPr/>
-        </p:nvSpPr>
-        <p:spPr>
-          <a:xfrm>
-            <a:off x="3359806" y="4777179"/>
-            <a:ext cx="1262002" cy="369332"/>
-          </a:xfrm>
-          <a:prstGeom prst="rect">
-            <a:avLst/>
-          </a:prstGeom>
-          <a:noFill/>
-        </p:spPr>
-        <p:txBody>
-          <a:bodyPr wrap="square" rtlCol="0">
-            <a:spAutoFit/>
-          </a:bodyPr>
-          <a:lstStyle/>
-          <a:p>
-            <a:pPr algn="ctr"/>
-            <a:r>
-              <a:rPr kumimoji="1" lang="ja-JP" altLang="en-US" b="1" dirty="0" smtClean="0">
-                <a:solidFill>
-                  <a:schemeClr val="accent1">
-                    <a:lumMod val="75000"/>
-                  </a:schemeClr>
-                </a:solidFill>
-              </a:rPr>
-              <a:t>メガネ</a:t>
-            </a:r>
-            <a:endParaRPr kumimoji="1" lang="ja-JP" altLang="en-US" b="1" dirty="0">
-              <a:solidFill>
-                <a:schemeClr val="accent1">
-                  <a:lumMod val="75000"/>
-                </a:schemeClr>
-              </a:solidFill>
-            </a:endParaRPr>
-          </a:p>
-        </p:txBody>
-      </p:sp>
-      <p:pic>
-        <p:nvPicPr>
-          <p:cNvPr id="56" name="図 55"/>
-          <p:cNvPicPr>
-            <a:picLocks noChangeAspect="1"/>
-          </p:cNvPicPr>
-          <p:nvPr/>
-        </p:nvPicPr>
-        <p:blipFill>
-          <a:blip r:embed="rId9" cstate="print">
-            <a:extLst>
-              <a:ext uri="{28A0092B-C50C-407E-A947-70E740481C1C}">
-                <a14:useLocalDpi xmlns:a14="http://schemas.microsoft.com/office/drawing/2010/main" val="0"/>
-              </a:ext>
-            </a:extLst>
-          </a:blip>
-          <a:stretch>
-            <a:fillRect/>
-          </a:stretch>
-        </p:blipFill>
-        <p:spPr>
-          <a:xfrm>
-            <a:off x="3346041" y="4164820"/>
-            <a:ext cx="1324473" cy="556278"/>
-          </a:xfrm>
-          <a:prstGeom prst="rect">
-            <a:avLst/>
-          </a:prstGeom>
-        </p:spPr>
-      </p:pic>
-      <p:sp>
-        <p:nvSpPr>
-          <p:cNvPr id="57" name="テキスト ボックス 56"/>
-          <p:cNvSpPr txBox="1"/>
-          <p:nvPr/>
-        </p:nvSpPr>
-        <p:spPr>
-          <a:xfrm rot="5400000">
-            <a:off x="7603061" y="3856870"/>
-            <a:ext cx="1131590" cy="461665"/>
-          </a:xfrm>
-          <a:prstGeom prst="rect">
-            <a:avLst/>
-          </a:prstGeom>
-          <a:noFill/>
-        </p:spPr>
-        <p:txBody>
-          <a:bodyPr wrap="square" rtlCol="0">
-            <a:spAutoFit/>
-          </a:bodyPr>
-          <a:lstStyle/>
-          <a:p>
-            <a:pPr algn="ctr"/>
-            <a:r>
-              <a:rPr kumimoji="1" lang="ja-JP" altLang="en-US" sz="2400" b="1" dirty="0" smtClean="0">
-                <a:ln w="22225">
-                  <a:solidFill>
-                    <a:srgbClr val="FF0000">
-                      <a:alpha val="50000"/>
-                    </a:srgbClr>
-                  </a:solidFill>
-                  <a:prstDash val="solid"/>
-                </a:ln>
-                <a:solidFill>
-                  <a:srgbClr val="FFFFFF"/>
-                </a:solidFill>
-                <a:effectLst>
-                  <a:outerShdw dist="38100" dir="2700000" algn="tl" rotWithShape="0">
-                    <a:schemeClr val="accent2"/>
-                  </a:outerShdw>
-                </a:effectLst>
-              </a:rPr>
-              <a:t>＜＜</a:t>
-            </a:r>
-            <a:endParaRPr kumimoji="1" lang="ja-JP" altLang="en-US" sz="2400" b="1" dirty="0">
-              <a:ln w="22225">
-                <a:solidFill>
-                  <a:srgbClr val="FF0000">
-                    <a:alpha val="50000"/>
-                  </a:srgbClr>
-                </a:solidFill>
-                <a:prstDash val="solid"/>
-              </a:ln>
-              <a:solidFill>
-                <a:srgbClr val="FFFFFF"/>
-              </a:solidFill>
-              <a:effectLst>
-                <a:outerShdw dist="38100" dir="2700000" algn="tl" rotWithShape="0">
-                  <a:schemeClr val="accent2"/>
-                </a:outerShdw>
-              </a:effectLst>
-            </a:endParaRPr>
-          </a:p>
-        </p:txBody>
-      </p:sp>
-      <p:sp>
-        <p:nvSpPr>
-          <p:cNvPr id="58" name="テキスト ボックス 57"/>
-          <p:cNvSpPr txBox="1"/>
-          <p:nvPr/>
-        </p:nvSpPr>
-        <p:spPr>
-          <a:xfrm>
-            <a:off x="7471316" y="5060299"/>
-            <a:ext cx="1607547" cy="307777"/>
-          </a:xfrm>
-          <a:prstGeom prst="rect">
-            <a:avLst/>
-          </a:prstGeom>
-          <a:noFill/>
-        </p:spPr>
-        <p:txBody>
-          <a:bodyPr wrap="square" rtlCol="0">
-            <a:spAutoFit/>
-          </a:bodyPr>
-          <a:lstStyle/>
-          <a:p>
-            <a:pPr algn="ctr"/>
-            <a:r>
-              <a:rPr kumimoji="1" lang="en-US" altLang="ja-JP" sz="1400" b="1" dirty="0" smtClean="0">
-                <a:solidFill>
-                  <a:srgbClr val="FF0000"/>
-                </a:solidFill>
-              </a:rPr>
-              <a:t>※2020</a:t>
-            </a:r>
-            <a:r>
-              <a:rPr kumimoji="1" lang="ja-JP" altLang="en-US" sz="1400" b="1" dirty="0" smtClean="0">
-                <a:solidFill>
-                  <a:srgbClr val="FF0000"/>
-                </a:solidFill>
-              </a:rPr>
-              <a:t>年の予測</a:t>
-            </a:r>
-            <a:endParaRPr kumimoji="1" lang="ja-JP" altLang="en-US" sz="1400" b="1" dirty="0">
-              <a:solidFill>
-                <a:srgbClr val="FF0000"/>
-              </a:solidFill>
-            </a:endParaRPr>
-          </a:p>
-        </p:txBody>
-      </p:sp>
-      <p:sp>
-        <p:nvSpPr>
-          <p:cNvPr id="59" name="テキスト ボックス 58"/>
-          <p:cNvSpPr txBox="1"/>
-          <p:nvPr/>
-        </p:nvSpPr>
-        <p:spPr>
-          <a:xfrm>
-            <a:off x="5501209" y="5521096"/>
-            <a:ext cx="3308885" cy="830997"/>
-          </a:xfrm>
-          <a:prstGeom prst="rect">
-            <a:avLst/>
-          </a:prstGeom>
-          <a:noFill/>
-        </p:spPr>
-        <p:txBody>
-          <a:bodyPr wrap="square" rtlCol="0">
-            <a:spAutoFit/>
-          </a:bodyPr>
-          <a:lstStyle/>
-          <a:p>
-            <a:pPr algn="ctr"/>
-            <a:r>
-              <a:rPr lang="ja-JP" altLang="en-US" sz="2400" b="1" dirty="0"/>
-              <a:t>膨大</a:t>
-            </a:r>
-            <a:r>
-              <a:rPr lang="ja-JP" altLang="en-US" sz="2400" b="1" dirty="0" smtClean="0"/>
-              <a:t>な数</a:t>
-            </a:r>
-            <a:r>
-              <a:rPr kumimoji="1" lang="ja-JP" altLang="en-US" sz="2400" b="1" dirty="0" smtClean="0"/>
-              <a:t>のモノが自由につながる</a:t>
-            </a:r>
-            <a:endParaRPr kumimoji="1" lang="ja-JP" altLang="en-US" sz="2400" b="1" dirty="0"/>
-          </a:p>
-        </p:txBody>
-      </p:sp>
-      <p:sp>
-        <p:nvSpPr>
-          <p:cNvPr id="60" name="テキスト ボックス 59"/>
-          <p:cNvSpPr txBox="1"/>
-          <p:nvPr/>
-        </p:nvSpPr>
-        <p:spPr>
-          <a:xfrm>
-            <a:off x="258998" y="1755004"/>
-            <a:ext cx="8827857" cy="954107"/>
-          </a:xfrm>
-          <a:prstGeom prst="rect">
-            <a:avLst/>
-          </a:prstGeom>
-          <a:noFill/>
-        </p:spPr>
-        <p:txBody>
-          <a:bodyPr wrap="square" rtlCol="0">
-            <a:spAutoFit/>
-          </a:bodyPr>
-          <a:lstStyle/>
-          <a:p>
-            <a:r>
-              <a:rPr lang="en-US" altLang="ja-JP" sz="2800" b="1" dirty="0" err="1" smtClean="0"/>
-              <a:t>IoT</a:t>
-            </a:r>
-            <a:r>
-              <a:rPr lang="ja-JP" altLang="en-US" sz="2800" b="1" dirty="0" smtClean="0"/>
-              <a:t>技術の進展により，</a:t>
-            </a:r>
-            <a:r>
-              <a:rPr lang="ja-JP" altLang="ja-JP" sz="2800" b="1" dirty="0" smtClean="0"/>
-              <a:t>膨大</a:t>
-            </a:r>
-            <a:r>
-              <a:rPr lang="ja-JP" altLang="ja-JP" sz="2800" b="1" dirty="0"/>
-              <a:t>で多様なモノがネットワーク</a:t>
-            </a:r>
-            <a:r>
-              <a:rPr lang="ja-JP" altLang="ja-JP" sz="2800" b="1" dirty="0" smtClean="0"/>
-              <a:t>に</a:t>
-            </a:r>
-            <a:r>
-              <a:rPr lang="ja-JP" altLang="en-US" sz="2800" b="1" dirty="0" smtClean="0"/>
-              <a:t>つながっていく</a:t>
-            </a:r>
-            <a:endParaRPr lang="en-US" altLang="ja-JP" sz="4000" b="1" dirty="0">
-              <a:solidFill>
-                <a:schemeClr val="tx2">
-                  <a:lumMod val="60000"/>
-                  <a:lumOff val="40000"/>
-                </a:schemeClr>
-              </a:solidFill>
-            </a:endParaRPr>
-          </a:p>
-        </p:txBody>
-      </p:sp>
     </p:spTree>
     <p:extLst>
       <p:ext uri="{BB962C8B-B14F-4D97-AF65-F5344CB8AC3E}">
-        <p14:creationId xmlns:p14="http://schemas.microsoft.com/office/powerpoint/2010/main" val="3562696358"/>
+        <p14:creationId xmlns:p14="http://schemas.microsoft.com/office/powerpoint/2010/main" val="3112909786"/>
       </p:ext>
     </p:extLst>
   </p:cSld>
@@ -9622,6 +12840,90 @@
       </p:par>
     </p:tnLst>
   </p:timing>
+</p:sld>
+</file>
+
+<file path=ppt/slides/slide20.xml><?xml version="1.0" encoding="utf-8"?>
+<p:sld xmlns:a="http://schemas.openxmlformats.org/drawingml/2006/main" xmlns:r="http://schemas.openxmlformats.org/officeDocument/2006/relationships" xmlns:p="http://schemas.openxmlformats.org/presentationml/2006/main">
+  <p:cSld>
+    <p:spTree>
+      <p:nvGrpSpPr>
+        <p:cNvPr id="1" name=""/>
+        <p:cNvGrpSpPr/>
+        <p:nvPr/>
+      </p:nvGrpSpPr>
+      <p:grpSpPr>
+        <a:xfrm>
+          <a:off x="0" y="0"/>
+          <a:ext cx="0" cy="0"/>
+          <a:chOff x="0" y="0"/>
+          <a:chExt cx="0" cy="0"/>
+        </a:xfrm>
+      </p:grpSpPr>
+      <p:sp>
+        <p:nvSpPr>
+          <p:cNvPr id="2" name="タイトル 1"/>
+          <p:cNvSpPr>
+            <a:spLocks noGrp="1"/>
+          </p:cNvSpPr>
+          <p:nvPr>
+            <p:ph type="title"/>
+          </p:nvPr>
+        </p:nvSpPr>
+        <p:spPr/>
+        <p:txBody>
+          <a:bodyPr/>
+          <a:lstStyle/>
+          <a:p>
+            <a:r>
+              <a:rPr kumimoji="1" lang="ja-JP" altLang="en-US" dirty="0" smtClean="0"/>
+              <a:t>補足</a:t>
+            </a:r>
+            <a:endParaRPr kumimoji="1" lang="ja-JP" altLang="en-US" dirty="0"/>
+          </a:p>
+        </p:txBody>
+      </p:sp>
+      <p:sp>
+        <p:nvSpPr>
+          <p:cNvPr id="3" name="コンテンツ プレースホルダー 2"/>
+          <p:cNvSpPr>
+            <a:spLocks noGrp="1"/>
+          </p:cNvSpPr>
+          <p:nvPr>
+            <p:ph idx="1"/>
+          </p:nvPr>
+        </p:nvSpPr>
+        <p:spPr/>
+        <p:txBody>
+          <a:bodyPr/>
+          <a:lstStyle/>
+          <a:p>
+            <a:r>
+              <a:rPr kumimoji="1" lang="en-US" altLang="ja-JP" dirty="0" smtClean="0"/>
+              <a:t>LPLC</a:t>
+            </a:r>
+            <a:r>
+              <a:rPr kumimoji="1" lang="ja-JP" altLang="en-US" dirty="0" smtClean="0"/>
+              <a:t>やってて</a:t>
+            </a:r>
+            <a:r>
+              <a:rPr kumimoji="1" lang="en-US" altLang="ja-JP" dirty="0" smtClean="0"/>
+              <a:t>…</a:t>
+            </a:r>
+            <a:endParaRPr kumimoji="1" lang="ja-JP" altLang="en-US" dirty="0"/>
+          </a:p>
+        </p:txBody>
+      </p:sp>
+    </p:spTree>
+    <p:extLst>
+      <p:ext uri="{BB962C8B-B14F-4D97-AF65-F5344CB8AC3E}">
+        <p14:creationId xmlns:p14="http://schemas.microsoft.com/office/powerpoint/2010/main" val="1932982650"/>
+      </p:ext>
+    </p:extLst>
+  </p:cSld>
+  <p:clrMapOvr>
+    <a:masterClrMapping/>
+  </p:clrMapOvr>
 </p:sld>
 </file>
 
@@ -10376,7 +13678,7 @@
         <p:spPr>
           <a:xfrm>
             <a:off x="1061429" y="1098269"/>
-            <a:ext cx="3494794" cy="830997"/>
+            <a:ext cx="3494794" cy="707886"/>
           </a:xfrm>
           <a:prstGeom prst="rect">
             <a:avLst/>
@@ -10391,21 +13693,21 @@
           <a:p>
             <a:pPr algn="ctr"/>
             <a:r>
-              <a:rPr kumimoji="1" lang="ja-JP" altLang="en-US" sz="2400" dirty="0" smtClean="0"/>
+              <a:rPr kumimoji="1" lang="ja-JP" altLang="en-US" sz="2000" dirty="0" smtClean="0"/>
               <a:t>広域に及ぶ</a:t>
             </a:r>
             <a:r>
-              <a:rPr kumimoji="1" lang="en-US" altLang="ja-JP" sz="2400" dirty="0" smtClean="0"/>
+              <a:rPr kumimoji="1" lang="en-US" altLang="ja-JP" sz="2000" dirty="0" smtClean="0"/>
               <a:t/>
             </a:r>
             <a:br>
-              <a:rPr kumimoji="1" lang="en-US" altLang="ja-JP" sz="2400" dirty="0" smtClean="0"/>
+              <a:rPr kumimoji="1" lang="en-US" altLang="ja-JP" sz="2000" dirty="0" smtClean="0"/>
             </a:br>
             <a:r>
-              <a:rPr kumimoji="1" lang="ja-JP" altLang="en-US" sz="2400" dirty="0" smtClean="0"/>
+              <a:rPr kumimoji="1" lang="ja-JP" altLang="en-US" sz="2000" dirty="0" smtClean="0"/>
               <a:t>センサネットワーク</a:t>
             </a:r>
-            <a:endParaRPr kumimoji="1" lang="ja-JP" altLang="en-US" sz="2400" dirty="0"/>
+            <a:endParaRPr kumimoji="1" lang="ja-JP" altLang="en-US" sz="2000" dirty="0"/>
           </a:p>
         </p:txBody>
       </p:sp>
@@ -10417,8 +13719,8 @@
         </p:nvSpPr>
         <p:spPr>
           <a:xfrm>
-            <a:off x="4822441" y="1356367"/>
-            <a:ext cx="2490726" cy="369332"/>
+            <a:off x="4822440" y="1356367"/>
+            <a:ext cx="2994783" cy="400110"/>
           </a:xfrm>
           <a:prstGeom prst="rect">
             <a:avLst/>
@@ -10433,10 +13735,10 @@
           <a:p>
             <a:pPr algn="ctr"/>
             <a:r>
-              <a:rPr kumimoji="1" lang="ja-JP" altLang="en-US" dirty="0" smtClean="0"/>
+              <a:rPr kumimoji="1" lang="ja-JP" altLang="en-US" sz="2000" dirty="0" smtClean="0"/>
               <a:t>高度な画像処理技術</a:t>
             </a:r>
-            <a:endParaRPr kumimoji="1" lang="ja-JP" altLang="en-US" dirty="0"/>
+            <a:endParaRPr kumimoji="1" lang="ja-JP" altLang="en-US" sz="2000" dirty="0"/>
           </a:p>
         </p:txBody>
       </p:sp>
@@ -10448,8 +13750,8 @@
         </p:nvSpPr>
         <p:spPr>
           <a:xfrm>
-            <a:off x="6766559" y="3489634"/>
-            <a:ext cx="2240280" cy="646331"/>
+            <a:off x="6067804" y="3777171"/>
+            <a:ext cx="2980466" cy="707886"/>
           </a:xfrm>
           <a:prstGeom prst="rect">
             <a:avLst/>
@@ -10463,10 +13765,29 @@
           <a:lstStyle/>
           <a:p>
             <a:r>
-              <a:rPr kumimoji="1" lang="ja-JP" altLang="en-US" dirty="0" smtClean="0"/>
-              <a:t>より有用な情報処理サービスの展開</a:t>
-            </a:r>
-            <a:endParaRPr kumimoji="1" lang="ja-JP" altLang="en-US" dirty="0"/>
+              <a:rPr kumimoji="1" lang="ja-JP" altLang="en-US" sz="2000" dirty="0" smtClean="0"/>
+              <a:t>より有用</a:t>
+            </a:r>
+            <a:r>
+              <a:rPr kumimoji="1" lang="ja-JP" altLang="en-US" sz="2000" dirty="0" smtClean="0"/>
+              <a:t>な</a:t>
+            </a:r>
+            <a:r>
+              <a:rPr kumimoji="1" lang="en-US" altLang="ja-JP" sz="2000" dirty="0" smtClean="0"/>
+              <a:t/>
+            </a:r>
+            <a:br>
+              <a:rPr kumimoji="1" lang="en-US" altLang="ja-JP" sz="2000" dirty="0" smtClean="0"/>
+            </a:br>
+            <a:r>
+              <a:rPr kumimoji="1" lang="ja-JP" altLang="en-US" sz="2000" dirty="0" smtClean="0"/>
+              <a:t>情報</a:t>
+            </a:r>
+            <a:r>
+              <a:rPr kumimoji="1" lang="ja-JP" altLang="en-US" sz="2000" dirty="0" smtClean="0"/>
+              <a:t>処理サービスの展開</a:t>
+            </a:r>
+            <a:endParaRPr kumimoji="1" lang="ja-JP" altLang="en-US" sz="2000" dirty="0"/>
           </a:p>
         </p:txBody>
       </p:sp>
@@ -10478,8 +13799,8 @@
         </p:nvSpPr>
         <p:spPr>
           <a:xfrm>
-            <a:off x="933276" y="5944522"/>
-            <a:ext cx="3443970" cy="369332"/>
+            <a:off x="258997" y="5944522"/>
+            <a:ext cx="4559977" cy="400110"/>
           </a:xfrm>
           <a:prstGeom prst="rect">
             <a:avLst/>
@@ -10493,10 +13814,10 @@
           <a:lstStyle/>
           <a:p>
             <a:r>
-              <a:rPr kumimoji="1" lang="ja-JP" altLang="en-US" dirty="0" smtClean="0"/>
+              <a:rPr kumimoji="1" lang="ja-JP" altLang="en-US" sz="2000" dirty="0" smtClean="0"/>
               <a:t>一方でプライバシ保護が課題に</a:t>
             </a:r>
-            <a:endParaRPr kumimoji="1" lang="ja-JP" altLang="en-US" dirty="0"/>
+            <a:endParaRPr kumimoji="1" lang="ja-JP" altLang="en-US" sz="2000" dirty="0"/>
           </a:p>
         </p:txBody>
       </p:sp>
@@ -10635,7 +13956,7 @@
         <p:spPr>
           <a:xfrm>
             <a:off x="1148862" y="1078527"/>
-            <a:ext cx="6646984" cy="369332"/>
+            <a:ext cx="6646984" cy="400110"/>
           </a:xfrm>
           <a:prstGeom prst="rect">
             <a:avLst/>
@@ -10649,10 +13970,10 @@
           <a:lstStyle/>
           <a:p>
             <a:r>
-              <a:rPr kumimoji="1" lang="ja-JP" altLang="en-US" dirty="0" smtClean="0"/>
+              <a:rPr kumimoji="1" lang="ja-JP" altLang="en-US" sz="2000" dirty="0" smtClean="0"/>
               <a:t>前研究で定量評価モデルを提案，シミュレーションした</a:t>
             </a:r>
-            <a:endParaRPr kumimoji="1" lang="ja-JP" altLang="en-US" dirty="0"/>
+            <a:endParaRPr kumimoji="1" lang="ja-JP" altLang="en-US" sz="2000" dirty="0"/>
           </a:p>
         </p:txBody>
       </p:sp>
@@ -10664,8 +13985,8 @@
         </p:nvSpPr>
         <p:spPr>
           <a:xfrm>
-            <a:off x="1260231" y="4451034"/>
-            <a:ext cx="6424246" cy="646331"/>
+            <a:off x="1603401" y="4558556"/>
+            <a:ext cx="6958336" cy="707886"/>
           </a:xfrm>
           <a:prstGeom prst="rect">
             <a:avLst/>
@@ -10679,29 +14000,29 @@
           <a:lstStyle/>
           <a:p>
             <a:r>
-              <a:rPr lang="ja-JP" altLang="en-US" dirty="0" smtClean="0"/>
+              <a:rPr lang="ja-JP" altLang="en-US" sz="2000" dirty="0" smtClean="0"/>
               <a:t>ここで使ったシミュレーションの値は乱数で設定したため，</a:t>
             </a:r>
             <a:r>
-              <a:rPr lang="en-US" altLang="ja-JP" dirty="0" smtClean="0"/>
+              <a:rPr lang="en-US" altLang="ja-JP" sz="2000" dirty="0" smtClean="0"/>
               <a:t/>
             </a:r>
             <a:br>
-              <a:rPr lang="en-US" altLang="ja-JP" dirty="0" smtClean="0"/>
+              <a:rPr lang="en-US" altLang="ja-JP" sz="2000" dirty="0" smtClean="0"/>
             </a:br>
             <a:r>
-              <a:rPr lang="ja-JP" altLang="en-US" dirty="0" smtClean="0"/>
+              <a:rPr lang="ja-JP" altLang="en-US" sz="2000" dirty="0" smtClean="0"/>
               <a:t>現実の</a:t>
             </a:r>
             <a:r>
-              <a:rPr lang="en-US" altLang="ja-JP" dirty="0" smtClean="0"/>
+              <a:rPr lang="en-US" altLang="ja-JP" sz="2000" dirty="0" smtClean="0"/>
               <a:t>NPD</a:t>
             </a:r>
             <a:r>
-              <a:rPr lang="ja-JP" altLang="en-US" dirty="0" smtClean="0"/>
+              <a:rPr lang="ja-JP" altLang="en-US" sz="2000" dirty="0" smtClean="0"/>
               <a:t>比の評価には至らず</a:t>
             </a:r>
-            <a:endParaRPr kumimoji="1" lang="ja-JP" altLang="en-US" dirty="0"/>
+            <a:endParaRPr kumimoji="1" lang="ja-JP" altLang="en-US" sz="2000" dirty="0"/>
           </a:p>
         </p:txBody>
       </p:sp>
@@ -10713,8 +14034,8 @@
         </p:nvSpPr>
         <p:spPr>
           <a:xfrm>
-            <a:off x="1260231" y="5712055"/>
-            <a:ext cx="6213231" cy="369332"/>
+            <a:off x="640917" y="5727244"/>
+            <a:ext cx="6863862" cy="461665"/>
           </a:xfrm>
           <a:prstGeom prst="rect">
             <a:avLst/>
@@ -10728,18 +14049,18 @@
           <a:lstStyle/>
           <a:p>
             <a:r>
-              <a:rPr kumimoji="1" lang="ja-JP" altLang="en-US" dirty="0" smtClean="0"/>
+              <a:rPr kumimoji="1" lang="ja-JP" altLang="en-US" sz="2400" dirty="0" smtClean="0"/>
               <a:t>オープンデータを用いて</a:t>
             </a:r>
             <a:r>
-              <a:rPr kumimoji="1" lang="en-US" altLang="ja-JP" dirty="0" smtClean="0"/>
+              <a:rPr kumimoji="1" lang="en-US" altLang="ja-JP" sz="2400" dirty="0" smtClean="0"/>
               <a:t>NPD</a:t>
             </a:r>
             <a:r>
-              <a:rPr kumimoji="1" lang="ja-JP" altLang="en-US" dirty="0" smtClean="0"/>
+              <a:rPr kumimoji="1" lang="ja-JP" altLang="en-US" sz="2400" dirty="0" smtClean="0"/>
               <a:t>流出比について分析</a:t>
             </a:r>
-            <a:endParaRPr kumimoji="1" lang="ja-JP" altLang="en-US" dirty="0"/>
+            <a:endParaRPr kumimoji="1" lang="ja-JP" altLang="en-US" sz="2400" dirty="0"/>
           </a:p>
         </p:txBody>
       </p:sp>
@@ -10845,7 +14166,7 @@
         <p:spPr>
           <a:xfrm>
             <a:off x="662939" y="1028700"/>
-            <a:ext cx="7738111" cy="923330"/>
+            <a:ext cx="7738111" cy="1015663"/>
           </a:xfrm>
           <a:prstGeom prst="rect">
             <a:avLst/>
@@ -10859,73 +14180,73 @@
           <a:lstStyle/>
           <a:p>
             <a:r>
-              <a:rPr kumimoji="1" lang="ja-JP" altLang="en-US" dirty="0" smtClean="0"/>
+              <a:rPr kumimoji="1" lang="ja-JP" altLang="en-US" sz="2000" dirty="0" smtClean="0"/>
               <a:t>オープンデータは</a:t>
             </a:r>
             <a:r>
-              <a:rPr lang="ja-JP" altLang="ja-JP" dirty="0"/>
+              <a:rPr lang="ja-JP" altLang="ja-JP" sz="2000" dirty="0"/>
               <a:t>「センサ</a:t>
             </a:r>
             <a:r>
-              <a:rPr lang="en-US" altLang="ja-JP" dirty="0"/>
+              <a:rPr lang="en-US" altLang="ja-JP" sz="2000" dirty="0"/>
               <a:t>ID, </a:t>
             </a:r>
             <a:r>
-              <a:rPr lang="ja-JP" altLang="ja-JP" dirty="0"/>
+              <a:rPr lang="ja-JP" altLang="ja-JP" sz="2000" dirty="0"/>
               <a:t>日付</a:t>
             </a:r>
             <a:r>
-              <a:rPr lang="en-US" altLang="ja-JP" dirty="0"/>
+              <a:rPr lang="en-US" altLang="ja-JP" sz="2000" dirty="0"/>
               <a:t>, </a:t>
             </a:r>
             <a:r>
-              <a:rPr lang="ja-JP" altLang="ja-JP" dirty="0"/>
+              <a:rPr lang="ja-JP" altLang="ja-JP" sz="2000" dirty="0"/>
               <a:t>時刻</a:t>
             </a:r>
             <a:r>
-              <a:rPr lang="en-US" altLang="ja-JP" dirty="0"/>
+              <a:rPr lang="en-US" altLang="ja-JP" sz="2000" dirty="0"/>
               <a:t>, In, Out, In</a:t>
             </a:r>
             <a:r>
-              <a:rPr lang="ja-JP" altLang="ja-JP" dirty="0"/>
+              <a:rPr lang="ja-JP" altLang="ja-JP" sz="2000" dirty="0"/>
               <a:t>累計</a:t>
             </a:r>
             <a:r>
-              <a:rPr lang="en-US" altLang="ja-JP" dirty="0"/>
+              <a:rPr lang="en-US" altLang="ja-JP" sz="2000" dirty="0"/>
               <a:t>, Out</a:t>
             </a:r>
             <a:r>
-              <a:rPr lang="ja-JP" altLang="ja-JP" dirty="0"/>
+              <a:rPr lang="ja-JP" altLang="ja-JP" sz="2000" dirty="0"/>
               <a:t>累計</a:t>
             </a:r>
             <a:r>
-              <a:rPr lang="ja-JP" altLang="ja-JP" dirty="0" smtClean="0"/>
+              <a:rPr lang="ja-JP" altLang="ja-JP" sz="2000" dirty="0" smtClean="0"/>
               <a:t>」</a:t>
             </a:r>
             <a:r>
-              <a:rPr lang="ja-JP" altLang="en-US" dirty="0" smtClean="0"/>
+              <a:rPr lang="ja-JP" altLang="en-US" sz="2000" dirty="0" smtClean="0"/>
               <a:t>と表記されている．</a:t>
             </a:r>
             <a:r>
-              <a:rPr lang="en-US" altLang="ja-JP" dirty="0" smtClean="0"/>
+              <a:rPr lang="en-US" altLang="ja-JP" sz="2000" dirty="0" smtClean="0"/>
               <a:t/>
             </a:r>
             <a:br>
-              <a:rPr lang="en-US" altLang="ja-JP" dirty="0" smtClean="0"/>
+              <a:rPr lang="en-US" altLang="ja-JP" sz="2000" dirty="0" smtClean="0"/>
             </a:br>
             <a:r>
-              <a:rPr lang="ja-JP" altLang="en-US" dirty="0" smtClean="0"/>
+              <a:rPr lang="ja-JP" altLang="en-US" sz="2000" dirty="0" smtClean="0"/>
               <a:t>この値から</a:t>
             </a:r>
             <a:r>
-              <a:rPr lang="en-US" altLang="ja-JP" dirty="0" smtClean="0"/>
+              <a:rPr lang="en-US" altLang="ja-JP" sz="2000" dirty="0" smtClean="0"/>
               <a:t>NPD</a:t>
             </a:r>
             <a:r>
-              <a:rPr lang="ja-JP" altLang="en-US" dirty="0" smtClean="0"/>
+              <a:rPr lang="ja-JP" altLang="en-US" sz="2000" dirty="0" smtClean="0"/>
               <a:t>流出比を導出するために次の操作を行った</a:t>
             </a:r>
-            <a:endParaRPr kumimoji="1" lang="ja-JP" altLang="en-US" dirty="0"/>
+            <a:endParaRPr kumimoji="1" lang="ja-JP" altLang="en-US" sz="2000" dirty="0"/>
           </a:p>
         </p:txBody>
       </p:sp>
@@ -11064,7 +14385,7 @@
         <p:spPr>
           <a:xfrm>
             <a:off x="514350" y="960120"/>
-            <a:ext cx="4732020" cy="369332"/>
+            <a:ext cx="5144770" cy="461665"/>
           </a:xfrm>
           <a:prstGeom prst="rect">
             <a:avLst/>
@@ -11078,10 +14399,30 @@
           <a:lstStyle/>
           <a:p>
             <a:r>
-              <a:rPr kumimoji="1" lang="ja-JP" altLang="en-US" dirty="0" smtClean="0"/>
-              <a:t>①フィールドのモデル化</a:t>
-            </a:r>
-            <a:endParaRPr kumimoji="1" lang="ja-JP" altLang="en-US" dirty="0"/>
+              <a:rPr kumimoji="1" lang="ja-JP" altLang="en-US" sz="2400" dirty="0" smtClean="0"/>
+              <a:t>①</a:t>
+            </a:r>
+            <a:r>
+              <a:rPr lang="ja-JP" altLang="en-US" sz="2400" dirty="0"/>
+              <a:t>マップ</a:t>
+            </a:r>
+            <a:r>
+              <a:rPr kumimoji="1" lang="ja-JP" altLang="en-US" sz="2400" dirty="0" smtClean="0"/>
+              <a:t>のモデル化</a:t>
+            </a:r>
+            <a:r>
+              <a:rPr kumimoji="1" lang="en-US" altLang="ja-JP" sz="2400" dirty="0" smtClean="0"/>
+              <a:t>(</a:t>
+            </a:r>
+            <a:r>
+              <a:rPr kumimoji="1" lang="ja-JP" altLang="en-US" sz="2400" dirty="0" smtClean="0"/>
+              <a:t>前研究の領域</a:t>
+            </a:r>
+            <a:r>
+              <a:rPr kumimoji="1" lang="en-US" altLang="ja-JP" sz="2400" dirty="0" smtClean="0"/>
+              <a:t>)</a:t>
+            </a:r>
+            <a:endParaRPr kumimoji="1" lang="ja-JP" altLang="en-US" sz="2400" dirty="0"/>
           </a:p>
         </p:txBody>
       </p:sp>
@@ -11094,7 +14435,7 @@
         <p:spPr>
           <a:xfrm>
             <a:off x="5154930" y="1546622"/>
-            <a:ext cx="3474720" cy="923330"/>
+            <a:ext cx="3474720" cy="1323439"/>
           </a:xfrm>
           <a:prstGeom prst="rect">
             <a:avLst/>
@@ -11108,18 +14449,18 @@
           <a:lstStyle/>
           <a:p>
             <a:r>
-              <a:rPr lang="ja-JP" altLang="en-US" dirty="0" smtClean="0"/>
+              <a:rPr lang="ja-JP" altLang="en-US" sz="2000" dirty="0" smtClean="0"/>
               <a:t>前</a:t>
             </a:r>
             <a:r>
-              <a:rPr lang="ja-JP" altLang="en-US" dirty="0"/>
+              <a:rPr lang="ja-JP" altLang="en-US" sz="2000" dirty="0"/>
               <a:t>研究</a:t>
             </a:r>
             <a:r>
-              <a:rPr lang="ja-JP" altLang="en-US" dirty="0" smtClean="0"/>
+              <a:rPr lang="ja-JP" altLang="en-US" sz="2000" dirty="0" smtClean="0"/>
               <a:t>で提案したモデルにあてはめるため，公開されている駅構内図をマス目で表現した</a:t>
             </a:r>
-            <a:endParaRPr kumimoji="1" lang="ja-JP" altLang="en-US" dirty="0"/>
+            <a:endParaRPr kumimoji="1" lang="ja-JP" altLang="en-US" sz="2000" dirty="0"/>
           </a:p>
         </p:txBody>
       </p:sp>
@@ -11254,8 +14595,8 @@
         </p:nvSpPr>
         <p:spPr>
           <a:xfrm>
-            <a:off x="258998" y="1062990"/>
-            <a:ext cx="5238832" cy="369332"/>
+            <a:off x="258997" y="1062990"/>
+            <a:ext cx="6939661" cy="461665"/>
           </a:xfrm>
           <a:prstGeom prst="rect">
             <a:avLst/>
@@ -11269,10 +14610,10 @@
           <a:lstStyle/>
           <a:p>
             <a:r>
-              <a:rPr kumimoji="1" lang="ja-JP" altLang="en-US" dirty="0" smtClean="0"/>
+              <a:rPr kumimoji="1" lang="ja-JP" altLang="en-US" sz="2400" dirty="0" smtClean="0"/>
               <a:t>②人流センサデータをプライバシデータへ変換</a:t>
             </a:r>
-            <a:endParaRPr kumimoji="1" lang="ja-JP" altLang="en-US" dirty="0"/>
+            <a:endParaRPr kumimoji="1" lang="ja-JP" altLang="en-US" sz="2400" dirty="0"/>
           </a:p>
         </p:txBody>
       </p:sp>
@@ -11285,7 +14626,7 @@
         <p:spPr>
           <a:xfrm>
             <a:off x="1474470" y="1627361"/>
-            <a:ext cx="5440680" cy="646331"/>
+            <a:ext cx="5993130" cy="707886"/>
           </a:xfrm>
           <a:prstGeom prst="rect">
             <a:avLst/>
@@ -11299,19 +14640,103 @@
           <a:lstStyle/>
           <a:p>
             <a:r>
-              <a:rPr kumimoji="1" lang="ja-JP" altLang="en-US" dirty="0" smtClean="0"/>
+              <a:rPr kumimoji="1" lang="ja-JP" altLang="en-US" sz="2000" dirty="0" smtClean="0"/>
               <a:t>このようにカメラを設置し，</a:t>
             </a:r>
             <a:r>
+              <a:rPr kumimoji="1" lang="en-US" altLang="ja-JP" sz="2000" dirty="0" smtClean="0"/>
+              <a:t/>
+            </a:r>
+            <a:br>
+              <a:rPr kumimoji="1" lang="en-US" altLang="ja-JP" sz="2000" dirty="0" smtClean="0"/>
+            </a:br>
+            <a:r>
+              <a:rPr kumimoji="1" lang="ja-JP" altLang="en-US" sz="2000" dirty="0" smtClean="0"/>
+              <a:t>人流センサデータをプライバシデータへ変換した．</a:t>
+            </a:r>
+            <a:endParaRPr kumimoji="1" lang="ja-JP" altLang="en-US" sz="2000" dirty="0"/>
+          </a:p>
+        </p:txBody>
+      </p:sp>
+      <p:sp>
+        <p:nvSpPr>
+          <p:cNvPr id="3" name="左右矢印 2"/>
+          <p:cNvSpPr/>
+          <p:nvPr/>
+        </p:nvSpPr>
+        <p:spPr>
+          <a:xfrm>
+            <a:off x="1381126" y="4846320"/>
+            <a:ext cx="2755264" cy="508000"/>
+          </a:xfrm>
+          <a:prstGeom prst="leftRightArrow">
+            <a:avLst/>
+          </a:prstGeom>
+        </p:spPr>
+        <p:style>
+          <a:lnRef idx="2">
+            <a:schemeClr val="dk1"/>
+          </a:lnRef>
+          <a:fillRef idx="1">
+            <a:schemeClr val="lt1"/>
+          </a:fillRef>
+          <a:effectRef idx="0">
+            <a:schemeClr val="dk1"/>
+          </a:effectRef>
+          <a:fontRef idx="minor">
+            <a:schemeClr val="dk1"/>
+          </a:fontRef>
+        </p:style>
+        <p:txBody>
+          <a:bodyPr rtlCol="0" anchor="ctr"/>
+          <a:lstStyle/>
+          <a:p>
+            <a:pPr algn="ctr"/>
+            <a:r>
               <a:rPr kumimoji="1" lang="en-US" altLang="ja-JP" dirty="0" smtClean="0"/>
-              <a:t/>
-            </a:r>
-            <a:br>
+              <a:t>15m</a:t>
+            </a:r>
+            <a:endParaRPr kumimoji="1" lang="ja-JP" altLang="en-US" dirty="0"/>
+          </a:p>
+        </p:txBody>
+      </p:sp>
+      <p:sp>
+        <p:nvSpPr>
+          <p:cNvPr id="9" name="左右矢印 8"/>
+          <p:cNvSpPr/>
+          <p:nvPr/>
+        </p:nvSpPr>
+        <p:spPr>
+          <a:xfrm>
+            <a:off x="4612640" y="4846320"/>
+            <a:ext cx="2755264" cy="508000"/>
+          </a:xfrm>
+          <a:prstGeom prst="leftRightArrow">
+            <a:avLst/>
+          </a:prstGeom>
+        </p:spPr>
+        <p:style>
+          <a:lnRef idx="2">
+            <a:schemeClr val="dk1"/>
+          </a:lnRef>
+          <a:fillRef idx="1">
+            <a:schemeClr val="lt1"/>
+          </a:fillRef>
+          <a:effectRef idx="0">
+            <a:schemeClr val="dk1"/>
+          </a:effectRef>
+          <a:fontRef idx="minor">
+            <a:schemeClr val="dk1"/>
+          </a:fontRef>
+        </p:style>
+        <p:txBody>
+          <a:bodyPr rtlCol="0" anchor="ctr"/>
+          <a:lstStyle/>
+          <a:p>
+            <a:pPr algn="ctr"/>
+            <a:r>
               <a:rPr kumimoji="1" lang="en-US" altLang="ja-JP" dirty="0" smtClean="0"/>
-            </a:br>
-            <a:r>
-              <a:rPr kumimoji="1" lang="ja-JP" altLang="en-US" dirty="0" smtClean="0"/>
-              <a:t>人流センサデータをプライバシデータへ変換した．</a:t>
+              <a:t>15m</a:t>
             </a:r>
             <a:endParaRPr kumimoji="1" lang="ja-JP" altLang="en-US" dirty="0"/>
           </a:p>
@@ -11377,36 +14802,6 @@
           </a:p>
         </p:txBody>
       </p:sp>
-      <p:sp>
-        <p:nvSpPr>
-          <p:cNvPr id="4" name="テキスト ボックス 3"/>
-          <p:cNvSpPr txBox="1"/>
-          <p:nvPr/>
-        </p:nvSpPr>
-        <p:spPr>
-          <a:xfrm>
-            <a:off x="457200" y="1165860"/>
-            <a:ext cx="4240530" cy="369332"/>
-          </a:xfrm>
-          <a:prstGeom prst="rect">
-            <a:avLst/>
-          </a:prstGeom>
-          <a:noFill/>
-        </p:spPr>
-        <p:txBody>
-          <a:bodyPr wrap="square" rtlCol="0">
-            <a:spAutoFit/>
-          </a:bodyPr>
-          <a:lstStyle/>
-          <a:p>
-            <a:r>
-              <a:rPr kumimoji="1" lang="ja-JP" altLang="en-US" dirty="0" smtClean="0"/>
-              <a:t>サービスモデル</a:t>
-            </a:r>
-            <a:endParaRPr kumimoji="1" lang="ja-JP" altLang="en-US" dirty="0"/>
-          </a:p>
-        </p:txBody>
-      </p:sp>
       <p:cxnSp>
         <p:nvCxnSpPr>
           <p:cNvPr id="5" name="直線コネクタ 4"/>
@@ -11415,7 +14810,7 @@
         </p:nvCxnSpPr>
         <p:spPr>
           <a:xfrm>
-            <a:off x="1028834" y="2478024"/>
+            <a:off x="1123240" y="3148584"/>
             <a:ext cx="7280573" cy="0"/>
           </a:xfrm>
           <a:prstGeom prst="line">
@@ -11445,7 +14840,7 @@
         </p:nvSpPr>
         <p:spPr>
           <a:xfrm>
-            <a:off x="764035" y="2127511"/>
+            <a:off x="858441" y="2798071"/>
             <a:ext cx="2596896" cy="369332"/>
           </a:xfrm>
           <a:prstGeom prst="rect">
@@ -11475,7 +14870,7 @@
         </p:nvGrpSpPr>
         <p:grpSpPr>
           <a:xfrm>
-            <a:off x="3529584" y="1249072"/>
+            <a:off x="3623990" y="1919632"/>
             <a:ext cx="2030844" cy="1219267"/>
             <a:chOff x="5712354" y="2150072"/>
             <a:chExt cx="4050771" cy="2431980"/>
@@ -11570,7 +14965,7 @@
         </p:nvSpPr>
         <p:spPr>
           <a:xfrm>
-            <a:off x="4335035" y="1638515"/>
+            <a:off x="4429441" y="2309075"/>
             <a:ext cx="1068997" cy="615677"/>
           </a:xfrm>
           <a:prstGeom prst="ellipse">
@@ -11636,7 +15031,7 @@
         </p:nvSpPr>
         <p:spPr>
           <a:xfrm>
-            <a:off x="164592" y="4462901"/>
+            <a:off x="258998" y="5133461"/>
             <a:ext cx="2596896" cy="369332"/>
           </a:xfrm>
           <a:prstGeom prst="rect">
@@ -11685,7 +15080,7 @@
         </p:blipFill>
         <p:spPr bwMode="auto">
           <a:xfrm>
-            <a:off x="2452516" y="4283562"/>
+            <a:off x="2546922" y="4954122"/>
             <a:ext cx="501183" cy="501183"/>
           </a:xfrm>
           <a:prstGeom prst="rect">
@@ -11726,7 +15121,7 @@
         </p:blipFill>
         <p:spPr bwMode="auto">
           <a:xfrm>
-            <a:off x="3681928" y="4307116"/>
+            <a:off x="3776334" y="4977676"/>
             <a:ext cx="501183" cy="501183"/>
           </a:xfrm>
           <a:prstGeom prst="rect">
@@ -11767,7 +15162,7 @@
         </p:blipFill>
         <p:spPr bwMode="auto">
           <a:xfrm>
-            <a:off x="4902849" y="4344321"/>
+            <a:off x="4997255" y="5014881"/>
             <a:ext cx="501183" cy="501183"/>
           </a:xfrm>
           <a:prstGeom prst="rect">
@@ -11808,7 +15203,7 @@
         </p:blipFill>
         <p:spPr bwMode="auto">
           <a:xfrm>
-            <a:off x="5811018" y="4348525"/>
+            <a:off x="5905424" y="5019085"/>
             <a:ext cx="501183" cy="501183"/>
           </a:xfrm>
           <a:prstGeom prst="rect">
@@ -11834,7 +15229,7 @@
         </p:nvCxnSpPr>
         <p:spPr>
           <a:xfrm flipV="1">
-            <a:off x="2703107" y="2653736"/>
+            <a:off x="2797513" y="3324296"/>
             <a:ext cx="890485" cy="1526306"/>
           </a:xfrm>
           <a:prstGeom prst="straightConnector1">
@@ -11867,7 +15262,7 @@
         </p:nvCxnSpPr>
         <p:spPr>
           <a:xfrm flipV="1">
-            <a:off x="3854114" y="2658472"/>
+            <a:off x="3948520" y="3329032"/>
             <a:ext cx="328997" cy="1528455"/>
           </a:xfrm>
           <a:prstGeom prst="straightConnector1">
@@ -11900,7 +15295,7 @@
         </p:nvCxnSpPr>
         <p:spPr>
           <a:xfrm flipH="1" flipV="1">
-            <a:off x="4669120" y="2621496"/>
+            <a:off x="4763526" y="3292056"/>
             <a:ext cx="468952" cy="1603139"/>
           </a:xfrm>
           <a:prstGeom prst="straightConnector1">
@@ -11933,7 +15328,7 @@
         </p:nvCxnSpPr>
         <p:spPr>
           <a:xfrm flipH="1" flipV="1">
-            <a:off x="5153440" y="2648786"/>
+            <a:off x="5247846" y="3319346"/>
             <a:ext cx="908169" cy="1538045"/>
           </a:xfrm>
           <a:prstGeom prst="straightConnector1">
@@ -11966,7 +15361,7 @@
         </p:nvCxnSpPr>
         <p:spPr>
           <a:xfrm>
-            <a:off x="1028834" y="4965192"/>
+            <a:off x="1123240" y="5635752"/>
             <a:ext cx="7280573" cy="0"/>
           </a:xfrm>
           <a:prstGeom prst="line">
@@ -11988,6 +15383,84 @@
           </a:fontRef>
         </p:style>
       </p:cxnSp>
+      <p:sp>
+        <p:nvSpPr>
+          <p:cNvPr id="20" name="テキスト ボックス 19"/>
+          <p:cNvSpPr txBox="1"/>
+          <p:nvPr/>
+        </p:nvSpPr>
+        <p:spPr>
+          <a:xfrm>
+            <a:off x="94505" y="833840"/>
+            <a:ext cx="2666983" cy="461665"/>
+          </a:xfrm>
+          <a:prstGeom prst="rect">
+            <a:avLst/>
+          </a:prstGeom>
+          <a:noFill/>
+        </p:spPr>
+        <p:txBody>
+          <a:bodyPr wrap="square" rtlCol="0">
+            <a:spAutoFit/>
+          </a:bodyPr>
+          <a:lstStyle/>
+          <a:p>
+            <a:r>
+              <a:rPr kumimoji="1" lang="ja-JP" altLang="en-US" sz="2400" dirty="0" smtClean="0"/>
+              <a:t>サービスモデル</a:t>
+            </a:r>
+            <a:endParaRPr kumimoji="1" lang="ja-JP" altLang="en-US" sz="2400" dirty="0"/>
+          </a:p>
+        </p:txBody>
+      </p:sp>
+      <p:sp>
+        <p:nvSpPr>
+          <p:cNvPr id="3" name="円/楕円 2"/>
+          <p:cNvSpPr/>
+          <p:nvPr/>
+        </p:nvSpPr>
+        <p:spPr>
+          <a:xfrm>
+            <a:off x="5994400" y="1341404"/>
+            <a:ext cx="2570480" cy="1208756"/>
+          </a:xfrm>
+          <a:prstGeom prst="ellipse">
+            <a:avLst/>
+          </a:prstGeom>
+        </p:spPr>
+        <p:style>
+          <a:lnRef idx="2">
+            <a:schemeClr val="accent1">
+              <a:shade val="50000"/>
+            </a:schemeClr>
+          </a:lnRef>
+          <a:fillRef idx="1">
+            <a:schemeClr val="accent1"/>
+          </a:fillRef>
+          <a:effectRef idx="0">
+            <a:schemeClr val="accent1"/>
+          </a:effectRef>
+          <a:fontRef idx="minor">
+            <a:schemeClr val="lt1"/>
+          </a:fontRef>
+        </p:style>
+        <p:txBody>
+          <a:bodyPr rtlCol="0" anchor="ctr"/>
+          <a:lstStyle/>
+          <a:p>
+            <a:pPr algn="ctr"/>
+            <a:r>
+              <a:rPr lang="ja-JP" altLang="en-US" dirty="0" smtClean="0"/>
+              <a:t>クラウド</a:t>
+            </a:r>
+            <a:r>
+              <a:rPr lang="ja-JP" altLang="en-US" dirty="0"/>
+              <a:t>モデル</a:t>
+            </a:r>
+            <a:endParaRPr kumimoji="1" lang="ja-JP" altLang="en-US" dirty="0"/>
+          </a:p>
+        </p:txBody>
+      </p:sp>
     </p:spTree>
     <p:extLst>
       <p:ext uri="{BB962C8B-B14F-4D97-AF65-F5344CB8AC3E}">
@@ -12057,7 +15530,7 @@
         <p:spPr>
           <a:xfrm>
             <a:off x="94505" y="833840"/>
-            <a:ext cx="4240530" cy="369332"/>
+            <a:ext cx="2666983" cy="461665"/>
           </a:xfrm>
           <a:prstGeom prst="rect">
             <a:avLst/>
@@ -12071,10 +15544,10 @@
           <a:lstStyle/>
           <a:p>
             <a:r>
-              <a:rPr kumimoji="1" lang="ja-JP" altLang="en-US" dirty="0" smtClean="0"/>
+              <a:rPr kumimoji="1" lang="ja-JP" altLang="en-US" sz="2400" dirty="0" smtClean="0"/>
               <a:t>サービスモデル</a:t>
             </a:r>
-            <a:endParaRPr kumimoji="1" lang="ja-JP" altLang="en-US" dirty="0"/>
+            <a:endParaRPr kumimoji="1" lang="ja-JP" altLang="en-US" sz="2400" dirty="0"/>
           </a:p>
         </p:txBody>
       </p:sp>
@@ -12087,7 +15560,7 @@
         <p:spPr>
           <a:xfrm>
             <a:off x="164592" y="1664837"/>
-            <a:ext cx="2596896" cy="369332"/>
+            <a:ext cx="2596896" cy="400110"/>
           </a:xfrm>
           <a:prstGeom prst="rect">
             <a:avLst/>
@@ -12101,14 +15574,14 @@
           <a:lstStyle/>
           <a:p>
             <a:r>
-              <a:rPr lang="ja-JP" altLang="en-US" dirty="0" smtClean="0"/>
+              <a:rPr lang="ja-JP" altLang="en-US" sz="2000" dirty="0" smtClean="0"/>
               <a:t>サービス有効</a:t>
             </a:r>
             <a:r>
-              <a:rPr lang="ja-JP" altLang="en-US" dirty="0"/>
+              <a:rPr lang="ja-JP" altLang="en-US" sz="2000" dirty="0"/>
               <a:t>範囲</a:t>
             </a:r>
-            <a:endParaRPr kumimoji="1" lang="ja-JP" altLang="en-US" dirty="0"/>
+            <a:endParaRPr kumimoji="1" lang="ja-JP" altLang="en-US" sz="2000" dirty="0"/>
           </a:p>
         </p:txBody>
       </p:sp>
@@ -12255,15 +15728,15 @@
         </p:spPr>
         <p:style>
           <a:lnRef idx="2">
-            <a:schemeClr val="accent1">
+            <a:schemeClr val="accent2">
               <a:shade val="50000"/>
             </a:schemeClr>
           </a:lnRef>
           <a:fillRef idx="1">
-            <a:schemeClr val="accent1"/>
+            <a:schemeClr val="accent2"/>
           </a:fillRef>
           <a:effectRef idx="0">
-            <a:schemeClr val="accent1"/>
+            <a:schemeClr val="accent2"/>
           </a:effectRef>
           <a:fontRef idx="minor">
             <a:schemeClr val="lt1"/>
@@ -12513,6 +15986,164 @@
           </a:extLst>
         </p:spPr>
       </p:pic>
+      <p:sp>
+        <p:nvSpPr>
+          <p:cNvPr id="3" name="正方形/長方形 2"/>
+          <p:cNvSpPr/>
+          <p:nvPr/>
+        </p:nvSpPr>
+        <p:spPr>
+          <a:xfrm>
+            <a:off x="8095129" y="3541059"/>
+            <a:ext cx="923365" cy="3146612"/>
+          </a:xfrm>
+          <a:prstGeom prst="rect">
+            <a:avLst/>
+          </a:prstGeom>
+        </p:spPr>
+        <p:style>
+          <a:lnRef idx="2">
+            <a:schemeClr val="accent1">
+              <a:shade val="50000"/>
+            </a:schemeClr>
+          </a:lnRef>
+          <a:fillRef idx="1">
+            <a:schemeClr val="accent1"/>
+          </a:fillRef>
+          <a:effectRef idx="0">
+            <a:schemeClr val="accent1"/>
+          </a:effectRef>
+          <a:fontRef idx="minor">
+            <a:schemeClr val="lt1"/>
+          </a:fontRef>
+        </p:style>
+        <p:txBody>
+          <a:bodyPr vert="wordArtVertRtl" rtlCol="0" anchor="ctr"/>
+          <a:lstStyle/>
+          <a:p>
+            <a:pPr algn="ctr"/>
+            <a:r>
+              <a:rPr kumimoji="1" lang="ja-JP" altLang="en-US" dirty="0" smtClean="0"/>
+              <a:t>駅郊外</a:t>
+            </a:r>
+            <a:endParaRPr kumimoji="1" lang="ja-JP" altLang="en-US" dirty="0"/>
+          </a:p>
+        </p:txBody>
+      </p:sp>
+      <p:sp>
+        <p:nvSpPr>
+          <p:cNvPr id="5" name="テキスト ボックス 4"/>
+          <p:cNvSpPr txBox="1"/>
+          <p:nvPr/>
+        </p:nvSpPr>
+        <p:spPr>
+          <a:xfrm>
+            <a:off x="841473" y="5452222"/>
+            <a:ext cx="2557979" cy="400110"/>
+          </a:xfrm>
+          <a:prstGeom prst="rect">
+            <a:avLst/>
+          </a:prstGeom>
+          <a:noFill/>
+        </p:spPr>
+        <p:txBody>
+          <a:bodyPr wrap="square" rtlCol="0">
+            <a:spAutoFit/>
+          </a:bodyPr>
+          <a:lstStyle/>
+          <a:p>
+            <a:r>
+              <a:rPr kumimoji="1" lang="ja-JP" altLang="en-US" sz="2000" dirty="0" smtClean="0"/>
+              <a:t>午前</a:t>
+            </a:r>
+            <a:r>
+              <a:rPr kumimoji="1" lang="en-US" altLang="ja-JP" sz="2000" dirty="0" smtClean="0"/>
+              <a:t>7</a:t>
+            </a:r>
+            <a:r>
+              <a:rPr kumimoji="1" lang="ja-JP" altLang="en-US" sz="2000" dirty="0" smtClean="0"/>
+              <a:t>時から午前</a:t>
+            </a:r>
+            <a:r>
+              <a:rPr kumimoji="1" lang="en-US" altLang="ja-JP" sz="2000" dirty="0" smtClean="0"/>
+              <a:t>8</a:t>
+            </a:r>
+            <a:r>
+              <a:rPr lang="ja-JP" altLang="en-US" sz="2000" dirty="0"/>
+              <a:t>時</a:t>
+            </a:r>
+            <a:endParaRPr kumimoji="1" lang="en-US" altLang="ja-JP" sz="2000" dirty="0" smtClean="0"/>
+          </a:p>
+        </p:txBody>
+      </p:sp>
+      <p:sp>
+        <p:nvSpPr>
+          <p:cNvPr id="17" name="テキスト ボックス 16"/>
+          <p:cNvSpPr txBox="1"/>
+          <p:nvPr/>
+        </p:nvSpPr>
+        <p:spPr>
+          <a:xfrm>
+            <a:off x="841472" y="5821776"/>
+            <a:ext cx="2557979" cy="400110"/>
+          </a:xfrm>
+          <a:prstGeom prst="rect">
+            <a:avLst/>
+          </a:prstGeom>
+          <a:noFill/>
+        </p:spPr>
+        <p:txBody>
+          <a:bodyPr wrap="square" rtlCol="0">
+            <a:spAutoFit/>
+          </a:bodyPr>
+          <a:lstStyle/>
+          <a:p>
+            <a:r>
+              <a:rPr kumimoji="1" lang="ja-JP" altLang="en-US" sz="2000" dirty="0" smtClean="0"/>
+              <a:t>平日のみ</a:t>
+            </a:r>
+            <a:endParaRPr kumimoji="1" lang="en-US" altLang="ja-JP" sz="2000" dirty="0" smtClean="0"/>
+          </a:p>
+        </p:txBody>
+      </p:sp>
+      <p:sp>
+        <p:nvSpPr>
+          <p:cNvPr id="18" name="テキスト ボックス 17"/>
+          <p:cNvSpPr txBox="1"/>
+          <p:nvPr/>
+        </p:nvSpPr>
+        <p:spPr>
+          <a:xfrm>
+            <a:off x="6719187" y="1346202"/>
+            <a:ext cx="1179561" cy="400110"/>
+          </a:xfrm>
+          <a:prstGeom prst="rect">
+            <a:avLst/>
+          </a:prstGeom>
+          <a:noFill/>
+        </p:spPr>
+        <p:txBody>
+          <a:bodyPr wrap="square" rtlCol="0">
+            <a:spAutoFit/>
+          </a:bodyPr>
+          <a:lstStyle/>
+          <a:p>
+            <a:r>
+              <a:rPr kumimoji="1" lang="en-US" altLang="ja-JP" sz="2000" dirty="0" smtClean="0"/>
+              <a:t>1</a:t>
+            </a:r>
+            <a:r>
+              <a:rPr kumimoji="1" lang="ja-JP" altLang="en-US" sz="2000" dirty="0" err="1" smtClean="0"/>
+              <a:t>ｓ</a:t>
+            </a:r>
+            <a:r>
+              <a:rPr kumimoji="1" lang="ja-JP" altLang="en-US" sz="2000" dirty="0" smtClean="0"/>
+              <a:t>更新</a:t>
+            </a:r>
+            <a:endParaRPr kumimoji="1" lang="en-US" altLang="ja-JP" sz="2000" dirty="0" smtClean="0"/>
+          </a:p>
+        </p:txBody>
+      </p:sp>
     </p:spTree>
     <p:extLst>
       <p:ext uri="{BB962C8B-B14F-4D97-AF65-F5344CB8AC3E}">

--- a/LplcOpenDataConverter/LplcOpenDataConverter/プレゼン/多地点カメラを用いた見守りサービスにおける第三者のプライバシデータ流出比の定量評価.pptx
+++ b/LplcOpenDataConverter/LplcOpenDataConverter/プレゼン/多地点カメラを用いた見守りサービスにおける第三者のプライバシデータ流出比の定量評価.pptx
@@ -5,17 +5,17 @@
     <p:sldMasterId id="2147483660" r:id="rId1"/>
   </p:sldMasterIdLst>
   <p:notesMasterIdLst>
-    <p:notesMasterId r:id="rId39"/>
+    <p:notesMasterId r:id="rId38"/>
   </p:notesMasterIdLst>
   <p:sldIdLst>
     <p:sldId id="307" r:id="rId2"/>
     <p:sldId id="350" r:id="rId3"/>
     <p:sldId id="359" r:id="rId4"/>
     <p:sldId id="372" r:id="rId5"/>
-    <p:sldId id="373" r:id="rId6"/>
-    <p:sldId id="309" r:id="rId7"/>
-    <p:sldId id="371" r:id="rId8"/>
-    <p:sldId id="374" r:id="rId9"/>
+    <p:sldId id="379" r:id="rId6"/>
+    <p:sldId id="380" r:id="rId7"/>
+    <p:sldId id="309" r:id="rId8"/>
+    <p:sldId id="381" r:id="rId9"/>
     <p:sldId id="354" r:id="rId10"/>
     <p:sldId id="352" r:id="rId11"/>
     <p:sldId id="343" r:id="rId12"/>
@@ -39,12 +39,11 @@
     <p:sldId id="370" r:id="rId30"/>
     <p:sldId id="335" r:id="rId31"/>
     <p:sldId id="316" r:id="rId32"/>
-    <p:sldId id="365" r:id="rId33"/>
-    <p:sldId id="368" r:id="rId34"/>
-    <p:sldId id="323" r:id="rId35"/>
+    <p:sldId id="323" r:id="rId33"/>
+    <p:sldId id="365" r:id="rId34"/>
+    <p:sldId id="368" r:id="rId35"/>
     <p:sldId id="344" r:id="rId36"/>
     <p:sldId id="313" r:id="rId37"/>
-    <p:sldId id="375" r:id="rId38"/>
   </p:sldIdLst>
   <p:sldSz cx="9144000" cy="6858000" type="screen4x3"/>
   <p:notesSz cx="6858000" cy="9144000"/>
@@ -245,7 +244,7 @@
           <a:p>
             <a:fld id="{26A99676-B366-4D09-82E7-515095B1A86C}" type="datetimeFigureOut">
               <a:rPr kumimoji="1" lang="ja-JP" altLang="en-US" smtClean="0"/>
-              <a:t>2019/1/15</a:t>
+              <a:t>2019/1/16</a:t>
             </a:fld>
             <a:endParaRPr kumimoji="1" lang="ja-JP" altLang="en-US"/>
           </a:p>
@@ -620,6 +619,90 @@
     <p:extLst>
       <p:ext uri="{BB962C8B-B14F-4D97-AF65-F5344CB8AC3E}">
         <p14:creationId xmlns:p14="http://schemas.microsoft.com/office/powerpoint/2010/main" val="1279951371"/>
+      </p:ext>
+    </p:extLst>
+  </p:cSld>
+  <p:clrMapOvr>
+    <a:masterClrMapping/>
+  </p:clrMapOvr>
+</p:notes>
+</file>
+
+<file path=ppt/notesSlides/notesSlide2.xml><?xml version="1.0" encoding="utf-8"?>
+<p:notes xmlns:a="http://schemas.openxmlformats.org/drawingml/2006/main" xmlns:r="http://schemas.openxmlformats.org/officeDocument/2006/relationships" xmlns:p="http://schemas.openxmlformats.org/presentationml/2006/main">
+  <p:cSld>
+    <p:spTree>
+      <p:nvGrpSpPr>
+        <p:cNvPr id="1" name=""/>
+        <p:cNvGrpSpPr/>
+        <p:nvPr/>
+      </p:nvGrpSpPr>
+      <p:grpSpPr>
+        <a:xfrm>
+          <a:off x="0" y="0"/>
+          <a:ext cx="0" cy="0"/>
+          <a:chOff x="0" y="0"/>
+          <a:chExt cx="0" cy="0"/>
+        </a:xfrm>
+      </p:grpSpPr>
+      <p:sp>
+        <p:nvSpPr>
+          <p:cNvPr id="2" name="スライド イメージ プレースホルダー 1"/>
+          <p:cNvSpPr>
+            <a:spLocks noGrp="1" noRot="1" noChangeAspect="1"/>
+          </p:cNvSpPr>
+          <p:nvPr>
+            <p:ph type="sldImg"/>
+          </p:nvPr>
+        </p:nvSpPr>
+        <p:spPr/>
+      </p:sp>
+      <p:sp>
+        <p:nvSpPr>
+          <p:cNvPr id="3" name="ノート プレースホルダー 2"/>
+          <p:cNvSpPr>
+            <a:spLocks noGrp="1"/>
+          </p:cNvSpPr>
+          <p:nvPr>
+            <p:ph type="body" idx="1"/>
+          </p:nvPr>
+        </p:nvSpPr>
+        <p:spPr/>
+        <p:txBody>
+          <a:bodyPr/>
+          <a:lstStyle/>
+          <a:p>
+            <a:endParaRPr kumimoji="1" lang="ja-JP" altLang="en-US"/>
+          </a:p>
+        </p:txBody>
+      </p:sp>
+      <p:sp>
+        <p:nvSpPr>
+          <p:cNvPr id="4" name="スライド番号プレースホルダー 3"/>
+          <p:cNvSpPr>
+            <a:spLocks noGrp="1"/>
+          </p:cNvSpPr>
+          <p:nvPr>
+            <p:ph type="sldNum" sz="quarter" idx="10"/>
+          </p:nvPr>
+        </p:nvSpPr>
+        <p:spPr/>
+        <p:txBody>
+          <a:bodyPr/>
+          <a:lstStyle/>
+          <a:p>
+            <a:fld id="{49BD547C-AA81-4CD0-B938-13035F93DAEE}" type="slidenum">
+              <a:rPr kumimoji="1" lang="ja-JP" altLang="en-US" smtClean="0"/>
+              <a:t>18</a:t>
+            </a:fld>
+            <a:endParaRPr kumimoji="1" lang="ja-JP" altLang="en-US"/>
+          </a:p>
+        </p:txBody>
+      </p:sp>
+    </p:spTree>
+    <p:extLst>
+      <p:ext uri="{BB962C8B-B14F-4D97-AF65-F5344CB8AC3E}">
+        <p14:creationId xmlns:p14="http://schemas.microsoft.com/office/powerpoint/2010/main" val="2972037793"/>
       </p:ext>
     </p:extLst>
   </p:cSld>
@@ -922,7 +1005,7 @@
           <a:p>
             <a:fld id="{9D6E6425-26CA-4FA9-9A49-01310C10763C}" type="datetimeFigureOut">
               <a:rPr kumimoji="1" lang="ja-JP" altLang="en-US" smtClean="0"/>
-              <a:t>2019/1/15</a:t>
+              <a:t>2019/1/16</a:t>
             </a:fld>
             <a:endParaRPr kumimoji="1" lang="ja-JP" altLang="en-US"/>
           </a:p>
@@ -1178,7 +1261,7 @@
           <a:p>
             <a:fld id="{9D6E6425-26CA-4FA9-9A49-01310C10763C}" type="datetimeFigureOut">
               <a:rPr kumimoji="1" lang="ja-JP" altLang="en-US" smtClean="0"/>
-              <a:t>2019/1/15</a:t>
+              <a:t>2019/1/16</a:t>
             </a:fld>
             <a:endParaRPr kumimoji="1" lang="ja-JP" altLang="en-US"/>
           </a:p>
@@ -1390,7 +1473,7 @@
           <a:p>
             <a:fld id="{9D6E6425-26CA-4FA9-9A49-01310C10763C}" type="datetimeFigureOut">
               <a:rPr kumimoji="1" lang="ja-JP" altLang="en-US" smtClean="0"/>
-              <a:t>2019/1/15</a:t>
+              <a:t>2019/1/16</a:t>
             </a:fld>
             <a:endParaRPr kumimoji="1" lang="ja-JP" altLang="en-US"/>
           </a:p>
@@ -1887,7 +1970,7 @@
           <a:p>
             <a:fld id="{9D6E6425-26CA-4FA9-9A49-01310C10763C}" type="datetimeFigureOut">
               <a:rPr kumimoji="1" lang="ja-JP" altLang="en-US" smtClean="0"/>
-              <a:t>2019/1/15</a:t>
+              <a:t>2019/1/16</a:t>
             </a:fld>
             <a:endParaRPr kumimoji="1" lang="ja-JP" altLang="en-US"/>
           </a:p>
@@ -2131,7 +2214,7 @@
           <a:p>
             <a:fld id="{9D6E6425-26CA-4FA9-9A49-01310C10763C}" type="datetimeFigureOut">
               <a:rPr kumimoji="1" lang="ja-JP" altLang="en-US" smtClean="0"/>
-              <a:t>2019/1/15</a:t>
+              <a:t>2019/1/16</a:t>
             </a:fld>
             <a:endParaRPr kumimoji="1" lang="ja-JP" altLang="en-US"/>
           </a:p>
@@ -2427,7 +2510,7 @@
           <a:p>
             <a:fld id="{9D6E6425-26CA-4FA9-9A49-01310C10763C}" type="datetimeFigureOut">
               <a:rPr kumimoji="1" lang="ja-JP" altLang="en-US" smtClean="0"/>
-              <a:t>2019/1/15</a:t>
+              <a:t>2019/1/16</a:t>
             </a:fld>
             <a:endParaRPr kumimoji="1" lang="ja-JP" altLang="en-US"/>
           </a:p>
@@ -2858,7 +2941,7 @@
           <a:p>
             <a:fld id="{9D6E6425-26CA-4FA9-9A49-01310C10763C}" type="datetimeFigureOut">
               <a:rPr kumimoji="1" lang="ja-JP" altLang="en-US" smtClean="0"/>
-              <a:t>2019/1/15</a:t>
+              <a:t>2019/1/16</a:t>
             </a:fld>
             <a:endParaRPr kumimoji="1" lang="ja-JP" altLang="en-US"/>
           </a:p>
@@ -2976,7 +3059,7 @@
           <a:p>
             <a:fld id="{9D6E6425-26CA-4FA9-9A49-01310C10763C}" type="datetimeFigureOut">
               <a:rPr kumimoji="1" lang="ja-JP" altLang="en-US" smtClean="0"/>
-              <a:t>2019/1/15</a:t>
+              <a:t>2019/1/16</a:t>
             </a:fld>
             <a:endParaRPr kumimoji="1" lang="ja-JP" altLang="en-US"/>
           </a:p>
@@ -3071,7 +3154,7 @@
           <a:p>
             <a:fld id="{9D6E6425-26CA-4FA9-9A49-01310C10763C}" type="datetimeFigureOut">
               <a:rPr kumimoji="1" lang="ja-JP" altLang="en-US" smtClean="0"/>
-              <a:t>2019/1/15</a:t>
+              <a:t>2019/1/16</a:t>
             </a:fld>
             <a:endParaRPr kumimoji="1" lang="ja-JP" altLang="en-US"/>
           </a:p>
@@ -3380,7 +3463,7 @@
           <a:p>
             <a:fld id="{9D6E6425-26CA-4FA9-9A49-01310C10763C}" type="datetimeFigureOut">
               <a:rPr kumimoji="1" lang="ja-JP" altLang="en-US" smtClean="0"/>
-              <a:t>2019/1/15</a:t>
+              <a:t>2019/1/16</a:t>
             </a:fld>
             <a:endParaRPr kumimoji="1" lang="ja-JP" altLang="en-US"/>
           </a:p>
@@ -3637,7 +3720,7 @@
           <a:p>
             <a:fld id="{9D6E6425-26CA-4FA9-9A49-01310C10763C}" type="datetimeFigureOut">
               <a:rPr kumimoji="1" lang="ja-JP" altLang="en-US" smtClean="0"/>
-              <a:t>2019/1/15</a:t>
+              <a:t>2019/1/16</a:t>
             </a:fld>
             <a:endParaRPr kumimoji="1" lang="ja-JP" altLang="en-US"/>
           </a:p>
@@ -3882,7 +3965,7 @@
           <a:p>
             <a:fld id="{9D6E6425-26CA-4FA9-9A49-01310C10763C}" type="datetimeFigureOut">
               <a:rPr kumimoji="1" lang="ja-JP" altLang="en-US" smtClean="0"/>
-              <a:t>2019/1/15</a:t>
+              <a:t>2019/1/16</a:t>
             </a:fld>
             <a:endParaRPr kumimoji="1" lang="ja-JP" altLang="en-US"/>
           </a:p>
@@ -4408,14 +4491,7 @@
                 <a:latin typeface="HGｺﾞｼｯｸM" panose="020B0609000000000000" pitchFamily="49" charset="-128"/>
                 <a:ea typeface="HGｺﾞｼｯｸM" panose="020B0609000000000000" pitchFamily="49" charset="-128"/>
               </a:rPr>
-              <a:t>国立高専</a:t>
-            </a:r>
-            <a:r>
-              <a:rPr lang="ja-JP" altLang="en-US" dirty="0" smtClean="0">
-                <a:latin typeface="HGｺﾞｼｯｸM" panose="020B0609000000000000" pitchFamily="49" charset="-128"/>
-                <a:ea typeface="HGｺﾞｼｯｸM" panose="020B0609000000000000" pitchFamily="49" charset="-128"/>
-              </a:rPr>
-              <a:t>機構 </a:t>
+              <a:t>国立高専機構 </a:t>
             </a:r>
             <a:r>
               <a:rPr lang="zh-TW" altLang="en-US" dirty="0" smtClean="0">
@@ -4463,14 +4539,7 @@
                 <a:latin typeface="HGｺﾞｼｯｸM" panose="020B0609000000000000" pitchFamily="49" charset="-128"/>
                 <a:ea typeface="HGｺﾞｼｯｸM" panose="020B0609000000000000" pitchFamily="49" charset="-128"/>
               </a:rPr>
-              <a:t>干</a:t>
-            </a:r>
-            <a:r>
-              <a:rPr lang="zh-TW" altLang="en-US" dirty="0" smtClean="0">
-                <a:latin typeface="HGｺﾞｼｯｸM" panose="020B0609000000000000" pitchFamily="49" charset="-128"/>
-                <a:ea typeface="HGｺﾞｼｯｸM" panose="020B0609000000000000" pitchFamily="49" charset="-128"/>
-              </a:rPr>
-              <a:t>川尚人</a:t>
+              <a:t>干川尚人</a:t>
             </a:r>
           </a:p>
           <a:p>
@@ -4636,10 +4705,10 @@
         </p:nvGrpSpPr>
         <p:grpSpPr>
           <a:xfrm>
-            <a:off x="1426634" y="2645833"/>
-            <a:ext cx="6290733" cy="1566334"/>
+            <a:off x="1066363" y="2518833"/>
+            <a:ext cx="7011272" cy="1691109"/>
             <a:chOff x="1426634" y="2645833"/>
-            <a:chExt cx="6290733" cy="1566334"/>
+            <a:chExt cx="6290733" cy="1691109"/>
           </a:xfrm>
         </p:grpSpPr>
         <p:sp>
@@ -4677,7 +4746,7 @@
             <a:lstStyle/>
             <a:p>
               <a:pPr algn="ctr"/>
-              <a:endParaRPr kumimoji="1" lang="ja-JP" altLang="en-US"/>
+              <a:endParaRPr kumimoji="1" lang="ja-JP" altLang="en-US" sz="2000"/>
             </a:p>
           </p:txBody>
         </p:sp>
@@ -4690,7 +4759,7 @@
           <p:spPr>
             <a:xfrm>
               <a:off x="1744133" y="3136613"/>
-              <a:ext cx="5604934" cy="584775"/>
+              <a:ext cx="5604934" cy="1200329"/>
             </a:xfrm>
             <a:prstGeom prst="rect">
               <a:avLst/>
@@ -4707,10 +4776,10 @@
             <a:lstStyle/>
             <a:p>
               <a:r>
-                <a:rPr kumimoji="1" lang="ja-JP" altLang="en-US" sz="3200" dirty="0" smtClean="0"/>
+                <a:rPr kumimoji="1" lang="ja-JP" altLang="en-US" sz="3600" dirty="0" smtClean="0"/>
                 <a:t>駅構内登校者見守りサービス</a:t>
               </a:r>
-              <a:endParaRPr kumimoji="1" lang="ja-JP" altLang="en-US" sz="3200" dirty="0"/>
+              <a:endParaRPr kumimoji="1" lang="ja-JP" altLang="en-US" sz="3600" dirty="0"/>
             </a:p>
           </p:txBody>
         </p:sp>
@@ -4750,19 +4819,7 @@
             </a:r>
             <a:r>
               <a:rPr lang="ja-JP" altLang="en-US" sz="2400" dirty="0" smtClean="0"/>
-              <a:t>のスライドでユースケースを</a:t>
-            </a:r>
-            <a:r>
-              <a:rPr lang="ja-JP" altLang="en-US" sz="2400" dirty="0" smtClean="0"/>
-              <a:t>具体的に設定</a:t>
-            </a:r>
-            <a:r>
-              <a:rPr lang="ja-JP" altLang="en-US" sz="2400" dirty="0" smtClean="0"/>
-              <a:t>を</a:t>
-            </a:r>
-            <a:r>
-              <a:rPr lang="ja-JP" altLang="en-US" sz="2400" dirty="0" smtClean="0"/>
-              <a:t>する．</a:t>
+              <a:t>のスライドでユースケースを具体的に設定をする．</a:t>
             </a:r>
             <a:endParaRPr lang="ja-JP" altLang="en-US" sz="2400" dirty="0"/>
           </a:p>
@@ -4807,6 +4864,136 @@
       </p:grpSpPr>
       <p:sp>
         <p:nvSpPr>
+          <p:cNvPr id="17" name="楕円 16"/>
+          <p:cNvSpPr/>
+          <p:nvPr/>
+        </p:nvSpPr>
+        <p:spPr>
+          <a:xfrm>
+            <a:off x="5063764" y="1268454"/>
+            <a:ext cx="2822935" cy="876563"/>
+          </a:xfrm>
+          <a:prstGeom prst="ellipse">
+            <a:avLst/>
+          </a:prstGeom>
+          <a:ln w="38100"/>
+        </p:spPr>
+        <p:style>
+          <a:lnRef idx="1">
+            <a:schemeClr val="accent2"/>
+          </a:lnRef>
+          <a:fillRef idx="2">
+            <a:schemeClr val="accent2"/>
+          </a:fillRef>
+          <a:effectRef idx="1">
+            <a:schemeClr val="accent2"/>
+          </a:effectRef>
+          <a:fontRef idx="minor">
+            <a:schemeClr val="dk1"/>
+          </a:fontRef>
+        </p:style>
+        <p:txBody>
+          <a:bodyPr rtlCol="0" anchor="ctr"/>
+          <a:lstStyle/>
+          <a:p>
+            <a:pPr algn="ctr"/>
+            <a:r>
+              <a:rPr kumimoji="1" lang="ja-JP" altLang="en-US" sz="2000" dirty="0" smtClean="0">
+                <a:ln w="0"/>
+                <a:solidFill>
+                  <a:schemeClr val="tx1"/>
+                </a:solidFill>
+                <a:effectLst>
+                  <a:outerShdw blurRad="38100" dist="19050" dir="2700000" algn="tl" rotWithShape="0">
+                    <a:schemeClr val="dk1">
+                      <a:alpha val="40000"/>
+                    </a:schemeClr>
+                  </a:outerShdw>
+                </a:effectLst>
+              </a:rPr>
+              <a:t>画像</a:t>
+            </a:r>
+            <a:r>
+              <a:rPr kumimoji="1" lang="ja-JP" altLang="en-US" sz="2000" dirty="0" smtClean="0">
+                <a:ln w="0"/>
+                <a:solidFill>
+                  <a:schemeClr val="tx1"/>
+                </a:solidFill>
+                <a:effectLst>
+                  <a:outerShdw blurRad="38100" dist="19050" dir="2700000" algn="tl" rotWithShape="0">
+                    <a:schemeClr val="dk1">
+                      <a:alpha val="40000"/>
+                    </a:schemeClr>
+                  </a:outerShdw>
+                </a:effectLst>
+              </a:rPr>
+              <a:t>処理</a:t>
+            </a:r>
+            <a:r>
+              <a:rPr kumimoji="1" lang="en-US" altLang="ja-JP" sz="2000" dirty="0" smtClean="0">
+                <a:ln w="0"/>
+                <a:solidFill>
+                  <a:schemeClr val="tx1"/>
+                </a:solidFill>
+                <a:effectLst>
+                  <a:outerShdw blurRad="38100" dist="19050" dir="2700000" algn="tl" rotWithShape="0">
+                    <a:schemeClr val="dk1">
+                      <a:alpha val="40000"/>
+                    </a:schemeClr>
+                  </a:outerShdw>
+                </a:effectLst>
+              </a:rPr>
+              <a:t/>
+            </a:r>
+            <a:br>
+              <a:rPr kumimoji="1" lang="en-US" altLang="ja-JP" sz="2000" dirty="0" smtClean="0">
+                <a:ln w="0"/>
+                <a:solidFill>
+                  <a:schemeClr val="tx1"/>
+                </a:solidFill>
+                <a:effectLst>
+                  <a:outerShdw blurRad="38100" dist="19050" dir="2700000" algn="tl" rotWithShape="0">
+                    <a:schemeClr val="dk1">
+                      <a:alpha val="40000"/>
+                    </a:schemeClr>
+                  </a:outerShdw>
+                </a:effectLst>
+              </a:rPr>
+            </a:br>
+            <a:r>
+              <a:rPr kumimoji="1" lang="ja-JP" altLang="en-US" sz="2000" dirty="0" smtClean="0">
+                <a:ln w="0"/>
+                <a:solidFill>
+                  <a:schemeClr val="tx1"/>
+                </a:solidFill>
+                <a:effectLst>
+                  <a:outerShdw blurRad="38100" dist="19050" dir="2700000" algn="tl" rotWithShape="0">
+                    <a:schemeClr val="dk1">
+                      <a:alpha val="40000"/>
+                    </a:schemeClr>
+                  </a:outerShdw>
+                </a:effectLst>
+              </a:rPr>
+              <a:t>見守り結果通知</a:t>
+            </a:r>
+            <a:endParaRPr kumimoji="1" lang="ja-JP" altLang="en-US" sz="2000" dirty="0">
+              <a:ln w="0"/>
+              <a:solidFill>
+                <a:schemeClr val="tx1"/>
+              </a:solidFill>
+              <a:effectLst>
+                <a:outerShdw blurRad="38100" dist="19050" dir="2700000" algn="tl" rotWithShape="0">
+                  <a:schemeClr val="dk1">
+                    <a:alpha val="40000"/>
+                  </a:schemeClr>
+                </a:outerShdw>
+              </a:effectLst>
+            </a:endParaRPr>
+          </a:p>
+        </p:txBody>
+      </p:sp>
+      <p:sp>
+        <p:nvSpPr>
           <p:cNvPr id="2" name="タイトル 1"/>
           <p:cNvSpPr>
             <a:spLocks noGrp="1"/>
@@ -4858,36 +5045,6 @@
           </a:fontRef>
         </p:style>
       </p:cxnSp>
-      <p:sp>
-        <p:nvSpPr>
-          <p:cNvPr id="7" name="テキスト ボックス 6"/>
-          <p:cNvSpPr txBox="1"/>
-          <p:nvPr/>
-        </p:nvSpPr>
-        <p:spPr>
-          <a:xfrm>
-            <a:off x="6943005" y="2027779"/>
-            <a:ext cx="2596896" cy="369332"/>
-          </a:xfrm>
-          <a:prstGeom prst="rect">
-            <a:avLst/>
-          </a:prstGeom>
-          <a:noFill/>
-        </p:spPr>
-        <p:txBody>
-          <a:bodyPr wrap="square" rtlCol="0">
-            <a:spAutoFit/>
-          </a:bodyPr>
-          <a:lstStyle/>
-          <a:p>
-            <a:r>
-              <a:rPr kumimoji="1" lang="ja-JP" altLang="en-US" dirty="0" smtClean="0"/>
-              <a:t>パブリックネット</a:t>
-            </a:r>
-            <a:endParaRPr kumimoji="1" lang="ja-JP" altLang="en-US" dirty="0"/>
-          </a:p>
-        </p:txBody>
-      </p:sp>
       <p:grpSp>
         <p:nvGrpSpPr>
           <p:cNvPr id="9" name="グループ化 8"/>
@@ -4985,120 +5142,6 @@
       </p:grpSp>
       <p:sp>
         <p:nvSpPr>
-          <p:cNvPr id="17" name="楕円 16"/>
-          <p:cNvSpPr/>
-          <p:nvPr/>
-        </p:nvSpPr>
-        <p:spPr>
-          <a:xfrm>
-            <a:off x="4982511" y="1433718"/>
-            <a:ext cx="2547431" cy="737946"/>
-          </a:xfrm>
-          <a:prstGeom prst="ellipse">
-            <a:avLst/>
-          </a:prstGeom>
-          <a:ln w="38100"/>
-        </p:spPr>
-        <p:style>
-          <a:lnRef idx="1">
-            <a:schemeClr val="accent2"/>
-          </a:lnRef>
-          <a:fillRef idx="2">
-            <a:schemeClr val="accent2"/>
-          </a:fillRef>
-          <a:effectRef idx="1">
-            <a:schemeClr val="accent2"/>
-          </a:effectRef>
-          <a:fontRef idx="minor">
-            <a:schemeClr val="dk1"/>
-          </a:fontRef>
-        </p:style>
-        <p:txBody>
-          <a:bodyPr rtlCol="0" anchor="ctr"/>
-          <a:lstStyle/>
-          <a:p>
-            <a:pPr algn="ctr"/>
-            <a:r>
-              <a:rPr kumimoji="1" lang="ja-JP" altLang="en-US" dirty="0" smtClean="0">
-                <a:ln w="0"/>
-                <a:solidFill>
-                  <a:schemeClr val="tx1"/>
-                </a:solidFill>
-                <a:effectLst>
-                  <a:outerShdw blurRad="38100" dist="19050" dir="2700000" algn="tl" rotWithShape="0">
-                    <a:schemeClr val="dk1">
-                      <a:alpha val="40000"/>
-                    </a:schemeClr>
-                  </a:outerShdw>
-                </a:effectLst>
-              </a:rPr>
-              <a:t>画像処理，</a:t>
-            </a:r>
-            <a:r>
-              <a:rPr kumimoji="1" lang="en-US" altLang="ja-JP" dirty="0" smtClean="0">
-                <a:ln w="0"/>
-                <a:solidFill>
-                  <a:schemeClr val="tx1"/>
-                </a:solidFill>
-                <a:effectLst>
-                  <a:outerShdw blurRad="38100" dist="19050" dir="2700000" algn="tl" rotWithShape="0">
-                    <a:schemeClr val="dk1">
-                      <a:alpha val="40000"/>
-                    </a:schemeClr>
-                  </a:outerShdw>
-                </a:effectLst>
-              </a:rPr>
-              <a:t/>
-            </a:r>
-            <a:br>
-              <a:rPr kumimoji="1" lang="en-US" altLang="ja-JP" dirty="0" smtClean="0">
-                <a:ln w="0"/>
-                <a:solidFill>
-                  <a:schemeClr val="tx1"/>
-                </a:solidFill>
-                <a:effectLst>
-                  <a:outerShdw blurRad="38100" dist="19050" dir="2700000" algn="tl" rotWithShape="0">
-                    <a:schemeClr val="dk1">
-                      <a:alpha val="40000"/>
-                    </a:schemeClr>
-                  </a:outerShdw>
-                </a:effectLst>
-              </a:rPr>
-            </a:br>
-            <a:r>
-              <a:rPr kumimoji="1" lang="ja-JP" altLang="en-US" dirty="0" smtClean="0">
-                <a:ln w="0"/>
-                <a:solidFill>
-                  <a:schemeClr val="tx1"/>
-                </a:solidFill>
-                <a:effectLst>
-                  <a:outerShdw blurRad="38100" dist="19050" dir="2700000" algn="tl" rotWithShape="0">
-                    <a:schemeClr val="dk1">
-                      <a:alpha val="40000"/>
-                    </a:schemeClr>
-                  </a:outerShdw>
-                </a:effectLst>
-              </a:rPr>
-              <a:t>見守り結果通知</a:t>
-            </a:r>
-            <a:endParaRPr kumimoji="1" lang="ja-JP" altLang="en-US" dirty="0">
-              <a:ln w="0"/>
-              <a:solidFill>
-                <a:schemeClr val="tx1"/>
-              </a:solidFill>
-              <a:effectLst>
-                <a:outerShdw blurRad="38100" dist="19050" dir="2700000" algn="tl" rotWithShape="0">
-                  <a:schemeClr val="dk1">
-                    <a:alpha val="40000"/>
-                  </a:schemeClr>
-                </a:outerShdw>
-              </a:effectLst>
-            </a:endParaRPr>
-          </a:p>
-        </p:txBody>
-      </p:sp>
-      <p:sp>
-        <p:nvSpPr>
           <p:cNvPr id="21" name="テキスト ボックス 20"/>
           <p:cNvSpPr txBox="1"/>
           <p:nvPr/>
@@ -5106,7 +5149,7 @@
         <p:spPr>
           <a:xfrm>
             <a:off x="2191040" y="5190388"/>
-            <a:ext cx="2596896" cy="400110"/>
+            <a:ext cx="2596896" cy="461665"/>
           </a:xfrm>
           <a:prstGeom prst="rect">
             <a:avLst/>
@@ -5120,10 +5163,10 @@
           <a:lstStyle/>
           <a:p>
             <a:r>
-              <a:rPr lang="ja-JP" altLang="en-US" sz="2000" dirty="0" smtClean="0"/>
+              <a:rPr lang="ja-JP" altLang="en-US" sz="2400" dirty="0" smtClean="0"/>
               <a:t>松江駅構内</a:t>
             </a:r>
-            <a:endParaRPr kumimoji="1" lang="ja-JP" altLang="en-US" sz="2000" dirty="0"/>
+            <a:endParaRPr kumimoji="1" lang="ja-JP" altLang="en-US" sz="2400" dirty="0"/>
           </a:p>
         </p:txBody>
       </p:sp>
@@ -5347,7 +5390,7 @@
         <p:spPr>
           <a:xfrm>
             <a:off x="2189171" y="4202586"/>
-            <a:ext cx="1156715" cy="369332"/>
+            <a:ext cx="1156715" cy="461665"/>
           </a:xfrm>
           <a:prstGeom prst="rect">
             <a:avLst/>
@@ -5361,10 +5404,10 @@
           <a:lstStyle/>
           <a:p>
             <a:r>
-              <a:rPr kumimoji="1" lang="ja-JP" altLang="en-US" dirty="0" smtClean="0"/>
+              <a:rPr kumimoji="1" lang="ja-JP" altLang="en-US" sz="2400" dirty="0" smtClean="0"/>
               <a:t>カメラ</a:t>
             </a:r>
-            <a:endParaRPr kumimoji="1" lang="ja-JP" altLang="en-US" dirty="0"/>
+            <a:endParaRPr kumimoji="1" lang="ja-JP" altLang="en-US" sz="2400" dirty="0"/>
           </a:p>
         </p:txBody>
       </p:sp>
@@ -5376,8 +5419,8 @@
         </p:nvSpPr>
         <p:spPr>
           <a:xfrm>
-            <a:off x="2191040" y="6109917"/>
-            <a:ext cx="4181700" cy="400110"/>
+            <a:off x="2191039" y="6109917"/>
+            <a:ext cx="4929427" cy="461665"/>
           </a:xfrm>
           <a:prstGeom prst="rect">
             <a:avLst/>
@@ -5391,38 +5434,38 @@
           <a:lstStyle/>
           <a:p>
             <a:r>
-              <a:rPr kumimoji="1" lang="en-US" altLang="ja-JP" sz="2000" dirty="0" smtClean="0"/>
+              <a:rPr kumimoji="1" lang="en-US" altLang="ja-JP" sz="2400" dirty="0" smtClean="0"/>
               <a:t>2018</a:t>
             </a:r>
             <a:r>
-              <a:rPr kumimoji="1" lang="ja-JP" altLang="en-US" sz="2000" dirty="0" smtClean="0"/>
+              <a:rPr kumimoji="1" lang="ja-JP" altLang="en-US" sz="2400" dirty="0" smtClean="0"/>
               <a:t>年</a:t>
             </a:r>
             <a:r>
-              <a:rPr kumimoji="1" lang="en-US" altLang="ja-JP" sz="2000" dirty="0" smtClean="0"/>
+              <a:rPr kumimoji="1" lang="en-US" altLang="ja-JP" sz="2400" dirty="0" smtClean="0"/>
               <a:t>6</a:t>
             </a:r>
             <a:r>
-              <a:rPr kumimoji="1" lang="ja-JP" altLang="en-US" sz="2000" dirty="0" smtClean="0"/>
+              <a:rPr kumimoji="1" lang="ja-JP" altLang="en-US" sz="2400" dirty="0" smtClean="0"/>
               <a:t>月の平日，午前</a:t>
             </a:r>
             <a:r>
-              <a:rPr kumimoji="1" lang="en-US" altLang="ja-JP" sz="2000" dirty="0" smtClean="0"/>
+              <a:rPr kumimoji="1" lang="en-US" altLang="ja-JP" sz="2400" dirty="0" smtClean="0"/>
               <a:t>7</a:t>
             </a:r>
             <a:r>
-              <a:rPr kumimoji="1" lang="ja-JP" altLang="en-US" sz="2000" dirty="0" smtClean="0"/>
+              <a:rPr kumimoji="1" lang="ja-JP" altLang="en-US" sz="2400" dirty="0" smtClean="0"/>
               <a:t>時から</a:t>
             </a:r>
             <a:r>
-              <a:rPr kumimoji="1" lang="en-US" altLang="ja-JP" sz="2000" dirty="0" smtClean="0"/>
+              <a:rPr kumimoji="1" lang="en-US" altLang="ja-JP" sz="2400" dirty="0" smtClean="0"/>
               <a:t>8</a:t>
             </a:r>
             <a:r>
-              <a:rPr kumimoji="1" lang="ja-JP" altLang="en-US" sz="2000" dirty="0" smtClean="0"/>
+              <a:rPr kumimoji="1" lang="ja-JP" altLang="en-US" sz="2400" dirty="0" smtClean="0"/>
               <a:t>時</a:t>
             </a:r>
-            <a:endParaRPr kumimoji="1" lang="ja-JP" altLang="en-US" sz="2000" dirty="0"/>
+            <a:endParaRPr kumimoji="1" lang="ja-JP" altLang="en-US" sz="2400" dirty="0"/>
           </a:p>
         </p:txBody>
       </p:sp>
@@ -5435,7 +5478,7 @@
         <p:spPr>
           <a:xfrm>
             <a:off x="6516869" y="3895350"/>
-            <a:ext cx="1446726" cy="660400"/>
+            <a:ext cx="1543398" cy="660400"/>
           </a:xfrm>
           <a:prstGeom prst="ellipse">
             <a:avLst/>
@@ -5462,14 +5505,14 @@
           <a:p>
             <a:pPr algn="ctr"/>
             <a:r>
-              <a:rPr kumimoji="1" lang="en-US" altLang="ja-JP" dirty="0" smtClean="0"/>
+              <a:rPr kumimoji="1" lang="en-US" altLang="ja-JP" sz="2000" dirty="0" smtClean="0"/>
               <a:t>1</a:t>
             </a:r>
             <a:r>
-              <a:rPr kumimoji="1" lang="ja-JP" altLang="en-US" dirty="0" smtClean="0"/>
+              <a:rPr kumimoji="1" lang="ja-JP" altLang="en-US" sz="2000" dirty="0" smtClean="0"/>
               <a:t>秒更新</a:t>
             </a:r>
-            <a:endParaRPr kumimoji="1" lang="ja-JP" altLang="en-US" dirty="0"/>
+            <a:endParaRPr kumimoji="1" lang="ja-JP" altLang="en-US" sz="2000" dirty="0"/>
           </a:p>
         </p:txBody>
       </p:sp>
@@ -5509,10 +5552,10 @@
           <a:p>
             <a:pPr algn="ctr"/>
             <a:r>
-              <a:rPr kumimoji="1" lang="ja-JP" altLang="en-US" dirty="0" smtClean="0"/>
+              <a:rPr kumimoji="1" lang="ja-JP" altLang="en-US" sz="2000" dirty="0" smtClean="0"/>
               <a:t>サービスモデル</a:t>
             </a:r>
-            <a:endParaRPr kumimoji="1" lang="ja-JP" altLang="en-US" dirty="0"/>
+            <a:endParaRPr kumimoji="1" lang="ja-JP" altLang="en-US" sz="2000" dirty="0"/>
           </a:p>
         </p:txBody>
       </p:sp>
@@ -5552,10 +5595,10 @@
           <a:p>
             <a:pPr algn="ctr"/>
             <a:r>
-              <a:rPr kumimoji="1" lang="ja-JP" altLang="en-US" dirty="0" smtClean="0"/>
+              <a:rPr kumimoji="1" lang="ja-JP" altLang="en-US" sz="2000" dirty="0" smtClean="0"/>
               <a:t>センサ</a:t>
             </a:r>
-            <a:endParaRPr kumimoji="1" lang="ja-JP" altLang="en-US" dirty="0"/>
+            <a:endParaRPr kumimoji="1" lang="ja-JP" altLang="en-US" sz="2000" dirty="0"/>
           </a:p>
         </p:txBody>
       </p:sp>
@@ -5595,10 +5638,10 @@
           <a:p>
             <a:pPr algn="ctr"/>
             <a:r>
-              <a:rPr kumimoji="1" lang="ja-JP" altLang="en-US" dirty="0" smtClean="0"/>
+              <a:rPr kumimoji="1" lang="ja-JP" altLang="en-US" sz="2000" dirty="0" smtClean="0"/>
               <a:t>サービス有効範囲</a:t>
             </a:r>
-            <a:endParaRPr kumimoji="1" lang="ja-JP" altLang="en-US" dirty="0"/>
+            <a:endParaRPr kumimoji="1" lang="ja-JP" altLang="en-US" sz="2000" dirty="0"/>
           </a:p>
         </p:txBody>
       </p:sp>
@@ -5638,10 +5681,10 @@
           <a:p>
             <a:pPr algn="ctr"/>
             <a:r>
-              <a:rPr kumimoji="1" lang="ja-JP" altLang="en-US" dirty="0" smtClean="0"/>
+              <a:rPr kumimoji="1" lang="ja-JP" altLang="en-US" sz="2000" dirty="0" smtClean="0"/>
               <a:t>サービス稼働時間</a:t>
             </a:r>
-            <a:endParaRPr kumimoji="1" lang="ja-JP" altLang="en-US" dirty="0"/>
+            <a:endParaRPr kumimoji="1" lang="ja-JP" altLang="en-US" sz="2000" dirty="0"/>
           </a:p>
         </p:txBody>
       </p:sp>
@@ -5777,7 +5820,7 @@
         <p:spPr>
           <a:xfrm>
             <a:off x="2189171" y="1416984"/>
-            <a:ext cx="1815562" cy="369332"/>
+            <a:ext cx="2408612" cy="461665"/>
           </a:xfrm>
           <a:prstGeom prst="rect">
             <a:avLst/>
@@ -5791,10 +5834,10 @@
           <a:lstStyle/>
           <a:p>
             <a:r>
-              <a:rPr kumimoji="1" lang="ja-JP" altLang="en-US" dirty="0" smtClean="0"/>
+              <a:rPr kumimoji="1" lang="ja-JP" altLang="en-US" sz="2400" dirty="0" smtClean="0"/>
               <a:t>クラウドモデル</a:t>
             </a:r>
-            <a:endParaRPr kumimoji="1" lang="ja-JP" altLang="en-US" dirty="0"/>
+            <a:endParaRPr kumimoji="1" lang="ja-JP" altLang="en-US" sz="2400" dirty="0"/>
           </a:p>
         </p:txBody>
       </p:sp>
@@ -5906,8 +5949,8 @@
         </p:nvSpPr>
         <p:spPr>
           <a:xfrm>
-            <a:off x="710274" y="2619134"/>
-            <a:ext cx="7501466" cy="461665"/>
+            <a:off x="710274" y="1458775"/>
+            <a:ext cx="8552259" cy="461665"/>
           </a:xfrm>
           <a:prstGeom prst="rect">
             <a:avLst/>
@@ -5930,13 +5973,25 @@
             </a:r>
             <a:r>
               <a:rPr kumimoji="1" lang="ja-JP" altLang="en-US" sz="2400" dirty="0" smtClean="0"/>
-              <a:t>を非対象者と</a:t>
+              <a:t>を</a:t>
+            </a:r>
+            <a:r>
+              <a:rPr kumimoji="1" lang="ja-JP" altLang="en-US" sz="2400" dirty="0" smtClean="0">
+                <a:solidFill>
+                  <a:srgbClr val="0070C0"/>
+                </a:solidFill>
+              </a:rPr>
+              <a:t>非見守り対象者</a:t>
             </a:r>
             <a:r>
               <a:rPr kumimoji="1" lang="ja-JP" altLang="en-US" sz="2400" dirty="0" smtClean="0"/>
-              <a:t>する．</a:t>
-            </a:r>
-            <a:endParaRPr kumimoji="1" lang="ja-JP" altLang="en-US" sz="2400" dirty="0"/>
+              <a:t>とする</a:t>
+            </a:r>
+            <a:r>
+              <a:rPr kumimoji="1" lang="ja-JP" altLang="en-US" sz="2400" dirty="0" smtClean="0"/>
+              <a:t>．</a:t>
+            </a:r>
+            <a:endParaRPr kumimoji="1" lang="en-US" altLang="ja-JP" sz="2400" dirty="0" smtClean="0"/>
           </a:p>
         </p:txBody>
       </p:sp>
@@ -5948,7 +6003,7 @@
         </p:nvSpPr>
         <p:spPr>
           <a:xfrm>
-            <a:off x="710274" y="3711663"/>
+            <a:off x="710274" y="2003677"/>
             <a:ext cx="7880872" cy="1200329"/>
           </a:xfrm>
           <a:prstGeom prst="rect">
@@ -5963,31 +6018,55 @@
           <a:lstStyle/>
           <a:p>
             <a:r>
+              <a:rPr lang="ja-JP" altLang="en-US" sz="2400" dirty="0">
+                <a:solidFill>
+                  <a:srgbClr val="FF0000"/>
+                </a:solidFill>
+              </a:rPr>
+              <a:t>見守り対象者</a:t>
+            </a:r>
+            <a:r>
+              <a:rPr lang="ja-JP" altLang="en-US" sz="2400" dirty="0"/>
+              <a:t>の動きはオープンデータを元にモデルを生成する．</a:t>
+            </a:r>
+            <a:r>
+              <a:rPr lang="en-US" altLang="ja-JP" sz="2400" dirty="0"/>
+              <a:t>(</a:t>
+            </a:r>
+            <a:r>
+              <a:rPr lang="ja-JP" altLang="en-US" sz="2400" dirty="0"/>
+              <a:t>後述</a:t>
+            </a:r>
+            <a:r>
+              <a:rPr lang="en-US" altLang="ja-JP" sz="2400" dirty="0" smtClean="0"/>
+              <a:t>)</a:t>
+            </a:r>
+            <a:endParaRPr kumimoji="1" lang="en-US" altLang="ja-JP" sz="2400" dirty="0" smtClean="0">
+              <a:solidFill>
+                <a:srgbClr val="0070C0"/>
+              </a:solidFill>
+            </a:endParaRPr>
+          </a:p>
+          <a:p>
+            <a:r>
+              <a:rPr kumimoji="1" lang="ja-JP" altLang="en-US" sz="2400" dirty="0" smtClean="0">
+                <a:solidFill>
+                  <a:srgbClr val="0070C0"/>
+                </a:solidFill>
+              </a:rPr>
+              <a:t>非見守り対象者</a:t>
+            </a:r>
+            <a:r>
               <a:rPr kumimoji="1" lang="ja-JP" altLang="en-US" sz="2400" dirty="0" smtClean="0"/>
-              <a:t>非対象者の動きはオープンデータから生成する．</a:t>
-            </a:r>
-            <a:r>
-              <a:rPr kumimoji="1" lang="en-US" altLang="ja-JP" sz="2400" dirty="0" smtClean="0"/>
-              <a:t/>
-            </a:r>
-            <a:br>
-              <a:rPr kumimoji="1" lang="en-US" altLang="ja-JP" sz="2400" dirty="0" smtClean="0"/>
-            </a:br>
+              <a:t>の</a:t>
+            </a:r>
             <a:r>
               <a:rPr kumimoji="1" lang="ja-JP" altLang="en-US" sz="2400" dirty="0" smtClean="0"/>
-              <a:t>対象者の動きはオープンデータを元にモデルを生成する．</a:t>
-            </a:r>
-            <a:r>
-              <a:rPr kumimoji="1" lang="en-US" altLang="ja-JP" sz="2400" dirty="0" smtClean="0"/>
-              <a:t>(</a:t>
+              <a:t>動きはオープンデータから生成する</a:t>
             </a:r>
             <a:r>
               <a:rPr kumimoji="1" lang="ja-JP" altLang="en-US" sz="2400" dirty="0" smtClean="0"/>
-              <a:t>後述</a:t>
-            </a:r>
-            <a:r>
-              <a:rPr kumimoji="1" lang="en-US" altLang="ja-JP" sz="2400" dirty="0" smtClean="0"/>
-              <a:t>)</a:t>
+              <a:t>．</a:t>
             </a:r>
             <a:endParaRPr kumimoji="1" lang="ja-JP" altLang="en-US" sz="2400" dirty="0"/>
           </a:p>
@@ -6001,8 +6080,8 @@
         </p:nvSpPr>
         <p:spPr>
           <a:xfrm>
-            <a:off x="710274" y="1402786"/>
-            <a:ext cx="7135738" cy="830997"/>
+            <a:off x="710274" y="954053"/>
+            <a:ext cx="7135738" cy="461665"/>
           </a:xfrm>
           <a:prstGeom prst="rect">
             <a:avLst/>
@@ -6037,19 +6116,352 @@
             </a:r>
             <a:r>
               <a:rPr kumimoji="1" lang="ja-JP" altLang="en-US" sz="2400" dirty="0" smtClean="0"/>
-              <a:t>とする．</a:t>
+              <a:t>とする</a:t>
+            </a:r>
+            <a:r>
+              <a:rPr kumimoji="1" lang="ja-JP" altLang="en-US" sz="2400" dirty="0" smtClean="0"/>
+              <a:t>．</a:t>
             </a:r>
             <a:endParaRPr kumimoji="1" lang="en-US" altLang="ja-JP" sz="2400" dirty="0" smtClean="0"/>
-          </a:p>
-          <a:p>
-            <a:r>
-              <a:rPr lang="ja-JP" altLang="en-US" sz="2400" dirty="0" smtClean="0"/>
-              <a:t>以降これを見守り対象者と呼ぶ・</a:t>
-            </a:r>
-            <a:endParaRPr kumimoji="1" lang="ja-JP" altLang="en-US" sz="2400" dirty="0"/>
           </a:p>
         </p:txBody>
       </p:sp>
+      <p:grpSp>
+        <p:nvGrpSpPr>
+          <p:cNvPr id="6" name="グループ化 5"/>
+          <p:cNvGrpSpPr/>
+          <p:nvPr/>
+        </p:nvGrpSpPr>
+        <p:grpSpPr>
+          <a:xfrm>
+            <a:off x="1160972" y="3470742"/>
+            <a:ext cx="3255428" cy="2402357"/>
+            <a:chOff x="886219" y="3287243"/>
+            <a:chExt cx="3255428" cy="2402357"/>
+          </a:xfrm>
+        </p:grpSpPr>
+        <p:pic>
+          <p:nvPicPr>
+            <p:cNvPr id="1026" name="Picture 2" descr="旅行に行く学生のイラスト（学ラン）"/>
+            <p:cNvPicPr>
+              <a:picLocks noChangeAspect="1" noChangeArrowheads="1"/>
+            </p:cNvPicPr>
+            <p:nvPr/>
+          </p:nvPicPr>
+          <p:blipFill>
+            <a:blip r:embed="rId2">
+              <a:extLst>
+                <a:ext uri="{28A0092B-C50C-407E-A947-70E740481C1C}">
+                  <a14:useLocalDpi xmlns:a14="http://schemas.microsoft.com/office/drawing/2010/main" val="0"/>
+                </a:ext>
+              </a:extLst>
+            </a:blip>
+            <a:srcRect/>
+            <a:stretch>
+              <a:fillRect/>
+            </a:stretch>
+          </p:blipFill>
+          <p:spPr bwMode="auto">
+            <a:xfrm>
+              <a:off x="1241425" y="3424977"/>
+              <a:ext cx="2832952" cy="1765874"/>
+            </a:xfrm>
+            <a:prstGeom prst="rect">
+              <a:avLst/>
+            </a:prstGeom>
+            <a:noFill/>
+            <a:extLst>
+              <a:ext uri="{909E8E84-426E-40DD-AFC4-6F175D3DCCD1}">
+                <a14:hiddenFill xmlns:a14="http://schemas.microsoft.com/office/drawing/2010/main">
+                  <a:solidFill>
+                    <a:srgbClr val="FFFFFF"/>
+                  </a:solidFill>
+                </a14:hiddenFill>
+              </a:ext>
+            </a:extLst>
+          </p:spPr>
+        </p:pic>
+        <p:sp>
+          <p:nvSpPr>
+            <p:cNvPr id="4" name="円/楕円 3"/>
+            <p:cNvSpPr/>
+            <p:nvPr/>
+          </p:nvSpPr>
+          <p:spPr>
+            <a:xfrm>
+              <a:off x="886219" y="3287243"/>
+              <a:ext cx="3255428" cy="2402357"/>
+            </a:xfrm>
+            <a:prstGeom prst="ellipse">
+              <a:avLst/>
+            </a:prstGeom>
+            <a:noFill/>
+            <a:ln w="38100">
+              <a:solidFill>
+                <a:schemeClr val="accent2"/>
+              </a:solidFill>
+            </a:ln>
+          </p:spPr>
+          <p:style>
+            <a:lnRef idx="2">
+              <a:schemeClr val="accent1">
+                <a:shade val="50000"/>
+              </a:schemeClr>
+            </a:lnRef>
+            <a:fillRef idx="1">
+              <a:schemeClr val="accent1"/>
+            </a:fillRef>
+            <a:effectRef idx="0">
+              <a:schemeClr val="accent1"/>
+            </a:effectRef>
+            <a:fontRef idx="minor">
+              <a:schemeClr val="lt1"/>
+            </a:fontRef>
+          </p:style>
+          <p:txBody>
+            <a:bodyPr rtlCol="0" anchor="ctr"/>
+            <a:lstStyle/>
+            <a:p>
+              <a:pPr algn="ctr"/>
+              <a:endParaRPr kumimoji="1" lang="ja-JP" altLang="en-US"/>
+            </a:p>
+          </p:txBody>
+        </p:sp>
+        <p:sp>
+          <p:nvSpPr>
+            <p:cNvPr id="5" name="テキスト ボックス 4"/>
+            <p:cNvSpPr txBox="1"/>
+            <p:nvPr/>
+          </p:nvSpPr>
+          <p:spPr>
+            <a:xfrm>
+              <a:off x="1497933" y="4960018"/>
+              <a:ext cx="2032000" cy="461665"/>
+            </a:xfrm>
+            <a:prstGeom prst="rect">
+              <a:avLst/>
+            </a:prstGeom>
+            <a:noFill/>
+          </p:spPr>
+          <p:txBody>
+            <a:bodyPr wrap="square" rtlCol="0">
+              <a:spAutoFit/>
+            </a:bodyPr>
+            <a:lstStyle/>
+            <a:p>
+              <a:r>
+                <a:rPr lang="ja-JP" altLang="en-US" sz="2400" dirty="0" smtClean="0">
+                  <a:solidFill>
+                    <a:srgbClr val="FF0000"/>
+                  </a:solidFill>
+                </a:rPr>
+                <a:t>見守り対象者</a:t>
+              </a:r>
+              <a:endParaRPr kumimoji="1" lang="ja-JP" altLang="en-US" sz="2400" dirty="0">
+                <a:solidFill>
+                  <a:srgbClr val="FF0000"/>
+                </a:solidFill>
+              </a:endParaRPr>
+            </a:p>
+          </p:txBody>
+        </p:sp>
+      </p:grpSp>
+      <p:grpSp>
+        <p:nvGrpSpPr>
+          <p:cNvPr id="8" name="グループ化 7"/>
+          <p:cNvGrpSpPr/>
+          <p:nvPr/>
+        </p:nvGrpSpPr>
+        <p:grpSpPr>
+          <a:xfrm>
+            <a:off x="4849072" y="3470741"/>
+            <a:ext cx="3255428" cy="2402357"/>
+            <a:chOff x="4749177" y="3578101"/>
+            <a:chExt cx="3255428" cy="2402357"/>
+          </a:xfrm>
+        </p:grpSpPr>
+        <p:pic>
+          <p:nvPicPr>
+            <p:cNvPr id="1028" name="Picture 4" descr="歩く男性会社員のイラスト"/>
+            <p:cNvPicPr>
+              <a:picLocks noChangeAspect="1" noChangeArrowheads="1"/>
+            </p:cNvPicPr>
+            <p:nvPr/>
+          </p:nvPicPr>
+          <p:blipFill>
+            <a:blip r:embed="rId3">
+              <a:extLst>
+                <a:ext uri="{28A0092B-C50C-407E-A947-70E740481C1C}">
+                  <a14:useLocalDpi xmlns:a14="http://schemas.microsoft.com/office/drawing/2010/main" val="0"/>
+                </a:ext>
+              </a:extLst>
+            </a:blip>
+            <a:srcRect/>
+            <a:stretch>
+              <a:fillRect/>
+            </a:stretch>
+          </p:blipFill>
+          <p:spPr bwMode="auto">
+            <a:xfrm>
+              <a:off x="5962240" y="3943834"/>
+              <a:ext cx="1298575" cy="1298575"/>
+            </a:xfrm>
+            <a:prstGeom prst="rect">
+              <a:avLst/>
+            </a:prstGeom>
+            <a:noFill/>
+            <a:extLst>
+              <a:ext uri="{909E8E84-426E-40DD-AFC4-6F175D3DCCD1}">
+                <a14:hiddenFill xmlns:a14="http://schemas.microsoft.com/office/drawing/2010/main">
+                  <a:solidFill>
+                    <a:srgbClr val="FFFFFF"/>
+                  </a:solidFill>
+                </a14:hiddenFill>
+              </a:ext>
+            </a:extLst>
+          </p:spPr>
+        </p:pic>
+        <p:pic>
+          <p:nvPicPr>
+            <p:cNvPr id="1030" name="Picture 6" descr="歩く女性会社員のイラスト"/>
+            <p:cNvPicPr>
+              <a:picLocks noChangeAspect="1" noChangeArrowheads="1"/>
+            </p:cNvPicPr>
+            <p:nvPr/>
+          </p:nvPicPr>
+          <p:blipFill>
+            <a:blip r:embed="rId4">
+              <a:extLst>
+                <a:ext uri="{28A0092B-C50C-407E-A947-70E740481C1C}">
+                  <a14:useLocalDpi xmlns:a14="http://schemas.microsoft.com/office/drawing/2010/main" val="0"/>
+                </a:ext>
+              </a:extLst>
+            </a:blip>
+            <a:srcRect/>
+            <a:stretch>
+              <a:fillRect/>
+            </a:stretch>
+          </p:blipFill>
+          <p:spPr bwMode="auto">
+            <a:xfrm>
+              <a:off x="5278281" y="3860950"/>
+              <a:ext cx="1098610" cy="1098610"/>
+            </a:xfrm>
+            <a:prstGeom prst="rect">
+              <a:avLst/>
+            </a:prstGeom>
+            <a:noFill/>
+            <a:extLst>
+              <a:ext uri="{909E8E84-426E-40DD-AFC4-6F175D3DCCD1}">
+                <a14:hiddenFill xmlns:a14="http://schemas.microsoft.com/office/drawing/2010/main">
+                  <a:solidFill>
+                    <a:srgbClr val="FFFFFF"/>
+                  </a:solidFill>
+                </a14:hiddenFill>
+              </a:ext>
+            </a:extLst>
+          </p:spPr>
+        </p:pic>
+        <p:grpSp>
+          <p:nvGrpSpPr>
+            <p:cNvPr id="12" name="グループ化 11"/>
+            <p:cNvGrpSpPr/>
+            <p:nvPr/>
+          </p:nvGrpSpPr>
+          <p:grpSpPr>
+            <a:xfrm>
+              <a:off x="4749177" y="3578101"/>
+              <a:ext cx="3255428" cy="2402357"/>
+              <a:chOff x="886219" y="3287243"/>
+              <a:chExt cx="3255428" cy="2402357"/>
+            </a:xfrm>
+          </p:grpSpPr>
+          <p:sp>
+            <p:nvSpPr>
+              <p:cNvPr id="14" name="円/楕円 13"/>
+              <p:cNvSpPr/>
+              <p:nvPr/>
+            </p:nvSpPr>
+            <p:spPr>
+              <a:xfrm>
+                <a:off x="886219" y="3287243"/>
+                <a:ext cx="3255428" cy="2402357"/>
+              </a:xfrm>
+              <a:prstGeom prst="ellipse">
+                <a:avLst/>
+              </a:prstGeom>
+              <a:noFill/>
+              <a:ln w="38100">
+                <a:solidFill>
+                  <a:schemeClr val="accent1"/>
+                </a:solidFill>
+              </a:ln>
+            </p:spPr>
+            <p:style>
+              <a:lnRef idx="2">
+                <a:schemeClr val="accent1">
+                  <a:shade val="50000"/>
+                </a:schemeClr>
+              </a:lnRef>
+              <a:fillRef idx="1">
+                <a:schemeClr val="accent1"/>
+              </a:fillRef>
+              <a:effectRef idx="0">
+                <a:schemeClr val="accent1"/>
+              </a:effectRef>
+              <a:fontRef idx="minor">
+                <a:schemeClr val="lt1"/>
+              </a:fontRef>
+            </p:style>
+            <p:txBody>
+              <a:bodyPr rtlCol="0" anchor="ctr"/>
+              <a:lstStyle/>
+              <a:p>
+                <a:pPr algn="ctr"/>
+                <a:endParaRPr kumimoji="1" lang="ja-JP" altLang="en-US"/>
+              </a:p>
+            </p:txBody>
+          </p:sp>
+          <p:sp>
+            <p:nvSpPr>
+              <p:cNvPr id="16" name="テキスト ボックス 15"/>
+              <p:cNvSpPr txBox="1"/>
+              <p:nvPr/>
+            </p:nvSpPr>
+            <p:spPr>
+              <a:xfrm>
+                <a:off x="1328598" y="4951551"/>
+                <a:ext cx="2343776" cy="461665"/>
+              </a:xfrm>
+              <a:prstGeom prst="rect">
+                <a:avLst/>
+              </a:prstGeom>
+              <a:noFill/>
+            </p:spPr>
+            <p:txBody>
+              <a:bodyPr wrap="square" rtlCol="0">
+                <a:spAutoFit/>
+              </a:bodyPr>
+              <a:lstStyle/>
+              <a:p>
+                <a:r>
+                  <a:rPr lang="ja-JP" altLang="en-US" sz="2400" dirty="0" smtClean="0">
+                    <a:solidFill>
+                      <a:srgbClr val="0070C0"/>
+                    </a:solidFill>
+                  </a:rPr>
+                  <a:t>非見守り対象者</a:t>
+                </a:r>
+                <a:endParaRPr kumimoji="1" lang="ja-JP" altLang="en-US" sz="2400" dirty="0">
+                  <a:solidFill>
+                    <a:srgbClr val="0070C0"/>
+                  </a:solidFill>
+                </a:endParaRPr>
+              </a:p>
+            </p:txBody>
+          </p:sp>
+        </p:grpSp>
+      </p:grpSp>
     </p:spTree>
     <p:extLst>
       <p:ext uri="{BB962C8B-B14F-4D97-AF65-F5344CB8AC3E}">
@@ -6119,32 +6531,38 @@
       </p:sp>
       <p:sp>
         <p:nvSpPr>
-          <p:cNvPr id="17" name="楕円 16"/>
+          <p:cNvPr id="9" name="右矢印 8"/>
           <p:cNvSpPr/>
           <p:nvPr/>
         </p:nvSpPr>
         <p:spPr>
           <a:xfrm>
-            <a:off x="355069" y="4927126"/>
-            <a:ext cx="3435409" cy="1162228"/>
+            <a:off x="3583370" y="4410833"/>
+            <a:ext cx="971050" cy="660400"/>
           </a:xfrm>
-          <a:prstGeom prst="ellipse">
+          <a:prstGeom prst="rightArrow">
             <a:avLst/>
           </a:prstGeom>
-          <a:ln w="38100"/>
+          <a:ln w="38100">
+            <a:solidFill>
+              <a:schemeClr val="accent2"/>
+            </a:solidFill>
+          </a:ln>
         </p:spPr>
         <p:style>
           <a:lnRef idx="2">
-            <a:schemeClr val="accent2"/>
+            <a:schemeClr val="accent2">
+              <a:shade val="50000"/>
+            </a:schemeClr>
           </a:lnRef>
           <a:fillRef idx="1">
-            <a:schemeClr val="lt1"/>
+            <a:schemeClr val="accent2"/>
           </a:fillRef>
           <a:effectRef idx="0">
             <a:schemeClr val="accent2"/>
           </a:effectRef>
           <a:fontRef idx="minor">
-            <a:schemeClr val="dk1"/>
+            <a:schemeClr val="lt1"/>
           </a:fontRef>
         </p:style>
         <p:txBody>
@@ -6164,8 +6582,8 @@
         </p:nvSpPr>
         <p:spPr>
           <a:xfrm>
-            <a:off x="566764" y="1217674"/>
-            <a:ext cx="7876481" cy="1015663"/>
+            <a:off x="353611" y="1096727"/>
+            <a:ext cx="8449049" cy="1107996"/>
           </a:xfrm>
           <a:prstGeom prst="rect">
             <a:avLst/>
@@ -6179,95 +6597,64 @@
           <a:lstStyle/>
           <a:p>
             <a:r>
-              <a:rPr kumimoji="1" lang="ja-JP" altLang="en-US" sz="2000" dirty="0" smtClean="0"/>
-              <a:t>非対象者のプライバシデータはサービスに不要である．</a:t>
-            </a:r>
-            <a:endParaRPr kumimoji="1" lang="en-US" altLang="ja-JP" sz="2000" dirty="0" smtClean="0"/>
-          </a:p>
-          <a:p>
-            <a:r>
-              <a:rPr lang="ja-JP" altLang="en-US" sz="2000" dirty="0"/>
+              <a:rPr kumimoji="1" lang="ja-JP" altLang="en-US" sz="2200" dirty="0" smtClean="0">
+                <a:solidFill>
+                  <a:srgbClr val="0070C0"/>
+                </a:solidFill>
+              </a:rPr>
+              <a:t>非対象者のプライバシデータ</a:t>
+            </a:r>
+            <a:r>
+              <a:rPr kumimoji="1" lang="ja-JP" altLang="en-US" sz="2200" dirty="0" smtClean="0"/>
+              <a:t>はサービスに不要である．</a:t>
+            </a:r>
+            <a:endParaRPr kumimoji="1" lang="en-US" altLang="ja-JP" sz="2200" dirty="0" smtClean="0"/>
+          </a:p>
+          <a:p>
+            <a:r>
+              <a:rPr lang="ja-JP" altLang="en-US" sz="2200" dirty="0"/>
               <a:t>サービス</a:t>
             </a:r>
             <a:r>
-              <a:rPr lang="ja-JP" altLang="en-US" sz="2000" dirty="0" smtClean="0"/>
+              <a:rPr lang="ja-JP" altLang="en-US" sz="2200" dirty="0" smtClean="0"/>
               <a:t>に</a:t>
             </a:r>
             <a:r>
-              <a:rPr lang="ja-JP" altLang="en-US" sz="2000" dirty="0"/>
+              <a:rPr lang="ja-JP" altLang="en-US" sz="2200" dirty="0"/>
               <a:t>無関係</a:t>
             </a:r>
             <a:r>
-              <a:rPr lang="ja-JP" altLang="en-US" sz="2000" dirty="0" smtClean="0"/>
+              <a:rPr lang="ja-JP" altLang="en-US" sz="2200" dirty="0" smtClean="0"/>
               <a:t>な</a:t>
             </a:r>
             <a:r>
-              <a:rPr lang="ja-JP" altLang="en-US" sz="2000" dirty="0"/>
+              <a:rPr lang="ja-JP" altLang="en-US" sz="2200" dirty="0"/>
               <a:t>プライバシデータの流出比を表現</a:t>
             </a:r>
             <a:r>
-              <a:rPr lang="ja-JP" altLang="en-US" sz="2000" dirty="0" smtClean="0"/>
+              <a:rPr lang="ja-JP" altLang="en-US" sz="2200" dirty="0" smtClean="0"/>
               <a:t>するために，</a:t>
             </a:r>
             <a:r>
-              <a:rPr lang="en-US" altLang="ja-JP" sz="2000" dirty="0" smtClean="0"/>
+              <a:rPr lang="en-US" altLang="ja-JP" sz="2200" dirty="0" smtClean="0"/>
               <a:t/>
             </a:r>
             <a:br>
-              <a:rPr lang="en-US" altLang="ja-JP" sz="2000" dirty="0" smtClean="0"/>
+              <a:rPr lang="en-US" altLang="ja-JP" sz="2200" dirty="0" smtClean="0"/>
             </a:br>
             <a:r>
-              <a:rPr kumimoji="1" lang="ja-JP" altLang="en-US" sz="2000" dirty="0" smtClean="0"/>
+              <a:rPr kumimoji="1" lang="ja-JP" altLang="en-US" sz="2200" dirty="0" smtClean="0"/>
               <a:t>次の式のように</a:t>
             </a:r>
             <a:r>
-              <a:rPr kumimoji="1" lang="en-US" altLang="ja-JP" sz="2000" dirty="0" smtClean="0"/>
+              <a:rPr kumimoji="1" lang="en-US" altLang="ja-JP" sz="2200" dirty="0" smtClean="0"/>
               <a:t>NPD</a:t>
             </a:r>
             <a:r>
-              <a:rPr kumimoji="1" lang="ja-JP" altLang="en-US" sz="2000" dirty="0" smtClean="0"/>
+              <a:rPr kumimoji="1" lang="ja-JP" altLang="en-US" sz="2200" dirty="0" smtClean="0"/>
               <a:t>流出比を定義した．</a:t>
             </a:r>
-            <a:endParaRPr kumimoji="1" lang="en-US" altLang="ja-JP" sz="2000" dirty="0" smtClean="0"/>
-          </a:p>
-        </p:txBody>
-      </p:sp>
-      <p:sp>
-        <p:nvSpPr>
-          <p:cNvPr id="18" name="楕円 17"/>
-          <p:cNvSpPr/>
-          <p:nvPr/>
-        </p:nvSpPr>
-        <p:spPr>
-          <a:xfrm>
-            <a:off x="4026438" y="4815825"/>
-            <a:ext cx="4025069" cy="1384830"/>
-          </a:xfrm>
-          <a:prstGeom prst="ellipse">
-            <a:avLst/>
-          </a:prstGeom>
-          <a:ln w="38100"/>
-        </p:spPr>
-        <p:style>
-          <a:lnRef idx="2">
-            <a:schemeClr val="accent6"/>
-          </a:lnRef>
-          <a:fillRef idx="1">
-            <a:schemeClr val="lt1"/>
-          </a:fillRef>
-          <a:effectRef idx="0">
-            <a:schemeClr val="accent6"/>
-          </a:effectRef>
-          <a:fontRef idx="minor">
-            <a:schemeClr val="dk1"/>
-          </a:fontRef>
-        </p:style>
-        <p:txBody>
-          <a:bodyPr rtlCol="0" anchor="ctr"/>
-          <a:lstStyle/>
-          <a:p>
-            <a:pPr algn="ctr"/>
-            <a:endParaRPr kumimoji="1" lang="ja-JP" altLang="en-US"/>
+            <a:endParaRPr kumimoji="1" lang="en-US" altLang="ja-JP" sz="2200" dirty="0" smtClean="0"/>
           </a:p>
         </p:txBody>
       </p:sp>
@@ -6279,10 +6666,10 @@
         </p:nvGrpSpPr>
         <p:grpSpPr>
           <a:xfrm>
-            <a:off x="377327" y="3281675"/>
-            <a:ext cx="8520156" cy="870683"/>
-            <a:chOff x="256374" y="4829916"/>
-            <a:chExt cx="9069561" cy="870683"/>
+            <a:off x="-10894" y="2647391"/>
+            <a:ext cx="9338929" cy="901460"/>
+            <a:chOff x="179171" y="4829916"/>
+            <a:chExt cx="9941130" cy="901460"/>
           </a:xfrm>
         </p:grpSpPr>
         <p:sp>
@@ -6293,8 +6680,8 @@
           </p:nvSpPr>
           <p:spPr>
             <a:xfrm>
-              <a:off x="256374" y="5029971"/>
-              <a:ext cx="1991170" cy="400110"/>
+              <a:off x="179171" y="5029971"/>
+              <a:ext cx="2185538" cy="430887"/>
             </a:xfrm>
             <a:prstGeom prst="rect">
               <a:avLst/>
@@ -6308,14 +6695,18 @@
             <a:lstStyle/>
             <a:p>
               <a:r>
-                <a:rPr kumimoji="1" lang="en-US" altLang="ja-JP" sz="2000" dirty="0" smtClean="0"/>
+                <a:rPr kumimoji="1" lang="en-US" altLang="ja-JP" sz="2200" dirty="0" smtClean="0"/>
                 <a:t>NPD</a:t>
               </a:r>
               <a:r>
-                <a:rPr kumimoji="1" lang="ja-JP" altLang="en-US" sz="2000" dirty="0" smtClean="0"/>
-                <a:t>流出比  ＝ </a:t>
+                <a:rPr kumimoji="1" lang="ja-JP" altLang="en-US" sz="2200" dirty="0" smtClean="0"/>
+                <a:t>流出比 </a:t>
               </a:r>
-              <a:endParaRPr kumimoji="1" lang="ja-JP" altLang="en-US" sz="2000" dirty="0"/>
+              <a:r>
+                <a:rPr kumimoji="1" lang="ja-JP" altLang="en-US" sz="2200" dirty="0" smtClean="0"/>
+                <a:t>＝</a:t>
+              </a:r>
+              <a:endParaRPr kumimoji="1" lang="ja-JP" altLang="en-US" sz="2200" dirty="0"/>
             </a:p>
           </p:txBody>
         </p:sp>
@@ -6328,7 +6719,7 @@
           <p:spPr>
             <a:xfrm>
               <a:off x="1931348" y="5300489"/>
-              <a:ext cx="7394587" cy="400110"/>
+              <a:ext cx="8188953" cy="430887"/>
             </a:xfrm>
             <a:prstGeom prst="rect">
               <a:avLst/>
@@ -6342,10 +6733,30 @@
             <a:lstStyle/>
             <a:p>
               <a:r>
-                <a:rPr kumimoji="1" lang="ja-JP" altLang="en-US" sz="2000" dirty="0" smtClean="0"/>
-                <a:t>対象者のプライバシデータ ＋ 非対象者のプライバシデータ</a:t>
+                <a:rPr kumimoji="1" lang="ja-JP" altLang="en-US" sz="2200" dirty="0" smtClean="0">
+                  <a:solidFill>
+                    <a:srgbClr val="FF0000"/>
+                  </a:solidFill>
+                </a:rPr>
+                <a:t>対象者のプライバシデータ </a:t>
               </a:r>
-              <a:endParaRPr kumimoji="1" lang="ja-JP" altLang="en-US" sz="2000" dirty="0"/>
+              <a:r>
+                <a:rPr kumimoji="1" lang="ja-JP" altLang="en-US" sz="2200" dirty="0" smtClean="0"/>
+                <a:t>＋ </a:t>
+              </a:r>
+              <a:r>
+                <a:rPr kumimoji="1" lang="ja-JP" altLang="en-US" sz="2200" dirty="0" smtClean="0">
+                  <a:solidFill>
+                    <a:srgbClr val="0070C0"/>
+                  </a:solidFill>
+                </a:rPr>
+                <a:t>非対象者のプライバシデータ</a:t>
+              </a:r>
+              <a:endParaRPr kumimoji="1" lang="ja-JP" altLang="en-US" sz="2200" dirty="0">
+                <a:solidFill>
+                  <a:srgbClr val="0070C0"/>
+                </a:solidFill>
+              </a:endParaRPr>
             </a:p>
           </p:txBody>
         </p:sp>
@@ -6358,7 +6769,7 @@
           <p:spPr>
             <a:xfrm>
               <a:off x="2162087" y="5230026"/>
-              <a:ext cx="6900040" cy="0"/>
+              <a:ext cx="7624539" cy="0"/>
             </a:xfrm>
             <a:prstGeom prst="line">
               <a:avLst/>
@@ -6389,7 +6800,7 @@
           <p:spPr>
             <a:xfrm>
               <a:off x="3733795" y="4829916"/>
-              <a:ext cx="3756624" cy="400110"/>
+              <a:ext cx="4160180" cy="430887"/>
             </a:xfrm>
             <a:prstGeom prst="rect">
               <a:avLst/>
@@ -6403,106 +6814,254 @@
             <a:lstStyle/>
             <a:p>
               <a:r>
-                <a:rPr lang="ja-JP" altLang="en-US" sz="2000" dirty="0"/>
+                <a:rPr lang="ja-JP" altLang="en-US" sz="2200" dirty="0">
+                  <a:solidFill>
+                    <a:srgbClr val="0070C0"/>
+                  </a:solidFill>
+                </a:rPr>
                 <a:t>非対象者</a:t>
               </a:r>
               <a:r>
-                <a:rPr lang="ja-JP" altLang="en-US" sz="2000" dirty="0" smtClean="0"/>
+                <a:rPr lang="ja-JP" altLang="en-US" sz="2200" dirty="0" smtClean="0">
+                  <a:solidFill>
+                    <a:srgbClr val="0070C0"/>
+                  </a:solidFill>
+                </a:rPr>
                 <a:t>のプライバシデータ</a:t>
               </a:r>
-              <a:endParaRPr kumimoji="1" lang="ja-JP" altLang="en-US" sz="2000" dirty="0"/>
+              <a:endParaRPr kumimoji="1" lang="ja-JP" altLang="en-US" sz="2200" dirty="0">
+                <a:solidFill>
+                  <a:srgbClr val="0070C0"/>
+                </a:solidFill>
+              </a:endParaRPr>
             </a:p>
           </p:txBody>
         </p:sp>
       </p:grpSp>
-      <p:sp>
-        <p:nvSpPr>
-          <p:cNvPr id="10" name="テキスト ボックス 9"/>
-          <p:cNvSpPr txBox="1"/>
+      <p:grpSp>
+        <p:nvGrpSpPr>
+          <p:cNvPr id="7" name="グループ化 6"/>
+          <p:cNvGrpSpPr/>
           <p:nvPr/>
-        </p:nvSpPr>
-        <p:spPr>
+        </p:nvGrpSpPr>
+        <p:grpSpPr>
           <a:xfrm>
-            <a:off x="566764" y="5197644"/>
-            <a:ext cx="3012021" cy="461665"/>
+            <a:off x="324546" y="4068969"/>
+            <a:ext cx="3435409" cy="1344128"/>
+            <a:chOff x="355069" y="4927126"/>
+            <a:chExt cx="3435409" cy="1162228"/>
           </a:xfrm>
-          <a:prstGeom prst="rect">
-            <a:avLst/>
-          </a:prstGeom>
-          <a:noFill/>
-        </p:spPr>
-        <p:txBody>
-          <a:bodyPr wrap="square" rtlCol="0">
-            <a:spAutoFit/>
-          </a:bodyPr>
-          <a:lstStyle/>
-          <a:p>
-            <a:r>
-              <a:rPr lang="en-US" altLang="ja-JP" sz="2400" dirty="0">
-                <a:solidFill>
-                  <a:srgbClr val="FF0000"/>
-                </a:solidFill>
-              </a:rPr>
-              <a:t>NPD</a:t>
-            </a:r>
-            <a:r>
-              <a:rPr lang="ja-JP" altLang="en-US" sz="2400" dirty="0">
-                <a:solidFill>
-                  <a:srgbClr val="FF0000"/>
-                </a:solidFill>
-              </a:rPr>
-              <a:t>流出比が</a:t>
-            </a:r>
-            <a:r>
-              <a:rPr lang="ja-JP" altLang="en-US" sz="2400" dirty="0" smtClean="0">
-                <a:solidFill>
-                  <a:srgbClr val="FF0000"/>
-                </a:solidFill>
-              </a:rPr>
-              <a:t>小さい</a:t>
-            </a:r>
-            <a:endParaRPr lang="ja-JP" altLang="en-US" sz="2400" dirty="0">
-              <a:solidFill>
-                <a:srgbClr val="FF0000"/>
-              </a:solidFill>
-            </a:endParaRPr>
-          </a:p>
-        </p:txBody>
-      </p:sp>
-      <p:sp>
-        <p:nvSpPr>
-          <p:cNvPr id="16" name="テキスト ボックス 15"/>
-          <p:cNvSpPr txBox="1"/>
+        </p:grpSpPr>
+        <p:sp>
+          <p:nvSpPr>
+            <p:cNvPr id="17" name="楕円 16"/>
+            <p:cNvSpPr/>
+            <p:nvPr/>
+          </p:nvSpPr>
+          <p:spPr>
+            <a:xfrm>
+              <a:off x="355069" y="4927126"/>
+              <a:ext cx="3435409" cy="1162228"/>
+            </a:xfrm>
+            <a:prstGeom prst="ellipse">
+              <a:avLst/>
+            </a:prstGeom>
+            <a:ln w="38100"/>
+          </p:spPr>
+          <p:style>
+            <a:lnRef idx="2">
+              <a:schemeClr val="accent2"/>
+            </a:lnRef>
+            <a:fillRef idx="1">
+              <a:schemeClr val="lt1"/>
+            </a:fillRef>
+            <a:effectRef idx="0">
+              <a:schemeClr val="accent2"/>
+            </a:effectRef>
+            <a:fontRef idx="minor">
+              <a:schemeClr val="dk1"/>
+            </a:fontRef>
+          </p:style>
+          <p:txBody>
+            <a:bodyPr rtlCol="0" anchor="ctr"/>
+            <a:lstStyle/>
+            <a:p>
+              <a:pPr algn="ctr"/>
+              <a:endParaRPr kumimoji="1" lang="ja-JP" altLang="en-US"/>
+            </a:p>
+          </p:txBody>
+        </p:sp>
+        <p:sp>
+          <p:nvSpPr>
+            <p:cNvPr id="10" name="テキスト ボックス 9"/>
+            <p:cNvSpPr txBox="1"/>
+            <p:nvPr/>
+          </p:nvSpPr>
+          <p:spPr>
+            <a:xfrm>
+              <a:off x="411942" y="5260473"/>
+              <a:ext cx="3364880" cy="523220"/>
+            </a:xfrm>
+            <a:prstGeom prst="rect">
+              <a:avLst/>
+            </a:prstGeom>
+            <a:noFill/>
+          </p:spPr>
+          <p:txBody>
+            <a:bodyPr wrap="square" rtlCol="0">
+              <a:spAutoFit/>
+            </a:bodyPr>
+            <a:lstStyle/>
+            <a:p>
+              <a:r>
+                <a:rPr lang="en-US" altLang="ja-JP" sz="2800" dirty="0">
+                  <a:solidFill>
+                    <a:srgbClr val="0070C0"/>
+                  </a:solidFill>
+                </a:rPr>
+                <a:t>NPD</a:t>
+              </a:r>
+              <a:r>
+                <a:rPr lang="ja-JP" altLang="en-US" sz="2800" dirty="0">
+                  <a:solidFill>
+                    <a:srgbClr val="0070C0"/>
+                  </a:solidFill>
+                </a:rPr>
+                <a:t>流出比</a:t>
+              </a:r>
+              <a:r>
+                <a:rPr lang="ja-JP" altLang="en-US" sz="2800" dirty="0"/>
+                <a:t>が</a:t>
+              </a:r>
+              <a:r>
+                <a:rPr lang="ja-JP" altLang="en-US" sz="2800" dirty="0" smtClean="0"/>
+                <a:t>小さい</a:t>
+              </a:r>
+              <a:endParaRPr lang="ja-JP" altLang="en-US" sz="2800" dirty="0"/>
+            </a:p>
+          </p:txBody>
+        </p:sp>
+      </p:grpSp>
+      <p:grpSp>
+        <p:nvGrpSpPr>
+          <p:cNvPr id="3" name="グループ化 2"/>
+          <p:cNvGrpSpPr/>
           <p:nvPr/>
-        </p:nvSpPr>
-        <p:spPr>
+        </p:nvGrpSpPr>
+        <p:grpSpPr>
           <a:xfrm>
-            <a:off x="4026438" y="5197644"/>
-            <a:ext cx="4271528" cy="461665"/>
+            <a:off x="4664490" y="3890280"/>
+            <a:ext cx="3683643" cy="1738313"/>
+            <a:chOff x="4637405" y="4709571"/>
+            <a:chExt cx="4025069" cy="1384830"/>
           </a:xfrm>
-          <a:prstGeom prst="rect">
-            <a:avLst/>
-          </a:prstGeom>
-          <a:noFill/>
-        </p:spPr>
-        <p:txBody>
-          <a:bodyPr wrap="square" rtlCol="0">
-            <a:spAutoFit/>
-          </a:bodyPr>
-          <a:lstStyle/>
-          <a:p>
-            <a:r>
-              <a:rPr lang="ja-JP" altLang="en-US" sz="2400" dirty="0">
-                <a:solidFill>
-                  <a:srgbClr val="FF0000"/>
-                </a:solidFill>
-              </a:rPr>
-              <a:t>プライバシ保護に優れている</a:t>
-            </a:r>
-            <a:endParaRPr kumimoji="1" lang="ja-JP" altLang="en-US" sz="2400" dirty="0"/>
-          </a:p>
-        </p:txBody>
-      </p:sp>
+        </p:grpSpPr>
+        <p:sp>
+          <p:nvSpPr>
+            <p:cNvPr id="18" name="楕円 17"/>
+            <p:cNvSpPr/>
+            <p:nvPr/>
+          </p:nvSpPr>
+          <p:spPr>
+            <a:xfrm>
+              <a:off x="4637405" y="4709571"/>
+              <a:ext cx="4025069" cy="1384830"/>
+            </a:xfrm>
+            <a:prstGeom prst="ellipse">
+              <a:avLst/>
+            </a:prstGeom>
+            <a:ln w="38100"/>
+          </p:spPr>
+          <p:style>
+            <a:lnRef idx="2">
+              <a:schemeClr val="accent6"/>
+            </a:lnRef>
+            <a:fillRef idx="1">
+              <a:schemeClr val="lt1"/>
+            </a:fillRef>
+            <a:effectRef idx="0">
+              <a:schemeClr val="accent6"/>
+            </a:effectRef>
+            <a:fontRef idx="minor">
+              <a:schemeClr val="dk1"/>
+            </a:fontRef>
+          </p:style>
+          <p:txBody>
+            <a:bodyPr rtlCol="0" anchor="ctr"/>
+            <a:lstStyle/>
+            <a:p>
+              <a:pPr algn="ctr"/>
+              <a:endParaRPr kumimoji="1" lang="ja-JP" altLang="en-US" sz="2000"/>
+            </a:p>
+          </p:txBody>
+        </p:sp>
+        <p:sp>
+          <p:nvSpPr>
+            <p:cNvPr id="16" name="テキスト ボックス 15"/>
+            <p:cNvSpPr txBox="1"/>
+            <p:nvPr/>
+          </p:nvSpPr>
+          <p:spPr>
+            <a:xfrm>
+              <a:off x="4979350" y="4946635"/>
+              <a:ext cx="3316300" cy="858168"/>
+            </a:xfrm>
+            <a:prstGeom prst="rect">
+              <a:avLst/>
+            </a:prstGeom>
+            <a:noFill/>
+          </p:spPr>
+          <p:txBody>
+            <a:bodyPr wrap="square" rtlCol="0">
+              <a:spAutoFit/>
+            </a:bodyPr>
+            <a:lstStyle/>
+            <a:p>
+              <a:pPr algn="ctr"/>
+              <a:r>
+                <a:rPr lang="ja-JP" altLang="en-US" sz="3200" dirty="0">
+                  <a:solidFill>
+                    <a:srgbClr val="FF0000"/>
+                  </a:solidFill>
+                </a:rPr>
+                <a:t>プライバシ</a:t>
+              </a:r>
+              <a:r>
+                <a:rPr lang="ja-JP" altLang="en-US" sz="3200" dirty="0" smtClean="0">
+                  <a:solidFill>
+                    <a:srgbClr val="FF0000"/>
+                  </a:solidFill>
+                </a:rPr>
+                <a:t>保護</a:t>
+              </a:r>
+              <a:r>
+                <a:rPr lang="en-US" altLang="ja-JP" sz="3200" dirty="0" smtClean="0">
+                  <a:solidFill>
+                    <a:srgbClr val="FF0000"/>
+                  </a:solidFill>
+                </a:rPr>
+                <a:t/>
+              </a:r>
+              <a:br>
+                <a:rPr lang="en-US" altLang="ja-JP" sz="3200" dirty="0" smtClean="0">
+                  <a:solidFill>
+                    <a:srgbClr val="FF0000"/>
+                  </a:solidFill>
+                </a:rPr>
+              </a:br>
+              <a:r>
+                <a:rPr lang="ja-JP" altLang="en-US" sz="3200" dirty="0" smtClean="0">
+                  <a:solidFill>
+                    <a:srgbClr val="FF0000"/>
+                  </a:solidFill>
+                </a:rPr>
+                <a:t>に優れる</a:t>
+              </a:r>
+              <a:endParaRPr kumimoji="1" lang="ja-JP" altLang="en-US" sz="3200" dirty="0"/>
+            </a:p>
+          </p:txBody>
+        </p:sp>
+      </p:grpSp>
       <p:sp>
         <p:nvSpPr>
           <p:cNvPr id="19" name="テキスト ボックス 18"/>
@@ -6511,7 +7070,7 @@
         </p:nvSpPr>
         <p:spPr>
           <a:xfrm>
-            <a:off x="2247878" y="2430490"/>
+            <a:off x="5532364" y="1864893"/>
             <a:ext cx="3281586" cy="369332"/>
           </a:xfrm>
           <a:prstGeom prst="rect">
@@ -6601,8 +7160,8 @@
         </p:nvSpPr>
         <p:spPr>
           <a:xfrm>
-            <a:off x="143934" y="891693"/>
-            <a:ext cx="8216143" cy="830997"/>
+            <a:off x="1291548" y="932972"/>
+            <a:ext cx="5562599" cy="830997"/>
           </a:xfrm>
           <a:prstGeom prst="rect">
             <a:avLst/>
@@ -6621,15 +7180,7 @@
                   <a:srgbClr val="FF0000"/>
                 </a:solidFill>
               </a:rPr>
-              <a:t>人流センサ群の</a:t>
-            </a:r>
-            <a:r>
-              <a:rPr lang="ja-JP" altLang="en-US" sz="2400" dirty="0" smtClean="0">
-                <a:solidFill>
-                  <a:srgbClr val="FF0000"/>
-                </a:solidFill>
-              </a:rPr>
-              <a:t>情報</a:t>
+              <a:t>人流センサ群の情報</a:t>
             </a:r>
             <a:r>
               <a:rPr lang="en-US" altLang="ja-JP" sz="2400" dirty="0" smtClean="0">
@@ -6661,7 +7212,30 @@
                   <a:srgbClr val="FF0000"/>
                 </a:solidFill>
               </a:rPr>
-              <a:t>を非対象者の動きに変換する．</a:t>
+              <a:t>を</a:t>
+            </a:r>
+            <a:endParaRPr lang="en-US" altLang="ja-JP" sz="2400" dirty="0" smtClean="0">
+              <a:solidFill>
+                <a:srgbClr val="FF0000"/>
+              </a:solidFill>
+            </a:endParaRPr>
+          </a:p>
+          <a:p>
+            <a:r>
+              <a:rPr lang="ja-JP" altLang="en-US" sz="2400" dirty="0" smtClean="0">
+                <a:solidFill>
+                  <a:srgbClr val="FF0000"/>
+                </a:solidFill>
+              </a:rPr>
+              <a:t>非対象者</a:t>
+            </a:r>
+            <a:r>
+              <a:rPr lang="ja-JP" altLang="en-US" sz="2400" dirty="0" smtClean="0">
+                <a:solidFill>
+                  <a:srgbClr val="FF0000"/>
+                </a:solidFill>
+              </a:rPr>
+              <a:t>の動きに変換する．</a:t>
             </a:r>
             <a:endParaRPr kumimoji="1" lang="ja-JP" altLang="en-US" sz="2400" dirty="0">
               <a:solidFill>
@@ -6745,7 +7319,7 @@
         </p:nvSpPr>
         <p:spPr>
           <a:xfrm>
-            <a:off x="248351" y="5872801"/>
+            <a:off x="333017" y="5878202"/>
             <a:ext cx="7766839" cy="646331"/>
           </a:xfrm>
           <a:prstGeom prst="rect">
@@ -6753,11 +7327,7 @@
           </a:prstGeom>
           <a:noFill/>
           <a:ln>
-            <a:solidFill>
-              <a:schemeClr val="bg2">
-                <a:lumMod val="75000"/>
-              </a:schemeClr>
-            </a:solidFill>
+            <a:noFill/>
           </a:ln>
         </p:spPr>
         <p:txBody>
@@ -6966,8 +7536,8 @@
         </p:nvSpPr>
         <p:spPr>
           <a:xfrm>
-            <a:off x="867695" y="1759698"/>
-            <a:ext cx="6943161" cy="830997"/>
+            <a:off x="786991" y="2052185"/>
+            <a:ext cx="7556638" cy="830997"/>
           </a:xfrm>
           <a:prstGeom prst="rect">
             <a:avLst/>
@@ -6982,26 +7552,15 @@
           <a:p>
             <a:r>
               <a:rPr kumimoji="1" lang="ja-JP" altLang="en-US" sz="2400" dirty="0" smtClean="0"/>
-              <a:t>そこで図のように</a:t>
+              <a:t>そこで図のようにカメラを設置し</a:t>
             </a:r>
             <a:r>
               <a:rPr kumimoji="1" lang="ja-JP" altLang="en-US" sz="2400" dirty="0" smtClean="0"/>
-              <a:t>カメラを設置し，</a:t>
-            </a:r>
-            <a:r>
-              <a:rPr kumimoji="1" lang="en-US" altLang="ja-JP" sz="2400" dirty="0" smtClean="0"/>
-              <a:t/>
-            </a:r>
-            <a:br>
-              <a:rPr kumimoji="1" lang="en-US" altLang="ja-JP" sz="2400" dirty="0" smtClean="0"/>
-            </a:br>
+              <a:t>，人流センサデータからプライバシデータへの変換を実現する</a:t>
+            </a:r>
             <a:r>
               <a:rPr kumimoji="1" lang="ja-JP" altLang="en-US" sz="2400" dirty="0" smtClean="0"/>
-              <a:t>人流センサデータをプライバシデータへ</a:t>
-            </a:r>
-            <a:r>
-              <a:rPr kumimoji="1" lang="ja-JP" altLang="en-US" sz="2400" dirty="0" smtClean="0"/>
-              <a:t>変換する．</a:t>
+              <a:t>．</a:t>
             </a:r>
             <a:endParaRPr kumimoji="1" lang="ja-JP" altLang="en-US" sz="2400" dirty="0"/>
           </a:p>
@@ -7182,15 +7741,16 @@
             <a:bodyPr vert="eaVert" rtlCol="0" anchor="ctr"/>
             <a:lstStyle/>
             <a:p>
+              <a:pPr algn="ctr"/>
               <a:r>
-                <a:rPr kumimoji="1" lang="ja-JP" altLang="en-US" sz="1400" dirty="0" smtClean="0"/>
-                <a:t>　　　　　</a:t>
+                <a:rPr kumimoji="1" lang="ja-JP" altLang="en-US" sz="2000" dirty="0" smtClean="0"/>
+                <a:t>人流</a:t>
               </a:r>
               <a:r>
-                <a:rPr kumimoji="1" lang="ja-JP" altLang="en-US" dirty="0" smtClean="0"/>
-                <a:t>人流センサ</a:t>
+                <a:rPr kumimoji="1" lang="ja-JP" altLang="en-US" sz="2000" dirty="0" smtClean="0"/>
+                <a:t>センサ</a:t>
               </a:r>
-              <a:endParaRPr kumimoji="1" lang="ja-JP" altLang="en-US" dirty="0"/>
+              <a:endParaRPr kumimoji="1" lang="ja-JP" altLang="en-US" sz="2000" dirty="0"/>
             </a:p>
           </p:txBody>
         </p:sp>
@@ -7584,8 +8144,8 @@
         </p:nvSpPr>
         <p:spPr>
           <a:xfrm>
-            <a:off x="867695" y="1127880"/>
-            <a:ext cx="7678099" cy="461665"/>
+            <a:off x="786991" y="1034800"/>
+            <a:ext cx="7705076" cy="830997"/>
           </a:xfrm>
           <a:prstGeom prst="rect">
             <a:avLst/>
@@ -7599,12 +8159,71 @@
           <a:lstStyle/>
           <a:p>
             <a:r>
+              <a:rPr lang="ja-JP" altLang="en-US" sz="2400" dirty="0" smtClean="0">
+                <a:solidFill>
+                  <a:srgbClr val="FF0000"/>
+                </a:solidFill>
+              </a:rPr>
+              <a:t>人流</a:t>
+            </a:r>
+            <a:r>
+              <a:rPr lang="ja-JP" altLang="en-US" sz="2400" dirty="0" smtClean="0">
+                <a:solidFill>
+                  <a:srgbClr val="FF0000"/>
+                </a:solidFill>
+              </a:rPr>
+              <a:t>センサデータ</a:t>
+            </a:r>
+            <a:r>
+              <a:rPr lang="en-US" altLang="ja-JP" sz="2400" dirty="0" smtClean="0">
+                <a:solidFill>
+                  <a:srgbClr val="FF0000"/>
+                </a:solidFill>
+              </a:rPr>
+              <a:t>(</a:t>
+            </a:r>
+            <a:r>
+              <a:rPr lang="ja-JP" altLang="en-US" sz="2400" dirty="0" smtClean="0">
+                <a:solidFill>
+                  <a:srgbClr val="FF0000"/>
+                </a:solidFill>
+              </a:rPr>
+              <a:t>オープンデータ</a:t>
+            </a:r>
+            <a:r>
+              <a:rPr lang="en-US" altLang="ja-JP" sz="2400" dirty="0" smtClean="0">
+                <a:solidFill>
+                  <a:srgbClr val="FF0000"/>
+                </a:solidFill>
+              </a:rPr>
+              <a:t>)</a:t>
+            </a:r>
+            <a:r>
               <a:rPr lang="ja-JP" altLang="en-US" sz="2400" dirty="0" smtClean="0"/>
-              <a:t>人流センサデータをプライバシデー</a:t>
-            </a:r>
+              <a:t>を非対象者の動きへ，</a:t>
+            </a:r>
+            <a:r>
+              <a:rPr lang="en-US" altLang="ja-JP" sz="2400" dirty="0" smtClean="0"/>
+              <a:t/>
+            </a:r>
+            <a:br>
+              <a:rPr lang="en-US" altLang="ja-JP" sz="2400" dirty="0" smtClean="0"/>
+            </a:br>
             <a:r>
               <a:rPr lang="ja-JP" altLang="en-US" sz="2400" dirty="0" smtClean="0"/>
-              <a:t>タとして扱いたい．</a:t>
+              <a:t>非対象者の動きを</a:t>
+            </a:r>
+            <a:r>
+              <a:rPr lang="ja-JP" altLang="en-US" sz="2400" dirty="0" smtClean="0">
+                <a:solidFill>
+                  <a:srgbClr val="0070C0"/>
+                </a:solidFill>
+              </a:rPr>
+              <a:t>プライバシデータ</a:t>
+            </a:r>
+            <a:r>
+              <a:rPr lang="ja-JP" altLang="en-US" sz="2400" dirty="0" smtClean="0"/>
+              <a:t>へ変換する．</a:t>
             </a:r>
             <a:endParaRPr kumimoji="1" lang="ja-JP" altLang="en-US" sz="2400" dirty="0"/>
           </a:p>
@@ -7694,19 +8313,7 @@
           <a:p>
             <a:r>
               <a:rPr kumimoji="1" lang="ja-JP" altLang="en-US" sz="2400" dirty="0" smtClean="0"/>
-              <a:t>ある人物が駅を通過するに</a:t>
-            </a:r>
-            <a:r>
-              <a:rPr kumimoji="1" lang="ja-JP" altLang="en-US" sz="2400" dirty="0" smtClean="0"/>
-              <a:t>は最低でも二つ</a:t>
-            </a:r>
-            <a:r>
-              <a:rPr kumimoji="1" lang="ja-JP" altLang="en-US" sz="2400" dirty="0" smtClean="0"/>
-              <a:t>のセンサを</a:t>
-            </a:r>
-            <a:r>
-              <a:rPr kumimoji="1" lang="ja-JP" altLang="en-US" sz="2400" dirty="0" smtClean="0"/>
-              <a:t>通る．</a:t>
+              <a:t>ある人物が駅を通過するには最低でも二つのセンサを通る．</a:t>
             </a:r>
             <a:endParaRPr kumimoji="1" lang="ja-JP" altLang="en-US" sz="2400" dirty="0"/>
           </a:p>
@@ -7931,8 +8538,8 @@
         </p:nvSpPr>
         <p:spPr>
           <a:xfrm>
-            <a:off x="440643" y="4521135"/>
-            <a:ext cx="8021471" cy="1323439"/>
+            <a:off x="1388910" y="4575270"/>
+            <a:ext cx="6497789" cy="1323439"/>
           </a:xfrm>
           <a:prstGeom prst="rect">
             <a:avLst/>
@@ -7993,11 +8600,7 @@
             </a:br>
             <a:r>
               <a:rPr kumimoji="1" lang="ja-JP" altLang="en-US" sz="2400" dirty="0" smtClean="0"/>
-              <a:t>非対象者</a:t>
-            </a:r>
-            <a:r>
-              <a:rPr kumimoji="1" lang="ja-JP" altLang="en-US" sz="2400" dirty="0" smtClean="0"/>
-              <a:t>の人数を</a:t>
+              <a:t>非対象者の人数を</a:t>
             </a:r>
             <a:r>
               <a:rPr kumimoji="1" lang="en-US" altLang="ja-JP" sz="3200" dirty="0" smtClean="0">
@@ -8017,11 +8620,7 @@
             </a:r>
             <a:r>
               <a:rPr kumimoji="1" lang="ja-JP" altLang="en-US" sz="2400" dirty="0" smtClean="0"/>
-              <a:t>と</a:t>
-            </a:r>
-            <a:r>
-              <a:rPr kumimoji="1" lang="ja-JP" altLang="en-US" sz="2400" dirty="0" smtClean="0"/>
-              <a:t>概算した．</a:t>
+              <a:t>と概算した．</a:t>
             </a:r>
             <a:endParaRPr kumimoji="1" lang="ja-JP" altLang="en-US" sz="2400" dirty="0"/>
           </a:p>
@@ -8095,8 +8694,8 @@
         </p:nvSpPr>
         <p:spPr>
           <a:xfrm>
-            <a:off x="999257" y="1141626"/>
-            <a:ext cx="5991203" cy="523220"/>
+            <a:off x="1041592" y="1141626"/>
+            <a:ext cx="7035610" cy="584775"/>
           </a:xfrm>
           <a:prstGeom prst="rect">
             <a:avLst/>
@@ -8111,15 +8710,15 @@
           <a:p>
             <a:pPr lvl="0"/>
             <a:r>
-              <a:rPr lang="ja-JP" altLang="en-US" sz="2000" dirty="0" smtClean="0"/>
+              <a:rPr lang="ja-JP" altLang="en-US" sz="2400" dirty="0" smtClean="0"/>
               <a:t>鉄道利用者の内，学生</a:t>
             </a:r>
             <a:r>
-              <a:rPr lang="ja-JP" altLang="en-US" sz="2000" dirty="0"/>
+              <a:rPr lang="ja-JP" altLang="en-US" sz="2400" dirty="0"/>
               <a:t>の割合は全体の</a:t>
             </a:r>
             <a:r>
-              <a:rPr lang="en-US" altLang="ja-JP" sz="2800" dirty="0">
+              <a:rPr lang="en-US" altLang="ja-JP" sz="3200" dirty="0">
                 <a:solidFill>
                   <a:srgbClr val="FF0000"/>
                 </a:solidFill>
@@ -8127,7 +8726,7 @@
               <a:t>7</a:t>
             </a:r>
             <a:r>
-              <a:rPr lang="ja-JP" altLang="en-US" sz="2800" dirty="0">
+              <a:rPr lang="ja-JP" altLang="en-US" sz="3200" dirty="0">
                 <a:solidFill>
                   <a:srgbClr val="FF0000"/>
                 </a:solidFill>
@@ -8135,14 +8734,14 @@
               <a:t>％</a:t>
             </a:r>
             <a:r>
-              <a:rPr lang="ja-JP" altLang="en-US" sz="2800" dirty="0" smtClean="0">
+              <a:rPr lang="ja-JP" altLang="en-US" sz="3200" dirty="0" smtClean="0">
                 <a:solidFill>
                   <a:srgbClr val="FF0000"/>
                 </a:solidFill>
               </a:rPr>
               <a:t>程度</a:t>
             </a:r>
-            <a:endParaRPr kumimoji="1" lang="ja-JP" altLang="en-US" sz="2800" dirty="0"/>
+            <a:endParaRPr kumimoji="1" lang="ja-JP" altLang="en-US" sz="3200" dirty="0"/>
           </a:p>
         </p:txBody>
       </p:sp>
@@ -8154,8 +8753,8 @@
         </p:nvSpPr>
         <p:spPr>
           <a:xfrm>
-            <a:off x="999257" y="4383070"/>
-            <a:ext cx="7206193" cy="523220"/>
+            <a:off x="1041592" y="4519365"/>
+            <a:ext cx="6887442" cy="584775"/>
           </a:xfrm>
           <a:prstGeom prst="rect">
             <a:avLst/>
@@ -8169,15 +8768,11 @@
           <a:lstStyle/>
           <a:p>
             <a:r>
-              <a:rPr lang="ja-JP" altLang="en-US" sz="2000" dirty="0" smtClean="0"/>
-              <a:t>上の式より，対象者</a:t>
-            </a:r>
-            <a:r>
-              <a:rPr lang="ja-JP" altLang="en-US" sz="2000" dirty="0" smtClean="0"/>
-              <a:t>の最大人数を</a:t>
-            </a:r>
-            <a:r>
-              <a:rPr lang="en-US" altLang="ja-JP" sz="2800" dirty="0" smtClean="0">
+              <a:rPr lang="ja-JP" altLang="en-US" sz="2400" dirty="0" smtClean="0"/>
+              <a:t>上の式より，対象者の最大人数を</a:t>
+            </a:r>
+            <a:r>
+              <a:rPr lang="en-US" altLang="ja-JP" sz="3200" dirty="0" smtClean="0">
                 <a:solidFill>
                   <a:srgbClr val="FF0000"/>
                 </a:solidFill>
@@ -8185,7 +8780,7 @@
               <a:t>200</a:t>
             </a:r>
             <a:r>
-              <a:rPr lang="ja-JP" altLang="en-US" sz="2800" dirty="0" smtClean="0">
+              <a:rPr lang="ja-JP" altLang="en-US" sz="3200" dirty="0" smtClean="0">
                 <a:solidFill>
                   <a:srgbClr val="FF0000"/>
                 </a:solidFill>
@@ -8193,14 +8788,10 @@
               <a:t>人</a:t>
             </a:r>
             <a:r>
-              <a:rPr lang="ja-JP" altLang="en-US" sz="2000" dirty="0" smtClean="0"/>
-              <a:t>と</a:t>
-            </a:r>
-            <a:r>
-              <a:rPr lang="ja-JP" altLang="en-US" sz="2000" dirty="0" smtClean="0"/>
-              <a:t>設定</a:t>
-            </a:r>
-            <a:endParaRPr kumimoji="1" lang="ja-JP" altLang="en-US" sz="2000" dirty="0"/>
+              <a:rPr lang="ja-JP" altLang="en-US" sz="2400" dirty="0" smtClean="0"/>
+              <a:t>と設定</a:t>
+            </a:r>
+            <a:endParaRPr kumimoji="1" lang="ja-JP" altLang="en-US" sz="2400" dirty="0"/>
           </a:p>
         </p:txBody>
       </p:sp>
@@ -8267,8 +8858,8 @@
         </p:nvSpPr>
         <p:spPr>
           <a:xfrm>
-            <a:off x="999257" y="1649961"/>
-            <a:ext cx="6538134" cy="707886"/>
+            <a:off x="1041592" y="1700777"/>
+            <a:ext cx="7035610" cy="830997"/>
           </a:xfrm>
           <a:prstGeom prst="rect">
             <a:avLst/>
@@ -8282,45 +8873,45 @@
           <a:lstStyle/>
           <a:p>
             <a:r>
-              <a:rPr kumimoji="1" lang="ja-JP" altLang="en-US" sz="2000" dirty="0" smtClean="0"/>
+              <a:rPr kumimoji="1" lang="ja-JP" altLang="en-US" sz="2400" dirty="0" smtClean="0"/>
               <a:t>ここでは余裕をもって，</a:t>
             </a:r>
             <a:r>
-              <a:rPr kumimoji="1" lang="en-US" altLang="ja-JP" sz="2000" dirty="0" smtClean="0"/>
+              <a:rPr kumimoji="1" lang="en-US" altLang="ja-JP" sz="2400" dirty="0" smtClean="0"/>
               <a:t/>
             </a:r>
             <a:br>
-              <a:rPr kumimoji="1" lang="en-US" altLang="ja-JP" sz="2000" dirty="0" smtClean="0"/>
+              <a:rPr kumimoji="1" lang="en-US" altLang="ja-JP" sz="2400" dirty="0" smtClean="0"/>
             </a:br>
             <a:r>
-              <a:rPr kumimoji="1" lang="ja-JP" altLang="en-US" sz="2000" dirty="0" smtClean="0"/>
+              <a:rPr kumimoji="1" lang="ja-JP" altLang="en-US" sz="2400" dirty="0" smtClean="0"/>
               <a:t>最大で駅利用者全体の</a:t>
             </a:r>
             <a:r>
-              <a:rPr kumimoji="1" lang="en-US" altLang="ja-JP" sz="2000" dirty="0" smtClean="0"/>
+              <a:rPr kumimoji="1" lang="en-US" altLang="ja-JP" sz="2400" dirty="0" smtClean="0"/>
               <a:t>10</a:t>
             </a:r>
             <a:r>
-              <a:rPr kumimoji="1" lang="ja-JP" altLang="en-US" sz="2000" dirty="0" smtClean="0"/>
+              <a:rPr kumimoji="1" lang="ja-JP" altLang="en-US" sz="2400" dirty="0" smtClean="0"/>
               <a:t>％が学生</a:t>
             </a:r>
             <a:r>
-              <a:rPr kumimoji="1" lang="en-US" altLang="ja-JP" sz="2000" dirty="0" smtClean="0"/>
+              <a:rPr kumimoji="1" lang="en-US" altLang="ja-JP" sz="2400" dirty="0" smtClean="0"/>
               <a:t>(</a:t>
             </a:r>
             <a:r>
-              <a:rPr kumimoji="1" lang="ja-JP" altLang="en-US" sz="2000" dirty="0" smtClean="0"/>
+              <a:rPr kumimoji="1" lang="ja-JP" altLang="en-US" sz="2400" dirty="0" smtClean="0"/>
               <a:t>対象者</a:t>
             </a:r>
             <a:r>
-              <a:rPr kumimoji="1" lang="en-US" altLang="ja-JP" sz="2000" dirty="0" smtClean="0"/>
+              <a:rPr kumimoji="1" lang="en-US" altLang="ja-JP" sz="2400" dirty="0" smtClean="0"/>
               <a:t>)</a:t>
             </a:r>
             <a:r>
-              <a:rPr kumimoji="1" lang="ja-JP" altLang="en-US" sz="2000" dirty="0" smtClean="0"/>
+              <a:rPr kumimoji="1" lang="ja-JP" altLang="en-US" sz="2400" dirty="0" smtClean="0"/>
               <a:t>とする</a:t>
             </a:r>
-            <a:endParaRPr kumimoji="1" lang="ja-JP" altLang="en-US" sz="2000" dirty="0"/>
+            <a:endParaRPr kumimoji="1" lang="ja-JP" altLang="en-US" sz="2400" dirty="0"/>
           </a:p>
         </p:txBody>
       </p:sp>
@@ -8332,10 +8923,10 @@
         </p:nvGrpSpPr>
         <p:grpSpPr>
           <a:xfrm>
-            <a:off x="2313073" y="2526866"/>
-            <a:ext cx="4578559" cy="1717704"/>
-            <a:chOff x="1350236" y="2859412"/>
-            <a:chExt cx="4578559" cy="1717704"/>
+            <a:off x="1643372" y="2861733"/>
+            <a:ext cx="5811416" cy="1467353"/>
+            <a:chOff x="1350236" y="3081908"/>
+            <a:chExt cx="4477996" cy="1467353"/>
           </a:xfrm>
         </p:grpSpPr>
         <p:sp>
@@ -8346,8 +8937,8 @@
           </p:nvSpPr>
           <p:spPr>
             <a:xfrm>
-              <a:off x="1350236" y="2859412"/>
-              <a:ext cx="4477996" cy="1717704"/>
+              <a:off x="1350236" y="3081908"/>
+              <a:ext cx="4477996" cy="1467353"/>
             </a:xfrm>
             <a:prstGeom prst="ellipse">
               <a:avLst/>
@@ -8373,7 +8964,7 @@
             <a:lstStyle/>
             <a:p>
               <a:pPr algn="ctr"/>
-              <a:endParaRPr kumimoji="1" lang="ja-JP" altLang="en-US"/>
+              <a:endParaRPr kumimoji="1" lang="ja-JP" altLang="en-US" sz="2000"/>
             </a:p>
           </p:txBody>
         </p:sp>
@@ -8385,8 +8976,8 @@
           </p:nvSpPr>
           <p:spPr>
             <a:xfrm>
-              <a:off x="1456158" y="3718264"/>
-              <a:ext cx="3286758" cy="400110"/>
+              <a:off x="1560546" y="3718265"/>
+              <a:ext cx="3305483" cy="461665"/>
             </a:xfrm>
             <a:prstGeom prst="rect">
               <a:avLst/>
@@ -8400,7 +8991,7 @@
             <a:lstStyle/>
             <a:p>
               <a:r>
-                <a:rPr kumimoji="1" lang="en-US" altLang="ja-JP" sz="2000" dirty="0" smtClean="0">
+                <a:rPr kumimoji="1" lang="en-US" altLang="ja-JP" sz="2400" dirty="0" smtClean="0">
                   <a:solidFill>
                     <a:srgbClr val="0070C0"/>
                   </a:solidFill>
@@ -8408,7 +8999,7 @@
                 <a:t>1700</a:t>
               </a:r>
               <a:r>
-                <a:rPr kumimoji="1" lang="ja-JP" altLang="en-US" sz="2000" dirty="0" smtClean="0">
+                <a:rPr kumimoji="1" lang="ja-JP" altLang="en-US" sz="2400" dirty="0" smtClean="0">
                   <a:solidFill>
                     <a:srgbClr val="0070C0"/>
                   </a:solidFill>
@@ -8416,7 +9007,7 @@
                 <a:t>人</a:t>
               </a:r>
               <a:r>
-                <a:rPr lang="ja-JP" altLang="en-US" sz="2000" dirty="0" smtClean="0">
+                <a:rPr lang="ja-JP" altLang="en-US" sz="2400" dirty="0" smtClean="0">
                   <a:solidFill>
                     <a:srgbClr val="0070C0"/>
                   </a:solidFill>
@@ -8424,18 +9015,18 @@
                 <a:t> </a:t>
               </a:r>
               <a:r>
-                <a:rPr lang="en-US" altLang="ja-JP" sz="2000" dirty="0" smtClean="0"/>
+                <a:rPr lang="en-US" altLang="ja-JP" sz="2400" dirty="0" smtClean="0"/>
                 <a:t>+ </a:t>
               </a:r>
               <a:r>
-                <a:rPr lang="ja-JP" altLang="en-US" sz="2000" dirty="0" smtClean="0">
+                <a:rPr lang="ja-JP" altLang="en-US" sz="2400" dirty="0" smtClean="0">
                   <a:solidFill>
                     <a:srgbClr val="FF0000"/>
                   </a:solidFill>
                 </a:rPr>
                 <a:t>対象者の最大人数</a:t>
               </a:r>
-              <a:endParaRPr kumimoji="1" lang="ja-JP" altLang="en-US" sz="2000" dirty="0">
+              <a:endParaRPr kumimoji="1" lang="ja-JP" altLang="en-US" sz="2400" dirty="0">
                 <a:solidFill>
                   <a:srgbClr val="FF0000"/>
                 </a:solidFill>
@@ -8482,8 +9073,8 @@
           </p:nvSpPr>
           <p:spPr>
             <a:xfrm>
-              <a:off x="1907461" y="3291172"/>
-              <a:ext cx="2295323" cy="400110"/>
+              <a:off x="1907461" y="3291173"/>
+              <a:ext cx="2488839" cy="461665"/>
             </a:xfrm>
             <a:prstGeom prst="rect">
               <a:avLst/>
@@ -8497,14 +9088,14 @@
             <a:lstStyle/>
             <a:p>
               <a:r>
-                <a:rPr kumimoji="1" lang="ja-JP" altLang="en-US" sz="2000" dirty="0" smtClean="0">
+                <a:rPr kumimoji="1" lang="ja-JP" altLang="en-US" sz="2400" dirty="0" smtClean="0">
                   <a:solidFill>
                     <a:srgbClr val="FF0000"/>
                   </a:solidFill>
                 </a:rPr>
                 <a:t>対象者の最大人数</a:t>
               </a:r>
-              <a:endParaRPr kumimoji="1" lang="ja-JP" altLang="en-US" sz="2000" dirty="0">
+              <a:endParaRPr kumimoji="1" lang="ja-JP" altLang="en-US" sz="2400" dirty="0">
                 <a:solidFill>
                   <a:srgbClr val="FF0000"/>
                 </a:solidFill>
@@ -8520,8 +9111,8 @@
           </p:nvSpPr>
           <p:spPr>
             <a:xfrm>
-              <a:off x="4642354" y="3498890"/>
-              <a:ext cx="1286441" cy="400110"/>
+              <a:off x="4583637" y="3498890"/>
+              <a:ext cx="1110940" cy="461665"/>
             </a:xfrm>
             <a:prstGeom prst="rect">
               <a:avLst/>
@@ -8535,22 +9126,22 @@
             <a:lstStyle/>
             <a:p>
               <a:r>
-                <a:rPr kumimoji="1" lang="ja-JP" altLang="en-US" sz="2000" dirty="0" smtClean="0"/>
+                <a:rPr kumimoji="1" lang="ja-JP" altLang="en-US" sz="2400" dirty="0" smtClean="0"/>
                 <a:t>≒</a:t>
               </a:r>
               <a:r>
-                <a:rPr kumimoji="1" lang="en-US" altLang="ja-JP" sz="2000" dirty="0" smtClean="0"/>
+                <a:rPr kumimoji="1" lang="en-US" altLang="ja-JP" sz="2400" dirty="0" smtClean="0"/>
                 <a:t> 10</a:t>
               </a:r>
               <a:r>
-                <a:rPr kumimoji="1" lang="ja-JP" altLang="en-US" sz="2000" dirty="0" smtClean="0"/>
+                <a:rPr kumimoji="1" lang="ja-JP" altLang="en-US" sz="2400" dirty="0" smtClean="0"/>
                 <a:t> </a:t>
               </a:r>
               <a:r>
-                <a:rPr kumimoji="1" lang="en-US" altLang="ja-JP" sz="2000" dirty="0" smtClean="0"/>
+                <a:rPr kumimoji="1" lang="en-US" altLang="ja-JP" sz="2400" dirty="0" smtClean="0"/>
                 <a:t>(%)</a:t>
               </a:r>
-              <a:endParaRPr kumimoji="1" lang="ja-JP" altLang="en-US" sz="2000" dirty="0"/>
+              <a:endParaRPr kumimoji="1" lang="ja-JP" altLang="en-US" sz="2400" dirty="0"/>
             </a:p>
           </p:txBody>
         </p:sp>
@@ -8624,7 +9215,7 @@
           <p:nvPr/>
         </p:nvPicPr>
         <p:blipFill>
-          <a:blip r:embed="rId2">
+          <a:blip r:embed="rId3">
             <a:extLst>
               <a:ext uri="{28A0092B-C50C-407E-A947-70E740481C1C}">
                 <a14:useLocalDpi xmlns:a14="http://schemas.microsoft.com/office/drawing/2010/main" val="0"/>
@@ -8638,7 +9229,7 @@
         </p:blipFill>
         <p:spPr bwMode="auto">
           <a:xfrm>
-            <a:off x="1251732" y="2185860"/>
+            <a:off x="1254517" y="2727727"/>
             <a:ext cx="6634967" cy="3960000"/>
           </a:xfrm>
           <a:prstGeom prst="rect">
@@ -8677,8 +9268,8 @@
         </p:nvSpPr>
         <p:spPr>
           <a:xfrm>
-            <a:off x="642193" y="1329511"/>
-            <a:ext cx="7516368" cy="707886"/>
+            <a:off x="1126064" y="1806426"/>
+            <a:ext cx="6358469" cy="830997"/>
           </a:xfrm>
           <a:prstGeom prst="rect">
             <a:avLst/>
@@ -8692,62 +9283,90 @@
           <a:lstStyle/>
           <a:p>
             <a:r>
-              <a:rPr lang="ja-JP" altLang="en-US" sz="2000" dirty="0" smtClean="0"/>
+              <a:rPr lang="ja-JP" altLang="en-US" sz="2400" dirty="0" smtClean="0">
+                <a:solidFill>
+                  <a:srgbClr val="0070C0"/>
+                </a:solidFill>
+              </a:rPr>
               <a:t>入口</a:t>
             </a:r>
             <a:r>
-              <a:rPr lang="en-US" altLang="ja-JP" sz="2000" dirty="0" smtClean="0"/>
+              <a:rPr lang="ja-JP" altLang="en-US" sz="2400" dirty="0" smtClean="0"/>
+              <a:t>は</a:t>
+            </a:r>
+            <a:r>
+              <a:rPr lang="en-US" altLang="ja-JP" sz="2400" dirty="0" smtClean="0"/>
+              <a:t>11</a:t>
+            </a:r>
+            <a:r>
+              <a:rPr lang="ja-JP" altLang="en-US" sz="2400" dirty="0" smtClean="0"/>
+              <a:t>番</a:t>
+            </a:r>
+            <a:r>
+              <a:rPr lang="ja-JP" altLang="en-US" sz="2400" dirty="0" smtClean="0"/>
+              <a:t>センサ</a:t>
+            </a:r>
+            <a:r>
+              <a:rPr lang="en-US" altLang="ja-JP" sz="2400" dirty="0"/>
               <a:t>(</a:t>
             </a:r>
             <a:r>
-              <a:rPr lang="ja-JP" altLang="en-US" sz="2000" dirty="0" smtClean="0"/>
+              <a:rPr lang="ja-JP" altLang="en-US" sz="2400" dirty="0"/>
               <a:t>改札</a:t>
             </a:r>
             <a:r>
-              <a:rPr lang="en-US" altLang="ja-JP" sz="2000" dirty="0" smtClean="0"/>
+              <a:rPr lang="en-US" altLang="ja-JP" sz="2400" dirty="0"/>
               <a:t>)</a:t>
             </a:r>
             <a:r>
-              <a:rPr lang="ja-JP" altLang="en-US" sz="2000" dirty="0" smtClean="0"/>
-              <a:t>は</a:t>
-            </a:r>
-            <a:r>
-              <a:rPr lang="en-US" altLang="ja-JP" sz="2000" dirty="0" smtClean="0"/>
-              <a:t>11</a:t>
-            </a:r>
-            <a:r>
-              <a:rPr lang="ja-JP" altLang="en-US" sz="2000" dirty="0" smtClean="0"/>
-              <a:t>番センサで</a:t>
-            </a:r>
-            <a:r>
-              <a:rPr lang="ja-JP" altLang="en-US" sz="2000" dirty="0" smtClean="0"/>
+              <a:rPr lang="ja-JP" altLang="en-US" sz="2400" dirty="0" smtClean="0"/>
+              <a:t>で</a:t>
+            </a:r>
+            <a:r>
+              <a:rPr lang="ja-JP" altLang="en-US" sz="2400" dirty="0" smtClean="0"/>
               <a:t>固定とした．</a:t>
             </a:r>
             <a:r>
-              <a:rPr lang="en-US" altLang="ja-JP" sz="2000" dirty="0" smtClean="0"/>
+              <a:rPr lang="en-US" altLang="ja-JP" sz="2400" dirty="0" smtClean="0"/>
               <a:t/>
             </a:r>
             <a:br>
-              <a:rPr lang="en-US" altLang="ja-JP" sz="2000" dirty="0" smtClean="0"/>
+              <a:rPr lang="en-US" altLang="ja-JP" sz="2400" dirty="0" smtClean="0"/>
             </a:br>
             <a:r>
-              <a:rPr lang="ja-JP" altLang="en-US" sz="2000" dirty="0" smtClean="0"/>
-              <a:t>出口は，駅郊外に接するセンサから確率で選ぶようにした．</a:t>
-            </a:r>
-            <a:endParaRPr kumimoji="1" lang="ja-JP" altLang="en-US" sz="2000" dirty="0"/>
+              <a:rPr lang="ja-JP" altLang="en-US" sz="2400" dirty="0" smtClean="0">
+                <a:solidFill>
+                  <a:srgbClr val="FF0000"/>
+                </a:solidFill>
+              </a:rPr>
+              <a:t>出口</a:t>
+            </a:r>
+            <a:r>
+              <a:rPr lang="ja-JP" altLang="en-US" sz="2400" dirty="0" smtClean="0"/>
+              <a:t>は駅</a:t>
+            </a:r>
+            <a:r>
+              <a:rPr lang="ja-JP" altLang="en-US" sz="2400" dirty="0" smtClean="0"/>
+              <a:t>郊外に接するセンサから確率で</a:t>
+            </a:r>
+            <a:r>
+              <a:rPr lang="ja-JP" altLang="en-US" sz="2400" dirty="0" smtClean="0"/>
+              <a:t>選ぶ．</a:t>
+            </a:r>
+            <a:endParaRPr kumimoji="1" lang="ja-JP" altLang="en-US" sz="2400" dirty="0"/>
           </a:p>
         </p:txBody>
       </p:sp>
       <p:sp>
         <p:nvSpPr>
-          <p:cNvPr id="3" name="テキスト ボックス 2"/>
+          <p:cNvPr id="6" name="テキスト ボックス 5"/>
           <p:cNvSpPr txBox="1"/>
           <p:nvPr/>
         </p:nvSpPr>
         <p:spPr>
           <a:xfrm>
-            <a:off x="642193" y="874060"/>
-            <a:ext cx="3297417" cy="400110"/>
+            <a:off x="1126065" y="878244"/>
+            <a:ext cx="6968067" cy="830997"/>
           </a:xfrm>
           <a:prstGeom prst="rect">
             <a:avLst/>
@@ -8761,10 +9380,45 @@
           <a:lstStyle/>
           <a:p>
             <a:r>
-              <a:rPr kumimoji="1" lang="ja-JP" altLang="en-US" sz="2000" dirty="0" smtClean="0"/>
-              <a:t>対象者移動ルートの設定．</a:t>
-            </a:r>
-            <a:endParaRPr kumimoji="1" lang="ja-JP" altLang="en-US" sz="2000" dirty="0"/>
+              <a:rPr kumimoji="1" lang="ja-JP" altLang="en-US" sz="2400" dirty="0" smtClean="0"/>
+              <a:t>対象者の動きを設定するにあたって，</a:t>
+            </a:r>
+            <a:r>
+              <a:rPr kumimoji="1" lang="en-US" altLang="ja-JP" sz="2400" dirty="0" smtClean="0"/>
+              <a:t/>
+            </a:r>
+            <a:br>
+              <a:rPr kumimoji="1" lang="en-US" altLang="ja-JP" sz="2400" dirty="0" smtClean="0"/>
+            </a:br>
+            <a:r>
+              <a:rPr kumimoji="1" lang="ja-JP" altLang="en-US" sz="2400" dirty="0" smtClean="0"/>
+              <a:t>駅構内への</a:t>
+            </a:r>
+            <a:r>
+              <a:rPr kumimoji="1" lang="ja-JP" altLang="en-US" sz="2400" dirty="0" smtClean="0">
+                <a:solidFill>
+                  <a:srgbClr val="0070C0"/>
+                </a:solidFill>
+              </a:rPr>
+              <a:t>入口</a:t>
+            </a:r>
+            <a:r>
+              <a:rPr kumimoji="1" lang="ja-JP" altLang="en-US" sz="2400" dirty="0" smtClean="0"/>
+              <a:t>と駅構内からの</a:t>
+            </a:r>
+            <a:r>
+              <a:rPr kumimoji="1" lang="ja-JP" altLang="en-US" sz="2400" dirty="0" smtClean="0">
+                <a:solidFill>
+                  <a:srgbClr val="FF0000"/>
+                </a:solidFill>
+              </a:rPr>
+              <a:t>出口</a:t>
+            </a:r>
+            <a:r>
+              <a:rPr kumimoji="1" lang="ja-JP" altLang="en-US" sz="2400" dirty="0" smtClean="0"/>
+              <a:t>を設定する．</a:t>
+            </a:r>
+            <a:endParaRPr kumimoji="1" lang="ja-JP" altLang="en-US" sz="2400" dirty="0"/>
           </a:p>
         </p:txBody>
       </p:sp>
@@ -8849,7 +9503,7 @@
         </p:blipFill>
         <p:spPr>
           <a:xfrm>
-            <a:off x="1259735" y="2186512"/>
+            <a:off x="1242801" y="2728379"/>
             <a:ext cx="6658398" cy="3960000"/>
           </a:xfrm>
           <a:prstGeom prst="rect">
@@ -8865,8 +9519,8 @@
         </p:nvSpPr>
         <p:spPr>
           <a:xfrm>
-            <a:off x="642193" y="1499116"/>
-            <a:ext cx="6556248" cy="400110"/>
+            <a:off x="1242801" y="1753117"/>
+            <a:ext cx="6012607" cy="461665"/>
           </a:xfrm>
           <a:prstGeom prst="rect">
             <a:avLst/>
@@ -8880,14 +9534,34 @@
           <a:lstStyle/>
           <a:p>
             <a:r>
-              <a:rPr kumimoji="1" lang="en-US" altLang="ja-JP" sz="2000" dirty="0" smtClean="0"/>
+              <a:rPr kumimoji="1" lang="ja-JP" altLang="en-US" sz="2400" dirty="0" smtClean="0"/>
+              <a:t>出口が</a:t>
+            </a:r>
+            <a:r>
+              <a:rPr kumimoji="1" lang="en-US" altLang="ja-JP" sz="2400" dirty="0" smtClean="0"/>
               <a:t>13</a:t>
             </a:r>
             <a:r>
-              <a:rPr kumimoji="1" lang="ja-JP" altLang="en-US" sz="2000" dirty="0" smtClean="0"/>
-              <a:t>番センサを通って流出する際の対象者移動ルート</a:t>
-            </a:r>
-            <a:endParaRPr kumimoji="1" lang="ja-JP" altLang="en-US" sz="2000" dirty="0"/>
+              <a:rPr kumimoji="1" lang="ja-JP" altLang="en-US" sz="2400" dirty="0" smtClean="0"/>
+              <a:t>番</a:t>
+            </a:r>
+            <a:r>
+              <a:rPr kumimoji="1" lang="ja-JP" altLang="en-US" sz="2400" dirty="0" smtClean="0"/>
+              <a:t>センサ</a:t>
+            </a:r>
+            <a:r>
+              <a:rPr lang="ja-JP" altLang="en-US" sz="2400" dirty="0" smtClean="0"/>
+              <a:t>の時</a:t>
+            </a:r>
+            <a:r>
+              <a:rPr kumimoji="1" lang="ja-JP" altLang="en-US" sz="2400" dirty="0" smtClean="0"/>
+              <a:t>の</a:t>
+            </a:r>
+            <a:r>
+              <a:rPr kumimoji="1" lang="ja-JP" altLang="en-US" sz="2400" dirty="0" smtClean="0"/>
+              <a:t>対象者移動ルート</a:t>
+            </a:r>
+            <a:endParaRPr kumimoji="1" lang="ja-JP" altLang="en-US" sz="2400" dirty="0"/>
           </a:p>
         </p:txBody>
       </p:sp>
@@ -8899,8 +9573,8 @@
         </p:nvSpPr>
         <p:spPr>
           <a:xfrm>
-            <a:off x="642193" y="874060"/>
-            <a:ext cx="3297417" cy="400110"/>
+            <a:off x="1242801" y="1030952"/>
+            <a:ext cx="3297417" cy="461665"/>
           </a:xfrm>
           <a:prstGeom prst="rect">
             <a:avLst/>
@@ -8914,10 +9588,10 @@
           <a:lstStyle/>
           <a:p>
             <a:r>
-              <a:rPr kumimoji="1" lang="ja-JP" altLang="en-US" sz="2000" dirty="0" smtClean="0"/>
+              <a:rPr kumimoji="1" lang="ja-JP" altLang="en-US" sz="2400" dirty="0" smtClean="0"/>
               <a:t>対象者移動ルートの例．</a:t>
             </a:r>
-            <a:endParaRPr kumimoji="1" lang="ja-JP" altLang="en-US" sz="2000" dirty="0"/>
+            <a:endParaRPr kumimoji="1" lang="ja-JP" altLang="en-US" sz="2400" dirty="0"/>
           </a:p>
         </p:txBody>
       </p:sp>
@@ -9031,7 +9705,7 @@
         <p:spPr>
           <a:xfrm>
             <a:off x="325796" y="993950"/>
-            <a:ext cx="4413230" cy="461665"/>
+            <a:ext cx="4413230" cy="523220"/>
           </a:xfrm>
           <a:prstGeom prst="rect">
             <a:avLst/>
@@ -9045,22 +9719,22 @@
           <a:lstStyle/>
           <a:p>
             <a:r>
-              <a:rPr kumimoji="1" lang="en-US" altLang="ja-JP" sz="2400" dirty="0" smtClean="0"/>
+              <a:rPr kumimoji="1" lang="en-US" altLang="ja-JP" sz="2800" dirty="0" smtClean="0"/>
               <a:t>Internet</a:t>
             </a:r>
             <a:r>
-              <a:rPr lang="ja-JP" altLang="en-US" sz="2400" dirty="0"/>
+              <a:rPr lang="ja-JP" altLang="en-US" sz="2800" dirty="0"/>
               <a:t> </a:t>
             </a:r>
             <a:r>
-              <a:rPr lang="en-US" altLang="ja-JP" sz="2400" dirty="0" smtClean="0"/>
+              <a:rPr lang="en-US" altLang="ja-JP" sz="2800" dirty="0" smtClean="0"/>
               <a:t>of Things </a:t>
             </a:r>
             <a:r>
-              <a:rPr lang="ja-JP" altLang="en-US" sz="2400" dirty="0" smtClean="0"/>
+              <a:rPr lang="ja-JP" altLang="en-US" sz="2800" dirty="0" smtClean="0"/>
               <a:t>の普及</a:t>
             </a:r>
-            <a:endParaRPr kumimoji="1" lang="ja-JP" altLang="en-US" sz="2400" dirty="0"/>
+            <a:endParaRPr kumimoji="1" lang="ja-JP" altLang="en-US" sz="2800" dirty="0"/>
           </a:p>
         </p:txBody>
       </p:sp>
@@ -9073,7 +9747,7 @@
         <p:spPr>
           <a:xfrm>
             <a:off x="258998" y="1670619"/>
-            <a:ext cx="5091953" cy="400110"/>
+            <a:ext cx="5388269" cy="461665"/>
           </a:xfrm>
           <a:prstGeom prst="rect">
             <a:avLst/>
@@ -9087,10 +9761,10 @@
           <a:lstStyle/>
           <a:p>
             <a:r>
-              <a:rPr kumimoji="1" lang="ja-JP" altLang="en-US" sz="2000" dirty="0" smtClean="0"/>
+              <a:rPr kumimoji="1" lang="ja-JP" altLang="en-US" sz="2400" dirty="0" smtClean="0"/>
               <a:t>様々な機器がインターネットに繋がる</a:t>
             </a:r>
-            <a:endParaRPr kumimoji="1" lang="ja-JP" altLang="en-US" sz="2000" dirty="0"/>
+            <a:endParaRPr kumimoji="1" lang="ja-JP" altLang="en-US" sz="2400" dirty="0"/>
           </a:p>
         </p:txBody>
       </p:sp>
@@ -9102,8 +9776,8 @@
         </p:nvSpPr>
         <p:spPr>
           <a:xfrm>
-            <a:off x="5003741" y="2159098"/>
-            <a:ext cx="3866794" cy="461665"/>
+            <a:off x="4333747" y="2094796"/>
+            <a:ext cx="4538939" cy="523220"/>
           </a:xfrm>
           <a:prstGeom prst="rect">
             <a:avLst/>
@@ -9117,7 +9791,7 @@
           <a:lstStyle/>
           <a:p>
             <a:r>
-              <a:rPr lang="ja-JP" altLang="en-US" sz="2400" dirty="0">
+              <a:rPr lang="ja-JP" altLang="en-US" sz="2800" dirty="0">
                 <a:solidFill>
                   <a:srgbClr val="FF0000"/>
                 </a:solidFill>
@@ -9125,14 +9799,14 @@
               <a:t>サービスの</a:t>
             </a:r>
             <a:r>
-              <a:rPr lang="ja-JP" altLang="en-US" sz="2400" dirty="0" smtClean="0">
+              <a:rPr lang="ja-JP" altLang="en-US" sz="2800" dirty="0" smtClean="0">
                 <a:solidFill>
                   <a:srgbClr val="FF0000"/>
                 </a:solidFill>
               </a:rPr>
               <a:t>開拓・高機能化</a:t>
             </a:r>
-            <a:endParaRPr lang="ja-JP" altLang="en-US" sz="2400" dirty="0">
+            <a:endParaRPr lang="ja-JP" altLang="en-US" sz="2800" dirty="0">
               <a:solidFill>
                 <a:srgbClr val="FF0000"/>
               </a:solidFill>
@@ -9448,7 +10122,7 @@
         </p:nvSpPr>
         <p:spPr>
           <a:xfrm>
-            <a:off x="3552890" y="2140600"/>
+            <a:off x="2859590" y="2151023"/>
             <a:ext cx="1474157" cy="400110"/>
           </a:xfrm>
           <a:prstGeom prst="rightArrow">
@@ -9958,7 +10632,7 @@
         <p:spPr>
           <a:xfrm>
             <a:off x="512998" y="1852210"/>
-            <a:ext cx="8478602" cy="3231654"/>
+            <a:ext cx="8478602" cy="2862322"/>
           </a:xfrm>
           <a:prstGeom prst="rect">
             <a:avLst/>
@@ -10015,15 +10689,11 @@
             </a:pPr>
             <a:r>
               <a:rPr lang="ja-JP" altLang="en-US" sz="2400" dirty="0" smtClean="0"/>
-              <a:t>センサデータ</a:t>
+              <a:t>センサデータの時間</a:t>
             </a:r>
             <a:r>
               <a:rPr lang="ja-JP" altLang="en-US" sz="2400" dirty="0" smtClean="0"/>
-              <a:t>に</a:t>
-            </a:r>
-            <a:r>
-              <a:rPr lang="ja-JP" altLang="en-US" sz="2400" dirty="0" smtClean="0"/>
-              <a:t>時間毎の特徴を確認する</a:t>
+              <a:t>毎の特徴を確認する</a:t>
             </a:r>
             <a:endParaRPr lang="en-US" altLang="ja-JP" sz="2400" dirty="0" smtClean="0"/>
           </a:p>
@@ -10076,11 +10746,7 @@
             </a:r>
             <a:r>
               <a:rPr lang="ja-JP" altLang="en-US" sz="2400" dirty="0" smtClean="0"/>
-              <a:t>個のセンサ</a:t>
-            </a:r>
-            <a:r>
-              <a:rPr lang="ja-JP" altLang="en-US" sz="2400" dirty="0" smtClean="0"/>
-              <a:t>毎</a:t>
+              <a:t>個のセンサ毎</a:t>
             </a:r>
             <a:r>
               <a:rPr lang="ja-JP" altLang="en-US" sz="2400" dirty="0"/>
@@ -10102,15 +10768,7 @@
                   <a:srgbClr val="FF0000"/>
                 </a:solidFill>
               </a:rPr>
-              <a:t>対象者</a:t>
-            </a:r>
-            <a:r>
-              <a:rPr lang="ja-JP" altLang="en-US" sz="2800" dirty="0" smtClean="0">
-                <a:solidFill>
-                  <a:srgbClr val="FF0000"/>
-                </a:solidFill>
-              </a:rPr>
-              <a:t>人数毎（対象者</a:t>
+              <a:t>対象者人数毎（対象者</a:t>
             </a:r>
             <a:r>
               <a:rPr lang="en-US" altLang="ja-JP" sz="2800" dirty="0" smtClean="0">
@@ -10173,53 +10831,59 @@
             </a:pPr>
             <a:r>
               <a:rPr lang="ja-JP" altLang="en-US" sz="2400" dirty="0" smtClean="0"/>
-              <a:t>本サービスモデルの</a:t>
-            </a:r>
-            <a:r>
-              <a:rPr lang="en-US" altLang="ja-JP" sz="2400" dirty="0" smtClean="0"/>
-              <a:t/>
-            </a:r>
-            <a:br>
-              <a:rPr lang="en-US" altLang="ja-JP" sz="2400" dirty="0" smtClean="0"/>
-            </a:br>
+              <a:t>本サービスモデル</a:t>
+            </a:r>
             <a:r>
               <a:rPr lang="ja-JP" altLang="en-US" sz="2400" dirty="0" smtClean="0"/>
-              <a:t>「</a:t>
-            </a:r>
-            <a:r>
-              <a:rPr lang="ja-JP" altLang="en-US" sz="2400" dirty="0"/>
-              <a:t>サービスに</a:t>
+              <a:t>の</a:t>
+            </a:r>
+            <a:r>
+              <a:rPr lang="ja-JP" altLang="en-US" sz="2400" dirty="0" smtClean="0">
+                <a:solidFill>
+                  <a:srgbClr val="0070C0"/>
+                </a:solidFill>
+              </a:rPr>
+              <a:t>サービス</a:t>
+            </a:r>
+            <a:r>
+              <a:rPr lang="ja-JP" altLang="en-US" sz="2400" dirty="0">
+                <a:solidFill>
+                  <a:srgbClr val="0070C0"/>
+                </a:solidFill>
+              </a:rPr>
+              <a:t>に</a:t>
+            </a:r>
+            <a:r>
+              <a:rPr lang="ja-JP" altLang="en-US" sz="2400" dirty="0" smtClean="0">
+                <a:solidFill>
+                  <a:srgbClr val="0070C0"/>
+                </a:solidFill>
+              </a:rPr>
+              <a:t>は無関係なプライバシデータ</a:t>
+            </a:r>
+            <a:r>
+              <a:rPr lang="ja-JP" altLang="en-US" sz="2400" dirty="0">
+                <a:solidFill>
+                  <a:srgbClr val="0070C0"/>
+                </a:solidFill>
+              </a:rPr>
+              <a:t>の</a:t>
+            </a:r>
+            <a:r>
+              <a:rPr lang="ja-JP" altLang="en-US" sz="2400" dirty="0" smtClean="0">
+                <a:solidFill>
+                  <a:srgbClr val="0070C0"/>
+                </a:solidFill>
+              </a:rPr>
+              <a:t>流出比</a:t>
             </a:r>
             <a:r>
               <a:rPr lang="ja-JP" altLang="en-US" sz="2400" dirty="0" smtClean="0"/>
-              <a:t>は無関係なプライバシデータ</a:t>
-            </a:r>
-            <a:r>
-              <a:rPr lang="ja-JP" altLang="en-US" sz="2400" dirty="0"/>
-              <a:t>の</a:t>
+              <a:t>を</a:t>
             </a:r>
             <a:r>
               <a:rPr lang="ja-JP" altLang="en-US" sz="2400" dirty="0" smtClean="0"/>
-              <a:t>流出比」</a:t>
-            </a:r>
-            <a:r>
-              <a:rPr lang="en-US" altLang="ja-JP" sz="2400" dirty="0" smtClean="0"/>
-              <a:t/>
-            </a:r>
-            <a:br>
-              <a:rPr lang="en-US" altLang="ja-JP" sz="2400" dirty="0" smtClean="0"/>
-            </a:br>
-            <a:r>
-              <a:rPr lang="ja-JP" altLang="en-US" sz="2400" dirty="0" err="1"/>
-              <a:t>を</a:t>
-            </a:r>
-            <a:r>
-              <a:rPr lang="ja-JP" altLang="en-US" sz="2400" dirty="0" err="1" smtClean="0"/>
-              <a:t>評</a:t>
-            </a:r>
-            <a:r>
-              <a:rPr lang="ja-JP" altLang="en-US" sz="2400" dirty="0" smtClean="0"/>
-              <a:t>価する．</a:t>
+              <a:t>評価する．</a:t>
             </a:r>
             <a:endParaRPr kumimoji="1" lang="ja-JP" altLang="en-US" sz="2400" dirty="0"/>
           </a:p>
@@ -10315,39 +10979,6 @@
           </a:p>
         </p:txBody>
       </p:sp>
-      <p:pic>
-        <p:nvPicPr>
-          <p:cNvPr id="4" name="図 3"/>
-          <p:cNvPicPr/>
-          <p:nvPr/>
-        </p:nvPicPr>
-        <p:blipFill>
-          <a:blip r:embed="rId2" cstate="print">
-            <a:extLst>
-              <a:ext uri="{28A0092B-C50C-407E-A947-70E740481C1C}">
-                <a14:useLocalDpi xmlns:a14="http://schemas.microsoft.com/office/drawing/2010/main" val="0"/>
-              </a:ext>
-            </a:extLst>
-          </a:blip>
-          <a:srcRect/>
-          <a:stretch>
-            <a:fillRect/>
-          </a:stretch>
-        </p:blipFill>
-        <p:spPr bwMode="auto">
-          <a:xfrm>
-            <a:off x="1424305" y="1435152"/>
-            <a:ext cx="6005576" cy="3394785"/>
-          </a:xfrm>
-          <a:prstGeom prst="rect">
-            <a:avLst/>
-          </a:prstGeom>
-          <a:noFill/>
-          <a:ln>
-            <a:noFill/>
-          </a:ln>
-        </p:spPr>
-      </p:pic>
       <p:sp>
         <p:nvSpPr>
           <p:cNvPr id="5" name="テキスト ボックス 4"/>
@@ -10356,7 +10987,7 @@
         </p:nvSpPr>
         <p:spPr>
           <a:xfrm>
-            <a:off x="1424305" y="5547116"/>
+            <a:off x="1427880" y="5450342"/>
             <a:ext cx="6458819" cy="830997"/>
           </a:xfrm>
           <a:prstGeom prst="rect">
@@ -10439,31 +11070,7 @@
                   <a:srgbClr val="FF0000"/>
                 </a:solidFill>
               </a:rPr>
-              <a:t>駅利用者の</a:t>
-            </a:r>
-            <a:r>
-              <a:rPr kumimoji="1" lang="ja-JP" altLang="en-US" sz="2400" dirty="0" smtClean="0">
-                <a:solidFill>
-                  <a:srgbClr val="FF0000"/>
-                </a:solidFill>
-              </a:rPr>
-              <a:t>人数</a:t>
-            </a:r>
-            <a:r>
-              <a:rPr kumimoji="1" lang="ja-JP" altLang="en-US" sz="2400" dirty="0" smtClean="0">
-                <a:solidFill>
-                  <a:srgbClr val="FF0000"/>
-                </a:solidFill>
-              </a:rPr>
-              <a:t>が少ない</a:t>
-            </a:r>
-            <a:r>
-              <a:rPr kumimoji="1" lang="ja-JP" altLang="en-US" sz="2400" dirty="0" smtClean="0">
-                <a:solidFill>
-                  <a:srgbClr val="FF0000"/>
-                </a:solidFill>
-              </a:rPr>
-              <a:t>といったことはない</a:t>
+              <a:t>駅利用者の人数が少ないといったことはない</a:t>
             </a:r>
             <a:endParaRPr kumimoji="1" lang="ja-JP" altLang="en-US" sz="2400" dirty="0">
               <a:solidFill>
@@ -10473,15 +11080,194 @@
           </a:p>
         </p:txBody>
       </p:sp>
+      <p:grpSp>
+        <p:nvGrpSpPr>
+          <p:cNvPr id="10" name="グループ化 9"/>
+          <p:cNvGrpSpPr/>
+          <p:nvPr/>
+        </p:nvGrpSpPr>
+        <p:grpSpPr>
+          <a:xfrm>
+            <a:off x="1427880" y="1755407"/>
+            <a:ext cx="6005576" cy="3394785"/>
+            <a:chOff x="1424305" y="1435152"/>
+            <a:chExt cx="6005576" cy="3394785"/>
+          </a:xfrm>
+        </p:grpSpPr>
+        <p:pic>
+          <p:nvPicPr>
+            <p:cNvPr id="4" name="図 3"/>
+            <p:cNvPicPr/>
+            <p:nvPr/>
+          </p:nvPicPr>
+          <p:blipFill>
+            <a:blip r:embed="rId2" cstate="print">
+              <a:extLst>
+                <a:ext uri="{28A0092B-C50C-407E-A947-70E740481C1C}">
+                  <a14:useLocalDpi xmlns:a14="http://schemas.microsoft.com/office/drawing/2010/main" val="0"/>
+                </a:ext>
+              </a:extLst>
+            </a:blip>
+            <a:srcRect/>
+            <a:stretch>
+              <a:fillRect/>
+            </a:stretch>
+          </p:blipFill>
+          <p:spPr bwMode="auto">
+            <a:xfrm>
+              <a:off x="1424305" y="1435152"/>
+              <a:ext cx="6005576" cy="3394785"/>
+            </a:xfrm>
+            <a:prstGeom prst="rect">
+              <a:avLst/>
+            </a:prstGeom>
+            <a:noFill/>
+            <a:ln>
+              <a:noFill/>
+            </a:ln>
+          </p:spPr>
+        </p:pic>
+        <p:cxnSp>
+          <p:nvCxnSpPr>
+            <p:cNvPr id="9" name="直線コネクタ 8"/>
+            <p:cNvCxnSpPr/>
+            <p:nvPr/>
+          </p:nvCxnSpPr>
+          <p:spPr>
+            <a:xfrm>
+              <a:off x="3196128" y="1502851"/>
+              <a:ext cx="0" cy="2616222"/>
+            </a:xfrm>
+            <a:prstGeom prst="line">
+              <a:avLst/>
+            </a:prstGeom>
+            <a:ln w="19050"/>
+          </p:spPr>
+          <p:style>
+            <a:lnRef idx="1">
+              <a:schemeClr val="dk1"/>
+            </a:lnRef>
+            <a:fillRef idx="0">
+              <a:schemeClr val="dk1"/>
+            </a:fillRef>
+            <a:effectRef idx="0">
+              <a:schemeClr val="dk1"/>
+            </a:effectRef>
+            <a:fontRef idx="minor">
+              <a:schemeClr val="tx1"/>
+            </a:fontRef>
+          </p:style>
+        </p:cxnSp>
+        <p:sp>
+          <p:nvSpPr>
+            <p:cNvPr id="3" name="テキスト ボックス 2"/>
+            <p:cNvSpPr txBox="1"/>
+            <p:nvPr/>
+          </p:nvSpPr>
+          <p:spPr>
+            <a:xfrm>
+              <a:off x="2971800" y="4119073"/>
+              <a:ext cx="635000" cy="369332"/>
+            </a:xfrm>
+            <a:prstGeom prst="rect">
+              <a:avLst/>
+            </a:prstGeom>
+            <a:noFill/>
+          </p:spPr>
+          <p:txBody>
+            <a:bodyPr wrap="square" rtlCol="0">
+              <a:spAutoFit/>
+            </a:bodyPr>
+            <a:lstStyle/>
+            <a:p>
+              <a:r>
+                <a:rPr kumimoji="1" lang="en-US" altLang="ja-JP" dirty="0" smtClean="0"/>
+                <a:t>7</a:t>
+              </a:r>
+              <a:r>
+                <a:rPr kumimoji="1" lang="ja-JP" altLang="en-US" dirty="0" smtClean="0"/>
+                <a:t>時</a:t>
+              </a:r>
+              <a:endParaRPr kumimoji="1" lang="ja-JP" altLang="en-US" dirty="0"/>
+            </a:p>
+          </p:txBody>
+        </p:sp>
+      </p:grpSp>
       <p:sp>
         <p:nvSpPr>
-          <p:cNvPr id="6" name="テキスト ボックス 5"/>
+          <p:cNvPr id="8" name="テキスト ボックス 7"/>
           <p:cNvSpPr txBox="1"/>
           <p:nvPr/>
         </p:nvSpPr>
         <p:spPr>
           <a:xfrm>
-            <a:off x="601133" y="1133519"/>
+            <a:off x="258998" y="926440"/>
+            <a:ext cx="6782181" cy="461665"/>
+          </a:xfrm>
+          <a:prstGeom prst="rect">
+            <a:avLst/>
+          </a:prstGeom>
+          <a:noFill/>
+        </p:spPr>
+        <p:txBody>
+          <a:bodyPr wrap="square" rtlCol="0">
+            <a:spAutoFit/>
+          </a:bodyPr>
+          <a:lstStyle/>
+          <a:p>
+            <a:r>
+              <a:rPr lang="ja-JP" altLang="en-US" sz="2400" dirty="0">
+                <a:solidFill>
+                  <a:srgbClr val="FF0000"/>
+                </a:solidFill>
+              </a:rPr>
+              <a:t>時間毎（対象者</a:t>
+            </a:r>
+            <a:r>
+              <a:rPr lang="en-US" altLang="ja-JP" sz="2400" dirty="0">
+                <a:solidFill>
+                  <a:srgbClr val="FF0000"/>
+                </a:solidFill>
+              </a:rPr>
+              <a:t>200</a:t>
+            </a:r>
+            <a:r>
+              <a:rPr lang="ja-JP" altLang="en-US" sz="2400" dirty="0">
+                <a:solidFill>
+                  <a:srgbClr val="FF0000"/>
+                </a:solidFill>
+              </a:rPr>
+              <a:t>人</a:t>
+            </a:r>
+            <a:r>
+              <a:rPr lang="ja-JP" altLang="en-US" sz="2400" dirty="0" smtClean="0">
+                <a:solidFill>
+                  <a:srgbClr val="FF0000"/>
+                </a:solidFill>
+              </a:rPr>
+              <a:t>）</a:t>
+            </a:r>
+            <a:r>
+              <a:rPr lang="ja-JP" altLang="en-US" sz="2400" dirty="0" smtClean="0"/>
+              <a:t>のシミュレーション結果</a:t>
+            </a:r>
+            <a:endParaRPr lang="en-US" altLang="ja-JP" sz="2400" dirty="0">
+              <a:solidFill>
+                <a:srgbClr val="FF0000"/>
+              </a:solidFill>
+            </a:endParaRPr>
+          </a:p>
+        </p:txBody>
+      </p:sp>
+      <p:sp>
+        <p:nvSpPr>
+          <p:cNvPr id="12" name="テキスト ボックス 11"/>
+          <p:cNvSpPr txBox="1"/>
+          <p:nvPr/>
+        </p:nvSpPr>
+        <p:spPr>
+          <a:xfrm>
+            <a:off x="2844799" y="1386075"/>
             <a:ext cx="6680200" cy="369332"/>
           </a:xfrm>
           <a:prstGeom prst="rect">
@@ -10519,67 +11305,6 @@
           </a:p>
         </p:txBody>
       </p:sp>
-      <p:sp>
-        <p:nvSpPr>
-          <p:cNvPr id="7" name="テキスト ボックス 6"/>
-          <p:cNvSpPr txBox="1"/>
-          <p:nvPr/>
-        </p:nvSpPr>
-        <p:spPr>
-          <a:xfrm>
-            <a:off x="601133" y="787941"/>
-            <a:ext cx="2253162" cy="369332"/>
-          </a:xfrm>
-          <a:prstGeom prst="rect">
-            <a:avLst/>
-          </a:prstGeom>
-          <a:noFill/>
-        </p:spPr>
-        <p:txBody>
-          <a:bodyPr wrap="square" rtlCol="0">
-            <a:spAutoFit/>
-          </a:bodyPr>
-          <a:lstStyle/>
-          <a:p>
-            <a:r>
-              <a:rPr kumimoji="1" lang="ja-JP" altLang="en-US" dirty="0" smtClean="0"/>
-              <a:t>時間毎</a:t>
-            </a:r>
-            <a:endParaRPr kumimoji="1" lang="ja-JP" altLang="en-US" dirty="0"/>
-          </a:p>
-        </p:txBody>
-      </p:sp>
-      <p:cxnSp>
-        <p:nvCxnSpPr>
-          <p:cNvPr id="9" name="直線コネクタ 8"/>
-          <p:cNvCxnSpPr/>
-          <p:nvPr/>
-        </p:nvCxnSpPr>
-        <p:spPr>
-          <a:xfrm>
-            <a:off x="3196128" y="1502851"/>
-            <a:ext cx="0" cy="2616222"/>
-          </a:xfrm>
-          <a:prstGeom prst="line">
-            <a:avLst/>
-          </a:prstGeom>
-          <a:ln w="19050"/>
-        </p:spPr>
-        <p:style>
-          <a:lnRef idx="1">
-            <a:schemeClr val="dk1"/>
-          </a:lnRef>
-          <a:fillRef idx="0">
-            <a:schemeClr val="dk1"/>
-          </a:fillRef>
-          <a:effectRef idx="0">
-            <a:schemeClr val="dk1"/>
-          </a:effectRef>
-          <a:fontRef idx="minor">
-            <a:schemeClr val="tx1"/>
-          </a:fontRef>
-        </p:style>
-      </p:cxnSp>
     </p:spTree>
     <p:extLst>
       <p:ext uri="{BB962C8B-B14F-4D97-AF65-F5344CB8AC3E}">
@@ -10661,7 +11386,7 @@
         </p:blipFill>
         <p:spPr bwMode="auto">
           <a:xfrm>
-            <a:off x="1438714" y="1325817"/>
+            <a:off x="1438713" y="1712262"/>
             <a:ext cx="6266572" cy="3644972"/>
           </a:xfrm>
           <a:prstGeom prst="rect">
@@ -10681,8 +11406,8 @@
         </p:nvSpPr>
         <p:spPr>
           <a:xfrm>
-            <a:off x="852977" y="4950834"/>
-            <a:ext cx="7438045" cy="1569660"/>
+            <a:off x="852977" y="5357234"/>
+            <a:ext cx="7438045" cy="1200329"/>
           </a:xfrm>
           <a:prstGeom prst="rect">
             <a:avLst/>
@@ -10740,26 +11465,35 @@
             </a:br>
             <a:r>
               <a:rPr kumimoji="1" lang="ja-JP" altLang="en-US" sz="2400" dirty="0" smtClean="0"/>
-              <a:t>このセンサはサービス</a:t>
+              <a:t>このセンサ</a:t>
             </a:r>
             <a:r>
               <a:rPr kumimoji="1" lang="ja-JP" altLang="en-US" sz="2400" dirty="0" smtClean="0"/>
-              <a:t>に無関係なセンサ</a:t>
-            </a:r>
-            <a:r>
-              <a:rPr kumimoji="1" lang="ja-JP" altLang="en-US" sz="2400" dirty="0" smtClean="0"/>
-              <a:t>である</a:t>
-            </a:r>
-            <a:r>
-              <a:rPr kumimoji="1" lang="ja-JP" altLang="en-US" sz="2400" dirty="0" smtClean="0"/>
+              <a:t>は結果的にサービスに不要だが</a:t>
+            </a:r>
+            <a:r>
+              <a:rPr lang="ja-JP" altLang="en-US" sz="2400" dirty="0" smtClean="0"/>
+              <a:t>，</a:t>
+            </a:r>
+            <a:r>
+              <a:rPr lang="ja-JP" altLang="en-US" sz="2400" dirty="0" smtClean="0"/>
+              <a:t>対象者の動きが未知で</a:t>
+            </a:r>
+            <a:r>
+              <a:rPr lang="ja-JP" altLang="en-US" sz="2400" dirty="0" smtClean="0"/>
+              <a:t>あるため</a:t>
+            </a:r>
+            <a:r>
+              <a:rPr lang="ja-JP" altLang="en-US" sz="2400" dirty="0" smtClean="0">
+                <a:solidFill>
+                  <a:srgbClr val="0070C0"/>
+                </a:solidFill>
+              </a:rPr>
+              <a:t>排除はできない</a:t>
+            </a:r>
+            <a:r>
+              <a:rPr lang="ja-JP" altLang="en-US" sz="2400" dirty="0" smtClean="0"/>
               <a:t>．</a:t>
-            </a:r>
-            <a:endParaRPr kumimoji="1" lang="en-US" altLang="ja-JP" sz="2400" dirty="0" smtClean="0"/>
-          </a:p>
-          <a:p>
-            <a:r>
-              <a:rPr lang="ja-JP" altLang="en-US" sz="2400" dirty="0" smtClean="0"/>
-              <a:t>しかし，対象者の動きが未知である以上，無視することは出来ない．</a:t>
             </a:r>
             <a:endParaRPr kumimoji="1" lang="ja-JP" altLang="en-US" sz="2400" dirty="0"/>
           </a:p>
@@ -10767,13 +11501,13 @@
       </p:sp>
       <p:sp>
         <p:nvSpPr>
-          <p:cNvPr id="6" name="テキスト ボックス 5"/>
+          <p:cNvPr id="7" name="テキスト ボックス 6"/>
           <p:cNvSpPr txBox="1"/>
           <p:nvPr/>
         </p:nvSpPr>
         <p:spPr>
           <a:xfrm>
-            <a:off x="601133" y="945509"/>
+            <a:off x="2844799" y="1386075"/>
             <a:ext cx="6680200" cy="369332"/>
           </a:xfrm>
           <a:prstGeom prst="rect">
@@ -10808,6 +11542,72 @@
               <a:t>の流出比</a:t>
             </a:r>
             <a:endParaRPr kumimoji="1" lang="ja-JP" altLang="en-US" dirty="0"/>
+          </a:p>
+        </p:txBody>
+      </p:sp>
+      <p:sp>
+        <p:nvSpPr>
+          <p:cNvPr id="8" name="テキスト ボックス 7"/>
+          <p:cNvSpPr txBox="1"/>
+          <p:nvPr/>
+        </p:nvSpPr>
+        <p:spPr>
+          <a:xfrm>
+            <a:off x="258998" y="926440"/>
+            <a:ext cx="7166269" cy="461665"/>
+          </a:xfrm>
+          <a:prstGeom prst="rect">
+            <a:avLst/>
+          </a:prstGeom>
+          <a:noFill/>
+        </p:spPr>
+        <p:txBody>
+          <a:bodyPr wrap="square" rtlCol="0">
+            <a:spAutoFit/>
+          </a:bodyPr>
+          <a:lstStyle/>
+          <a:p>
+            <a:r>
+              <a:rPr lang="ja-JP" altLang="en-US" sz="2400" dirty="0">
+                <a:solidFill>
+                  <a:srgbClr val="FF0000"/>
+                </a:solidFill>
+              </a:rPr>
+              <a:t>センサ毎（対象者</a:t>
+            </a:r>
+            <a:r>
+              <a:rPr lang="en-US" altLang="ja-JP" sz="2400" dirty="0">
+                <a:solidFill>
+                  <a:srgbClr val="FF0000"/>
+                </a:solidFill>
+              </a:rPr>
+              <a:t>200</a:t>
+            </a:r>
+            <a:r>
+              <a:rPr lang="ja-JP" altLang="en-US" sz="2400" dirty="0">
+                <a:solidFill>
+                  <a:srgbClr val="FF0000"/>
+                </a:solidFill>
+              </a:rPr>
+              <a:t>人</a:t>
+            </a:r>
+            <a:r>
+              <a:rPr lang="ja-JP" altLang="en-US" sz="2400" dirty="0" smtClean="0">
+                <a:solidFill>
+                  <a:srgbClr val="FF0000"/>
+                </a:solidFill>
+              </a:rPr>
+              <a:t>）</a:t>
+            </a:r>
+            <a:r>
+              <a:rPr lang="ja-JP" altLang="en-US" sz="2400" dirty="0" smtClean="0"/>
+              <a:t>のシミュレーション結果</a:t>
+            </a:r>
+            <a:endParaRPr lang="en-US" altLang="ja-JP" sz="2400" dirty="0">
+              <a:solidFill>
+                <a:srgbClr val="FF0000"/>
+              </a:solidFill>
+            </a:endParaRPr>
           </a:p>
         </p:txBody>
       </p:sp>
@@ -10892,8 +11692,8 @@
         </p:blipFill>
         <p:spPr bwMode="auto">
           <a:xfrm>
-            <a:off x="1199896" y="1316482"/>
-            <a:ext cx="6477452" cy="3950462"/>
+            <a:off x="1579993" y="2139972"/>
+            <a:ext cx="5984014" cy="3649525"/>
           </a:xfrm>
           <a:prstGeom prst="rect">
             <a:avLst/>
@@ -10912,8 +11712,8 @@
         </p:nvSpPr>
         <p:spPr>
           <a:xfrm>
-            <a:off x="1089111" y="5441542"/>
-            <a:ext cx="6887339" cy="707886"/>
+            <a:off x="2112433" y="5881809"/>
+            <a:ext cx="4919134" cy="830997"/>
           </a:xfrm>
           <a:prstGeom prst="rect">
             <a:avLst/>
@@ -10927,37 +11727,155 @@
           <a:lstStyle/>
           <a:p>
             <a:r>
-              <a:rPr kumimoji="1" lang="ja-JP" altLang="en-US" sz="2000" dirty="0" smtClean="0"/>
+              <a:rPr kumimoji="1" lang="ja-JP" altLang="en-US" sz="2400" dirty="0" smtClean="0"/>
               <a:t>対象者人数が増えるに</a:t>
             </a:r>
             <a:r>
-              <a:rPr lang="ja-JP" altLang="en-US" sz="2000" dirty="0" smtClean="0"/>
-              <a:t>連れて</a:t>
-            </a:r>
-            <a:r>
-              <a:rPr lang="en-US" altLang="ja-JP" sz="2000" dirty="0" smtClean="0"/>
+              <a:rPr lang="ja-JP" altLang="en-US" sz="2400" dirty="0" smtClean="0"/>
+              <a:t>連れ，</a:t>
+            </a:r>
+            <a:r>
+              <a:rPr lang="en-US" altLang="ja-JP" sz="2400" dirty="0" smtClean="0"/>
+              <a:t/>
+            </a:r>
+            <a:br>
+              <a:rPr lang="en-US" altLang="ja-JP" sz="2400" dirty="0" smtClean="0"/>
+            </a:br>
+            <a:r>
+              <a:rPr lang="en-US" altLang="ja-JP" sz="2400" dirty="0" smtClean="0"/>
               <a:t>NPD</a:t>
             </a:r>
             <a:r>
-              <a:rPr lang="ja-JP" altLang="en-US" sz="2000" dirty="0" smtClean="0"/>
-              <a:t>比が下がることがわかる．</a:t>
-            </a:r>
-            <a:endParaRPr lang="en-US" altLang="ja-JP" sz="2000" dirty="0" smtClean="0"/>
-          </a:p>
-          <a:p>
-            <a:endParaRPr kumimoji="1" lang="ja-JP" altLang="en-US" sz="2000" dirty="0"/>
+              <a:rPr lang="ja-JP" altLang="en-US" sz="2400" dirty="0" smtClean="0"/>
+              <a:t>流出比</a:t>
+            </a:r>
+            <a:r>
+              <a:rPr lang="ja-JP" altLang="en-US" sz="2400" dirty="0" smtClean="0"/>
+              <a:t>が下がることがわかる</a:t>
+            </a:r>
+            <a:r>
+              <a:rPr lang="ja-JP" altLang="en-US" sz="2400" dirty="0" smtClean="0"/>
+              <a:t>．</a:t>
+            </a:r>
+            <a:endParaRPr kumimoji="1" lang="ja-JP" altLang="en-US" sz="2400" dirty="0"/>
           </a:p>
         </p:txBody>
       </p:sp>
       <p:sp>
         <p:nvSpPr>
-          <p:cNvPr id="7" name="テキスト ボックス 6"/>
+          <p:cNvPr id="9" name="テキスト ボックス 8"/>
           <p:cNvSpPr txBox="1"/>
           <p:nvPr/>
         </p:nvSpPr>
         <p:spPr>
           <a:xfrm>
-            <a:off x="550333" y="969297"/>
+            <a:off x="258999" y="926440"/>
+            <a:ext cx="6675202" cy="830997"/>
+          </a:xfrm>
+          <a:prstGeom prst="rect">
+            <a:avLst/>
+          </a:prstGeom>
+          <a:noFill/>
+        </p:spPr>
+        <p:txBody>
+          <a:bodyPr wrap="square" rtlCol="0">
+            <a:spAutoFit/>
+          </a:bodyPr>
+          <a:lstStyle/>
+          <a:p>
+            <a:r>
+              <a:rPr lang="ja-JP" altLang="en-US" sz="2400" dirty="0">
+                <a:solidFill>
+                  <a:srgbClr val="FF0000"/>
+                </a:solidFill>
+              </a:rPr>
+              <a:t>対象者人数毎（対象者</a:t>
+            </a:r>
+            <a:r>
+              <a:rPr lang="en-US" altLang="ja-JP" sz="2400" dirty="0">
+                <a:solidFill>
+                  <a:srgbClr val="FF0000"/>
+                </a:solidFill>
+              </a:rPr>
+              <a:t>0</a:t>
+            </a:r>
+            <a:r>
+              <a:rPr lang="ja-JP" altLang="en-US" sz="2400" dirty="0">
+                <a:solidFill>
+                  <a:srgbClr val="FF0000"/>
+                </a:solidFill>
+              </a:rPr>
+              <a:t>～</a:t>
+            </a:r>
+            <a:r>
+              <a:rPr lang="en-US" altLang="ja-JP" sz="2400" dirty="0">
+                <a:solidFill>
+                  <a:srgbClr val="FF0000"/>
+                </a:solidFill>
+              </a:rPr>
+              <a:t>200</a:t>
+            </a:r>
+            <a:r>
+              <a:rPr lang="ja-JP" altLang="en-US" sz="2400" dirty="0" err="1">
+                <a:solidFill>
+                  <a:srgbClr val="FF0000"/>
+                </a:solidFill>
+              </a:rPr>
+              <a:t>，</a:t>
+            </a:r>
+            <a:r>
+              <a:rPr lang="en-US" altLang="ja-JP" sz="2400" dirty="0">
+                <a:solidFill>
+                  <a:srgbClr val="FF0000"/>
+                </a:solidFill>
+              </a:rPr>
+              <a:t>10</a:t>
+            </a:r>
+            <a:r>
+              <a:rPr lang="ja-JP" altLang="en-US" sz="2400" dirty="0">
+                <a:solidFill>
+                  <a:srgbClr val="FF0000"/>
+                </a:solidFill>
+              </a:rPr>
+              <a:t>人ずつ</a:t>
+            </a:r>
+            <a:r>
+              <a:rPr lang="ja-JP" altLang="en-US" sz="2400" dirty="0" smtClean="0">
+                <a:solidFill>
+                  <a:srgbClr val="FF0000"/>
+                </a:solidFill>
+              </a:rPr>
+              <a:t>変化</a:t>
+            </a:r>
+            <a:r>
+              <a:rPr lang="ja-JP" altLang="en-US" sz="2400" dirty="0">
+                <a:solidFill>
+                  <a:srgbClr val="FF0000"/>
+                </a:solidFill>
+              </a:rPr>
+              <a:t>）</a:t>
+            </a:r>
+            <a:r>
+              <a:rPr lang="ja-JP" altLang="en-US" sz="2400" dirty="0" smtClean="0"/>
+              <a:t>のシミュレーション結果</a:t>
+            </a:r>
+            <a:endParaRPr lang="en-US" altLang="ja-JP" sz="2400" dirty="0">
+              <a:solidFill>
+                <a:srgbClr val="FF0000"/>
+              </a:solidFill>
+            </a:endParaRPr>
+          </a:p>
+        </p:txBody>
+      </p:sp>
+      <p:sp>
+        <p:nvSpPr>
+          <p:cNvPr id="10" name="テキスト ボックス 9"/>
+          <p:cNvSpPr txBox="1"/>
+          <p:nvPr/>
+        </p:nvSpPr>
+        <p:spPr>
+          <a:xfrm>
+            <a:off x="2878666" y="1678328"/>
             <a:ext cx="6680200" cy="369332"/>
           </a:xfrm>
           <a:prstGeom prst="rect">
@@ -11032,9 +11950,161 @@
           <a:chExt cx="0" cy="0"/>
         </a:xfrm>
       </p:grpSpPr>
+      <p:sp>
+        <p:nvSpPr>
+          <p:cNvPr id="8" name="テキスト ボックス 7"/>
+          <p:cNvSpPr txBox="1"/>
+          <p:nvPr/>
+        </p:nvSpPr>
+        <p:spPr>
+          <a:xfrm>
+            <a:off x="2895599" y="1678328"/>
+            <a:ext cx="6680200" cy="369332"/>
+          </a:xfrm>
+          <a:prstGeom prst="rect">
+            <a:avLst/>
+          </a:prstGeom>
+          <a:noFill/>
+        </p:spPr>
+        <p:txBody>
+          <a:bodyPr wrap="square" rtlCol="0">
+            <a:spAutoFit/>
+          </a:bodyPr>
+          <a:lstStyle/>
+          <a:p>
+            <a:r>
+              <a:rPr kumimoji="1" lang="en-US" altLang="ja-JP" dirty="0" smtClean="0"/>
+              <a:t>NPD</a:t>
+            </a:r>
+            <a:r>
+              <a:rPr kumimoji="1" lang="ja-JP" altLang="en-US" dirty="0" smtClean="0"/>
+              <a:t>比：</a:t>
+            </a:r>
+            <a:r>
+              <a:rPr lang="ja-JP" altLang="en-US" dirty="0"/>
+              <a:t>サービスに</a:t>
+            </a:r>
+            <a:r>
+              <a:rPr lang="ja-JP" altLang="en-US" dirty="0" smtClean="0"/>
+              <a:t>は無関係なプライバシデータ</a:t>
+            </a:r>
+            <a:r>
+              <a:rPr lang="ja-JP" altLang="en-US" dirty="0"/>
+              <a:t>の流出比</a:t>
+            </a:r>
+            <a:endParaRPr kumimoji="1" lang="ja-JP" altLang="en-US" dirty="0"/>
+          </a:p>
+        </p:txBody>
+      </p:sp>
+      <p:sp>
+        <p:nvSpPr>
+          <p:cNvPr id="9" name="テキスト ボックス 8"/>
+          <p:cNvSpPr txBox="1"/>
+          <p:nvPr/>
+        </p:nvSpPr>
+        <p:spPr>
+          <a:xfrm>
+            <a:off x="258999" y="926440"/>
+            <a:ext cx="6675202" cy="830997"/>
+          </a:xfrm>
+          <a:prstGeom prst="rect">
+            <a:avLst/>
+          </a:prstGeom>
+          <a:noFill/>
+        </p:spPr>
+        <p:txBody>
+          <a:bodyPr wrap="square" rtlCol="0">
+            <a:spAutoFit/>
+          </a:bodyPr>
+          <a:lstStyle/>
+          <a:p>
+            <a:r>
+              <a:rPr lang="ja-JP" altLang="en-US" sz="2400" dirty="0">
+                <a:solidFill>
+                  <a:srgbClr val="FF0000"/>
+                </a:solidFill>
+              </a:rPr>
+              <a:t>対象者人数毎（対象者</a:t>
+            </a:r>
+            <a:r>
+              <a:rPr lang="en-US" altLang="ja-JP" sz="2400" dirty="0">
+                <a:solidFill>
+                  <a:srgbClr val="FF0000"/>
+                </a:solidFill>
+              </a:rPr>
+              <a:t>0</a:t>
+            </a:r>
+            <a:r>
+              <a:rPr lang="ja-JP" altLang="en-US" sz="2400" dirty="0">
+                <a:solidFill>
+                  <a:srgbClr val="FF0000"/>
+                </a:solidFill>
+              </a:rPr>
+              <a:t>～</a:t>
+            </a:r>
+            <a:r>
+              <a:rPr lang="en-US" altLang="ja-JP" sz="2400" dirty="0">
+                <a:solidFill>
+                  <a:srgbClr val="FF0000"/>
+                </a:solidFill>
+              </a:rPr>
+              <a:t>200</a:t>
+            </a:r>
+            <a:r>
+              <a:rPr lang="ja-JP" altLang="en-US" sz="2400" dirty="0" err="1">
+                <a:solidFill>
+                  <a:srgbClr val="FF0000"/>
+                </a:solidFill>
+              </a:rPr>
+              <a:t>，</a:t>
+            </a:r>
+            <a:r>
+              <a:rPr lang="en-US" altLang="ja-JP" sz="2400" dirty="0">
+                <a:solidFill>
+                  <a:srgbClr val="FF0000"/>
+                </a:solidFill>
+              </a:rPr>
+              <a:t>10</a:t>
+            </a:r>
+            <a:r>
+              <a:rPr lang="ja-JP" altLang="en-US" sz="2400" dirty="0">
+                <a:solidFill>
+                  <a:srgbClr val="FF0000"/>
+                </a:solidFill>
+              </a:rPr>
+              <a:t>人ずつ</a:t>
+            </a:r>
+            <a:r>
+              <a:rPr lang="ja-JP" altLang="en-US" sz="2400" dirty="0" smtClean="0">
+                <a:solidFill>
+                  <a:srgbClr val="FF0000"/>
+                </a:solidFill>
+              </a:rPr>
+              <a:t>変化</a:t>
+            </a:r>
+            <a:r>
+              <a:rPr lang="ja-JP" altLang="en-US" sz="2400" dirty="0">
+                <a:solidFill>
+                  <a:srgbClr val="FF0000"/>
+                </a:solidFill>
+              </a:rPr>
+              <a:t>）</a:t>
+            </a:r>
+            <a:r>
+              <a:rPr lang="ja-JP" altLang="en-US" sz="2400" dirty="0" smtClean="0"/>
+              <a:t>のシミュレーション結果</a:t>
+            </a:r>
+            <a:endParaRPr lang="en-US" altLang="ja-JP" sz="2400" dirty="0">
+              <a:solidFill>
+                <a:srgbClr val="FF0000"/>
+              </a:solidFill>
+            </a:endParaRPr>
+          </a:p>
+        </p:txBody>
+      </p:sp>
       <p:pic>
         <p:nvPicPr>
-          <p:cNvPr id="4" name="図 3"/>
+          <p:cNvPr id="2" name="図 1"/>
           <p:cNvPicPr>
             <a:picLocks noChangeAspect="1"/>
           </p:cNvPicPr>
@@ -11048,7 +12118,7 @@
         </p:blipFill>
         <p:spPr>
           <a:xfrm>
-            <a:off x="738534" y="1338629"/>
+            <a:off x="662097" y="2046387"/>
             <a:ext cx="7718205" cy="4639458"/>
           </a:xfrm>
           <a:prstGeom prst="rect">
@@ -11058,45 +12128,27 @@
       </p:pic>
       <p:sp>
         <p:nvSpPr>
-          <p:cNvPr id="5" name="テキスト ボックス 4"/>
-          <p:cNvSpPr txBox="1"/>
-          <p:nvPr/>
+          <p:cNvPr id="10" name="タイトル 1"/>
+          <p:cNvSpPr>
+            <a:spLocks noGrp="1"/>
+          </p:cNvSpPr>
+          <p:nvPr>
+            <p:ph type="title"/>
+          </p:nvPr>
         </p:nvSpPr>
         <p:spPr>
           <a:xfrm>
-            <a:off x="550333" y="969297"/>
-            <a:ext cx="6680200" cy="369332"/>
+            <a:off x="258998" y="127508"/>
+            <a:ext cx="7627701" cy="660433"/>
           </a:xfrm>
-          <a:prstGeom prst="rect">
-            <a:avLst/>
-          </a:prstGeom>
-          <a:noFill/>
         </p:spPr>
         <p:txBody>
-          <a:bodyPr wrap="square" rtlCol="0">
-            <a:spAutoFit/>
-          </a:bodyPr>
+          <a:bodyPr/>
           <a:lstStyle/>
           <a:p>
             <a:r>
-              <a:rPr kumimoji="1" lang="en-US" altLang="ja-JP" dirty="0" smtClean="0"/>
-              <a:t>NPD</a:t>
-            </a:r>
-            <a:r>
               <a:rPr kumimoji="1" lang="ja-JP" altLang="en-US" dirty="0" smtClean="0"/>
-              <a:t>比：</a:t>
-            </a:r>
-            <a:r>
-              <a:rPr lang="ja-JP" altLang="en-US" dirty="0"/>
-              <a:t>サービスに</a:t>
-            </a:r>
-            <a:r>
-              <a:rPr lang="ja-JP" altLang="en-US" dirty="0" smtClean="0"/>
-              <a:t>は無関係なプライバシデータ</a:t>
-            </a:r>
-            <a:r>
-              <a:rPr lang="ja-JP" altLang="en-US" dirty="0"/>
-              <a:t>の流出比</a:t>
+              <a:t>シミュレーション結果</a:t>
             </a:r>
             <a:endParaRPr kumimoji="1" lang="ja-JP" altLang="en-US" dirty="0"/>
           </a:p>
@@ -11170,8 +12222,8 @@
         </p:nvSpPr>
         <p:spPr>
           <a:xfrm>
-            <a:off x="1124711" y="1407498"/>
-            <a:ext cx="6486821" cy="1200329"/>
+            <a:off x="642111" y="1407498"/>
+            <a:ext cx="8247889" cy="1200329"/>
           </a:xfrm>
           <a:prstGeom prst="rect">
             <a:avLst/>
@@ -11190,23 +12242,79 @@
             </a:pPr>
             <a:r>
               <a:rPr kumimoji="1" lang="ja-JP" altLang="en-US" sz="2400" dirty="0" smtClean="0"/>
-              <a:t>本シミュレーション設定ではクラウドモデル</a:t>
-            </a:r>
-            <a:r>
-              <a:rPr lang="ja-JP" altLang="en-US" sz="2400" dirty="0" smtClean="0"/>
+              <a:t>本シミュレーション設定で</a:t>
+            </a:r>
+            <a:r>
+              <a:rPr kumimoji="1" lang="ja-JP" altLang="en-US" sz="2400" dirty="0" smtClean="0"/>
+              <a:t>は，</a:t>
+            </a:r>
+            <a:r>
+              <a:rPr kumimoji="1" lang="ja-JP" altLang="en-US" sz="2400" dirty="0" smtClean="0">
+                <a:solidFill>
+                  <a:srgbClr val="0070C0"/>
+                </a:solidFill>
+              </a:rPr>
+              <a:t>クラウドモデル</a:t>
+            </a:r>
+            <a:r>
+              <a:rPr lang="ja-JP" altLang="en-US" sz="2400" dirty="0" smtClean="0">
+                <a:solidFill>
+                  <a:srgbClr val="0070C0"/>
+                </a:solidFill>
+              </a:rPr>
               <a:t>の</a:t>
             </a:r>
             <a:r>
-              <a:rPr kumimoji="1" lang="en-US" altLang="ja-JP" sz="2400" dirty="0" smtClean="0"/>
+              <a:rPr kumimoji="1" lang="en-US" altLang="ja-JP" sz="2400" dirty="0" smtClean="0">
+                <a:solidFill>
+                  <a:srgbClr val="0070C0"/>
+                </a:solidFill>
+              </a:rPr>
               <a:t>NPD</a:t>
             </a:r>
             <a:r>
+              <a:rPr kumimoji="1" lang="ja-JP" altLang="en-US" sz="2400" dirty="0" smtClean="0">
+                <a:solidFill>
+                  <a:srgbClr val="0070C0"/>
+                </a:solidFill>
+              </a:rPr>
+              <a:t>流出比</a:t>
+            </a:r>
+            <a:r>
               <a:rPr kumimoji="1" lang="ja-JP" altLang="en-US" sz="2400" dirty="0" smtClean="0"/>
-              <a:t>流出比は，駅利用者における非対象者の割合と同様に</a:t>
+              <a:t>と</a:t>
+            </a:r>
+            <a:r>
+              <a:rPr kumimoji="1" lang="ja-JP" altLang="en-US" sz="2400" dirty="0" smtClean="0">
+                <a:solidFill>
+                  <a:srgbClr val="0070C0"/>
+                </a:solidFill>
+              </a:rPr>
+              <a:t>駅</a:t>
+            </a:r>
+            <a:r>
+              <a:rPr kumimoji="1" lang="ja-JP" altLang="en-US" sz="2400" dirty="0" smtClean="0">
+                <a:solidFill>
+                  <a:srgbClr val="0070C0"/>
+                </a:solidFill>
+              </a:rPr>
+              <a:t>利用者における非対象者の</a:t>
+            </a:r>
+            <a:r>
+              <a:rPr kumimoji="1" lang="ja-JP" altLang="en-US" sz="2400" dirty="0" smtClean="0">
+                <a:solidFill>
+                  <a:srgbClr val="0070C0"/>
+                </a:solidFill>
+              </a:rPr>
+              <a:t>割合</a:t>
+            </a:r>
+            <a:r>
+              <a:rPr lang="ja-JP" altLang="en-US" sz="2400" dirty="0"/>
+              <a:t>に</a:t>
             </a:r>
             <a:r>
               <a:rPr kumimoji="1" lang="ja-JP" altLang="en-US" sz="2400" dirty="0" smtClean="0"/>
-              <a:t>なった</a:t>
+              <a:t>強い相関が見られた．</a:t>
             </a:r>
             <a:endParaRPr kumimoji="1" lang="ja-JP" altLang="en-US" sz="2400" dirty="0"/>
           </a:p>
@@ -11220,8 +12328,8 @@
         </p:nvSpPr>
         <p:spPr>
           <a:xfrm>
-            <a:off x="1124711" y="2748155"/>
-            <a:ext cx="6486821" cy="830997"/>
+            <a:off x="642111" y="2748155"/>
+            <a:ext cx="8247889" cy="830997"/>
           </a:xfrm>
           <a:prstGeom prst="rect">
             <a:avLst/>
@@ -11247,11 +12355,23 @@
                   <a:srgbClr val="FF0000"/>
                 </a:solidFill>
               </a:rPr>
-              <a:t>対象者を映さないカメラ</a:t>
+              <a:t>対象者を</a:t>
+            </a:r>
+            <a:r>
+              <a:rPr lang="ja-JP" altLang="en-US" sz="2400" dirty="0" smtClean="0">
+                <a:solidFill>
+                  <a:srgbClr val="FF0000"/>
+                </a:solidFill>
+              </a:rPr>
+              <a:t>映さないカメラ</a:t>
             </a:r>
             <a:r>
               <a:rPr lang="ja-JP" altLang="en-US" sz="2400" dirty="0" smtClean="0"/>
-              <a:t>のデータ収集をやめれば，</a:t>
+              <a:t>を確認した</a:t>
+            </a:r>
+            <a:r>
+              <a:rPr lang="ja-JP" altLang="en-US" sz="2400" dirty="0" smtClean="0"/>
+              <a:t>．もしこのカメラのセンシングが避けられれば，</a:t>
             </a:r>
             <a:r>
               <a:rPr lang="en-US" altLang="ja-JP" sz="2400" dirty="0" smtClean="0"/>
@@ -11259,7 +12379,7 @@
             </a:r>
             <a:r>
               <a:rPr lang="ja-JP" altLang="en-US" sz="2400" dirty="0" smtClean="0"/>
-              <a:t>流出比は小さくなる</a:t>
+              <a:t>流出比は小さくなる．</a:t>
             </a:r>
             <a:endParaRPr kumimoji="1" lang="ja-JP" altLang="en-US" sz="2400" dirty="0"/>
           </a:p>
@@ -11273,8 +12393,8 @@
         </p:nvSpPr>
         <p:spPr>
           <a:xfrm>
-            <a:off x="1124710" y="4088812"/>
-            <a:ext cx="6486821" cy="830997"/>
+            <a:off x="642110" y="4088812"/>
+            <a:ext cx="8247889" cy="830997"/>
           </a:xfrm>
           <a:prstGeom prst="rect">
             <a:avLst/>
@@ -11293,22 +12413,39 @@
             </a:pPr>
             <a:r>
               <a:rPr lang="ja-JP" altLang="en-US" sz="2400" dirty="0" smtClean="0"/>
-              <a:t>データ収集後に対象者か否かを識別する</a:t>
-            </a:r>
-            <a:r>
-              <a:rPr lang="en-US" altLang="ja-JP" sz="2400" dirty="0" smtClean="0"/>
-              <a:t/>
-            </a:r>
-            <a:br>
-              <a:rPr lang="en-US" altLang="ja-JP" sz="2400" dirty="0" smtClean="0"/>
-            </a:br>
+              <a:t>しかし，データ</a:t>
+            </a:r>
+            <a:r>
+              <a:rPr lang="ja-JP" altLang="en-US" sz="2400" dirty="0" smtClean="0"/>
+              <a:t>収集後に対象者か否かを識別</a:t>
+            </a:r>
+            <a:r>
+              <a:rPr lang="ja-JP" altLang="en-US" sz="2400" dirty="0" smtClean="0"/>
+              <a:t>する</a:t>
+            </a:r>
             <a:r>
               <a:rPr lang="ja-JP" altLang="en-US" sz="2400" dirty="0" smtClean="0">
                 <a:solidFill>
                   <a:srgbClr val="0070C0"/>
                 </a:solidFill>
               </a:rPr>
-              <a:t>クラウドモデルでは不可能</a:t>
+              <a:t>クラウドモデル</a:t>
+            </a:r>
+            <a:r>
+              <a:rPr lang="ja-JP" altLang="en-US" sz="2400" dirty="0" smtClean="0">
+                <a:solidFill>
+                  <a:srgbClr val="0070C0"/>
+                </a:solidFill>
+              </a:rPr>
+              <a:t>では</a:t>
+            </a:r>
+            <a:r>
+              <a:rPr lang="ja-JP" altLang="en-US" sz="2400" dirty="0" smtClean="0">
+                <a:solidFill>
+                  <a:srgbClr val="0070C0"/>
+                </a:solidFill>
+              </a:rPr>
+              <a:t>不可能．</a:t>
             </a:r>
             <a:endParaRPr kumimoji="1" lang="ja-JP" altLang="en-US" sz="2400" dirty="0">
               <a:solidFill>
@@ -11346,11 +12483,7 @@
             </a:r>
             <a:r>
               <a:rPr kumimoji="1" lang="ja-JP" altLang="en-US" dirty="0" smtClean="0"/>
-              <a:t>流出比</a:t>
-            </a:r>
-            <a:r>
-              <a:rPr kumimoji="1" lang="ja-JP" altLang="en-US" dirty="0" smtClean="0"/>
-              <a:t>：</a:t>
+              <a:t>流出比：</a:t>
             </a:r>
             <a:r>
               <a:rPr lang="ja-JP" altLang="en-US" dirty="0"/>
@@ -11436,8 +12569,8 @@
         </p:nvSpPr>
         <p:spPr>
           <a:xfrm>
-            <a:off x="731604" y="1407498"/>
-            <a:ext cx="7728732" cy="1200329"/>
+            <a:off x="629999" y="1407498"/>
+            <a:ext cx="8166863" cy="830997"/>
           </a:xfrm>
           <a:prstGeom prst="rect">
             <a:avLst/>
@@ -11483,27 +12616,11 @@
             </a:r>
             <a:r>
               <a:rPr lang="ja-JP" altLang="en-US" sz="2400" dirty="0" smtClean="0"/>
-              <a:t>おける</a:t>
-            </a:r>
-            <a:r>
-              <a:rPr lang="ja-JP" altLang="en-US" sz="2400" dirty="0" smtClean="0">
-                <a:solidFill>
-                  <a:srgbClr val="FF0000"/>
-                </a:solidFill>
-              </a:rPr>
-              <a:t>無関係なプライバシデータ</a:t>
-            </a:r>
-            <a:r>
-              <a:rPr lang="ja-JP" altLang="en-US" sz="2400" dirty="0">
-                <a:solidFill>
-                  <a:srgbClr val="FF0000"/>
-                </a:solidFill>
-              </a:rPr>
-              <a:t>流出比</a:t>
+              <a:t>おける無関係なプライバシデータ</a:t>
             </a:r>
             <a:r>
               <a:rPr lang="ja-JP" altLang="en-US" sz="2400" dirty="0"/>
-              <a:t>について</a:t>
+              <a:t>流出比について</a:t>
             </a:r>
             <a:r>
               <a:rPr lang="ja-JP" altLang="en-US" sz="2400" dirty="0" smtClean="0"/>
@@ -11521,8 +12638,8 @@
         </p:nvSpPr>
         <p:spPr>
           <a:xfrm>
-            <a:off x="731604" y="2748155"/>
-            <a:ext cx="8019289" cy="1200329"/>
+            <a:off x="630000" y="2748155"/>
+            <a:ext cx="8227912" cy="1200329"/>
           </a:xfrm>
           <a:prstGeom prst="rect">
             <a:avLst/>
@@ -11567,7 +12684,11 @@
             </a:br>
             <a:r>
               <a:rPr lang="ja-JP" altLang="en-US" sz="2400" dirty="0" smtClean="0"/>
-              <a:t>無関係なプライバシデータ</a:t>
+              <a:t>サービスに無関係</a:t>
+            </a:r>
+            <a:r>
+              <a:rPr lang="ja-JP" altLang="en-US" sz="2400" dirty="0" smtClean="0"/>
+              <a:t>なプライバシデータ</a:t>
             </a:r>
             <a:r>
               <a:rPr lang="ja-JP" altLang="en-US" sz="2400" dirty="0"/>
@@ -11601,8 +12722,8 @@
         </p:nvSpPr>
         <p:spPr>
           <a:xfrm>
-            <a:off x="731603" y="4088812"/>
-            <a:ext cx="6968157" cy="830997"/>
+            <a:off x="629999" y="4088812"/>
+            <a:ext cx="8227913" cy="830997"/>
           </a:xfrm>
           <a:prstGeom prst="rect">
             <a:avLst/>
@@ -11629,14 +12750,15 @@
             </a:r>
             <a:r>
               <a:rPr lang="ja-JP" altLang="en-US" sz="2400" dirty="0"/>
-              <a:t>着目した</a:t>
-            </a:r>
-            <a:br>
+              <a:t>着目</a:t>
+            </a:r>
+            <a:r>
+              <a:rPr lang="ja-JP" altLang="en-US" sz="2400" dirty="0" smtClean="0"/>
+              <a:t>したアーキテクチャ</a:t>
+            </a:r>
+            <a:r>
               <a:rPr lang="ja-JP" altLang="en-US" sz="2400" dirty="0"/>
-            </a:br>
-            <a:r>
-              <a:rPr lang="ja-JP" altLang="en-US" sz="2400" dirty="0"/>
-              <a:t>アーキテクチャについて研究を進める</a:t>
+              <a:t>について研究を進める</a:t>
             </a:r>
           </a:p>
         </p:txBody>
@@ -11762,11 +12884,19 @@
           <a:p>
             <a:r>
               <a:rPr lang="ja-JP" altLang="en-US" dirty="0" smtClean="0"/>
-              <a:t>研究</a:t>
-            </a:r>
-            <a:r>
-              <a:rPr lang="ja-JP" altLang="en-US" dirty="0"/>
-              <a:t>動機</a:t>
+              <a:t>前研究内容</a:t>
+            </a:r>
+            <a:r>
+              <a:rPr lang="en-US" altLang="ja-JP" dirty="0" smtClean="0"/>
+              <a:t>(</a:t>
+            </a:r>
+            <a:r>
+              <a:rPr lang="ja-JP" altLang="en-US" dirty="0" smtClean="0"/>
+              <a:t>数理モデル</a:t>
+            </a:r>
+            <a:r>
+              <a:rPr lang="en-US" altLang="ja-JP" dirty="0" smtClean="0"/>
+              <a:t>)</a:t>
             </a:r>
             <a:endParaRPr kumimoji="1" lang="ja-JP" altLang="en-US" dirty="0"/>
           </a:p>
@@ -13087,36 +14217,6 @@
           </p:spPr>
         </p:pic>
       </p:grpSp>
-      <p:sp>
-        <p:nvSpPr>
-          <p:cNvPr id="44" name="テキスト ボックス 43"/>
-          <p:cNvSpPr txBox="1"/>
-          <p:nvPr/>
-        </p:nvSpPr>
-        <p:spPr>
-          <a:xfrm>
-            <a:off x="258998" y="885825"/>
-            <a:ext cx="3453970" cy="523220"/>
-          </a:xfrm>
-          <a:prstGeom prst="rect">
-            <a:avLst/>
-          </a:prstGeom>
-          <a:noFill/>
-        </p:spPr>
-        <p:txBody>
-          <a:bodyPr wrap="square" rtlCol="0">
-            <a:spAutoFit/>
-          </a:bodyPr>
-          <a:lstStyle/>
-          <a:p>
-            <a:r>
-              <a:rPr kumimoji="1" lang="ja-JP" altLang="en-US" sz="2800" dirty="0" smtClean="0"/>
-              <a:t>前研究</a:t>
-            </a:r>
-            <a:endParaRPr kumimoji="1" lang="ja-JP" altLang="en-US" sz="2800" dirty="0"/>
-          </a:p>
-        </p:txBody>
-      </p:sp>
     </p:spTree>
     <p:extLst>
       <p:ext uri="{BB962C8B-B14F-4D97-AF65-F5344CB8AC3E}">
@@ -13154,63 +14254,6 @@
           <a:chExt cx="0" cy="0"/>
         </a:xfrm>
       </p:grpSpPr>
-      <p:sp>
-        <p:nvSpPr>
-          <p:cNvPr id="2" name="タイトル 1"/>
-          <p:cNvSpPr>
-            <a:spLocks noGrp="1"/>
-          </p:cNvSpPr>
-          <p:nvPr>
-            <p:ph type="title"/>
-          </p:nvPr>
-        </p:nvSpPr>
-        <p:spPr/>
-        <p:txBody>
-          <a:bodyPr/>
-          <a:lstStyle/>
-          <a:p>
-            <a:r>
-              <a:rPr lang="ja-JP" altLang="en-US" dirty="0" smtClean="0"/>
-              <a:t>研究</a:t>
-            </a:r>
-            <a:r>
-              <a:rPr lang="ja-JP" altLang="en-US" dirty="0"/>
-              <a:t>動機</a:t>
-            </a:r>
-            <a:endParaRPr kumimoji="1" lang="ja-JP" altLang="en-US" dirty="0"/>
-          </a:p>
-        </p:txBody>
-      </p:sp>
-      <p:sp>
-        <p:nvSpPr>
-          <p:cNvPr id="44" name="テキスト ボックス 43"/>
-          <p:cNvSpPr txBox="1"/>
-          <p:nvPr/>
-        </p:nvSpPr>
-        <p:spPr>
-          <a:xfrm>
-            <a:off x="258998" y="885825"/>
-            <a:ext cx="3453970" cy="523220"/>
-          </a:xfrm>
-          <a:prstGeom prst="rect">
-            <a:avLst/>
-          </a:prstGeom>
-          <a:noFill/>
-        </p:spPr>
-        <p:txBody>
-          <a:bodyPr wrap="square" rtlCol="0">
-            <a:spAutoFit/>
-          </a:bodyPr>
-          <a:lstStyle/>
-          <a:p>
-            <a:r>
-              <a:rPr kumimoji="1" lang="ja-JP" altLang="en-US" sz="2800" dirty="0" smtClean="0"/>
-              <a:t>前研究</a:t>
-            </a:r>
-            <a:endParaRPr kumimoji="1" lang="ja-JP" altLang="en-US" sz="2800" dirty="0"/>
-          </a:p>
-        </p:txBody>
-      </p:sp>
       <p:grpSp>
         <p:nvGrpSpPr>
           <p:cNvPr id="45" name="グループ化 44"/>
@@ -13977,6 +15020,46 @@
           </p:txBody>
         </p:sp>
       </p:grpSp>
+      <p:sp>
+        <p:nvSpPr>
+          <p:cNvPr id="11" name="タイトル 1"/>
+          <p:cNvSpPr>
+            <a:spLocks noGrp="1"/>
+          </p:cNvSpPr>
+          <p:nvPr>
+            <p:ph type="title"/>
+          </p:nvPr>
+        </p:nvSpPr>
+        <p:spPr>
+          <a:xfrm>
+            <a:off x="258998" y="127508"/>
+            <a:ext cx="7627701" cy="660433"/>
+          </a:xfrm>
+        </p:spPr>
+        <p:txBody>
+          <a:bodyPr/>
+          <a:lstStyle/>
+          <a:p>
+            <a:r>
+              <a:rPr lang="ja-JP" altLang="en-US" dirty="0" smtClean="0"/>
+              <a:t>前研究内容</a:t>
+            </a:r>
+            <a:r>
+              <a:rPr lang="en-US" altLang="ja-JP" dirty="0" smtClean="0"/>
+              <a:t>(</a:t>
+            </a:r>
+            <a:r>
+              <a:rPr lang="ja-JP" altLang="en-US" dirty="0" smtClean="0"/>
+              <a:t>数理モデル</a:t>
+            </a:r>
+            <a:r>
+              <a:rPr lang="en-US" altLang="ja-JP" dirty="0" smtClean="0"/>
+              <a:t>)</a:t>
+            </a:r>
+            <a:endParaRPr kumimoji="1" lang="ja-JP" altLang="en-US" dirty="0"/>
+          </a:p>
+        </p:txBody>
+      </p:sp>
     </p:spTree>
     <p:extLst>
       <p:ext uri="{BB962C8B-B14F-4D97-AF65-F5344CB8AC3E}">
@@ -14937,7 +16020,7 @@
         </p:nvSpPr>
         <p:spPr>
           <a:xfrm>
-            <a:off x="6532924" y="1579675"/>
+            <a:off x="6512883" y="1410751"/>
             <a:ext cx="2536629" cy="923330"/>
           </a:xfrm>
           <a:prstGeom prst="rect">
@@ -15035,8 +16118,12 @@
           <a:lstStyle/>
           <a:p>
             <a:r>
-              <a:rPr kumimoji="1" lang="ja-JP" altLang="en-US" dirty="0" smtClean="0"/>
-              <a:t>補足</a:t>
+              <a:rPr lang="ja-JP" altLang="en-US" dirty="0" smtClean="0"/>
+              <a:t>提案</a:t>
+            </a:r>
+            <a:r>
+              <a:rPr lang="ja-JP" altLang="en-US" dirty="0"/>
+              <a:t>アーキテクチャ</a:t>
             </a:r>
             <a:endParaRPr kumimoji="1" lang="ja-JP" altLang="en-US" dirty="0"/>
           </a:p>
@@ -15063,11 +16150,7 @@
             </a:r>
             <a:r>
               <a:rPr kumimoji="1" lang="ja-JP" altLang="en-US" dirty="0" smtClean="0"/>
-              <a:t>やってて</a:t>
-            </a:r>
-            <a:r>
-              <a:rPr kumimoji="1" lang="en-US" altLang="ja-JP" dirty="0" smtClean="0"/>
-              <a:t>…</a:t>
+              <a:t>モデル</a:t>
             </a:r>
             <a:endParaRPr kumimoji="1" lang="ja-JP" altLang="en-US" dirty="0"/>
           </a:p>
@@ -15181,7 +16264,7 @@
           <a:p>
             <a:r>
               <a:rPr kumimoji="1" lang="ja-JP" altLang="en-US" dirty="0" smtClean="0"/>
-              <a:t>サービスモデル</a:t>
+              <a:t>松江駅構内図の数理モデル化</a:t>
             </a:r>
             <a:endParaRPr kumimoji="1" lang="ja-JP" altLang="en-US" dirty="0"/>
           </a:p>
@@ -15348,7 +16431,132 @@
           <a:bodyPr/>
           <a:lstStyle/>
           <a:p>
-            <a:endParaRPr kumimoji="1" lang="ja-JP" altLang="en-US"/>
+            <a:r>
+              <a:rPr kumimoji="1" lang="ja-JP" altLang="en-US" dirty="0" smtClean="0"/>
+              <a:t>松江駅構内に設置したカメラ図</a:t>
+            </a:r>
+            <a:endParaRPr kumimoji="1" lang="ja-JP" altLang="en-US" dirty="0"/>
+          </a:p>
+        </p:txBody>
+      </p:sp>
+      <p:pic>
+        <p:nvPicPr>
+          <p:cNvPr id="5" name="コンテンツ プレースホルダー 4"/>
+          <p:cNvPicPr>
+            <a:picLocks noGrp="1" noChangeAspect="1"/>
+          </p:cNvPicPr>
+          <p:nvPr>
+            <p:ph idx="1"/>
+          </p:nvPr>
+        </p:nvPicPr>
+        <p:blipFill>
+          <a:blip r:embed="rId2" cstate="print">
+            <a:extLst>
+              <a:ext uri="{28A0092B-C50C-407E-A947-70E740481C1C}">
+                <a14:useLocalDpi xmlns:a14="http://schemas.microsoft.com/office/drawing/2010/main" val="0"/>
+              </a:ext>
+            </a:extLst>
+          </a:blip>
+          <a:stretch>
+            <a:fillRect/>
+          </a:stretch>
+        </p:blipFill>
+        <p:spPr>
+          <a:xfrm>
+            <a:off x="191029" y="2398963"/>
+            <a:ext cx="8876462" cy="1758169"/>
+          </a:xfrm>
+        </p:spPr>
+      </p:pic>
+    </p:spTree>
+    <p:extLst>
+      <p:ext uri="{BB962C8B-B14F-4D97-AF65-F5344CB8AC3E}">
+        <p14:creationId xmlns:p14="http://schemas.microsoft.com/office/powerpoint/2010/main" val="1932982650"/>
+      </p:ext>
+    </p:extLst>
+  </p:cSld>
+  <p:clrMapOvr>
+    <a:masterClrMapping/>
+  </p:clrMapOvr>
+  <p:timing>
+    <p:tnLst>
+      <p:par>
+        <p:cTn id="1" dur="indefinite" restart="never" nodeType="tmRoot"/>
+      </p:par>
+    </p:tnLst>
+  </p:timing>
+</p:sld>
+</file>
+
+<file path=ppt/slides/slide33.xml><?xml version="1.0" encoding="utf-8"?>
+<p:sld xmlns:a="http://schemas.openxmlformats.org/drawingml/2006/main" xmlns:r="http://schemas.openxmlformats.org/officeDocument/2006/relationships" xmlns:p="http://schemas.openxmlformats.org/presentationml/2006/main">
+  <p:cSld>
+    <p:spTree>
+      <p:nvGrpSpPr>
+        <p:cNvPr id="1" name=""/>
+        <p:cNvGrpSpPr/>
+        <p:nvPr/>
+      </p:nvGrpSpPr>
+      <p:grpSpPr>
+        <a:xfrm>
+          <a:off x="0" y="0"/>
+          <a:ext cx="0" cy="0"/>
+          <a:chOff x="0" y="0"/>
+          <a:chExt cx="0" cy="0"/>
+        </a:xfrm>
+      </p:grpSpPr>
+      <p:sp>
+        <p:nvSpPr>
+          <p:cNvPr id="2" name="タイトル 1"/>
+          <p:cNvSpPr>
+            <a:spLocks noGrp="1"/>
+          </p:cNvSpPr>
+          <p:nvPr>
+            <p:ph type="title"/>
+          </p:nvPr>
+        </p:nvSpPr>
+        <p:spPr/>
+        <p:txBody>
+          <a:bodyPr/>
+          <a:lstStyle/>
+          <a:p>
+            <a:r>
+              <a:rPr kumimoji="1" lang="ja-JP" altLang="en-US" dirty="0" smtClean="0"/>
+              <a:t>センサ</a:t>
+            </a:r>
+            <a:r>
+              <a:rPr kumimoji="1" lang="en-US" altLang="ja-JP" dirty="0" smtClean="0"/>
+              <a:t>6</a:t>
+            </a:r>
+            <a:r>
+              <a:rPr kumimoji="1" lang="ja-JP" altLang="en-US" dirty="0" err="1" smtClean="0"/>
+              <a:t>，</a:t>
+            </a:r>
+            <a:r>
+              <a:rPr kumimoji="1" lang="en-US" altLang="ja-JP" dirty="0" smtClean="0"/>
+              <a:t>7</a:t>
+            </a:r>
+            <a:r>
+              <a:rPr kumimoji="1" lang="ja-JP" altLang="en-US" dirty="0" err="1" smtClean="0"/>
+              <a:t>，</a:t>
+            </a:r>
+            <a:r>
+              <a:rPr kumimoji="1" lang="en-US" altLang="ja-JP" dirty="0" smtClean="0"/>
+              <a:t>8</a:t>
+            </a:r>
+            <a:r>
+              <a:rPr kumimoji="1" lang="ja-JP" altLang="en-US" dirty="0" smtClean="0"/>
+              <a:t>の</a:t>
+            </a:r>
+            <a:r>
+              <a:rPr kumimoji="1" lang="en-US" altLang="ja-JP" dirty="0" smtClean="0"/>
+              <a:t>in/out</a:t>
+            </a:r>
+            <a:r>
+              <a:rPr kumimoji="1" lang="ja-JP" altLang="en-US" dirty="0" smtClean="0"/>
+              <a:t>定義</a:t>
+            </a:r>
+            <a:endParaRPr kumimoji="1" lang="ja-JP" altLang="en-US" dirty="0"/>
           </a:p>
         </p:txBody>
       </p:sp>
@@ -15775,7 +16983,7 @@
 </p:sld>
 </file>
 
-<file path=ppt/slides/slide33.xml><?xml version="1.0" encoding="utf-8"?>
+<file path=ppt/slides/slide34.xml><?xml version="1.0" encoding="utf-8"?>
 <p:sld xmlns:a="http://schemas.openxmlformats.org/drawingml/2006/main" xmlns:r="http://schemas.openxmlformats.org/officeDocument/2006/relationships" xmlns:p="http://schemas.openxmlformats.org/presentationml/2006/main">
   <p:cSld>
     <p:spTree>
@@ -16851,46 +18059,9 @@
           </a:p>
         </p:txBody>
       </p:sp>
-    </p:spTree>
-    <p:extLst>
-      <p:ext uri="{BB962C8B-B14F-4D97-AF65-F5344CB8AC3E}">
-        <p14:creationId xmlns:p14="http://schemas.microsoft.com/office/powerpoint/2010/main" val="3279468175"/>
-      </p:ext>
-    </p:extLst>
-  </p:cSld>
-  <p:clrMapOvr>
-    <a:masterClrMapping/>
-  </p:clrMapOvr>
-  <p:timing>
-    <p:tnLst>
-      <p:par>
-        <p:cTn id="1" dur="indefinite" restart="never" nodeType="tmRoot"/>
-      </p:par>
-    </p:tnLst>
-  </p:timing>
-</p:sld>
-</file>
-
-<file path=ppt/slides/slide34.xml><?xml version="1.0" encoding="utf-8"?>
-<p:sld xmlns:a="http://schemas.openxmlformats.org/drawingml/2006/main" xmlns:r="http://schemas.openxmlformats.org/officeDocument/2006/relationships" xmlns:p="http://schemas.openxmlformats.org/presentationml/2006/main">
-  <p:cSld>
-    <p:spTree>
-      <p:nvGrpSpPr>
-        <p:cNvPr id="1" name=""/>
-        <p:cNvGrpSpPr/>
-        <p:nvPr/>
-      </p:nvGrpSpPr>
-      <p:grpSpPr>
-        <a:xfrm>
-          <a:off x="0" y="0"/>
-          <a:ext cx="0" cy="0"/>
-          <a:chOff x="0" y="0"/>
-          <a:chExt cx="0" cy="0"/>
-        </a:xfrm>
-      </p:grpSpPr>
       <p:sp>
         <p:nvSpPr>
-          <p:cNvPr id="2" name="タイトル 1"/>
+          <p:cNvPr id="30" name="タイトル 1"/>
           <p:cNvSpPr>
             <a:spLocks noGrp="1"/>
           </p:cNvSpPr>
@@ -16898,52 +18069,36 @@
             <p:ph type="title"/>
           </p:nvPr>
         </p:nvSpPr>
-        <p:spPr/>
+        <p:spPr>
+          <a:xfrm>
+            <a:off x="258998" y="127508"/>
+            <a:ext cx="7627701" cy="660433"/>
+          </a:xfrm>
+        </p:spPr>
         <p:txBody>
           <a:bodyPr/>
           <a:lstStyle/>
           <a:p>
             <a:r>
-              <a:rPr kumimoji="1" lang="ja-JP" altLang="en-US" dirty="0" smtClean="0"/>
-              <a:t>補足</a:t>
+              <a:rPr lang="ja-JP" altLang="en-US" dirty="0" smtClean="0"/>
+              <a:t>オープン</a:t>
+            </a:r>
+            <a:r>
+              <a:rPr lang="en-US" altLang="ja-JP" dirty="0" err="1" smtClean="0"/>
+              <a:t>IoT</a:t>
+            </a:r>
+            <a:r>
+              <a:rPr lang="ja-JP" altLang="en-US" dirty="0" smtClean="0"/>
+              <a:t>について</a:t>
             </a:r>
             <a:endParaRPr kumimoji="1" lang="ja-JP" altLang="en-US" dirty="0"/>
           </a:p>
         </p:txBody>
       </p:sp>
-      <p:pic>
-        <p:nvPicPr>
-          <p:cNvPr id="5" name="コンテンツ プレースホルダー 4"/>
-          <p:cNvPicPr>
-            <a:picLocks noGrp="1" noChangeAspect="1"/>
-          </p:cNvPicPr>
-          <p:nvPr>
-            <p:ph idx="1"/>
-          </p:nvPr>
-        </p:nvPicPr>
-        <p:blipFill>
-          <a:blip r:embed="rId2" cstate="print">
-            <a:extLst>
-              <a:ext uri="{28A0092B-C50C-407E-A947-70E740481C1C}">
-                <a14:useLocalDpi xmlns:a14="http://schemas.microsoft.com/office/drawing/2010/main" val="0"/>
-              </a:ext>
-            </a:extLst>
-          </a:blip>
-          <a:stretch>
-            <a:fillRect/>
-          </a:stretch>
-        </p:blipFill>
-        <p:spPr>
-          <a:xfrm>
-            <a:off x="258763" y="2432831"/>
-            <a:ext cx="7886700" cy="1562126"/>
-          </a:xfrm>
-        </p:spPr>
-      </p:pic>
     </p:spTree>
     <p:extLst>
       <p:ext uri="{BB962C8B-B14F-4D97-AF65-F5344CB8AC3E}">
-        <p14:creationId xmlns:p14="http://schemas.microsoft.com/office/powerpoint/2010/main" val="1932982650"/>
+        <p14:creationId xmlns:p14="http://schemas.microsoft.com/office/powerpoint/2010/main" val="3279468175"/>
       </p:ext>
     </p:extLst>
   </p:cSld>
@@ -16987,16 +18142,35 @@
             <p:ph type="title"/>
           </p:nvPr>
         </p:nvSpPr>
-        <p:spPr/>
+        <p:spPr>
+          <a:xfrm>
+            <a:off x="258998" y="240704"/>
+            <a:ext cx="8885002" cy="660433"/>
+          </a:xfrm>
+        </p:spPr>
         <p:txBody>
-          <a:bodyPr/>
+          <a:bodyPr>
+            <a:normAutofit fontScale="90000"/>
+          </a:bodyPr>
           <a:lstStyle/>
           <a:p>
             <a:r>
-              <a:rPr lang="ja-JP" altLang="en-US" dirty="0" smtClean="0"/>
-              <a:t>対象者の動き</a:t>
-            </a:r>
-            <a:endParaRPr kumimoji="1" lang="ja-JP" altLang="en-US" dirty="0"/>
+              <a:rPr lang="ja-JP" altLang="en-US" dirty="0"/>
+              <a:t>登校時人流センサ毎の非対象者の総データ量</a:t>
+            </a:r>
+            <a:r>
+              <a:rPr lang="en-US" altLang="ja-JP" dirty="0"/>
+              <a:t>(</a:t>
+            </a:r>
+            <a:r>
+              <a:rPr lang="ja-JP" altLang="en-US" dirty="0"/>
+              <a:t>切り上げ</a:t>
+            </a:r>
+            <a:r>
+              <a:rPr lang="en-US" altLang="ja-JP" dirty="0"/>
+              <a:t>)</a:t>
+            </a:r>
+            <a:endParaRPr lang="ja-JP" altLang="en-US" dirty="0"/>
           </a:p>
         </p:txBody>
       </p:sp>
@@ -17026,42 +18200,42 @@
                 <a:gridCol w="2144137">
                   <a:extLst>
                     <a:ext uri="{9D8B030D-6E8A-4147-A177-3AD203B41FA5}">
-                      <a16:colId xmlns:a16="http://schemas.microsoft.com/office/drawing/2014/main" val="20000"/>
+                      <a16:colId xmlns:a16="http://schemas.microsoft.com/office/drawing/2014/main" xmlns="" val="20000"/>
                     </a:ext>
                   </a:extLst>
                 </a:gridCol>
                 <a:gridCol w="1086521">
                   <a:extLst>
                     <a:ext uri="{9D8B030D-6E8A-4147-A177-3AD203B41FA5}">
-                      <a16:colId xmlns:a16="http://schemas.microsoft.com/office/drawing/2014/main" val="20001"/>
+                      <a16:colId xmlns:a16="http://schemas.microsoft.com/office/drawing/2014/main" xmlns="" val="20001"/>
                     </a:ext>
                   </a:extLst>
                 </a:gridCol>
                 <a:gridCol w="1086521">
                   <a:extLst>
                     <a:ext uri="{9D8B030D-6E8A-4147-A177-3AD203B41FA5}">
-                      <a16:colId xmlns:a16="http://schemas.microsoft.com/office/drawing/2014/main" val="20002"/>
+                      <a16:colId xmlns:a16="http://schemas.microsoft.com/office/drawing/2014/main" xmlns="" val="20002"/>
                     </a:ext>
                   </a:extLst>
                 </a:gridCol>
                 <a:gridCol w="1088222">
                   <a:extLst>
                     <a:ext uri="{9D8B030D-6E8A-4147-A177-3AD203B41FA5}">
-                      <a16:colId xmlns:a16="http://schemas.microsoft.com/office/drawing/2014/main" val="20003"/>
+                      <a16:colId xmlns:a16="http://schemas.microsoft.com/office/drawing/2014/main" xmlns="" val="20003"/>
                     </a:ext>
                   </a:extLst>
                 </a:gridCol>
                 <a:gridCol w="1086521">
                   <a:extLst>
                     <a:ext uri="{9D8B030D-6E8A-4147-A177-3AD203B41FA5}">
-                      <a16:colId xmlns:a16="http://schemas.microsoft.com/office/drawing/2014/main" val="20004"/>
+                      <a16:colId xmlns:a16="http://schemas.microsoft.com/office/drawing/2014/main" xmlns="" val="20004"/>
                     </a:ext>
                   </a:extLst>
                 </a:gridCol>
                 <a:gridCol w="1088222">
                   <a:extLst>
                     <a:ext uri="{9D8B030D-6E8A-4147-A177-3AD203B41FA5}">
-                      <a16:colId xmlns:a16="http://schemas.microsoft.com/office/drawing/2014/main" val="20005"/>
+                      <a16:colId xmlns:a16="http://schemas.microsoft.com/office/drawing/2014/main" xmlns="" val="20005"/>
                     </a:ext>
                   </a:extLst>
                 </a:gridCol>
@@ -17528,7 +18702,7 @@
                 </a:tc>
                 <a:extLst>
                   <a:ext uri="{0D108BD9-81ED-4DB2-BD59-A6C34878D82A}">
-                    <a16:rowId xmlns:a16="http://schemas.microsoft.com/office/drawing/2014/main" val="10000"/>
+                    <a16:rowId xmlns:a16="http://schemas.microsoft.com/office/drawing/2014/main" xmlns="" val="10000"/>
                   </a:ext>
                 </a:extLst>
               </a:tr>
@@ -17979,7 +19153,7 @@
                 </a:tc>
                 <a:extLst>
                   <a:ext uri="{0D108BD9-81ED-4DB2-BD59-A6C34878D82A}">
-                    <a16:rowId xmlns:a16="http://schemas.microsoft.com/office/drawing/2014/main" val="10001"/>
+                    <a16:rowId xmlns:a16="http://schemas.microsoft.com/office/drawing/2014/main" xmlns="" val="10001"/>
                   </a:ext>
                 </a:extLst>
               </a:tr>
@@ -18445,7 +19619,7 @@
                 </a:tc>
                 <a:extLst>
                   <a:ext uri="{0D108BD9-81ED-4DB2-BD59-A6C34878D82A}">
-                    <a16:rowId xmlns:a16="http://schemas.microsoft.com/office/drawing/2014/main" val="10002"/>
+                    <a16:rowId xmlns:a16="http://schemas.microsoft.com/office/drawing/2014/main" xmlns="" val="10002"/>
                   </a:ext>
                 </a:extLst>
               </a:tr>
@@ -18860,7 +20034,7 @@
                 </a:tc>
                 <a:extLst>
                   <a:ext uri="{0D108BD9-81ED-4DB2-BD59-A6C34878D82A}">
-                    <a16:rowId xmlns:a16="http://schemas.microsoft.com/office/drawing/2014/main" val="10003"/>
+                    <a16:rowId xmlns:a16="http://schemas.microsoft.com/office/drawing/2014/main" xmlns="" val="10003"/>
                   </a:ext>
                 </a:extLst>
               </a:tr>
@@ -19326,7 +20500,7 @@
                 </a:tc>
                 <a:extLst>
                   <a:ext uri="{0D108BD9-81ED-4DB2-BD59-A6C34878D82A}">
-                    <a16:rowId xmlns:a16="http://schemas.microsoft.com/office/drawing/2014/main" val="10004"/>
+                    <a16:rowId xmlns:a16="http://schemas.microsoft.com/office/drawing/2014/main" xmlns="" val="10004"/>
                   </a:ext>
                 </a:extLst>
               </a:tr>
@@ -19753,7 +20927,7 @@
                 </a:tc>
                 <a:extLst>
                   <a:ext uri="{0D108BD9-81ED-4DB2-BD59-A6C34878D82A}">
-                    <a16:rowId xmlns:a16="http://schemas.microsoft.com/office/drawing/2014/main" val="10005"/>
+                    <a16:rowId xmlns:a16="http://schemas.microsoft.com/office/drawing/2014/main" xmlns="" val="10005"/>
                   </a:ext>
                 </a:extLst>
               </a:tr>
@@ -20219,7 +21393,7 @@
                 </a:tc>
                 <a:extLst>
                   <a:ext uri="{0D108BD9-81ED-4DB2-BD59-A6C34878D82A}">
-                    <a16:rowId xmlns:a16="http://schemas.microsoft.com/office/drawing/2014/main" val="10006"/>
+                    <a16:rowId xmlns:a16="http://schemas.microsoft.com/office/drawing/2014/main" xmlns="" val="10006"/>
                   </a:ext>
                 </a:extLst>
               </a:tr>
@@ -20658,7 +21832,7 @@
                 </a:tc>
                 <a:extLst>
                   <a:ext uri="{0D108BD9-81ED-4DB2-BD59-A6C34878D82A}">
-                    <a16:rowId xmlns:a16="http://schemas.microsoft.com/office/drawing/2014/main" val="10007"/>
+                    <a16:rowId xmlns:a16="http://schemas.microsoft.com/office/drawing/2014/main" xmlns="" val="10007"/>
                   </a:ext>
                 </a:extLst>
               </a:tr>
@@ -20666,48 +21840,6 @@
           </a:graphicData>
         </a:graphic>
       </p:graphicFrame>
-      <p:sp>
-        <p:nvSpPr>
-          <p:cNvPr id="11" name="テキスト ボックス 10"/>
-          <p:cNvSpPr txBox="1"/>
-          <p:nvPr/>
-        </p:nvSpPr>
-        <p:spPr>
-          <a:xfrm>
-            <a:off x="718374" y="901137"/>
-            <a:ext cx="6844654" cy="400110"/>
-          </a:xfrm>
-          <a:prstGeom prst="rect">
-            <a:avLst/>
-          </a:prstGeom>
-          <a:noFill/>
-        </p:spPr>
-        <p:txBody>
-          <a:bodyPr wrap="square" rtlCol="0">
-            <a:spAutoFit/>
-          </a:bodyPr>
-          <a:lstStyle/>
-          <a:p>
-            <a:r>
-              <a:rPr kumimoji="1" lang="ja-JP" altLang="en-US" sz="2000" dirty="0" smtClean="0"/>
-              <a:t>登校時人流センサ毎の非対象者の総データ量</a:t>
-            </a:r>
-            <a:r>
-              <a:rPr kumimoji="1" lang="en-US" altLang="ja-JP" sz="2000" dirty="0" smtClean="0"/>
-              <a:t>(</a:t>
-            </a:r>
-            <a:r>
-              <a:rPr kumimoji="1" lang="ja-JP" altLang="en-US" sz="2000" dirty="0" smtClean="0"/>
-              <a:t>切り上げ</a:t>
-            </a:r>
-            <a:r>
-              <a:rPr kumimoji="1" lang="en-US" altLang="ja-JP" sz="2000" dirty="0" smtClean="0"/>
-              <a:t>)</a:t>
-            </a:r>
-            <a:endParaRPr kumimoji="1" lang="ja-JP" altLang="en-US" sz="2000" dirty="0"/>
-          </a:p>
-        </p:txBody>
-      </p:sp>
     </p:spTree>
     <p:extLst>
       <p:ext uri="{BB962C8B-B14F-4D97-AF65-F5344CB8AC3E}">
@@ -20755,14 +21887,21 @@
             <p:ph type="title"/>
           </p:nvPr>
         </p:nvSpPr>
-        <p:spPr/>
+        <p:spPr>
+          <a:xfrm>
+            <a:off x="284398" y="212174"/>
+            <a:ext cx="8774935" cy="660433"/>
+          </a:xfrm>
+        </p:spPr>
         <p:txBody>
-          <a:bodyPr/>
+          <a:bodyPr>
+            <a:normAutofit fontScale="90000"/>
+          </a:bodyPr>
           <a:lstStyle/>
           <a:p>
             <a:r>
               <a:rPr kumimoji="1" lang="ja-JP" altLang="en-US" dirty="0" smtClean="0"/>
-              <a:t>シミュレーション結果</a:t>
+              <a:t>対象者を映さないセンサを除いたときに削減されるデータ</a:t>
             </a:r>
             <a:endParaRPr kumimoji="1" lang="ja-JP" altLang="en-US" dirty="0"/>
           </a:p>
@@ -20796,28 +21935,28 @@
                 <a:gridCol w="1260064">
                   <a:extLst>
                     <a:ext uri="{9D8B030D-6E8A-4147-A177-3AD203B41FA5}">
-                      <a16:colId xmlns:a16="http://schemas.microsoft.com/office/drawing/2014/main" val="2875436721"/>
+                      <a16:colId xmlns:a16="http://schemas.microsoft.com/office/drawing/2014/main" xmlns="" val="2875436721"/>
                     </a:ext>
                   </a:extLst>
                 </a:gridCol>
                 <a:gridCol w="926595">
                   <a:extLst>
                     <a:ext uri="{9D8B030D-6E8A-4147-A177-3AD203B41FA5}">
-                      <a16:colId xmlns:a16="http://schemas.microsoft.com/office/drawing/2014/main" val="3183250735"/>
+                      <a16:colId xmlns:a16="http://schemas.microsoft.com/office/drawing/2014/main" xmlns="" val="3183250735"/>
                     </a:ext>
                   </a:extLst>
                 </a:gridCol>
                 <a:gridCol w="926595">
                   <a:extLst>
                     <a:ext uri="{9D8B030D-6E8A-4147-A177-3AD203B41FA5}">
-                      <a16:colId xmlns:a16="http://schemas.microsoft.com/office/drawing/2014/main" val="1752768818"/>
+                      <a16:colId xmlns:a16="http://schemas.microsoft.com/office/drawing/2014/main" xmlns="" val="1752768818"/>
                     </a:ext>
                   </a:extLst>
                 </a:gridCol>
                 <a:gridCol w="996846">
                   <a:extLst>
                     <a:ext uri="{9D8B030D-6E8A-4147-A177-3AD203B41FA5}">
-                      <a16:colId xmlns:a16="http://schemas.microsoft.com/office/drawing/2014/main" val="3445419894"/>
+                      <a16:colId xmlns:a16="http://schemas.microsoft.com/office/drawing/2014/main" xmlns="" val="3445419894"/>
                     </a:ext>
                   </a:extLst>
                 </a:gridCol>
@@ -20983,7 +22122,7 @@
                 </a:tc>
                 <a:extLst>
                   <a:ext uri="{0D108BD9-81ED-4DB2-BD59-A6C34878D82A}">
-                    <a16:rowId xmlns:a16="http://schemas.microsoft.com/office/drawing/2014/main" val="2578181823"/>
+                    <a16:rowId xmlns:a16="http://schemas.microsoft.com/office/drawing/2014/main" xmlns="" val="2578181823"/>
                   </a:ext>
                 </a:extLst>
               </a:tr>
@@ -21100,7 +22239,7 @@
                 </a:tc>
                 <a:extLst>
                   <a:ext uri="{0D108BD9-81ED-4DB2-BD59-A6C34878D82A}">
-                    <a16:rowId xmlns:a16="http://schemas.microsoft.com/office/drawing/2014/main" val="569498398"/>
+                    <a16:rowId xmlns:a16="http://schemas.microsoft.com/office/drawing/2014/main" xmlns="" val="569498398"/>
                   </a:ext>
                 </a:extLst>
               </a:tr>
@@ -21217,7 +22356,7 @@
                 </a:tc>
                 <a:extLst>
                   <a:ext uri="{0D108BD9-81ED-4DB2-BD59-A6C34878D82A}">
-                    <a16:rowId xmlns:a16="http://schemas.microsoft.com/office/drawing/2014/main" val="604121984"/>
+                    <a16:rowId xmlns:a16="http://schemas.microsoft.com/office/drawing/2014/main" xmlns="" val="604121984"/>
                   </a:ext>
                 </a:extLst>
               </a:tr>
@@ -21334,7 +22473,7 @@
                 </a:tc>
                 <a:extLst>
                   <a:ext uri="{0D108BD9-81ED-4DB2-BD59-A6C34878D82A}">
-                    <a16:rowId xmlns:a16="http://schemas.microsoft.com/office/drawing/2014/main" val="2699306453"/>
+                    <a16:rowId xmlns:a16="http://schemas.microsoft.com/office/drawing/2014/main" xmlns="" val="2699306453"/>
                   </a:ext>
                 </a:extLst>
               </a:tr>
@@ -21451,7 +22590,7 @@
                 </a:tc>
                 <a:extLst>
                   <a:ext uri="{0D108BD9-81ED-4DB2-BD59-A6C34878D82A}">
-                    <a16:rowId xmlns:a16="http://schemas.microsoft.com/office/drawing/2014/main" val="3357531213"/>
+                    <a16:rowId xmlns:a16="http://schemas.microsoft.com/office/drawing/2014/main" xmlns="" val="3357531213"/>
                   </a:ext>
                 </a:extLst>
               </a:tr>
@@ -21568,7 +22707,7 @@
                 </a:tc>
                 <a:extLst>
                   <a:ext uri="{0D108BD9-81ED-4DB2-BD59-A6C34878D82A}">
-                    <a16:rowId xmlns:a16="http://schemas.microsoft.com/office/drawing/2014/main" val="794854541"/>
+                    <a16:rowId xmlns:a16="http://schemas.microsoft.com/office/drawing/2014/main" xmlns="" val="794854541"/>
                   </a:ext>
                 </a:extLst>
               </a:tr>
@@ -21679,7 +22818,7 @@
                 </a:tc>
                 <a:extLst>
                   <a:ext uri="{0D108BD9-81ED-4DB2-BD59-A6C34878D82A}">
-                    <a16:rowId xmlns:a16="http://schemas.microsoft.com/office/drawing/2014/main" val="1269923886"/>
+                    <a16:rowId xmlns:a16="http://schemas.microsoft.com/office/drawing/2014/main" xmlns="" val="1269923886"/>
                   </a:ext>
                 </a:extLst>
               </a:tr>
@@ -21790,7 +22929,7 @@
                 </a:tc>
                 <a:extLst>
                   <a:ext uri="{0D108BD9-81ED-4DB2-BD59-A6C34878D82A}">
-                    <a16:rowId xmlns:a16="http://schemas.microsoft.com/office/drawing/2014/main" val="1461269730"/>
+                    <a16:rowId xmlns:a16="http://schemas.microsoft.com/office/drawing/2014/main" xmlns="" val="1461269730"/>
                   </a:ext>
                 </a:extLst>
               </a:tr>
@@ -21901,7 +23040,7 @@
                 </a:tc>
                 <a:extLst>
                   <a:ext uri="{0D108BD9-81ED-4DB2-BD59-A6C34878D82A}">
-                    <a16:rowId xmlns:a16="http://schemas.microsoft.com/office/drawing/2014/main" val="1875967255"/>
+                    <a16:rowId xmlns:a16="http://schemas.microsoft.com/office/drawing/2014/main" xmlns="" val="1875967255"/>
                   </a:ext>
                 </a:extLst>
               </a:tr>
@@ -22012,7 +23151,7 @@
                 </a:tc>
                 <a:extLst>
                   <a:ext uri="{0D108BD9-81ED-4DB2-BD59-A6C34878D82A}">
-                    <a16:rowId xmlns:a16="http://schemas.microsoft.com/office/drawing/2014/main" val="2769108537"/>
+                    <a16:rowId xmlns:a16="http://schemas.microsoft.com/office/drawing/2014/main" xmlns="" val="2769108537"/>
                   </a:ext>
                 </a:extLst>
               </a:tr>
@@ -22123,7 +23262,7 @@
                 </a:tc>
                 <a:extLst>
                   <a:ext uri="{0D108BD9-81ED-4DB2-BD59-A6C34878D82A}">
-                    <a16:rowId xmlns:a16="http://schemas.microsoft.com/office/drawing/2014/main" val="759663176"/>
+                    <a16:rowId xmlns:a16="http://schemas.microsoft.com/office/drawing/2014/main" xmlns="" val="759663176"/>
                   </a:ext>
                 </a:extLst>
               </a:tr>
@@ -22234,7 +23373,7 @@
                 </a:tc>
                 <a:extLst>
                   <a:ext uri="{0D108BD9-81ED-4DB2-BD59-A6C34878D82A}">
-                    <a16:rowId xmlns:a16="http://schemas.microsoft.com/office/drawing/2014/main" val="3722409573"/>
+                    <a16:rowId xmlns:a16="http://schemas.microsoft.com/office/drawing/2014/main" xmlns="" val="3722409573"/>
                   </a:ext>
                 </a:extLst>
               </a:tr>
@@ -22345,7 +23484,7 @@
                 </a:tc>
                 <a:extLst>
                   <a:ext uri="{0D108BD9-81ED-4DB2-BD59-A6C34878D82A}">
-                    <a16:rowId xmlns:a16="http://schemas.microsoft.com/office/drawing/2014/main" val="4012873321"/>
+                    <a16:rowId xmlns:a16="http://schemas.microsoft.com/office/drawing/2014/main" xmlns="" val="4012873321"/>
                   </a:ext>
                 </a:extLst>
               </a:tr>
@@ -22456,7 +23595,7 @@
                 </a:tc>
                 <a:extLst>
                   <a:ext uri="{0D108BD9-81ED-4DB2-BD59-A6C34878D82A}">
-                    <a16:rowId xmlns:a16="http://schemas.microsoft.com/office/drawing/2014/main" val="2312366613"/>
+                    <a16:rowId xmlns:a16="http://schemas.microsoft.com/office/drawing/2014/main" xmlns="" val="2312366613"/>
                   </a:ext>
                 </a:extLst>
               </a:tr>
@@ -22567,7 +23706,7 @@
                 </a:tc>
                 <a:extLst>
                   <a:ext uri="{0D108BD9-81ED-4DB2-BD59-A6C34878D82A}">
-                    <a16:rowId xmlns:a16="http://schemas.microsoft.com/office/drawing/2014/main" val="2163033818"/>
+                    <a16:rowId xmlns:a16="http://schemas.microsoft.com/office/drawing/2014/main" xmlns="" val="2163033818"/>
                   </a:ext>
                 </a:extLst>
               </a:tr>
@@ -22678,7 +23817,7 @@
                 </a:tc>
                 <a:extLst>
                   <a:ext uri="{0D108BD9-81ED-4DB2-BD59-A6C34878D82A}">
-                    <a16:rowId xmlns:a16="http://schemas.microsoft.com/office/drawing/2014/main" val="2527321127"/>
+                    <a16:rowId xmlns:a16="http://schemas.microsoft.com/office/drawing/2014/main" xmlns="" val="2527321127"/>
                   </a:ext>
                 </a:extLst>
               </a:tr>
@@ -22789,7 +23928,7 @@
                 </a:tc>
                 <a:extLst>
                   <a:ext uri="{0D108BD9-81ED-4DB2-BD59-A6C34878D82A}">
-                    <a16:rowId xmlns:a16="http://schemas.microsoft.com/office/drawing/2014/main" val="4252013360"/>
+                    <a16:rowId xmlns:a16="http://schemas.microsoft.com/office/drawing/2014/main" xmlns="" val="4252013360"/>
                   </a:ext>
                 </a:extLst>
               </a:tr>
@@ -22900,7 +24039,7 @@
                 </a:tc>
                 <a:extLst>
                   <a:ext uri="{0D108BD9-81ED-4DB2-BD59-A6C34878D82A}">
-                    <a16:rowId xmlns:a16="http://schemas.microsoft.com/office/drawing/2014/main" val="1009691462"/>
+                    <a16:rowId xmlns:a16="http://schemas.microsoft.com/office/drawing/2014/main" xmlns="" val="1009691462"/>
                   </a:ext>
                 </a:extLst>
               </a:tr>
@@ -23011,7 +24150,7 @@
                 </a:tc>
                 <a:extLst>
                   <a:ext uri="{0D108BD9-81ED-4DB2-BD59-A6C34878D82A}">
-                    <a16:rowId xmlns:a16="http://schemas.microsoft.com/office/drawing/2014/main" val="4238817835"/>
+                    <a16:rowId xmlns:a16="http://schemas.microsoft.com/office/drawing/2014/main" xmlns="" val="4238817835"/>
                   </a:ext>
                 </a:extLst>
               </a:tr>
@@ -23122,7 +24261,7 @@
                 </a:tc>
                 <a:extLst>
                   <a:ext uri="{0D108BD9-81ED-4DB2-BD59-A6C34878D82A}">
-                    <a16:rowId xmlns:a16="http://schemas.microsoft.com/office/drawing/2014/main" val="140970994"/>
+                    <a16:rowId xmlns:a16="http://schemas.microsoft.com/office/drawing/2014/main" xmlns="" val="140970994"/>
                   </a:ext>
                 </a:extLst>
               </a:tr>
@@ -23262,7 +24401,7 @@
                 </a:tc>
                 <a:extLst>
                   <a:ext uri="{0D108BD9-81ED-4DB2-BD59-A6C34878D82A}">
-                    <a16:rowId xmlns:a16="http://schemas.microsoft.com/office/drawing/2014/main" val="1690544847"/>
+                    <a16:rowId xmlns:a16="http://schemas.microsoft.com/office/drawing/2014/main" xmlns="" val="1690544847"/>
                   </a:ext>
                 </a:extLst>
               </a:tr>
@@ -23401,7 +24540,7 @@
                 </a:tc>
                 <a:extLst>
                   <a:ext uri="{0D108BD9-81ED-4DB2-BD59-A6C34878D82A}">
-                    <a16:rowId xmlns:a16="http://schemas.microsoft.com/office/drawing/2014/main" val="3576538571"/>
+                    <a16:rowId xmlns:a16="http://schemas.microsoft.com/office/drawing/2014/main" xmlns="" val="3576538571"/>
                   </a:ext>
                 </a:extLst>
               </a:tr>
@@ -23550,7 +24689,7 @@
                 </a:tc>
                 <a:extLst>
                   <a:ext uri="{0D108BD9-81ED-4DB2-BD59-A6C34878D82A}">
-                    <a16:rowId xmlns:a16="http://schemas.microsoft.com/office/drawing/2014/main" val="2046805675"/>
+                    <a16:rowId xmlns:a16="http://schemas.microsoft.com/office/drawing/2014/main" xmlns="" val="2046805675"/>
                   </a:ext>
                 </a:extLst>
               </a:tr>
@@ -23562,190 +24701,6 @@
     <p:extLst>
       <p:ext uri="{BB962C8B-B14F-4D97-AF65-F5344CB8AC3E}">
         <p14:creationId xmlns:p14="http://schemas.microsoft.com/office/powerpoint/2010/main" val="811436967"/>
-      </p:ext>
-    </p:extLst>
-  </p:cSld>
-  <p:clrMapOvr>
-    <a:masterClrMapping/>
-  </p:clrMapOvr>
-  <p:timing>
-    <p:tnLst>
-      <p:par>
-        <p:cTn id="1" dur="indefinite" restart="never" nodeType="tmRoot"/>
-      </p:par>
-    </p:tnLst>
-  </p:timing>
-</p:sld>
-</file>
-
-<file path=ppt/slides/slide37.xml><?xml version="1.0" encoding="utf-8"?>
-<p:sld xmlns:a="http://schemas.openxmlformats.org/drawingml/2006/main" xmlns:r="http://schemas.openxmlformats.org/officeDocument/2006/relationships" xmlns:p="http://schemas.openxmlformats.org/presentationml/2006/main">
-  <p:cSld>
-    <p:spTree>
-      <p:nvGrpSpPr>
-        <p:cNvPr id="1" name=""/>
-        <p:cNvGrpSpPr/>
-        <p:nvPr/>
-      </p:nvGrpSpPr>
-      <p:grpSpPr>
-        <a:xfrm>
-          <a:off x="0" y="0"/>
-          <a:ext cx="0" cy="0"/>
-          <a:chOff x="0" y="0"/>
-          <a:chExt cx="0" cy="0"/>
-        </a:xfrm>
-      </p:grpSpPr>
-      <p:sp>
-        <p:nvSpPr>
-          <p:cNvPr id="2" name="タイトル 1"/>
-          <p:cNvSpPr>
-            <a:spLocks noGrp="1"/>
-          </p:cNvSpPr>
-          <p:nvPr>
-            <p:ph type="title"/>
-          </p:nvPr>
-        </p:nvSpPr>
-        <p:spPr/>
-        <p:txBody>
-          <a:bodyPr/>
-          <a:lstStyle/>
-          <a:p>
-            <a:endParaRPr kumimoji="1" lang="ja-JP" altLang="en-US"/>
-          </a:p>
-        </p:txBody>
-      </p:sp>
-      <p:grpSp>
-        <p:nvGrpSpPr>
-          <p:cNvPr id="4" name="グループ化 3"/>
-          <p:cNvGrpSpPr/>
-          <p:nvPr/>
-        </p:nvGrpSpPr>
-        <p:grpSpPr>
-          <a:xfrm>
-            <a:off x="1465604" y="4324448"/>
-            <a:ext cx="6161518" cy="1416581"/>
-            <a:chOff x="294006" y="2397456"/>
-            <a:chExt cx="7748524" cy="1865030"/>
-          </a:xfrm>
-        </p:grpSpPr>
-        <p:sp>
-          <p:nvSpPr>
-            <p:cNvPr id="5" name="円/楕円 5"/>
-            <p:cNvSpPr/>
-            <p:nvPr/>
-          </p:nvSpPr>
-          <p:spPr>
-            <a:xfrm>
-              <a:off x="294006" y="2397456"/>
-              <a:ext cx="7748524" cy="1865030"/>
-            </a:xfrm>
-            <a:prstGeom prst="ellipse">
-              <a:avLst/>
-            </a:prstGeom>
-            <a:ln w="38100"/>
-          </p:spPr>
-          <p:style>
-            <a:lnRef idx="2">
-              <a:schemeClr val="accent5"/>
-            </a:lnRef>
-            <a:fillRef idx="1">
-              <a:schemeClr val="lt1"/>
-            </a:fillRef>
-            <a:effectRef idx="0">
-              <a:schemeClr val="accent5"/>
-            </a:effectRef>
-            <a:fontRef idx="minor">
-              <a:schemeClr val="dk1"/>
-            </a:fontRef>
-          </p:style>
-          <p:txBody>
-            <a:bodyPr rtlCol="0" anchor="ctr"/>
-            <a:lstStyle/>
-            <a:p>
-              <a:pPr algn="ctr"/>
-              <a:endParaRPr kumimoji="1" lang="ja-JP" altLang="en-US" sz="2000"/>
-            </a:p>
-          </p:txBody>
-        </p:sp>
-        <p:sp>
-          <p:nvSpPr>
-            <p:cNvPr id="6" name="テキスト ボックス 5"/>
-            <p:cNvSpPr txBox="1"/>
-            <p:nvPr/>
-          </p:nvSpPr>
-          <p:spPr>
-            <a:xfrm>
-              <a:off x="766367" y="2782939"/>
-              <a:ext cx="6803803" cy="1094067"/>
-            </a:xfrm>
-            <a:prstGeom prst="rect">
-              <a:avLst/>
-            </a:prstGeom>
-            <a:noFill/>
-          </p:spPr>
-          <p:txBody>
-            <a:bodyPr wrap="square" rtlCol="0">
-              <a:spAutoFit/>
-            </a:bodyPr>
-            <a:lstStyle/>
-            <a:p>
-              <a:r>
-                <a:rPr lang="ja-JP" altLang="en-US" sz="2400" dirty="0" smtClean="0"/>
-                <a:t>このシミュレーションは実測値でなく，</a:t>
-              </a:r>
-              <a:r>
-                <a:rPr lang="ja-JP" altLang="en-US" sz="2400" dirty="0" smtClean="0">
-                  <a:solidFill>
-                    <a:srgbClr val="0070C0"/>
-                  </a:solidFill>
-                </a:rPr>
-                <a:t>現実的な</a:t>
-              </a:r>
-              <a:r>
-                <a:rPr lang="en-US" altLang="ja-JP" sz="2400" dirty="0" smtClean="0">
-                  <a:solidFill>
-                    <a:srgbClr val="0070C0"/>
-                  </a:solidFill>
-                </a:rPr>
-                <a:t>NP</a:t>
-              </a:r>
-              <a:r>
-                <a:rPr lang="en-US" altLang="ja-JP" sz="2400" dirty="0" smtClean="0">
-                  <a:solidFill>
-                    <a:srgbClr val="0070C0"/>
-                  </a:solidFill>
-                </a:rPr>
-                <a:t>D</a:t>
-              </a:r>
-              <a:r>
-                <a:rPr lang="ja-JP" altLang="en-US" sz="2400" dirty="0">
-                  <a:solidFill>
-                    <a:srgbClr val="0070C0"/>
-                  </a:solidFill>
-                </a:rPr>
-                <a:t>流出</a:t>
-              </a:r>
-              <a:r>
-                <a:rPr lang="ja-JP" altLang="en-US" sz="2400" dirty="0" smtClean="0">
-                  <a:solidFill>
-                    <a:srgbClr val="0070C0"/>
-                  </a:solidFill>
-                </a:rPr>
-                <a:t>比</a:t>
-              </a:r>
-              <a:r>
-                <a:rPr lang="ja-JP" altLang="en-US" sz="2400" dirty="0" smtClean="0"/>
-                <a:t>かはわからない</a:t>
-              </a:r>
-              <a:endParaRPr kumimoji="1" lang="ja-JP" altLang="en-US" sz="2400" dirty="0"/>
-            </a:p>
-          </p:txBody>
-        </p:sp>
-      </p:grpSp>
-    </p:spTree>
-    <p:extLst>
-      <p:ext uri="{BB962C8B-B14F-4D97-AF65-F5344CB8AC3E}">
-        <p14:creationId xmlns:p14="http://schemas.microsoft.com/office/powerpoint/2010/main" val="635507442"/>
       </p:ext>
     </p:extLst>
   </p:cSld>
@@ -23779,6 +24734,98 @@
           <a:chExt cx="0" cy="0"/>
         </a:xfrm>
       </p:grpSpPr>
+      <p:sp>
+        <p:nvSpPr>
+          <p:cNvPr id="23" name="下矢印 22"/>
+          <p:cNvSpPr/>
+          <p:nvPr/>
+        </p:nvSpPr>
+        <p:spPr>
+          <a:xfrm>
+            <a:off x="625374" y="2684940"/>
+            <a:ext cx="504000" cy="2550912"/>
+          </a:xfrm>
+          <a:prstGeom prst="downArrow">
+            <a:avLst>
+              <a:gd name="adj1" fmla="val 33201"/>
+              <a:gd name="adj2" fmla="val 50000"/>
+            </a:avLst>
+          </a:prstGeom>
+        </p:spPr>
+        <p:style>
+          <a:lnRef idx="2">
+            <a:schemeClr val="accent1">
+              <a:shade val="50000"/>
+            </a:schemeClr>
+          </a:lnRef>
+          <a:fillRef idx="1">
+            <a:schemeClr val="accent1"/>
+          </a:fillRef>
+          <a:effectRef idx="0">
+            <a:schemeClr val="accent1"/>
+          </a:effectRef>
+          <a:fontRef idx="minor">
+            <a:schemeClr val="lt1"/>
+          </a:fontRef>
+        </p:style>
+        <p:txBody>
+          <a:bodyPr rtlCol="0" anchor="ctr"/>
+          <a:lstStyle/>
+          <a:p>
+            <a:pPr algn="ctr"/>
+            <a:endParaRPr kumimoji="1" lang="ja-JP" altLang="en-US"/>
+          </a:p>
+        </p:txBody>
+      </p:sp>
+      <p:sp>
+        <p:nvSpPr>
+          <p:cNvPr id="22" name="曲折矢印 21"/>
+          <p:cNvSpPr/>
+          <p:nvPr/>
+        </p:nvSpPr>
+        <p:spPr>
+          <a:xfrm rot="16200000" flipH="1">
+            <a:off x="2888807" y="-676657"/>
+            <a:ext cx="2160000" cy="6652684"/>
+          </a:xfrm>
+          <a:prstGeom prst="bentArrow">
+            <a:avLst>
+              <a:gd name="adj1" fmla="val 7809"/>
+              <a:gd name="adj2" fmla="val 10785"/>
+              <a:gd name="adj3" fmla="val 25000"/>
+              <a:gd name="adj4" fmla="val 43750"/>
+            </a:avLst>
+          </a:prstGeom>
+        </p:spPr>
+        <p:style>
+          <a:lnRef idx="2">
+            <a:schemeClr val="accent2">
+              <a:shade val="50000"/>
+            </a:schemeClr>
+          </a:lnRef>
+          <a:fillRef idx="1">
+            <a:schemeClr val="accent2"/>
+          </a:fillRef>
+          <a:effectRef idx="0">
+            <a:schemeClr val="accent2"/>
+          </a:effectRef>
+          <a:fontRef idx="minor">
+            <a:schemeClr val="lt1"/>
+          </a:fontRef>
+        </p:style>
+        <p:txBody>
+          <a:bodyPr rtlCol="0" anchor="ctr"/>
+          <a:lstStyle/>
+          <a:p>
+            <a:pPr algn="ctr"/>
+            <a:endParaRPr kumimoji="1" lang="ja-JP" altLang="en-US">
+              <a:solidFill>
+                <a:schemeClr val="tx1"/>
+              </a:solidFill>
+            </a:endParaRPr>
+          </a:p>
+        </p:txBody>
+      </p:sp>
       <p:sp>
         <p:nvSpPr>
           <p:cNvPr id="32" name="右矢印 31"/>
@@ -24631,59 +25678,6 @@
       </p:sp>
       <p:sp>
         <p:nvSpPr>
-          <p:cNvPr id="20" name="テキスト ボックス 19"/>
-          <p:cNvSpPr txBox="1"/>
-          <p:nvPr/>
-        </p:nvSpPr>
-        <p:spPr>
-          <a:xfrm>
-            <a:off x="6532924" y="1579675"/>
-            <a:ext cx="2536629" cy="923330"/>
-          </a:xfrm>
-          <a:prstGeom prst="rect">
-            <a:avLst/>
-          </a:prstGeom>
-          <a:noFill/>
-          <a:ln w="38100">
-            <a:solidFill>
-              <a:srgbClr val="FF0000"/>
-            </a:solidFill>
-          </a:ln>
-        </p:spPr>
-        <p:txBody>
-          <a:bodyPr wrap="square" rtlCol="0">
-            <a:spAutoFit/>
-          </a:bodyPr>
-          <a:lstStyle/>
-          <a:p>
-            <a:r>
-              <a:rPr kumimoji="1" lang="ja-JP" altLang="en-US" dirty="0" smtClean="0"/>
-              <a:t>人間の認知処理に匹敵</a:t>
-            </a:r>
-            <a:endParaRPr kumimoji="1" lang="en-US" altLang="ja-JP" dirty="0" smtClean="0"/>
-          </a:p>
-          <a:p>
-            <a:r>
-              <a:rPr lang="ja-JP" altLang="en-US" dirty="0" smtClean="0"/>
-              <a:t>指紋やカードなども</a:t>
-            </a:r>
-            <a:r>
-              <a:rPr lang="en-US" altLang="ja-JP" dirty="0" smtClean="0"/>
-              <a:t/>
-            </a:r>
-            <a:br>
-              <a:rPr lang="en-US" altLang="ja-JP" dirty="0" smtClean="0"/>
-            </a:br>
-            <a:r>
-              <a:rPr lang="ja-JP" altLang="en-US" dirty="0" smtClean="0"/>
-              <a:t>カメラ越しに確認可能</a:t>
-            </a:r>
-            <a:endParaRPr kumimoji="1" lang="ja-JP" altLang="en-US" dirty="0"/>
-          </a:p>
-        </p:txBody>
-      </p:sp>
-      <p:sp>
-        <p:nvSpPr>
           <p:cNvPr id="33" name="テキスト ボックス 32"/>
           <p:cNvSpPr txBox="1"/>
           <p:nvPr/>
@@ -24796,10 +25790,10 @@
         </p:nvGrpSpPr>
         <p:grpSpPr>
           <a:xfrm>
-            <a:off x="194419" y="2425078"/>
-            <a:ext cx="2558094" cy="1443976"/>
+            <a:off x="199959" y="5216619"/>
+            <a:ext cx="2558094" cy="1166977"/>
             <a:chOff x="194419" y="2425078"/>
-            <a:chExt cx="2558094" cy="1443976"/>
+            <a:chExt cx="2558094" cy="1166977"/>
           </a:xfrm>
         </p:grpSpPr>
         <p:sp>
@@ -24854,7 +25848,7 @@
           <p:spPr>
             <a:xfrm>
               <a:off x="215884" y="2945724"/>
-              <a:ext cx="2536629" cy="923330"/>
+              <a:ext cx="2536629" cy="646331"/>
             </a:xfrm>
             <a:prstGeom prst="rect">
               <a:avLst/>
@@ -24876,7 +25870,15 @@
             <a:p>
               <a:r>
                 <a:rPr kumimoji="1" lang="ja-JP" altLang="en-US" dirty="0" smtClean="0"/>
-                <a:t>高度な画像処理技術がすべて悪用されかねない</a:t>
+                <a:t>高度な画像処理技術</a:t>
+              </a:r>
+              <a:r>
+                <a:rPr kumimoji="1" lang="ja-JP" altLang="en-US" dirty="0" smtClean="0"/>
+                <a:t>が全て悪用</a:t>
+              </a:r>
+              <a:r>
+                <a:rPr kumimoji="1" lang="ja-JP" altLang="en-US" dirty="0" smtClean="0"/>
+                <a:t>されかねない</a:t>
               </a:r>
               <a:endParaRPr kumimoji="1" lang="ja-JP" altLang="en-US" dirty="0"/>
             </a:p>
@@ -24890,8 +25892,8 @@
           </p:nvSpPr>
           <p:spPr>
             <a:xfrm>
-              <a:off x="425714" y="2548687"/>
-              <a:ext cx="1589812" cy="400110"/>
+              <a:off x="250618" y="2589736"/>
+              <a:ext cx="1756528" cy="400110"/>
             </a:xfrm>
             <a:prstGeom prst="rect">
               <a:avLst/>
@@ -24910,7 +25912,7 @@
                     <a:schemeClr val="bg1"/>
                   </a:solidFill>
                 </a:rPr>
-                <a:t>デメリット</a:t>
+                <a:t>デメリット化</a:t>
               </a:r>
               <a:endParaRPr kumimoji="1" lang="ja-JP" altLang="en-US" sz="2000" dirty="0">
                 <a:solidFill>
@@ -24929,7 +25931,7 @@
         </p:nvSpPr>
         <p:spPr>
           <a:xfrm>
-            <a:off x="1007292" y="5297701"/>
+            <a:off x="177582" y="3036588"/>
             <a:ext cx="2256565" cy="923330"/>
           </a:xfrm>
           <a:prstGeom prst="rect">
@@ -24970,11 +25972,7 @@
             </a:br>
             <a:r>
               <a:rPr kumimoji="1" lang="ja-JP" altLang="en-US" dirty="0" smtClean="0"/>
-              <a:t>非サービス</a:t>
-            </a:r>
-            <a:r>
-              <a:rPr kumimoji="1" lang="ja-JP" altLang="en-US" dirty="0" smtClean="0"/>
-              <a:t>利用者の</a:t>
+              <a:t>非サービス利用者の</a:t>
             </a:r>
             <a:r>
               <a:rPr kumimoji="1" lang="en-US" altLang="ja-JP" dirty="0" smtClean="0"/>
@@ -24986,6 +25984,61 @@
             <a:r>
               <a:rPr kumimoji="1" lang="ja-JP" altLang="en-US" dirty="0" smtClean="0"/>
               <a:t>センシングが起こる</a:t>
+            </a:r>
+            <a:endParaRPr kumimoji="1" lang="ja-JP" altLang="en-US" dirty="0"/>
+          </a:p>
+        </p:txBody>
+      </p:sp>
+      <p:sp>
+        <p:nvSpPr>
+          <p:cNvPr id="35" name="テキスト ボックス 34"/>
+          <p:cNvSpPr txBox="1"/>
+          <p:nvPr/>
+        </p:nvSpPr>
+        <p:spPr>
+          <a:xfrm>
+            <a:off x="6512883" y="1410751"/>
+            <a:ext cx="2536629" cy="923330"/>
+          </a:xfrm>
+          <a:prstGeom prst="rect">
+            <a:avLst/>
+          </a:prstGeom>
+          <a:solidFill>
+            <a:schemeClr val="bg1"/>
+          </a:solidFill>
+          <a:ln w="38100">
+            <a:solidFill>
+              <a:srgbClr val="FF0000"/>
+            </a:solidFill>
+          </a:ln>
+        </p:spPr>
+        <p:txBody>
+          <a:bodyPr wrap="square" rtlCol="0">
+            <a:spAutoFit/>
+          </a:bodyPr>
+          <a:lstStyle/>
+          <a:p>
+            <a:r>
+              <a:rPr kumimoji="1" lang="ja-JP" altLang="en-US" dirty="0" smtClean="0"/>
+              <a:t>人間の認知処理に匹敵</a:t>
+            </a:r>
+            <a:endParaRPr kumimoji="1" lang="en-US" altLang="ja-JP" dirty="0" smtClean="0"/>
+          </a:p>
+          <a:p>
+            <a:r>
+              <a:rPr lang="ja-JP" altLang="en-US" dirty="0" smtClean="0"/>
+              <a:t>指紋やカードなども</a:t>
+            </a:r>
+            <a:r>
+              <a:rPr lang="en-US" altLang="ja-JP" dirty="0" smtClean="0"/>
+              <a:t/>
+            </a:r>
+            <a:br>
+              <a:rPr lang="en-US" altLang="ja-JP" dirty="0" smtClean="0"/>
+            </a:br>
+            <a:r>
+              <a:rPr lang="ja-JP" altLang="en-US" dirty="0" smtClean="0"/>
+              <a:t>カメラ越しに確認可能</a:t>
             </a:r>
             <a:endParaRPr kumimoji="1" lang="ja-JP" altLang="en-US" dirty="0"/>
           </a:p>
@@ -25030,7 +26083,99 @@
       </p:grpSpPr>
       <p:sp>
         <p:nvSpPr>
-          <p:cNvPr id="37" name="右矢印 36"/>
+          <p:cNvPr id="23" name="下矢印 22"/>
+          <p:cNvSpPr/>
+          <p:nvPr/>
+        </p:nvSpPr>
+        <p:spPr>
+          <a:xfrm>
+            <a:off x="625374" y="2684940"/>
+            <a:ext cx="504000" cy="2550912"/>
+          </a:xfrm>
+          <a:prstGeom prst="downArrow">
+            <a:avLst>
+              <a:gd name="adj1" fmla="val 33201"/>
+              <a:gd name="adj2" fmla="val 50000"/>
+            </a:avLst>
+          </a:prstGeom>
+        </p:spPr>
+        <p:style>
+          <a:lnRef idx="2">
+            <a:schemeClr val="accent1">
+              <a:shade val="50000"/>
+            </a:schemeClr>
+          </a:lnRef>
+          <a:fillRef idx="1">
+            <a:schemeClr val="accent1"/>
+          </a:fillRef>
+          <a:effectRef idx="0">
+            <a:schemeClr val="accent1"/>
+          </a:effectRef>
+          <a:fontRef idx="minor">
+            <a:schemeClr val="lt1"/>
+          </a:fontRef>
+        </p:style>
+        <p:txBody>
+          <a:bodyPr rtlCol="0" anchor="ctr"/>
+          <a:lstStyle/>
+          <a:p>
+            <a:pPr algn="ctr"/>
+            <a:endParaRPr kumimoji="1" lang="ja-JP" altLang="en-US"/>
+          </a:p>
+        </p:txBody>
+      </p:sp>
+      <p:sp>
+        <p:nvSpPr>
+          <p:cNvPr id="22" name="曲折矢印 21"/>
+          <p:cNvSpPr/>
+          <p:nvPr/>
+        </p:nvSpPr>
+        <p:spPr>
+          <a:xfrm rot="16200000" flipH="1">
+            <a:off x="2888807" y="-676657"/>
+            <a:ext cx="2160000" cy="6652684"/>
+          </a:xfrm>
+          <a:prstGeom prst="bentArrow">
+            <a:avLst>
+              <a:gd name="adj1" fmla="val 7809"/>
+              <a:gd name="adj2" fmla="val 10785"/>
+              <a:gd name="adj3" fmla="val 25000"/>
+              <a:gd name="adj4" fmla="val 43750"/>
+            </a:avLst>
+          </a:prstGeom>
+        </p:spPr>
+        <p:style>
+          <a:lnRef idx="2">
+            <a:schemeClr val="accent2">
+              <a:shade val="50000"/>
+            </a:schemeClr>
+          </a:lnRef>
+          <a:fillRef idx="1">
+            <a:schemeClr val="accent2"/>
+          </a:fillRef>
+          <a:effectRef idx="0">
+            <a:schemeClr val="accent2"/>
+          </a:effectRef>
+          <a:fontRef idx="minor">
+            <a:schemeClr val="lt1"/>
+          </a:fontRef>
+        </p:style>
+        <p:txBody>
+          <a:bodyPr rtlCol="0" anchor="ctr"/>
+          <a:lstStyle/>
+          <a:p>
+            <a:pPr algn="ctr"/>
+            <a:endParaRPr kumimoji="1" lang="ja-JP" altLang="en-US">
+              <a:solidFill>
+                <a:schemeClr val="tx1"/>
+              </a:solidFill>
+            </a:endParaRPr>
+          </a:p>
+        </p:txBody>
+      </p:sp>
+      <p:sp>
+        <p:nvSpPr>
+          <p:cNvPr id="32" name="右矢印 31"/>
           <p:cNvSpPr/>
           <p:nvPr/>
         </p:nvSpPr>
@@ -25880,221 +27025,7 @@
       </p:sp>
       <p:sp>
         <p:nvSpPr>
-          <p:cNvPr id="32" name="右矢印 31"/>
-          <p:cNvSpPr/>
-          <p:nvPr/>
-        </p:nvSpPr>
-        <p:spPr>
-          <a:xfrm>
-            <a:off x="3316016" y="5495778"/>
-            <a:ext cx="2545550" cy="474097"/>
-          </a:xfrm>
-          <a:prstGeom prst="rightArrow">
-            <a:avLst>
-              <a:gd name="adj1" fmla="val 50000"/>
-              <a:gd name="adj2" fmla="val 51948"/>
-            </a:avLst>
-          </a:prstGeom>
-        </p:spPr>
-        <p:style>
-          <a:lnRef idx="2">
-            <a:schemeClr val="accent6">
-              <a:shade val="50000"/>
-            </a:schemeClr>
-          </a:lnRef>
-          <a:fillRef idx="1">
-            <a:schemeClr val="accent6"/>
-          </a:fillRef>
-          <a:effectRef idx="0">
-            <a:schemeClr val="accent6"/>
-          </a:effectRef>
-          <a:fontRef idx="minor">
-            <a:schemeClr val="lt1"/>
-          </a:fontRef>
-        </p:style>
-        <p:txBody>
-          <a:bodyPr rtlCol="0" anchor="ctr"/>
-          <a:lstStyle/>
-          <a:p>
-            <a:pPr algn="ctr"/>
-            <a:endParaRPr kumimoji="1" lang="ja-JP" altLang="en-US"/>
-          </a:p>
-        </p:txBody>
-      </p:sp>
-      <p:sp>
-        <p:nvSpPr>
-          <p:cNvPr id="33" name="右矢印 32"/>
-          <p:cNvSpPr/>
-          <p:nvPr/>
-        </p:nvSpPr>
-        <p:spPr>
-          <a:xfrm rot="18740943">
-            <a:off x="5409981" y="4387106"/>
-            <a:ext cx="1509060" cy="512560"/>
-          </a:xfrm>
-          <a:prstGeom prst="rightArrow">
-            <a:avLst>
-              <a:gd name="adj1" fmla="val 50000"/>
-              <a:gd name="adj2" fmla="val 63119"/>
-            </a:avLst>
-          </a:prstGeom>
-        </p:spPr>
-        <p:style>
-          <a:lnRef idx="2">
-            <a:schemeClr val="accent6">
-              <a:shade val="50000"/>
-            </a:schemeClr>
-          </a:lnRef>
-          <a:fillRef idx="1">
-            <a:schemeClr val="accent6"/>
-          </a:fillRef>
-          <a:effectRef idx="0">
-            <a:schemeClr val="accent6"/>
-          </a:effectRef>
-          <a:fontRef idx="minor">
-            <a:schemeClr val="lt1"/>
-          </a:fontRef>
-        </p:style>
-        <p:txBody>
-          <a:bodyPr rtlCol="0" anchor="ctr"/>
-          <a:lstStyle/>
-          <a:p>
-            <a:pPr algn="ctr"/>
-            <a:endParaRPr kumimoji="1" lang="ja-JP" altLang="en-US"/>
-          </a:p>
-        </p:txBody>
-      </p:sp>
-      <p:sp>
-        <p:nvSpPr>
-          <p:cNvPr id="34" name="円/楕円 18"/>
-          <p:cNvSpPr/>
-          <p:nvPr/>
-        </p:nvSpPr>
-        <p:spPr>
-          <a:xfrm>
-            <a:off x="4673939" y="4711950"/>
-            <a:ext cx="3310467" cy="1624807"/>
-          </a:xfrm>
-          <a:prstGeom prst="ellipse">
-            <a:avLst/>
-          </a:prstGeom>
-          <a:ln w="38100"/>
-        </p:spPr>
-        <p:style>
-          <a:lnRef idx="2">
-            <a:schemeClr val="accent6"/>
-          </a:lnRef>
-          <a:fillRef idx="1">
-            <a:schemeClr val="lt1"/>
-          </a:fillRef>
-          <a:effectRef idx="0">
-            <a:schemeClr val="accent6"/>
-          </a:effectRef>
-          <a:fontRef idx="minor">
-            <a:schemeClr val="dk1"/>
-          </a:fontRef>
-        </p:style>
-        <p:txBody>
-          <a:bodyPr rtlCol="0" anchor="ctr"/>
-          <a:lstStyle/>
-          <a:p>
-            <a:pPr algn="ctr"/>
-            <a:endParaRPr kumimoji="1" lang="ja-JP" altLang="en-US"/>
-          </a:p>
-        </p:txBody>
-      </p:sp>
-      <p:sp>
-        <p:nvSpPr>
-          <p:cNvPr id="35" name="テキスト ボックス 34"/>
-          <p:cNvSpPr txBox="1"/>
-          <p:nvPr/>
-        </p:nvSpPr>
-        <p:spPr>
-          <a:xfrm>
-            <a:off x="4768175" y="5166988"/>
-            <a:ext cx="3349305" cy="707886"/>
-          </a:xfrm>
-          <a:prstGeom prst="rect">
-            <a:avLst/>
-          </a:prstGeom>
-          <a:noFill/>
-        </p:spPr>
-        <p:txBody>
-          <a:bodyPr wrap="square" rtlCol="0">
-            <a:spAutoFit/>
-          </a:bodyPr>
-          <a:lstStyle/>
-          <a:p>
-            <a:r>
-              <a:rPr lang="ja-JP" altLang="en-US" sz="2000" dirty="0" smtClean="0"/>
-              <a:t>これを定量評価し，</a:t>
-            </a:r>
-            <a:r>
-              <a:rPr lang="en-US" altLang="ja-JP" sz="2000" dirty="0" smtClean="0"/>
-              <a:t/>
-            </a:r>
-            <a:br>
-              <a:rPr lang="en-US" altLang="ja-JP" sz="2000" dirty="0" smtClean="0"/>
-            </a:br>
-            <a:r>
-              <a:rPr lang="ja-JP" altLang="en-US" sz="2000" dirty="0" smtClean="0"/>
-              <a:t>サービス展開を円滑にする</a:t>
-            </a:r>
-            <a:endParaRPr kumimoji="1" lang="ja-JP" altLang="en-US" sz="2000" dirty="0"/>
-          </a:p>
-        </p:txBody>
-      </p:sp>
-      <p:sp>
-        <p:nvSpPr>
-          <p:cNvPr id="36" name="テキスト ボックス 35"/>
-          <p:cNvSpPr txBox="1"/>
-          <p:nvPr/>
-        </p:nvSpPr>
-        <p:spPr>
-          <a:xfrm>
-            <a:off x="4813718" y="4764868"/>
-            <a:ext cx="1040055" cy="369332"/>
-          </a:xfrm>
-          <a:prstGeom prst="rect">
-            <a:avLst/>
-          </a:prstGeom>
-          <a:solidFill>
-            <a:schemeClr val="bg1"/>
-          </a:solidFill>
-          <a:ln w="38100"/>
-        </p:spPr>
-        <p:style>
-          <a:lnRef idx="2">
-            <a:schemeClr val="accent2"/>
-          </a:lnRef>
-          <a:fillRef idx="1">
-            <a:schemeClr val="lt1"/>
-          </a:fillRef>
-          <a:effectRef idx="0">
-            <a:schemeClr val="accent2"/>
-          </a:effectRef>
-          <a:fontRef idx="minor">
-            <a:schemeClr val="dk1"/>
-          </a:fontRef>
-        </p:style>
-        <p:txBody>
-          <a:bodyPr wrap="square" rtlCol="0">
-            <a:spAutoFit/>
-          </a:bodyPr>
-          <a:lstStyle/>
-          <a:p>
-            <a:pPr algn="ctr"/>
-            <a:r>
-              <a:rPr kumimoji="1" lang="ja-JP" altLang="en-US" dirty="0" smtClean="0"/>
-              <a:t>前研究</a:t>
-            </a:r>
-            <a:endParaRPr kumimoji="1" lang="ja-JP" altLang="en-US" dirty="0"/>
-          </a:p>
-        </p:txBody>
-      </p:sp>
-      <p:sp>
-        <p:nvSpPr>
-          <p:cNvPr id="38" name="テキスト ボックス 37"/>
+          <p:cNvPr id="33" name="テキスト ボックス 32"/>
           <p:cNvSpPr txBox="1"/>
           <p:nvPr/>
         </p:nvSpPr>
@@ -26163,7 +27094,7 @@
       </p:sp>
       <p:sp>
         <p:nvSpPr>
-          <p:cNvPr id="39" name="テキスト ボックス 38"/>
+          <p:cNvPr id="34" name="テキスト ボックス 33"/>
           <p:cNvSpPr txBox="1"/>
           <p:nvPr/>
         </p:nvSpPr>
@@ -26198,76 +27129,23 @@
           </a:p>
         </p:txBody>
       </p:sp>
-      <p:sp>
-        <p:nvSpPr>
-          <p:cNvPr id="40" name="テキスト ボックス 39"/>
-          <p:cNvSpPr txBox="1"/>
-          <p:nvPr/>
-        </p:nvSpPr>
-        <p:spPr>
-          <a:xfrm>
-            <a:off x="6532924" y="1579675"/>
-            <a:ext cx="2536629" cy="923330"/>
-          </a:xfrm>
-          <a:prstGeom prst="rect">
-            <a:avLst/>
-          </a:prstGeom>
-          <a:noFill/>
-          <a:ln w="38100">
-            <a:solidFill>
-              <a:srgbClr val="FF0000"/>
-            </a:solidFill>
-          </a:ln>
-        </p:spPr>
-        <p:txBody>
-          <a:bodyPr wrap="square" rtlCol="0">
-            <a:spAutoFit/>
-          </a:bodyPr>
-          <a:lstStyle/>
-          <a:p>
-            <a:r>
-              <a:rPr kumimoji="1" lang="ja-JP" altLang="en-US" dirty="0" smtClean="0"/>
-              <a:t>人間の認知処理に匹敵</a:t>
-            </a:r>
-            <a:endParaRPr kumimoji="1" lang="en-US" altLang="ja-JP" dirty="0" smtClean="0"/>
-          </a:p>
-          <a:p>
-            <a:r>
-              <a:rPr lang="ja-JP" altLang="en-US" dirty="0" smtClean="0"/>
-              <a:t>指紋やカードなども</a:t>
-            </a:r>
-            <a:r>
-              <a:rPr lang="en-US" altLang="ja-JP" dirty="0" smtClean="0"/>
-              <a:t/>
-            </a:r>
-            <a:br>
-              <a:rPr lang="en-US" altLang="ja-JP" dirty="0" smtClean="0"/>
-            </a:br>
-            <a:r>
-              <a:rPr lang="ja-JP" altLang="en-US" dirty="0" smtClean="0"/>
-              <a:t>カメラ越しに確認可能</a:t>
-            </a:r>
-            <a:endParaRPr kumimoji="1" lang="ja-JP" altLang="en-US" dirty="0"/>
-          </a:p>
-        </p:txBody>
-      </p:sp>
       <p:grpSp>
         <p:nvGrpSpPr>
-          <p:cNvPr id="42" name="グループ化 41"/>
+          <p:cNvPr id="37" name="グループ化 36"/>
           <p:cNvGrpSpPr/>
           <p:nvPr/>
         </p:nvGrpSpPr>
         <p:grpSpPr>
           <a:xfrm>
-            <a:off x="194419" y="2425078"/>
-            <a:ext cx="2558094" cy="1443976"/>
+            <a:off x="199959" y="5216619"/>
+            <a:ext cx="2558094" cy="1166977"/>
             <a:chOff x="194419" y="2425078"/>
-            <a:chExt cx="2558094" cy="1443976"/>
+            <a:chExt cx="2558094" cy="1166977"/>
           </a:xfrm>
         </p:grpSpPr>
         <p:sp>
           <p:nvSpPr>
-            <p:cNvPr id="43" name="楕円 42"/>
+            <p:cNvPr id="38" name="楕円 37"/>
             <p:cNvSpPr/>
             <p:nvPr/>
           </p:nvSpPr>
@@ -26310,14 +27188,14 @@
         </p:sp>
         <p:sp>
           <p:nvSpPr>
-            <p:cNvPr id="44" name="テキスト ボックス 43"/>
+            <p:cNvPr id="39" name="テキスト ボックス 38"/>
             <p:cNvSpPr txBox="1"/>
             <p:nvPr/>
           </p:nvSpPr>
           <p:spPr>
             <a:xfrm>
               <a:off x="215884" y="2945724"/>
-              <a:ext cx="2536629" cy="923330"/>
+              <a:ext cx="2536629" cy="646331"/>
             </a:xfrm>
             <a:prstGeom prst="rect">
               <a:avLst/>
@@ -26339,25 +27217,15 @@
             <a:p>
               <a:r>
                 <a:rPr kumimoji="1" lang="ja-JP" altLang="en-US" dirty="0" smtClean="0"/>
-                <a:t>人間の認知処理に匹敵</a:t>
-              </a:r>
-              <a:endParaRPr kumimoji="1" lang="en-US" altLang="ja-JP" dirty="0" smtClean="0"/>
-            </a:p>
-            <a:p>
-              <a:r>
-                <a:rPr lang="ja-JP" altLang="en-US" dirty="0" smtClean="0"/>
-                <a:t>指紋やカードなども</a:t>
+                <a:t>高度な画像処理技術</a:t>
               </a:r>
               <a:r>
-                <a:rPr lang="en-US" altLang="ja-JP" dirty="0" smtClean="0"/>
-                <a:t/>
+                <a:rPr kumimoji="1" lang="ja-JP" altLang="en-US" dirty="0" smtClean="0"/>
+                <a:t>が全て悪用</a:t>
               </a:r>
-              <a:br>
-                <a:rPr lang="en-US" altLang="ja-JP" dirty="0" smtClean="0"/>
-              </a:br>
               <a:r>
-                <a:rPr lang="ja-JP" altLang="en-US" dirty="0" smtClean="0"/>
-                <a:t>カメラ越しに確認可能</a:t>
+                <a:rPr kumimoji="1" lang="ja-JP" altLang="en-US" dirty="0" smtClean="0"/>
+                <a:t>されかねない</a:t>
               </a:r>
               <a:endParaRPr kumimoji="1" lang="ja-JP" altLang="en-US" dirty="0"/>
             </a:p>
@@ -26365,14 +27233,14 @@
         </p:sp>
         <p:sp>
           <p:nvSpPr>
-            <p:cNvPr id="45" name="テキスト ボックス 44"/>
+            <p:cNvPr id="40" name="テキスト ボックス 39"/>
             <p:cNvSpPr txBox="1"/>
             <p:nvPr/>
           </p:nvSpPr>
           <p:spPr>
             <a:xfrm>
-              <a:off x="425714" y="2548687"/>
-              <a:ext cx="1589812" cy="400110"/>
+              <a:off x="250618" y="2589736"/>
+              <a:ext cx="1756528" cy="400110"/>
             </a:xfrm>
             <a:prstGeom prst="rect">
               <a:avLst/>
@@ -26391,7 +27259,7 @@
                     <a:schemeClr val="bg1"/>
                   </a:solidFill>
                 </a:rPr>
-                <a:t>デメリット</a:t>
+                <a:t>デメリット化</a:t>
               </a:r>
               <a:endParaRPr kumimoji="1" lang="ja-JP" altLang="en-US" sz="2000" dirty="0">
                 <a:solidFill>
@@ -26404,13 +27272,13 @@
       </p:grpSp>
       <p:sp>
         <p:nvSpPr>
-          <p:cNvPr id="46" name="テキスト ボックス 45"/>
+          <p:cNvPr id="41" name="テキスト ボックス 40"/>
           <p:cNvSpPr txBox="1"/>
           <p:nvPr/>
         </p:nvSpPr>
         <p:spPr>
           <a:xfrm>
-            <a:off x="1007292" y="5297701"/>
+            <a:off x="177582" y="3036588"/>
             <a:ext cx="2256565" cy="923330"/>
           </a:xfrm>
           <a:prstGeom prst="rect">
@@ -26450,32 +27318,301 @@
               <a:rPr kumimoji="1" lang="en-US" altLang="ja-JP" dirty="0" smtClean="0"/>
             </a:br>
             <a:r>
+              <a:rPr kumimoji="1" lang="ja-JP" altLang="en-US" dirty="0" smtClean="0">
+                <a:solidFill>
+                  <a:srgbClr val="0070C0"/>
+                </a:solidFill>
+              </a:rPr>
+              <a:t>非サービス利用者の</a:t>
+            </a:r>
+            <a:r>
+              <a:rPr kumimoji="1" lang="en-US" altLang="ja-JP" dirty="0" smtClean="0">
+                <a:solidFill>
+                  <a:srgbClr val="0070C0"/>
+                </a:solidFill>
+              </a:rPr>
+              <a:t/>
+            </a:r>
+            <a:br>
+              <a:rPr kumimoji="1" lang="en-US" altLang="ja-JP" dirty="0" smtClean="0">
+                <a:solidFill>
+                  <a:srgbClr val="0070C0"/>
+                </a:solidFill>
+              </a:rPr>
+            </a:br>
+            <a:r>
+              <a:rPr kumimoji="1" lang="ja-JP" altLang="en-US" dirty="0" smtClean="0">
+                <a:solidFill>
+                  <a:srgbClr val="0070C0"/>
+                </a:solidFill>
+              </a:rPr>
+              <a:t>センシング</a:t>
+            </a:r>
+            <a:r>
               <a:rPr kumimoji="1" lang="ja-JP" altLang="en-US" dirty="0" smtClean="0"/>
-              <a:t>非サービス</a:t>
-            </a:r>
-            <a:r>
-              <a:rPr kumimoji="1" lang="ja-JP" altLang="en-US" dirty="0" smtClean="0"/>
-              <a:t>利用者の</a:t>
-            </a:r>
-            <a:r>
-              <a:rPr kumimoji="1" lang="en-US" altLang="ja-JP" dirty="0" smtClean="0"/>
-              <a:t/>
-            </a:r>
-            <a:br>
-              <a:rPr kumimoji="1" lang="en-US" altLang="ja-JP" dirty="0" smtClean="0"/>
-            </a:br>
-            <a:r>
-              <a:rPr kumimoji="1" lang="ja-JP" altLang="en-US" dirty="0" smtClean="0"/>
-              <a:t>センシングが起こる</a:t>
+              <a:t>が起こる</a:t>
             </a:r>
             <a:endParaRPr kumimoji="1" lang="ja-JP" altLang="en-US" dirty="0"/>
           </a:p>
         </p:txBody>
       </p:sp>
+      <p:sp>
+        <p:nvSpPr>
+          <p:cNvPr id="35" name="テキスト ボックス 34"/>
+          <p:cNvSpPr txBox="1"/>
+          <p:nvPr/>
+        </p:nvSpPr>
+        <p:spPr>
+          <a:xfrm>
+            <a:off x="6512883" y="1410751"/>
+            <a:ext cx="2536629" cy="923330"/>
+          </a:xfrm>
+          <a:prstGeom prst="rect">
+            <a:avLst/>
+          </a:prstGeom>
+          <a:solidFill>
+            <a:schemeClr val="bg1"/>
+          </a:solidFill>
+          <a:ln w="38100">
+            <a:solidFill>
+              <a:srgbClr val="FF0000"/>
+            </a:solidFill>
+          </a:ln>
+        </p:spPr>
+        <p:txBody>
+          <a:bodyPr wrap="square" rtlCol="0">
+            <a:spAutoFit/>
+          </a:bodyPr>
+          <a:lstStyle/>
+          <a:p>
+            <a:r>
+              <a:rPr kumimoji="1" lang="ja-JP" altLang="en-US" dirty="0" smtClean="0"/>
+              <a:t>人間の認知処理に匹敵</a:t>
+            </a:r>
+            <a:endParaRPr kumimoji="1" lang="en-US" altLang="ja-JP" dirty="0" smtClean="0"/>
+          </a:p>
+          <a:p>
+            <a:r>
+              <a:rPr lang="ja-JP" altLang="en-US" dirty="0" smtClean="0"/>
+              <a:t>指紋やカードなども</a:t>
+            </a:r>
+            <a:r>
+              <a:rPr lang="en-US" altLang="ja-JP" dirty="0" smtClean="0"/>
+              <a:t/>
+            </a:r>
+            <a:br>
+              <a:rPr lang="en-US" altLang="ja-JP" dirty="0" smtClean="0"/>
+            </a:br>
+            <a:r>
+              <a:rPr lang="ja-JP" altLang="en-US" dirty="0" smtClean="0"/>
+              <a:t>カメラ越しに確認可能</a:t>
+            </a:r>
+            <a:endParaRPr kumimoji="1" lang="ja-JP" altLang="en-US" dirty="0"/>
+          </a:p>
+        </p:txBody>
+      </p:sp>
+      <p:sp>
+        <p:nvSpPr>
+          <p:cNvPr id="42" name="右矢印 41"/>
+          <p:cNvSpPr/>
+          <p:nvPr/>
+        </p:nvSpPr>
+        <p:spPr>
+          <a:xfrm rot="18740943">
+            <a:off x="5409981" y="4387106"/>
+            <a:ext cx="1509060" cy="512560"/>
+          </a:xfrm>
+          <a:prstGeom prst="rightArrow">
+            <a:avLst>
+              <a:gd name="adj1" fmla="val 50000"/>
+              <a:gd name="adj2" fmla="val 63119"/>
+            </a:avLst>
+          </a:prstGeom>
+        </p:spPr>
+        <p:style>
+          <a:lnRef idx="2">
+            <a:schemeClr val="accent6">
+              <a:shade val="50000"/>
+            </a:schemeClr>
+          </a:lnRef>
+          <a:fillRef idx="1">
+            <a:schemeClr val="accent6"/>
+          </a:fillRef>
+          <a:effectRef idx="0">
+            <a:schemeClr val="accent6"/>
+          </a:effectRef>
+          <a:fontRef idx="minor">
+            <a:schemeClr val="lt1"/>
+          </a:fontRef>
+        </p:style>
+        <p:txBody>
+          <a:bodyPr rtlCol="0" anchor="ctr"/>
+          <a:lstStyle/>
+          <a:p>
+            <a:pPr algn="ctr"/>
+            <a:endParaRPr kumimoji="1" lang="ja-JP" altLang="en-US"/>
+          </a:p>
+        </p:txBody>
+      </p:sp>
+      <p:grpSp>
+        <p:nvGrpSpPr>
+          <p:cNvPr id="20" name="グループ化 19"/>
+          <p:cNvGrpSpPr/>
+          <p:nvPr/>
+        </p:nvGrpSpPr>
+        <p:grpSpPr>
+          <a:xfrm>
+            <a:off x="3098388" y="4815055"/>
+            <a:ext cx="6007743" cy="1624807"/>
+            <a:chOff x="4673939" y="4711950"/>
+            <a:chExt cx="3421971" cy="1624807"/>
+          </a:xfrm>
+        </p:grpSpPr>
+        <p:sp>
+          <p:nvSpPr>
+            <p:cNvPr id="43" name="円/楕円 18"/>
+            <p:cNvSpPr/>
+            <p:nvPr/>
+          </p:nvSpPr>
+          <p:spPr>
+            <a:xfrm>
+              <a:off x="4673939" y="4711950"/>
+              <a:ext cx="3310467" cy="1624807"/>
+            </a:xfrm>
+            <a:prstGeom prst="ellipse">
+              <a:avLst/>
+            </a:prstGeom>
+            <a:ln w="38100"/>
+          </p:spPr>
+          <p:style>
+            <a:lnRef idx="2">
+              <a:schemeClr val="accent6"/>
+            </a:lnRef>
+            <a:fillRef idx="1">
+              <a:schemeClr val="lt1"/>
+            </a:fillRef>
+            <a:effectRef idx="0">
+              <a:schemeClr val="accent6"/>
+            </a:effectRef>
+            <a:fontRef idx="minor">
+              <a:schemeClr val="dk1"/>
+            </a:fontRef>
+          </p:style>
+          <p:txBody>
+            <a:bodyPr rtlCol="0" anchor="ctr"/>
+            <a:lstStyle/>
+            <a:p>
+              <a:pPr algn="ctr"/>
+              <a:endParaRPr kumimoji="1" lang="ja-JP" altLang="en-US"/>
+            </a:p>
+          </p:txBody>
+        </p:sp>
+        <p:sp>
+          <p:nvSpPr>
+            <p:cNvPr id="44" name="テキスト ボックス 43"/>
+            <p:cNvSpPr txBox="1"/>
+            <p:nvPr/>
+          </p:nvSpPr>
+          <p:spPr>
+            <a:xfrm>
+              <a:off x="4746605" y="5235753"/>
+              <a:ext cx="3349305" cy="707886"/>
+            </a:xfrm>
+            <a:prstGeom prst="rect">
+              <a:avLst/>
+            </a:prstGeom>
+            <a:noFill/>
+          </p:spPr>
+          <p:txBody>
+            <a:bodyPr wrap="square" rtlCol="0">
+              <a:spAutoFit/>
+            </a:bodyPr>
+            <a:lstStyle/>
+            <a:p>
+              <a:r>
+                <a:rPr lang="ja-JP" altLang="en-US" sz="2000" dirty="0" smtClean="0">
+                  <a:solidFill>
+                    <a:srgbClr val="0070C0"/>
+                  </a:solidFill>
+                </a:rPr>
+                <a:t>非サービス利用者のセンシング量</a:t>
+              </a:r>
+              <a:r>
+                <a:rPr lang="ja-JP" altLang="en-US" sz="2000" dirty="0" smtClean="0"/>
+                <a:t>を</a:t>
+              </a:r>
+              <a:r>
+                <a:rPr lang="ja-JP" altLang="en-US" sz="2000" dirty="0" smtClean="0"/>
+                <a:t>定量評価し，</a:t>
+              </a:r>
+              <a:r>
+                <a:rPr lang="en-US" altLang="ja-JP" sz="2000" dirty="0" smtClean="0"/>
+                <a:t/>
+              </a:r>
+              <a:br>
+                <a:rPr lang="en-US" altLang="ja-JP" sz="2000" dirty="0" smtClean="0"/>
+              </a:br>
+              <a:r>
+                <a:rPr lang="ja-JP" altLang="en-US" sz="2000" dirty="0" smtClean="0"/>
+                <a:t>サービス展開を円滑にする</a:t>
+              </a:r>
+              <a:endParaRPr kumimoji="1" lang="ja-JP" altLang="en-US" sz="2000" dirty="0"/>
+            </a:p>
+          </p:txBody>
+        </p:sp>
+        <p:sp>
+          <p:nvSpPr>
+            <p:cNvPr id="45" name="テキスト ボックス 44"/>
+            <p:cNvSpPr txBox="1"/>
+            <p:nvPr/>
+          </p:nvSpPr>
+          <p:spPr>
+            <a:xfrm>
+              <a:off x="4908260" y="4805695"/>
+              <a:ext cx="668101" cy="369332"/>
+            </a:xfrm>
+            <a:prstGeom prst="rect">
+              <a:avLst/>
+            </a:prstGeom>
+            <a:solidFill>
+              <a:schemeClr val="bg1"/>
+            </a:solidFill>
+            <a:ln w="38100"/>
+          </p:spPr>
+          <p:style>
+            <a:lnRef idx="2">
+              <a:schemeClr val="accent2"/>
+            </a:lnRef>
+            <a:fillRef idx="1">
+              <a:schemeClr val="lt1"/>
+            </a:fillRef>
+            <a:effectRef idx="0">
+              <a:schemeClr val="accent2"/>
+            </a:effectRef>
+            <a:fontRef idx="minor">
+              <a:schemeClr val="dk1"/>
+            </a:fontRef>
+          </p:style>
+          <p:txBody>
+            <a:bodyPr wrap="square" rtlCol="0">
+              <a:spAutoFit/>
+            </a:bodyPr>
+            <a:lstStyle/>
+            <a:p>
+              <a:pPr algn="ctr"/>
+              <a:r>
+                <a:rPr kumimoji="1" lang="ja-JP" altLang="en-US" dirty="0" smtClean="0"/>
+                <a:t>前研究</a:t>
+              </a:r>
+              <a:endParaRPr kumimoji="1" lang="ja-JP" altLang="en-US" dirty="0"/>
+            </a:p>
+          </p:txBody>
+        </p:sp>
+      </p:grpSp>
     </p:spTree>
     <p:extLst>
       <p:ext uri="{BB962C8B-B14F-4D97-AF65-F5344CB8AC3E}">
-        <p14:creationId xmlns:p14="http://schemas.microsoft.com/office/powerpoint/2010/main" val="1306894060"/>
+        <p14:creationId xmlns:p14="http://schemas.microsoft.com/office/powerpoint/2010/main" val="4112901726"/>
       </p:ext>
     </p:extLst>
   </p:cSld>
@@ -26586,7 +27723,7 @@
         </p:blipFill>
         <p:spPr bwMode="auto">
           <a:xfrm>
-            <a:off x="2936631" y="1622817"/>
+            <a:off x="3093195" y="2027434"/>
             <a:ext cx="5413017" cy="2639672"/>
           </a:xfrm>
           <a:prstGeom prst="rect">
@@ -26607,7 +27744,7 @@
         <p:spPr>
           <a:xfrm>
             <a:off x="2752326" y="1055102"/>
-            <a:ext cx="6269571" cy="707886"/>
+            <a:ext cx="6269571" cy="1015663"/>
           </a:xfrm>
           <a:prstGeom prst="rect">
             <a:avLst/>
@@ -26621,23 +27758,43 @@
           <a:lstStyle/>
           <a:p>
             <a:r>
+              <a:rPr lang="ja-JP" altLang="en-US" sz="2000" dirty="0">
+                <a:solidFill>
+                  <a:srgbClr val="0070C0"/>
+                </a:solidFill>
+              </a:rPr>
+              <a:t>非サービス利用者の</a:t>
+            </a:r>
+            <a:r>
+              <a:rPr lang="ja-JP" altLang="en-US" sz="2000" dirty="0" smtClean="0">
+                <a:solidFill>
+                  <a:srgbClr val="0070C0"/>
+                </a:solidFill>
+              </a:rPr>
+              <a:t>センシング量</a:t>
+            </a:r>
+            <a:r>
+              <a:rPr lang="ja-JP" altLang="en-US" sz="2000" dirty="0" smtClean="0"/>
+              <a:t>を定義し，</a:t>
+            </a:r>
+            <a:endParaRPr lang="en-US" altLang="ja-JP" sz="2000" dirty="0" smtClean="0"/>
+          </a:p>
+          <a:p>
+            <a:r>
               <a:rPr kumimoji="1" lang="ja-JP" altLang="en-US" sz="2000" dirty="0" smtClean="0"/>
-              <a:t>簡易シミュレーション</a:t>
+              <a:t>簡易</a:t>
             </a:r>
             <a:r>
               <a:rPr kumimoji="1" lang="ja-JP" altLang="en-US" sz="2000" dirty="0" smtClean="0"/>
-              <a:t>から</a:t>
-            </a:r>
-            <a:r>
-              <a:rPr kumimoji="1" lang="en-US" altLang="ja-JP" sz="2000" dirty="0" smtClean="0"/>
-              <a:t/>
-            </a:r>
-            <a:br>
-              <a:rPr kumimoji="1" lang="en-US" altLang="ja-JP" sz="2000" dirty="0" smtClean="0"/>
-            </a:br>
+              <a:t>シミュレーション</a:t>
+            </a:r>
             <a:r>
               <a:rPr kumimoji="1" lang="ja-JP" altLang="en-US" sz="2000" dirty="0" smtClean="0"/>
-              <a:t>サービスに無関係なプライバシデータを算出した．</a:t>
+              <a:t>からサービスに無関係なプライバシデータを</a:t>
+            </a:r>
+            <a:r>
+              <a:rPr kumimoji="1" lang="ja-JP" altLang="en-US" sz="2000" dirty="0" smtClean="0"/>
+              <a:t>算出した．</a:t>
             </a:r>
             <a:endParaRPr kumimoji="1" lang="ja-JP" altLang="en-US" sz="2000" dirty="0"/>
           </a:p>
@@ -26705,19 +27862,11 @@
             </a:r>
             <a:r>
               <a:rPr kumimoji="1" lang="ja-JP" altLang="en-US" dirty="0" smtClean="0"/>
-              <a:t>流出比：サービス</a:t>
-            </a:r>
-            <a:r>
-              <a:rPr kumimoji="1" lang="ja-JP" altLang="en-US" dirty="0" smtClean="0"/>
-              <a:t>に無関係なプライバシデー</a:t>
+              <a:t>流出比：サービスに無関係なプライバシデー</a:t>
             </a:r>
             <a:r>
               <a:rPr lang="ja-JP" altLang="en-US" dirty="0" smtClean="0"/>
-              <a:t>タ</a:t>
-            </a:r>
-            <a:r>
-              <a:rPr lang="ja-JP" altLang="en-US" dirty="0" smtClean="0"/>
-              <a:t>の流通比</a:t>
+              <a:t>タの流通比</a:t>
             </a:r>
             <a:endParaRPr kumimoji="1" lang="ja-JP" altLang="en-US" dirty="0"/>
           </a:p>
@@ -26726,7 +27875,7 @@
     </p:spTree>
     <p:extLst>
       <p:ext uri="{BB962C8B-B14F-4D97-AF65-F5344CB8AC3E}">
-        <p14:creationId xmlns:p14="http://schemas.microsoft.com/office/powerpoint/2010/main" val="1931258309"/>
+        <p14:creationId xmlns:p14="http://schemas.microsoft.com/office/powerpoint/2010/main" val="3213357612"/>
       </p:ext>
     </p:extLst>
   </p:cSld>
@@ -26837,7 +27986,7 @@
         </p:blipFill>
         <p:spPr bwMode="auto">
           <a:xfrm>
-            <a:off x="2936631" y="1622817"/>
+            <a:off x="3093195" y="2027434"/>
             <a:ext cx="5413017" cy="2639672"/>
           </a:xfrm>
           <a:prstGeom prst="rect">
@@ -26851,14 +28000,14 @@
       </p:pic>
       <p:sp>
         <p:nvSpPr>
-          <p:cNvPr id="9" name="テキスト ボックス 8"/>
+          <p:cNvPr id="6" name="テキスト ボックス 5"/>
           <p:cNvSpPr txBox="1"/>
           <p:nvPr/>
         </p:nvSpPr>
         <p:spPr>
           <a:xfrm>
-            <a:off x="258998" y="885825"/>
-            <a:ext cx="3453970" cy="523220"/>
+            <a:off x="2752326" y="1055102"/>
+            <a:ext cx="6269571" cy="1015663"/>
           </a:xfrm>
           <a:prstGeom prst="rect">
             <a:avLst/>
@@ -26872,16 +28021,81 @@
           <a:lstStyle/>
           <a:p>
             <a:r>
-              <a:rPr kumimoji="1" lang="ja-JP" altLang="en-US" sz="2800" dirty="0" smtClean="0"/>
-              <a:t>前研究</a:t>
-            </a:r>
-            <a:endParaRPr kumimoji="1" lang="ja-JP" altLang="en-US" sz="2800" dirty="0"/>
+              <a:rPr lang="ja-JP" altLang="en-US" sz="2000" dirty="0">
+                <a:solidFill>
+                  <a:srgbClr val="0070C0"/>
+                </a:solidFill>
+              </a:rPr>
+              <a:t>非サービス利用者の</a:t>
+            </a:r>
+            <a:r>
+              <a:rPr lang="ja-JP" altLang="en-US" sz="2000" dirty="0" smtClean="0">
+                <a:solidFill>
+                  <a:srgbClr val="0070C0"/>
+                </a:solidFill>
+              </a:rPr>
+              <a:t>センシング量</a:t>
+            </a:r>
+            <a:r>
+              <a:rPr lang="ja-JP" altLang="en-US" sz="2000" dirty="0" smtClean="0"/>
+              <a:t>を定義し，</a:t>
+            </a:r>
+            <a:endParaRPr lang="en-US" altLang="ja-JP" sz="2000" dirty="0" smtClean="0"/>
+          </a:p>
+          <a:p>
+            <a:r>
+              <a:rPr kumimoji="1" lang="ja-JP" altLang="en-US" sz="2000" dirty="0" smtClean="0"/>
+              <a:t>簡易</a:t>
+            </a:r>
+            <a:r>
+              <a:rPr kumimoji="1" lang="ja-JP" altLang="en-US" sz="2000" dirty="0" smtClean="0"/>
+              <a:t>シミュレーション</a:t>
+            </a:r>
+            <a:r>
+              <a:rPr kumimoji="1" lang="ja-JP" altLang="en-US" sz="2000" dirty="0" smtClean="0"/>
+              <a:t>からサービスに無関係なプライバシデータを</a:t>
+            </a:r>
+            <a:r>
+              <a:rPr kumimoji="1" lang="ja-JP" altLang="en-US" sz="2000" dirty="0" smtClean="0"/>
+              <a:t>算出した．</a:t>
+            </a:r>
+            <a:endParaRPr kumimoji="1" lang="ja-JP" altLang="en-US" sz="2000" dirty="0"/>
           </a:p>
         </p:txBody>
       </p:sp>
       <p:sp>
         <p:nvSpPr>
-          <p:cNvPr id="11" name="テキスト ボックス 10"/>
+          <p:cNvPr id="9" name="テキスト ボックス 8"/>
+          <p:cNvSpPr txBox="1"/>
+          <p:nvPr/>
+        </p:nvSpPr>
+        <p:spPr>
+          <a:xfrm>
+            <a:off x="258998" y="885825"/>
+            <a:ext cx="1487506" cy="523220"/>
+          </a:xfrm>
+          <a:prstGeom prst="rect">
+            <a:avLst/>
+          </a:prstGeom>
+          <a:noFill/>
+        </p:spPr>
+        <p:txBody>
+          <a:bodyPr wrap="square" rtlCol="0">
+            <a:spAutoFit/>
+          </a:bodyPr>
+          <a:lstStyle/>
+          <a:p>
+            <a:r>
+              <a:rPr kumimoji="1" lang="ja-JP" altLang="en-US" sz="2800" dirty="0" smtClean="0"/>
+              <a:t>前研究</a:t>
+            </a:r>
+            <a:endParaRPr kumimoji="1" lang="ja-JP" altLang="en-US" sz="2800" dirty="0"/>
+          </a:p>
+        </p:txBody>
+      </p:sp>
+      <p:sp>
+        <p:nvSpPr>
+          <p:cNvPr id="7" name="テキスト ボックス 6"/>
           <p:cNvSpPr txBox="1"/>
           <p:nvPr/>
         </p:nvSpPr>
@@ -26911,78 +28125,25 @@
             </a:r>
             <a:r>
               <a:rPr kumimoji="1" lang="ja-JP" altLang="en-US" dirty="0" smtClean="0"/>
-              <a:t>流出比：サービス</a:t>
-            </a:r>
-            <a:r>
-              <a:rPr kumimoji="1" lang="ja-JP" altLang="en-US" dirty="0" smtClean="0"/>
-              <a:t>に無関係なプライバシデー</a:t>
+              <a:t>流出比：サービスに無関係なプライバシデー</a:t>
             </a:r>
             <a:r>
               <a:rPr lang="ja-JP" altLang="en-US" dirty="0" smtClean="0"/>
-              <a:t>タ</a:t>
-            </a:r>
-            <a:r>
-              <a:rPr lang="ja-JP" altLang="en-US" dirty="0" smtClean="0"/>
-              <a:t>の流通比</a:t>
+              <a:t>タの流通比</a:t>
             </a:r>
             <a:endParaRPr kumimoji="1" lang="ja-JP" altLang="en-US" dirty="0"/>
-          </a:p>
-        </p:txBody>
-      </p:sp>
-      <p:sp>
-        <p:nvSpPr>
-          <p:cNvPr id="12" name="テキスト ボックス 11"/>
-          <p:cNvSpPr txBox="1"/>
-          <p:nvPr/>
-        </p:nvSpPr>
-        <p:spPr>
-          <a:xfrm>
-            <a:off x="2752326" y="1055102"/>
-            <a:ext cx="6269571" cy="707886"/>
-          </a:xfrm>
-          <a:prstGeom prst="rect">
-            <a:avLst/>
-          </a:prstGeom>
-          <a:noFill/>
-        </p:spPr>
-        <p:txBody>
-          <a:bodyPr wrap="square" rtlCol="0">
-            <a:spAutoFit/>
-          </a:bodyPr>
-          <a:lstStyle/>
-          <a:p>
-            <a:r>
-              <a:rPr kumimoji="1" lang="ja-JP" altLang="en-US" sz="2000" dirty="0" smtClean="0"/>
-              <a:t>簡易シミュレーション</a:t>
-            </a:r>
-            <a:r>
-              <a:rPr kumimoji="1" lang="ja-JP" altLang="en-US" sz="2000" dirty="0" smtClean="0"/>
-              <a:t>から</a:t>
-            </a:r>
-            <a:r>
-              <a:rPr kumimoji="1" lang="en-US" altLang="ja-JP" sz="2000" dirty="0" smtClean="0"/>
-              <a:t/>
-            </a:r>
-            <a:br>
-              <a:rPr kumimoji="1" lang="en-US" altLang="ja-JP" sz="2000" dirty="0" smtClean="0"/>
-            </a:br>
-            <a:r>
-              <a:rPr kumimoji="1" lang="ja-JP" altLang="en-US" sz="2000" dirty="0" smtClean="0"/>
-              <a:t>サービスに無関係なプライバシデータを算出した．</a:t>
-            </a:r>
-            <a:endParaRPr kumimoji="1" lang="ja-JP" altLang="en-US" sz="2000" dirty="0"/>
           </a:p>
         </p:txBody>
       </p:sp>
       <p:grpSp>
         <p:nvGrpSpPr>
-          <p:cNvPr id="14" name="グループ化 13"/>
+          <p:cNvPr id="8" name="グループ化 7"/>
           <p:cNvGrpSpPr/>
           <p:nvPr/>
         </p:nvGrpSpPr>
         <p:grpSpPr>
           <a:xfrm>
-            <a:off x="175189" y="2587116"/>
+            <a:off x="87595" y="2587116"/>
             <a:ext cx="8968811" cy="1416581"/>
             <a:chOff x="294006" y="2397456"/>
             <a:chExt cx="7748524" cy="1865030"/>
@@ -26990,7 +28151,7 @@
         </p:grpSpPr>
         <p:sp>
           <p:nvSpPr>
-            <p:cNvPr id="15" name="円/楕円 5"/>
+            <p:cNvPr id="10" name="円/楕円 5"/>
             <p:cNvSpPr/>
             <p:nvPr/>
           </p:nvSpPr>
@@ -27029,14 +28190,14 @@
         </p:sp>
         <p:sp>
           <p:nvSpPr>
-            <p:cNvPr id="16" name="テキスト ボックス 15"/>
+            <p:cNvPr id="11" name="テキスト ボックス 10"/>
             <p:cNvSpPr txBox="1"/>
             <p:nvPr/>
           </p:nvSpPr>
           <p:spPr>
             <a:xfrm>
-              <a:off x="766366" y="2569162"/>
-              <a:ext cx="6803803" cy="1580319"/>
+              <a:off x="693216" y="2569162"/>
+              <a:ext cx="7100611" cy="1661360"/>
             </a:xfrm>
             <a:prstGeom prst="rect">
               <a:avLst/>
@@ -27062,7 +28223,7 @@
                 <a:rPr lang="en-US" altLang="ja-JP" sz="2400" dirty="0" smtClean="0"/>
               </a:br>
               <a:r>
-                <a:rPr lang="ja-JP" altLang="en-US" sz="2400" dirty="0" smtClean="0">
+                <a:rPr lang="ja-JP" altLang="en-US" sz="2800" dirty="0" smtClean="0">
                   <a:solidFill>
                     <a:srgbClr val="0070C0"/>
                   </a:solidFill>
@@ -27070,51 +28231,35 @@
                 <a:t>現実的</a:t>
               </a:r>
               <a:r>
-                <a:rPr lang="ja-JP" altLang="en-US" sz="2400" dirty="0">
+                <a:rPr lang="ja-JP" altLang="en-US" sz="2800" dirty="0">
                   <a:solidFill>
                     <a:srgbClr val="0070C0"/>
                   </a:solidFill>
                 </a:rPr>
-                <a:t>なサービス</a:t>
+                <a:t>な</a:t>
               </a:r>
               <a:r>
-                <a:rPr lang="ja-JP" altLang="en-US" sz="2400" dirty="0" smtClean="0">
-                  <a:solidFill>
-                    <a:srgbClr val="0070C0"/>
-                  </a:solidFill>
-                </a:rPr>
+                <a:rPr lang="ja-JP" altLang="en-US" sz="2400" dirty="0"/>
+                <a:t>サービス</a:t>
+              </a:r>
+              <a:r>
+                <a:rPr lang="ja-JP" altLang="en-US" sz="2400" dirty="0" smtClean="0"/>
                 <a:t>に無関係な</a:t>
               </a:r>
               <a:r>
-                <a:rPr lang="ja-JP" altLang="en-US" sz="2400" dirty="0">
-                  <a:solidFill>
-                    <a:srgbClr val="0070C0"/>
-                  </a:solidFill>
-                </a:rPr>
+                <a:rPr lang="ja-JP" altLang="en-US" sz="2400" dirty="0"/>
                 <a:t>プライバシデータの</a:t>
               </a:r>
               <a:r>
-                <a:rPr lang="ja-JP" altLang="en-US" sz="2400" dirty="0" smtClean="0">
-                  <a:solidFill>
-                    <a:srgbClr val="0070C0"/>
-                  </a:solidFill>
-                </a:rPr>
+                <a:rPr lang="ja-JP" altLang="en-US" sz="2400" dirty="0" smtClean="0"/>
                 <a:t>流出比</a:t>
               </a:r>
               <a:r>
-                <a:rPr lang="en-US" altLang="ja-JP" sz="2400" dirty="0" smtClean="0">
-                  <a:solidFill>
-                    <a:srgbClr val="0070C0"/>
-                  </a:solidFill>
-                </a:rPr>
+                <a:rPr lang="en-US" altLang="ja-JP" sz="2400" dirty="0" smtClean="0"/>
                 <a:t/>
               </a:r>
               <a:br>
-                <a:rPr lang="en-US" altLang="ja-JP" sz="2400" dirty="0" smtClean="0">
-                  <a:solidFill>
-                    <a:srgbClr val="0070C0"/>
-                  </a:solidFill>
-                </a:rPr>
+                <a:rPr lang="en-US" altLang="ja-JP" sz="2400" dirty="0" smtClean="0"/>
               </a:br>
               <a:r>
                 <a:rPr lang="ja-JP" altLang="en-US" sz="2400" dirty="0" smtClean="0"/>
@@ -27128,7 +28273,7 @@
     </p:spTree>
     <p:extLst>
       <p:ext uri="{BB962C8B-B14F-4D97-AF65-F5344CB8AC3E}">
-        <p14:creationId xmlns:p14="http://schemas.microsoft.com/office/powerpoint/2010/main" val="677954997"/>
+        <p14:creationId xmlns:p14="http://schemas.microsoft.com/office/powerpoint/2010/main" val="1931258309"/>
       </p:ext>
     </p:extLst>
   </p:cSld>
@@ -27239,7 +28384,7 @@
         </p:blipFill>
         <p:spPr bwMode="auto">
           <a:xfrm>
-            <a:off x="2936631" y="1622817"/>
+            <a:off x="3093195" y="2027434"/>
             <a:ext cx="5413017" cy="2639672"/>
           </a:xfrm>
           <a:prstGeom prst="rect">
@@ -27253,14 +28398,14 @@
       </p:pic>
       <p:sp>
         <p:nvSpPr>
-          <p:cNvPr id="9" name="テキスト ボックス 8"/>
+          <p:cNvPr id="6" name="テキスト ボックス 5"/>
           <p:cNvSpPr txBox="1"/>
           <p:nvPr/>
         </p:nvSpPr>
         <p:spPr>
           <a:xfrm>
-            <a:off x="258998" y="885825"/>
-            <a:ext cx="3453970" cy="523220"/>
+            <a:off x="2752326" y="1055102"/>
+            <a:ext cx="6269571" cy="1015663"/>
           </a:xfrm>
           <a:prstGeom prst="rect">
             <a:avLst/>
@@ -27274,16 +28419,81 @@
           <a:lstStyle/>
           <a:p>
             <a:r>
-              <a:rPr kumimoji="1" lang="ja-JP" altLang="en-US" sz="2800" dirty="0" smtClean="0"/>
-              <a:t>前研究</a:t>
-            </a:r>
-            <a:endParaRPr kumimoji="1" lang="ja-JP" altLang="en-US" sz="2800" dirty="0"/>
+              <a:rPr lang="ja-JP" altLang="en-US" sz="2000" dirty="0">
+                <a:solidFill>
+                  <a:srgbClr val="0070C0"/>
+                </a:solidFill>
+              </a:rPr>
+              <a:t>非サービス利用者の</a:t>
+            </a:r>
+            <a:r>
+              <a:rPr lang="ja-JP" altLang="en-US" sz="2000" dirty="0" smtClean="0">
+                <a:solidFill>
+                  <a:srgbClr val="0070C0"/>
+                </a:solidFill>
+              </a:rPr>
+              <a:t>センシング量を定義し，</a:t>
+            </a:r>
+            <a:endParaRPr lang="en-US" altLang="ja-JP" sz="2000" dirty="0" smtClean="0">
+              <a:solidFill>
+                <a:srgbClr val="0070C0"/>
+              </a:solidFill>
+            </a:endParaRPr>
+          </a:p>
+          <a:p>
+            <a:r>
+              <a:rPr kumimoji="1" lang="ja-JP" altLang="en-US" sz="2000" dirty="0" smtClean="0"/>
+              <a:t>簡易</a:t>
+            </a:r>
+            <a:r>
+              <a:rPr kumimoji="1" lang="ja-JP" altLang="en-US" sz="2000" dirty="0" smtClean="0"/>
+              <a:t>シミュレーション</a:t>
+            </a:r>
+            <a:r>
+              <a:rPr kumimoji="1" lang="ja-JP" altLang="en-US" sz="2000" dirty="0" smtClean="0"/>
+              <a:t>からサービスに無関係なプライバシデータを</a:t>
+            </a:r>
+            <a:r>
+              <a:rPr kumimoji="1" lang="ja-JP" altLang="en-US" sz="2000" dirty="0" smtClean="0"/>
+              <a:t>算出した．</a:t>
+            </a:r>
+            <a:endParaRPr kumimoji="1" lang="ja-JP" altLang="en-US" sz="2000" dirty="0"/>
           </a:p>
         </p:txBody>
       </p:sp>
       <p:sp>
         <p:nvSpPr>
-          <p:cNvPr id="11" name="テキスト ボックス 10"/>
+          <p:cNvPr id="9" name="テキスト ボックス 8"/>
+          <p:cNvSpPr txBox="1"/>
+          <p:nvPr/>
+        </p:nvSpPr>
+        <p:spPr>
+          <a:xfrm>
+            <a:off x="258998" y="885825"/>
+            <a:ext cx="1487506" cy="523220"/>
+          </a:xfrm>
+          <a:prstGeom prst="rect">
+            <a:avLst/>
+          </a:prstGeom>
+          <a:noFill/>
+        </p:spPr>
+        <p:txBody>
+          <a:bodyPr wrap="square" rtlCol="0">
+            <a:spAutoFit/>
+          </a:bodyPr>
+          <a:lstStyle/>
+          <a:p>
+            <a:r>
+              <a:rPr kumimoji="1" lang="ja-JP" altLang="en-US" sz="2800" dirty="0" smtClean="0"/>
+              <a:t>前研究</a:t>
+            </a:r>
+            <a:endParaRPr kumimoji="1" lang="ja-JP" altLang="en-US" sz="2800" dirty="0"/>
+          </a:p>
+        </p:txBody>
+      </p:sp>
+      <p:sp>
+        <p:nvSpPr>
+          <p:cNvPr id="7" name="テキスト ボックス 6"/>
           <p:cNvSpPr txBox="1"/>
           <p:nvPr/>
         </p:nvSpPr>
@@ -27313,19 +28523,11 @@
             </a:r>
             <a:r>
               <a:rPr kumimoji="1" lang="ja-JP" altLang="en-US" dirty="0" smtClean="0"/>
-              <a:t>流出比：サービス</a:t>
-            </a:r>
-            <a:r>
-              <a:rPr kumimoji="1" lang="ja-JP" altLang="en-US" dirty="0" smtClean="0"/>
-              <a:t>に無関係なプライバシデー</a:t>
+              <a:t>流出比：サービスに無関係なプライバシデー</a:t>
             </a:r>
             <a:r>
               <a:rPr lang="ja-JP" altLang="en-US" dirty="0" smtClean="0"/>
-              <a:t>タ</a:t>
-            </a:r>
-            <a:r>
-              <a:rPr lang="ja-JP" altLang="en-US" dirty="0" smtClean="0"/>
-              <a:t>の流通比</a:t>
+              <a:t>タの流通比</a:t>
             </a:r>
             <a:endParaRPr kumimoji="1" lang="ja-JP" altLang="en-US" dirty="0"/>
           </a:p>
@@ -27333,13 +28535,279 @@
       </p:sp>
       <p:grpSp>
         <p:nvGrpSpPr>
-          <p:cNvPr id="13" name="グループ化 12"/>
+          <p:cNvPr id="12" name="グループ化 11"/>
           <p:cNvGrpSpPr/>
           <p:nvPr/>
         </p:nvGrpSpPr>
         <p:grpSpPr>
           <a:xfrm>
-            <a:off x="175189" y="2587116"/>
+            <a:off x="148811" y="4904366"/>
+            <a:ext cx="8846379" cy="1767197"/>
+            <a:chOff x="448229" y="4740032"/>
+            <a:chExt cx="8846379" cy="1931531"/>
+          </a:xfrm>
+        </p:grpSpPr>
+        <p:sp>
+          <p:nvSpPr>
+            <p:cNvPr id="13" name="円/楕円 5"/>
+            <p:cNvSpPr/>
+            <p:nvPr/>
+          </p:nvSpPr>
+          <p:spPr>
+            <a:xfrm>
+              <a:off x="448229" y="4740032"/>
+              <a:ext cx="8846379" cy="1931531"/>
+            </a:xfrm>
+            <a:prstGeom prst="ellipse">
+              <a:avLst/>
+            </a:prstGeom>
+            <a:ln w="38100"/>
+          </p:spPr>
+          <p:style>
+            <a:lnRef idx="2">
+              <a:schemeClr val="accent6"/>
+            </a:lnRef>
+            <a:fillRef idx="1">
+              <a:schemeClr val="lt1"/>
+            </a:fillRef>
+            <a:effectRef idx="0">
+              <a:schemeClr val="accent6"/>
+            </a:effectRef>
+            <a:fontRef idx="minor">
+              <a:schemeClr val="dk1"/>
+            </a:fontRef>
+          </p:style>
+          <p:txBody>
+            <a:bodyPr rtlCol="0" anchor="ctr"/>
+            <a:lstStyle/>
+            <a:p>
+              <a:pPr algn="ctr"/>
+              <a:endParaRPr kumimoji="1" lang="ja-JP" altLang="en-US"/>
+            </a:p>
+          </p:txBody>
+        </p:sp>
+        <p:sp>
+          <p:nvSpPr>
+            <p:cNvPr id="14" name="テキスト ボックス 13"/>
+            <p:cNvSpPr txBox="1"/>
+            <p:nvPr/>
+          </p:nvSpPr>
+          <p:spPr>
+            <a:xfrm>
+              <a:off x="469733" y="5037240"/>
+              <a:ext cx="8740211" cy="1379228"/>
+            </a:xfrm>
+            <a:prstGeom prst="rect">
+              <a:avLst/>
+            </a:prstGeom>
+            <a:noFill/>
+          </p:spPr>
+          <p:txBody>
+            <a:bodyPr wrap="square" rtlCol="0">
+              <a:spAutoFit/>
+            </a:bodyPr>
+            <a:lstStyle/>
+            <a:p>
+              <a:pPr algn="ctr"/>
+              <a:r>
+                <a:rPr kumimoji="1" lang="ja-JP" altLang="en-US" sz="2400" dirty="0" smtClean="0">
+                  <a:solidFill>
+                    <a:srgbClr val="FF0000"/>
+                  </a:solidFill>
+                </a:rPr>
+                <a:t>実測値</a:t>
+              </a:r>
+              <a:r>
+                <a:rPr kumimoji="1" lang="en-US" altLang="ja-JP" sz="2400" dirty="0" smtClean="0"/>
+                <a:t>(</a:t>
+              </a:r>
+              <a:r>
+                <a:rPr kumimoji="1" lang="ja-JP" altLang="en-US" sz="2400" dirty="0" smtClean="0"/>
+                <a:t>オープンデータ</a:t>
+              </a:r>
+              <a:r>
+                <a:rPr kumimoji="1" lang="en-US" altLang="ja-JP" sz="2400" dirty="0" smtClean="0"/>
+                <a:t>)</a:t>
+              </a:r>
+              <a:r>
+                <a:rPr kumimoji="1" lang="ja-JP" altLang="en-US" sz="2400" dirty="0" smtClean="0"/>
+                <a:t>を用いて</a:t>
+              </a:r>
+              <a:r>
+                <a:rPr kumimoji="1" lang="ja-JP" altLang="en-US" sz="2400" dirty="0" smtClean="0"/>
+                <a:t>，</a:t>
+              </a:r>
+              <a:r>
+                <a:rPr kumimoji="1" lang="en-US" altLang="ja-JP" sz="2400" dirty="0" smtClean="0"/>
+                <a:t/>
+              </a:r>
+              <a:br>
+                <a:rPr kumimoji="1" lang="en-US" altLang="ja-JP" sz="2400" dirty="0" smtClean="0"/>
+              </a:br>
+              <a:r>
+                <a:rPr kumimoji="1" lang="ja-JP" altLang="en-US" sz="2800" dirty="0" smtClean="0">
+                  <a:solidFill>
+                    <a:srgbClr val="FF0000"/>
+                  </a:solidFill>
+                </a:rPr>
+                <a:t>より現実</a:t>
+              </a:r>
+              <a:r>
+                <a:rPr lang="ja-JP" altLang="en-US" sz="2800" dirty="0">
+                  <a:solidFill>
+                    <a:srgbClr val="FF0000"/>
+                  </a:solidFill>
+                </a:rPr>
+                <a:t>的</a:t>
+              </a:r>
+              <a:r>
+                <a:rPr lang="ja-JP" altLang="en-US" sz="2800" dirty="0" smtClean="0">
+                  <a:solidFill>
+                    <a:srgbClr val="FF0000"/>
+                  </a:solidFill>
+                </a:rPr>
+                <a:t>な</a:t>
+              </a:r>
+              <a:r>
+                <a:rPr lang="ja-JP" altLang="en-US" sz="2400" dirty="0" smtClean="0"/>
+                <a:t>サービス</a:t>
+              </a:r>
+              <a:r>
+                <a:rPr lang="ja-JP" altLang="en-US" sz="2400" dirty="0" smtClean="0"/>
+                <a:t>に無関係なプライバシデータ</a:t>
+              </a:r>
+              <a:r>
+                <a:rPr lang="ja-JP" altLang="en-US" sz="2400" dirty="0"/>
+                <a:t>の</a:t>
+              </a:r>
+              <a:r>
+                <a:rPr lang="ja-JP" altLang="en-US" sz="2400" dirty="0" smtClean="0"/>
+                <a:t>流出比</a:t>
+              </a:r>
+              <a:r>
+                <a:rPr lang="en-US" altLang="ja-JP" sz="2400" dirty="0" smtClean="0">
+                  <a:solidFill>
+                    <a:srgbClr val="FF0000"/>
+                  </a:solidFill>
+                </a:rPr>
+                <a:t/>
+              </a:r>
+              <a:br>
+                <a:rPr lang="en-US" altLang="ja-JP" sz="2400" dirty="0" smtClean="0">
+                  <a:solidFill>
+                    <a:srgbClr val="FF0000"/>
+                  </a:solidFill>
+                </a:rPr>
+              </a:br>
+              <a:r>
+                <a:rPr kumimoji="1" lang="ja-JP" altLang="en-US" sz="2400" dirty="0" smtClean="0"/>
+                <a:t>に</a:t>
+              </a:r>
+              <a:r>
+                <a:rPr kumimoji="1" lang="ja-JP" altLang="en-US" sz="2400" dirty="0" smtClean="0"/>
+                <a:t>ついて分析</a:t>
+              </a:r>
+              <a:endParaRPr kumimoji="1" lang="ja-JP" altLang="en-US" sz="2400" dirty="0"/>
+            </a:p>
+          </p:txBody>
+        </p:sp>
+      </p:grpSp>
+      <p:sp>
+        <p:nvSpPr>
+          <p:cNvPr id="15" name="下矢印 14"/>
+          <p:cNvSpPr/>
+          <p:nvPr/>
+        </p:nvSpPr>
+        <p:spPr>
+          <a:xfrm>
+            <a:off x="3979524" y="3917863"/>
+            <a:ext cx="1184952" cy="1114875"/>
+          </a:xfrm>
+          <a:prstGeom prst="downArrow">
+            <a:avLst/>
+          </a:prstGeom>
+        </p:spPr>
+        <p:style>
+          <a:lnRef idx="2">
+            <a:schemeClr val="accent2">
+              <a:shade val="50000"/>
+            </a:schemeClr>
+          </a:lnRef>
+          <a:fillRef idx="1">
+            <a:schemeClr val="accent2"/>
+          </a:fillRef>
+          <a:effectRef idx="0">
+            <a:schemeClr val="accent2"/>
+          </a:effectRef>
+          <a:fontRef idx="minor">
+            <a:schemeClr val="lt1"/>
+          </a:fontRef>
+        </p:style>
+        <p:txBody>
+          <a:bodyPr rtlCol="0" anchor="ctr"/>
+          <a:lstStyle/>
+          <a:p>
+            <a:pPr algn="ctr"/>
+            <a:endParaRPr kumimoji="1" lang="ja-JP" altLang="en-US"/>
+          </a:p>
+        </p:txBody>
+      </p:sp>
+      <p:sp>
+        <p:nvSpPr>
+          <p:cNvPr id="16" name="テキスト ボックス 15"/>
+          <p:cNvSpPr txBox="1"/>
+          <p:nvPr/>
+        </p:nvSpPr>
+        <p:spPr>
+          <a:xfrm>
+            <a:off x="636792" y="4843163"/>
+            <a:ext cx="1818541" cy="400110"/>
+          </a:xfrm>
+          <a:prstGeom prst="rect">
+            <a:avLst/>
+          </a:prstGeom>
+          <a:solidFill>
+            <a:schemeClr val="bg1"/>
+          </a:solidFill>
+          <a:ln w="38100"/>
+        </p:spPr>
+        <p:style>
+          <a:lnRef idx="2">
+            <a:schemeClr val="accent2"/>
+          </a:lnRef>
+          <a:fillRef idx="1">
+            <a:schemeClr val="lt1"/>
+          </a:fillRef>
+          <a:effectRef idx="0">
+            <a:schemeClr val="accent2"/>
+          </a:effectRef>
+          <a:fontRef idx="minor">
+            <a:schemeClr val="dk1"/>
+          </a:fontRef>
+        </p:style>
+        <p:txBody>
+          <a:bodyPr wrap="square" rtlCol="0">
+            <a:spAutoFit/>
+          </a:bodyPr>
+          <a:lstStyle/>
+          <a:p>
+            <a:r>
+              <a:rPr kumimoji="1" lang="ja-JP" altLang="en-US" sz="2000" dirty="0" smtClean="0"/>
+              <a:t>本研究の目的</a:t>
+            </a:r>
+            <a:endParaRPr kumimoji="1" lang="ja-JP" altLang="en-US" sz="2000" dirty="0"/>
+          </a:p>
+        </p:txBody>
+      </p:sp>
+      <p:grpSp>
+        <p:nvGrpSpPr>
+          <p:cNvPr id="17" name="グループ化 16"/>
+          <p:cNvGrpSpPr/>
+          <p:nvPr/>
+        </p:nvGrpSpPr>
+        <p:grpSpPr>
+          <a:xfrm>
+            <a:off x="87595" y="2587116"/>
             <a:ext cx="8968811" cy="1416581"/>
             <a:chOff x="294006" y="2397456"/>
             <a:chExt cx="7748524" cy="1865030"/>
@@ -27347,7 +28815,7 @@
         </p:grpSpPr>
         <p:sp>
           <p:nvSpPr>
-            <p:cNvPr id="6" name="円/楕円 5"/>
+            <p:cNvPr id="18" name="円/楕円 5"/>
             <p:cNvSpPr/>
             <p:nvPr/>
           </p:nvSpPr>
@@ -27386,14 +28854,14 @@
         </p:sp>
         <p:sp>
           <p:nvSpPr>
-            <p:cNvPr id="7" name="テキスト ボックス 6"/>
+            <p:cNvPr id="19" name="テキスト ボックス 18"/>
             <p:cNvSpPr txBox="1"/>
             <p:nvPr/>
           </p:nvSpPr>
           <p:spPr>
             <a:xfrm>
-              <a:off x="766366" y="2569162"/>
-              <a:ext cx="6803803" cy="1580319"/>
+              <a:off x="693216" y="2569162"/>
+              <a:ext cx="7100611" cy="1661360"/>
             </a:xfrm>
             <a:prstGeom prst="rect">
               <a:avLst/>
@@ -27419,7 +28887,7 @@
                 <a:rPr lang="en-US" altLang="ja-JP" sz="2400" dirty="0" smtClean="0"/>
               </a:br>
               <a:r>
-                <a:rPr lang="ja-JP" altLang="en-US" sz="2400" dirty="0" smtClean="0">
+                <a:rPr lang="ja-JP" altLang="en-US" sz="2800" dirty="0" smtClean="0">
                   <a:solidFill>
                     <a:srgbClr val="0070C0"/>
                   </a:solidFill>
@@ -27427,51 +28895,35 @@
                 <a:t>現実的</a:t>
               </a:r>
               <a:r>
-                <a:rPr lang="ja-JP" altLang="en-US" sz="2400" dirty="0">
+                <a:rPr lang="ja-JP" altLang="en-US" sz="2800" dirty="0">
                   <a:solidFill>
                     <a:srgbClr val="0070C0"/>
                   </a:solidFill>
                 </a:rPr>
-                <a:t>なサービス</a:t>
+                <a:t>な</a:t>
               </a:r>
               <a:r>
-                <a:rPr lang="ja-JP" altLang="en-US" sz="2400" dirty="0" smtClean="0">
-                  <a:solidFill>
-                    <a:srgbClr val="0070C0"/>
-                  </a:solidFill>
-                </a:rPr>
+                <a:rPr lang="ja-JP" altLang="en-US" sz="2400" dirty="0"/>
+                <a:t>サービス</a:t>
+              </a:r>
+              <a:r>
+                <a:rPr lang="ja-JP" altLang="en-US" sz="2400" dirty="0" smtClean="0"/>
                 <a:t>に無関係な</a:t>
               </a:r>
               <a:r>
-                <a:rPr lang="ja-JP" altLang="en-US" sz="2400" dirty="0">
-                  <a:solidFill>
-                    <a:srgbClr val="0070C0"/>
-                  </a:solidFill>
-                </a:rPr>
+                <a:rPr lang="ja-JP" altLang="en-US" sz="2400" dirty="0"/>
                 <a:t>プライバシデータの</a:t>
               </a:r>
               <a:r>
-                <a:rPr lang="ja-JP" altLang="en-US" sz="2400" dirty="0" smtClean="0">
-                  <a:solidFill>
-                    <a:srgbClr val="0070C0"/>
-                  </a:solidFill>
-                </a:rPr>
+                <a:rPr lang="ja-JP" altLang="en-US" sz="2400" dirty="0" smtClean="0"/>
                 <a:t>流出比</a:t>
               </a:r>
               <a:r>
-                <a:rPr lang="en-US" altLang="ja-JP" sz="2400" dirty="0" smtClean="0">
-                  <a:solidFill>
-                    <a:srgbClr val="0070C0"/>
-                  </a:solidFill>
-                </a:rPr>
+                <a:rPr lang="en-US" altLang="ja-JP" sz="2400" dirty="0" smtClean="0"/>
                 <a:t/>
               </a:r>
               <a:br>
-                <a:rPr lang="en-US" altLang="ja-JP" sz="2400" dirty="0" smtClean="0">
-                  <a:solidFill>
-                    <a:srgbClr val="0070C0"/>
-                  </a:solidFill>
-                </a:rPr>
+                <a:rPr lang="en-US" altLang="ja-JP" sz="2400" dirty="0" smtClean="0"/>
               </a:br>
               <a:r>
                 <a:rPr lang="ja-JP" altLang="en-US" sz="2400" dirty="0" smtClean="0"/>
@@ -27482,317 +28934,10 @@
           </p:txBody>
         </p:sp>
       </p:grpSp>
-      <p:sp>
-        <p:nvSpPr>
-          <p:cNvPr id="12" name="テキスト ボックス 11"/>
-          <p:cNvSpPr txBox="1"/>
-          <p:nvPr/>
-        </p:nvSpPr>
-        <p:spPr>
-          <a:xfrm>
-            <a:off x="2752326" y="1055102"/>
-            <a:ext cx="6269571" cy="707886"/>
-          </a:xfrm>
-          <a:prstGeom prst="rect">
-            <a:avLst/>
-          </a:prstGeom>
-          <a:noFill/>
-        </p:spPr>
-        <p:txBody>
-          <a:bodyPr wrap="square" rtlCol="0">
-            <a:spAutoFit/>
-          </a:bodyPr>
-          <a:lstStyle/>
-          <a:p>
-            <a:r>
-              <a:rPr kumimoji="1" lang="ja-JP" altLang="en-US" sz="2000" dirty="0" smtClean="0"/>
-              <a:t>簡易シミュレーション</a:t>
-            </a:r>
-            <a:r>
-              <a:rPr kumimoji="1" lang="ja-JP" altLang="en-US" sz="2000" dirty="0" smtClean="0"/>
-              <a:t>から</a:t>
-            </a:r>
-            <a:r>
-              <a:rPr kumimoji="1" lang="en-US" altLang="ja-JP" sz="2000" dirty="0" smtClean="0"/>
-              <a:t/>
-            </a:r>
-            <a:br>
-              <a:rPr kumimoji="1" lang="en-US" altLang="ja-JP" sz="2000" dirty="0" smtClean="0"/>
-            </a:br>
-            <a:r>
-              <a:rPr kumimoji="1" lang="ja-JP" altLang="en-US" sz="2000" dirty="0" smtClean="0"/>
-              <a:t>サービスに無関係なプライバシデータを算出した．</a:t>
-            </a:r>
-            <a:endParaRPr kumimoji="1" lang="ja-JP" altLang="en-US" sz="2000" dirty="0"/>
-          </a:p>
-        </p:txBody>
-      </p:sp>
-      <p:grpSp>
-        <p:nvGrpSpPr>
-          <p:cNvPr id="14" name="グループ化 13"/>
-          <p:cNvGrpSpPr/>
-          <p:nvPr/>
-        </p:nvGrpSpPr>
-        <p:grpSpPr>
-          <a:xfrm>
-            <a:off x="297621" y="4904366"/>
-            <a:ext cx="8548758" cy="1767197"/>
-            <a:chOff x="448230" y="4740032"/>
-            <a:chExt cx="8548758" cy="1931531"/>
-          </a:xfrm>
-        </p:grpSpPr>
-        <p:sp>
-          <p:nvSpPr>
-            <p:cNvPr id="15" name="円/楕円 5"/>
-            <p:cNvSpPr/>
-            <p:nvPr/>
-          </p:nvSpPr>
-          <p:spPr>
-            <a:xfrm>
-              <a:off x="448230" y="4740032"/>
-              <a:ext cx="8548758" cy="1931531"/>
-            </a:xfrm>
-            <a:prstGeom prst="ellipse">
-              <a:avLst/>
-            </a:prstGeom>
-            <a:ln w="38100"/>
-          </p:spPr>
-          <p:style>
-            <a:lnRef idx="2">
-              <a:schemeClr val="accent6"/>
-            </a:lnRef>
-            <a:fillRef idx="1">
-              <a:schemeClr val="lt1"/>
-            </a:fillRef>
-            <a:effectRef idx="0">
-              <a:schemeClr val="accent6"/>
-            </a:effectRef>
-            <a:fontRef idx="minor">
-              <a:schemeClr val="dk1"/>
-            </a:fontRef>
-          </p:style>
-          <p:txBody>
-            <a:bodyPr rtlCol="0" anchor="ctr"/>
-            <a:lstStyle/>
-            <a:p>
-              <a:pPr algn="ctr"/>
-              <a:endParaRPr kumimoji="1" lang="ja-JP" altLang="en-US"/>
-            </a:p>
-          </p:txBody>
-        </p:sp>
-        <p:sp>
-          <p:nvSpPr>
-            <p:cNvPr id="16" name="テキスト ボックス 15"/>
-            <p:cNvSpPr txBox="1"/>
-            <p:nvPr/>
-          </p:nvSpPr>
-          <p:spPr>
-            <a:xfrm>
-              <a:off x="787401" y="5207410"/>
-              <a:ext cx="8115993" cy="1311949"/>
-            </a:xfrm>
-            <a:prstGeom prst="rect">
-              <a:avLst/>
-            </a:prstGeom>
-            <a:noFill/>
-          </p:spPr>
-          <p:txBody>
-            <a:bodyPr wrap="square" rtlCol="0">
-              <a:spAutoFit/>
-            </a:bodyPr>
-            <a:lstStyle/>
-            <a:p>
-              <a:r>
-                <a:rPr kumimoji="1" lang="ja-JP" altLang="en-US" sz="2400" dirty="0" smtClean="0">
-                  <a:solidFill>
-                    <a:srgbClr val="FF0000"/>
-                  </a:solidFill>
-                </a:rPr>
-                <a:t>実測値</a:t>
-              </a:r>
-              <a:r>
-                <a:rPr kumimoji="1" lang="en-US" altLang="ja-JP" sz="2400" dirty="0" smtClean="0"/>
-                <a:t>(</a:t>
-              </a:r>
-              <a:r>
-                <a:rPr kumimoji="1" lang="ja-JP" altLang="en-US" sz="2400" dirty="0" smtClean="0"/>
-                <a:t>オープンデータ</a:t>
-              </a:r>
-              <a:r>
-                <a:rPr kumimoji="1" lang="en-US" altLang="ja-JP" sz="2400" dirty="0" smtClean="0"/>
-                <a:t>)</a:t>
-              </a:r>
-              <a:r>
-                <a:rPr kumimoji="1" lang="ja-JP" altLang="en-US" sz="2400" dirty="0" smtClean="0"/>
-                <a:t>を用いて</a:t>
-              </a:r>
-              <a:r>
-                <a:rPr kumimoji="1" lang="ja-JP" altLang="en-US" sz="2400" dirty="0" smtClean="0"/>
-                <a:t>，</a:t>
-              </a:r>
-              <a:r>
-                <a:rPr kumimoji="1" lang="ja-JP" altLang="en-US" sz="2400" dirty="0" smtClean="0">
-                  <a:solidFill>
-                    <a:srgbClr val="FF0000"/>
-                  </a:solidFill>
-                </a:rPr>
-                <a:t>より</a:t>
-              </a:r>
-              <a:r>
-                <a:rPr kumimoji="1" lang="ja-JP" altLang="en-US" sz="2400" dirty="0" smtClean="0">
-                  <a:solidFill>
-                    <a:srgbClr val="FF0000"/>
-                  </a:solidFill>
-                </a:rPr>
-                <a:t>現実に</a:t>
-              </a:r>
-              <a:r>
-                <a:rPr kumimoji="1" lang="ja-JP" altLang="en-US" sz="2400" dirty="0" smtClean="0">
-                  <a:solidFill>
-                    <a:srgbClr val="FF0000"/>
-                  </a:solidFill>
-                </a:rPr>
-                <a:t>即した</a:t>
-              </a:r>
-              <a:r>
-                <a:rPr kumimoji="1" lang="en-US" altLang="ja-JP" sz="2400" dirty="0" smtClean="0">
-                  <a:solidFill>
-                    <a:srgbClr val="FF0000"/>
-                  </a:solidFill>
-                </a:rPr>
-                <a:t/>
-              </a:r>
-              <a:br>
-                <a:rPr kumimoji="1" lang="en-US" altLang="ja-JP" sz="2400" dirty="0" smtClean="0">
-                  <a:solidFill>
-                    <a:srgbClr val="FF0000"/>
-                  </a:solidFill>
-                </a:rPr>
-              </a:br>
-              <a:r>
-                <a:rPr lang="ja-JP" altLang="en-US" sz="2400" dirty="0" smtClean="0"/>
-                <a:t>サービスに無関係なプライバシデータ</a:t>
-              </a:r>
-              <a:r>
-                <a:rPr lang="ja-JP" altLang="en-US" sz="2400" dirty="0"/>
-                <a:t>の</a:t>
-              </a:r>
-              <a:r>
-                <a:rPr lang="ja-JP" altLang="en-US" sz="2400" dirty="0" smtClean="0"/>
-                <a:t>流出比</a:t>
-              </a:r>
-              <a:r>
-                <a:rPr kumimoji="1" lang="ja-JP" altLang="en-US" sz="2400" dirty="0" smtClean="0"/>
-                <a:t>について</a:t>
-              </a:r>
-              <a:r>
-                <a:rPr kumimoji="1" lang="ja-JP" altLang="en-US" sz="2400" dirty="0" smtClean="0">
-                  <a:solidFill>
-                    <a:srgbClr val="FF0000"/>
-                  </a:solidFill>
-                </a:rPr>
-                <a:t>分析</a:t>
-              </a:r>
-              <a:endParaRPr kumimoji="1" lang="ja-JP" altLang="en-US" sz="2400" dirty="0">
-                <a:solidFill>
-                  <a:srgbClr val="FF0000"/>
-                </a:solidFill>
-              </a:endParaRPr>
-            </a:p>
-          </p:txBody>
-        </p:sp>
-      </p:grpSp>
-      <p:sp>
-        <p:nvSpPr>
-          <p:cNvPr id="17" name="下矢印 16"/>
-          <p:cNvSpPr/>
-          <p:nvPr/>
-        </p:nvSpPr>
-        <p:spPr>
-          <a:xfrm>
-            <a:off x="3979524" y="3917863"/>
-            <a:ext cx="1184952" cy="1114875"/>
-          </a:xfrm>
-          <a:prstGeom prst="downArrow">
-            <a:avLst/>
-          </a:prstGeom>
-        </p:spPr>
-        <p:style>
-          <a:lnRef idx="2">
-            <a:schemeClr val="accent2">
-              <a:shade val="50000"/>
-            </a:schemeClr>
-          </a:lnRef>
-          <a:fillRef idx="1">
-            <a:schemeClr val="accent2"/>
-          </a:fillRef>
-          <a:effectRef idx="0">
-            <a:schemeClr val="accent2"/>
-          </a:effectRef>
-          <a:fontRef idx="minor">
-            <a:schemeClr val="lt1"/>
-          </a:fontRef>
-        </p:style>
-        <p:txBody>
-          <a:bodyPr rtlCol="0" anchor="ctr"/>
-          <a:lstStyle/>
-          <a:p>
-            <a:pPr algn="ctr"/>
-            <a:endParaRPr kumimoji="1" lang="ja-JP" altLang="en-US"/>
-          </a:p>
-        </p:txBody>
-      </p:sp>
-      <p:sp>
-        <p:nvSpPr>
-          <p:cNvPr id="18" name="テキスト ボックス 17"/>
-          <p:cNvSpPr txBox="1"/>
-          <p:nvPr/>
-        </p:nvSpPr>
-        <p:spPr>
-          <a:xfrm>
-            <a:off x="636792" y="4843163"/>
-            <a:ext cx="1818541" cy="400110"/>
-          </a:xfrm>
-          <a:prstGeom prst="rect">
-            <a:avLst/>
-          </a:prstGeom>
-          <a:solidFill>
-            <a:schemeClr val="bg1"/>
-          </a:solidFill>
-          <a:ln w="38100"/>
-        </p:spPr>
-        <p:style>
-          <a:lnRef idx="2">
-            <a:schemeClr val="accent2"/>
-          </a:lnRef>
-          <a:fillRef idx="1">
-            <a:schemeClr val="lt1"/>
-          </a:fillRef>
-          <a:effectRef idx="0">
-            <a:schemeClr val="accent2"/>
-          </a:effectRef>
-          <a:fontRef idx="minor">
-            <a:schemeClr val="dk1"/>
-          </a:fontRef>
-        </p:style>
-        <p:txBody>
-          <a:bodyPr wrap="square" rtlCol="0">
-            <a:spAutoFit/>
-          </a:bodyPr>
-          <a:lstStyle/>
-          <a:p>
-            <a:r>
-              <a:rPr kumimoji="1" lang="ja-JP" altLang="en-US" sz="2000" dirty="0" smtClean="0"/>
-              <a:t>本研究の目的</a:t>
-            </a:r>
-            <a:endParaRPr kumimoji="1" lang="ja-JP" altLang="en-US" sz="2000" dirty="0"/>
-          </a:p>
-        </p:txBody>
-      </p:sp>
     </p:spTree>
     <p:extLst>
       <p:ext uri="{BB962C8B-B14F-4D97-AF65-F5344CB8AC3E}">
-        <p14:creationId xmlns:p14="http://schemas.microsoft.com/office/powerpoint/2010/main" val="993407015"/>
+        <p14:creationId xmlns:p14="http://schemas.microsoft.com/office/powerpoint/2010/main" val="3703897605"/>
       </p:ext>
     </p:extLst>
   </p:cSld>
@@ -27875,8 +29020,8 @@
         </p:nvSpPr>
         <p:spPr>
           <a:xfrm>
-            <a:off x="933557" y="2069272"/>
-            <a:ext cx="6402910" cy="1015663"/>
+            <a:off x="831956" y="1915076"/>
+            <a:ext cx="8007243" cy="1261884"/>
           </a:xfrm>
           <a:prstGeom prst="rect">
             <a:avLst/>
@@ -27890,50 +29035,38 @@
           <a:lstStyle/>
           <a:p>
             <a:r>
-              <a:rPr kumimoji="1" lang="ja-JP" altLang="en-US" sz="2000" dirty="0" smtClean="0"/>
+              <a:rPr kumimoji="1" lang="ja-JP" altLang="en-US" sz="2400" dirty="0" smtClean="0"/>
               <a:t>オープンデータは</a:t>
             </a:r>
             <a:r>
-              <a:rPr kumimoji="1" lang="ja-JP" altLang="en-US" sz="2000" dirty="0" smtClean="0">
+              <a:rPr kumimoji="1" lang="ja-JP" altLang="en-US" sz="2800" dirty="0" smtClean="0">
                 <a:solidFill>
                   <a:srgbClr val="FF0000"/>
                 </a:solidFill>
               </a:rPr>
-              <a:t>人流</a:t>
-            </a:r>
-            <a:r>
-              <a:rPr kumimoji="1" lang="ja-JP" altLang="en-US" sz="2000" dirty="0" smtClean="0">
-                <a:solidFill>
-                  <a:srgbClr val="FF0000"/>
-                </a:solidFill>
-              </a:rPr>
-              <a:t>センサ</a:t>
-            </a:r>
-            <a:r>
-              <a:rPr kumimoji="1" lang="ja-JP" altLang="en-US" sz="2000" dirty="0" smtClean="0"/>
-              <a:t>を用いており</a:t>
-            </a:r>
-            <a:r>
-              <a:rPr kumimoji="1" lang="ja-JP" altLang="en-US" sz="2000" dirty="0" smtClean="0"/>
-              <a:t>，</a:t>
-            </a:r>
-            <a:r>
-              <a:rPr kumimoji="1" lang="en-US" altLang="ja-JP" sz="2000" dirty="0" smtClean="0"/>
+              <a:t>人流センサ</a:t>
+            </a:r>
+            <a:r>
+              <a:rPr kumimoji="1" lang="ja-JP" altLang="en-US" sz="2400" dirty="0" smtClean="0"/>
+              <a:t>を用いており，</a:t>
+            </a:r>
+            <a:r>
+              <a:rPr kumimoji="1" lang="en-US" altLang="ja-JP" sz="2400" dirty="0" smtClean="0"/>
               <a:t/>
             </a:r>
             <a:br>
-              <a:rPr kumimoji="1" lang="en-US" altLang="ja-JP" sz="2000" dirty="0" smtClean="0"/>
+              <a:rPr kumimoji="1" lang="en-US" altLang="ja-JP" sz="2400" dirty="0" smtClean="0"/>
             </a:br>
             <a:r>
-              <a:rPr lang="en-US" altLang="ja-JP" sz="2000" dirty="0" smtClean="0"/>
+              <a:rPr lang="en-US" altLang="ja-JP" sz="2400" dirty="0" smtClean="0"/>
               <a:t>19</a:t>
             </a:r>
             <a:r>
-              <a:rPr lang="ja-JP" altLang="en-US" sz="2000" dirty="0" smtClean="0"/>
+              <a:rPr lang="ja-JP" altLang="en-US" sz="2400" dirty="0" smtClean="0"/>
               <a:t>個のセンサ毎に</a:t>
             </a:r>
             <a:r>
-              <a:rPr lang="en-US" altLang="ja-JP" sz="2000" dirty="0" smtClean="0">
+              <a:rPr lang="en-US" altLang="ja-JP" sz="2400" dirty="0" smtClean="0">
                 <a:solidFill>
                   <a:srgbClr val="0070C0"/>
                 </a:solidFill>
@@ -27941,7 +29074,7 @@
               <a:t>in</a:t>
             </a:r>
             <a:r>
-              <a:rPr lang="ja-JP" altLang="en-US" sz="2000" dirty="0" smtClean="0">
+              <a:rPr lang="ja-JP" altLang="en-US" sz="2400" dirty="0" smtClean="0">
                 <a:solidFill>
                   <a:srgbClr val="0070C0"/>
                 </a:solidFill>
@@ -27949,11 +29082,11 @@
               <a:t>データ</a:t>
             </a:r>
             <a:r>
-              <a:rPr lang="ja-JP" altLang="en-US" sz="2000" dirty="0" smtClean="0"/>
+              <a:rPr lang="ja-JP" altLang="en-US" sz="2400" dirty="0" smtClean="0"/>
               <a:t>と</a:t>
             </a:r>
             <a:r>
-              <a:rPr lang="en-US" altLang="ja-JP" sz="2000" dirty="0" smtClean="0">
+              <a:rPr lang="en-US" altLang="ja-JP" sz="2400" dirty="0" smtClean="0">
                 <a:solidFill>
                   <a:srgbClr val="FF0000"/>
                 </a:solidFill>
@@ -27961,7 +29094,7 @@
               <a:t>out</a:t>
             </a:r>
             <a:r>
-              <a:rPr lang="ja-JP" altLang="en-US" sz="2000" dirty="0" smtClean="0">
+              <a:rPr lang="ja-JP" altLang="en-US" sz="2400" dirty="0" smtClean="0">
                 <a:solidFill>
                   <a:srgbClr val="FF0000"/>
                 </a:solidFill>
@@ -27969,29 +29102,29 @@
               <a:t>データ</a:t>
             </a:r>
             <a:r>
-              <a:rPr lang="ja-JP" altLang="en-US" sz="2000" dirty="0" smtClean="0"/>
+              <a:rPr lang="ja-JP" altLang="en-US" sz="2400" dirty="0" smtClean="0"/>
               <a:t>が示されている．</a:t>
             </a:r>
             <a:r>
-              <a:rPr lang="en-US" altLang="ja-JP" sz="2000" dirty="0" smtClean="0"/>
+              <a:rPr lang="en-US" altLang="ja-JP" sz="2400" dirty="0" smtClean="0"/>
               <a:t/>
             </a:r>
             <a:br>
-              <a:rPr lang="en-US" altLang="ja-JP" sz="2000" dirty="0" smtClean="0"/>
+              <a:rPr lang="en-US" altLang="ja-JP" sz="2400" dirty="0" smtClean="0"/>
             </a:br>
             <a:r>
-              <a:rPr lang="ja-JP" altLang="en-US" sz="2000" dirty="0" smtClean="0"/>
+              <a:rPr lang="ja-JP" altLang="en-US" sz="2400" dirty="0" smtClean="0"/>
               <a:t>センサデータは</a:t>
             </a:r>
             <a:r>
-              <a:rPr lang="en-US" altLang="ja-JP" sz="2000" dirty="0" smtClean="0"/>
+              <a:rPr lang="en-US" altLang="ja-JP" sz="2400" dirty="0" smtClean="0"/>
               <a:t>1</a:t>
             </a:r>
             <a:r>
-              <a:rPr lang="ja-JP" altLang="en-US" sz="2000" dirty="0" smtClean="0"/>
+              <a:rPr lang="ja-JP" altLang="en-US" sz="2400" dirty="0" smtClean="0"/>
               <a:t>分毎の更新．</a:t>
             </a:r>
-            <a:endParaRPr kumimoji="1" lang="ja-JP" altLang="en-US" sz="2000" dirty="0"/>
+            <a:endParaRPr kumimoji="1" lang="ja-JP" altLang="en-US" sz="2400" dirty="0"/>
           </a:p>
         </p:txBody>
       </p:sp>
@@ -28067,11 +29200,7 @@
             <a:p>
               <a:r>
                 <a:rPr lang="ja-JP" altLang="en-US" sz="2000" dirty="0" smtClean="0"/>
-                <a:t>を</a:t>
-              </a:r>
-              <a:r>
-                <a:rPr lang="ja-JP" altLang="en-US" sz="2000" dirty="0" smtClean="0"/>
-                <a:t>使用</a:t>
+                <a:t>を使用</a:t>
               </a:r>
               <a:endParaRPr kumimoji="1" lang="ja-JP" altLang="en-US" sz="2000" dirty="0"/>
             </a:p>
@@ -28129,7 +29258,7 @@
         </p:blipFill>
         <p:spPr bwMode="auto">
           <a:xfrm>
-            <a:off x="2150342" y="4738065"/>
+            <a:off x="2209611" y="4788867"/>
             <a:ext cx="5604869" cy="1819265"/>
           </a:xfrm>
           <a:prstGeom prst="rect">
@@ -28162,7 +29291,7 @@
         </p:blipFill>
         <p:spPr bwMode="auto">
           <a:xfrm>
-            <a:off x="3927281" y="3244168"/>
+            <a:off x="3986550" y="3294970"/>
             <a:ext cx="2678619" cy="1493897"/>
           </a:xfrm>
           <a:prstGeom prst="rect">
@@ -28182,7 +29311,7 @@
         </p:nvSpPr>
         <p:spPr>
           <a:xfrm>
-            <a:off x="450356" y="4807852"/>
+            <a:off x="509625" y="4858654"/>
             <a:ext cx="1701798" cy="369332"/>
           </a:xfrm>
           <a:prstGeom prst="rect">
@@ -28230,7 +29359,7 @@
         </p:nvSpPr>
         <p:spPr>
           <a:xfrm>
-            <a:off x="597480" y="3244168"/>
+            <a:off x="656749" y="3294970"/>
             <a:ext cx="2929465" cy="646331"/>
           </a:xfrm>
           <a:prstGeom prst="rect">
